--- a/kubernetes/12_helm.pptx
+++ b/kubernetes/12_helm.pptx
@@ -5,19 +5,22 @@
     <p:sldMasterId id="2147483733" r:id="rId1"/>
   </p:sldMasterIdLst>
   <p:notesMasterIdLst>
-    <p:notesMasterId r:id="rId9"/>
+    <p:notesMasterId r:id="rId12"/>
   </p:notesMasterIdLst>
   <p:handoutMasterIdLst>
-    <p:handoutMasterId r:id="rId10"/>
+    <p:handoutMasterId r:id="rId13"/>
   </p:handoutMasterIdLst>
   <p:sldIdLst>
     <p:sldId id="433" r:id="rId2"/>
     <p:sldId id="442" r:id="rId3"/>
     <p:sldId id="445" r:id="rId4"/>
-    <p:sldId id="446" r:id="rId5"/>
-    <p:sldId id="447" r:id="rId6"/>
-    <p:sldId id="444" r:id="rId7"/>
-    <p:sldId id="265" r:id="rId8"/>
+    <p:sldId id="447" r:id="rId5"/>
+    <p:sldId id="444" r:id="rId6"/>
+    <p:sldId id="446" r:id="rId7"/>
+    <p:sldId id="449" r:id="rId8"/>
+    <p:sldId id="448" r:id="rId9"/>
+    <p:sldId id="450" r:id="rId10"/>
+    <p:sldId id="265" r:id="rId11"/>
   </p:sldIdLst>
   <p:sldSz cx="12195175" cy="6858000"/>
   <p:notesSz cx="6858000" cy="9144000"/>
@@ -882,11 +885,7 @@
           <a:p>
             <a:r>
               <a:rPr lang="en-US" dirty="0"/>
-              <a:t>Helm charts can be stored locally or in </a:t>
-            </a:r>
-            <a:r>
-              <a:rPr lang="en-US"/>
-              <a:t>a repository.</a:t>
+              <a:t>Helm charts can be stored locally or in a repository.</a:t>
             </a:r>
           </a:p>
         </p:txBody>
@@ -909,7 +908,7 @@
             <a:fld id="{7D8C2C35-2B8A-446E-BEC0-FD36716C29AC}" type="slidenum">
               <a:rPr lang="de-DE" smtClean="0"/>
               <a:pPr/>
-              <a:t>5</a:t>
+              <a:t>4</a:t>
             </a:fld>
             <a:endParaRPr lang="de-DE" dirty="0"/>
           </a:p>
@@ -947,6 +946,152 @@
       </p:grpSpPr>
       <p:sp>
         <p:nvSpPr>
+          <p:cNvPr id="2" name="Slide Image Placeholder 1"/>
+          <p:cNvSpPr>
+            <a:spLocks noGrp="1" noRot="1" noChangeAspect="1"/>
+          </p:cNvSpPr>
+          <p:nvPr>
+            <p:ph type="sldImg"/>
+          </p:nvPr>
+        </p:nvSpPr>
+        <p:spPr/>
+      </p:sp>
+      <p:sp>
+        <p:nvSpPr>
+          <p:cNvPr id="3" name="Notes Placeholder 2"/>
+          <p:cNvSpPr>
+            <a:spLocks noGrp="1"/>
+          </p:cNvSpPr>
+          <p:nvPr>
+            <p:ph type="body" idx="1"/>
+          </p:nvPr>
+        </p:nvSpPr>
+        <p:spPr/>
+        <p:txBody>
+          <a:bodyPr>
+            <a:normAutofit lnSpcReduction="10000"/>
+          </a:bodyPr>
+          <a:lstStyle/>
+          <a:p>
+            <a:pPr marL="0" marR="0" lvl="0" indent="0" algn="l" defTabSz="1088776" rtl="0" eaLnBrk="1" fontAlgn="auto" latinLnBrk="0" hangingPunct="1">
+              <a:lnSpc>
+                <a:spcPct val="100000"/>
+              </a:lnSpc>
+              <a:spcBef>
+                <a:spcPts val="0"/>
+              </a:spcBef>
+              <a:spcAft>
+                <a:spcPts val="0"/>
+              </a:spcAft>
+              <a:buClrTx/>
+              <a:buSzTx/>
+              <a:buFontTx/>
+              <a:buNone/>
+              <a:tabLst/>
+              <a:defRPr/>
+            </a:pPr>
+            <a:r>
+              <a:rPr lang="en-US" dirty="0"/>
+              <a:t>The power of helm lies within its templates and the ability to convert templates with values into valid </a:t>
+            </a:r>
+            <a:r>
+              <a:rPr lang="en-US" dirty="0" err="1"/>
+              <a:t>yaml</a:t>
+            </a:r>
+            <a:r>
+              <a:rPr lang="en-US" dirty="0"/>
+              <a:t> files. When authoring charts this is where most of your work will end up.</a:t>
+            </a:r>
+          </a:p>
+          <a:p>
+            <a:endParaRPr lang="en-US" dirty="0"/>
+          </a:p>
+          <a:p>
+            <a:r>
+              <a:rPr lang="en-US" dirty="0"/>
+              <a:t>So lets take a look at the template section of a chart. In our example there are 2 config map </a:t>
+            </a:r>
+            <a:r>
+              <a:rPr lang="en-US" dirty="0" err="1"/>
+              <a:t>yaml</a:t>
+            </a:r>
+            <a:r>
+              <a:rPr lang="en-US" dirty="0"/>
+              <a:t> files. One is pretty normal and works also without helm. However it is not very flexible. The 2</a:t>
+            </a:r>
+            <a:r>
+              <a:rPr lang="en-US" baseline="30000" dirty="0"/>
+              <a:t>nd</a:t>
+            </a:r>
+            <a:r>
+              <a:rPr lang="en-US" dirty="0"/>
+              <a:t> file contains references to helm variables – indicated by {{ }}. Helm renders the templates and converts them into valid </a:t>
+            </a:r>
+            <a:r>
+              <a:rPr lang="en-US" dirty="0" err="1"/>
+              <a:t>yaml</a:t>
+            </a:r>
+            <a:r>
+              <a:rPr lang="en-US" dirty="0"/>
+              <a:t>.</a:t>
+            </a:r>
+          </a:p>
+          <a:p>
+            <a:endParaRPr lang="en-US" dirty="0"/>
+          </a:p>
+          <a:p>
+            <a:r>
+              <a:rPr lang="en-US" dirty="0"/>
+              <a:t>There are build in variables .Release.* and custom values .Values.* . Additionally you can define functions and include / execute them. The definitions are stored in the _</a:t>
+            </a:r>
+            <a:r>
+              <a:rPr lang="en-US" dirty="0" err="1"/>
+              <a:t>helpers.tpl</a:t>
+            </a:r>
+            <a:r>
+              <a:rPr lang="en-US" dirty="0"/>
+              <a:t>. The demo-chart makes use of these, so take a look around there.</a:t>
+            </a:r>
+          </a:p>
+          <a:p>
+            <a:endParaRPr lang="en-US" dirty="0"/>
+          </a:p>
+          <a:p>
+            <a:r>
+              <a:rPr lang="en-US" dirty="0"/>
+              <a:t>To check, if the chart is ok, use “helm lint”. It will point out </a:t>
+            </a:r>
+            <a:r>
+              <a:rPr lang="en-US" dirty="0" err="1"/>
+              <a:t>yaml</a:t>
+            </a:r>
+            <a:r>
+              <a:rPr lang="en-US" dirty="0"/>
+              <a:t> errors and much more.</a:t>
+            </a:r>
+          </a:p>
+          <a:p>
+            <a:r>
+              <a:rPr lang="en-US" dirty="0"/>
+              <a:t>To check, how a chart would actually look like once deployed, use the --dry-run flag in combination with --debug</a:t>
+            </a:r>
+          </a:p>
+          <a:p>
+            <a:endParaRPr lang="en-US" dirty="0"/>
+          </a:p>
+          <a:p>
+            <a:endParaRPr lang="en-US" dirty="0"/>
+          </a:p>
+          <a:p>
+            <a:r>
+              <a:rPr lang="en-US" dirty="0"/>
+              <a:t>For details, check https://github.com/kubernetes/helm/tree/master/docs</a:t>
+            </a:r>
+          </a:p>
+        </p:txBody>
+      </p:sp>
+      <p:sp>
+        <p:nvSpPr>
           <p:cNvPr id="4" name="Slide Number Placeholder 3"/>
           <p:cNvSpPr>
             <a:spLocks noGrp="1"/>
@@ -961,9 +1106,148 @@
           <a:lstStyle/>
           <a:p>
             <a:fld id="{7D8C2C35-2B8A-446E-BEC0-FD36716C29AC}" type="slidenum">
+              <a:rPr lang="de-DE" smtClean="0"/>
+              <a:pPr/>
+              <a:t>8</a:t>
+            </a:fld>
+            <a:endParaRPr lang="de-DE" dirty="0"/>
+          </a:p>
+        </p:txBody>
+      </p:sp>
+    </p:spTree>
+    <p:extLst>
+      <p:ext uri="{BB962C8B-B14F-4D97-AF65-F5344CB8AC3E}">
+        <p14:creationId xmlns:p14="http://schemas.microsoft.com/office/powerpoint/2010/main" val="2708650554"/>
+      </p:ext>
+    </p:extLst>
+  </p:cSld>
+  <p:clrMapOvr>
+    <a:masterClrMapping/>
+  </p:clrMapOvr>
+</p:notes>
+</file>
+
+<file path=ppt/notesSlides/notesSlide6.xml><?xml version="1.0" encoding="utf-8"?>
+<p:notes xmlns:a="http://schemas.openxmlformats.org/drawingml/2006/main" xmlns:r="http://schemas.openxmlformats.org/officeDocument/2006/relationships" xmlns:p="http://schemas.openxmlformats.org/presentationml/2006/main">
+  <p:cSld>
+    <p:spTree>
+      <p:nvGrpSpPr>
+        <p:cNvPr id="1" name=""/>
+        <p:cNvGrpSpPr/>
+        <p:nvPr/>
+      </p:nvGrpSpPr>
+      <p:grpSpPr>
+        <a:xfrm>
+          <a:off x="0" y="0"/>
+          <a:ext cx="0" cy="0"/>
+          <a:chOff x="0" y="0"/>
+          <a:chExt cx="0" cy="0"/>
+        </a:xfrm>
+      </p:grpSpPr>
+      <p:sp>
+        <p:nvSpPr>
+          <p:cNvPr id="2" name="Slide Image Placeholder 1"/>
+          <p:cNvSpPr>
+            <a:spLocks noGrp="1" noRot="1" noChangeAspect="1"/>
+          </p:cNvSpPr>
+          <p:nvPr>
+            <p:ph type="sldImg"/>
+          </p:nvPr>
+        </p:nvSpPr>
+        <p:spPr/>
+      </p:sp>
+      <p:sp>
+        <p:nvSpPr>
+          <p:cNvPr id="3" name="Notes Placeholder 2"/>
+          <p:cNvSpPr>
+            <a:spLocks noGrp="1"/>
+          </p:cNvSpPr>
+          <p:nvPr>
+            <p:ph type="body" idx="1"/>
+          </p:nvPr>
+        </p:nvSpPr>
+        <p:spPr/>
+        <p:txBody>
+          <a:bodyPr/>
+          <a:lstStyle/>
+          <a:p>
+            <a:endParaRPr lang="en-US" dirty="0"/>
+          </a:p>
+        </p:txBody>
+      </p:sp>
+      <p:sp>
+        <p:nvSpPr>
+          <p:cNvPr id="4" name="Slide Number Placeholder 3"/>
+          <p:cNvSpPr>
+            <a:spLocks noGrp="1"/>
+          </p:cNvSpPr>
+          <p:nvPr>
+            <p:ph type="sldNum" sz="quarter" idx="10"/>
+          </p:nvPr>
+        </p:nvSpPr>
+        <p:spPr/>
+        <p:txBody>
+          <a:bodyPr/>
+          <a:lstStyle/>
+          <a:p>
+            <a:fld id="{7D8C2C35-2B8A-446E-BEC0-FD36716C29AC}" type="slidenum">
+              <a:rPr lang="de-DE" smtClean="0"/>
+              <a:pPr/>
+              <a:t>9</a:t>
+            </a:fld>
+            <a:endParaRPr lang="de-DE" dirty="0"/>
+          </a:p>
+        </p:txBody>
+      </p:sp>
+    </p:spTree>
+    <p:extLst>
+      <p:ext uri="{BB962C8B-B14F-4D97-AF65-F5344CB8AC3E}">
+        <p14:creationId xmlns:p14="http://schemas.microsoft.com/office/powerpoint/2010/main" val="437231904"/>
+      </p:ext>
+    </p:extLst>
+  </p:cSld>
+  <p:clrMapOvr>
+    <a:masterClrMapping/>
+  </p:clrMapOvr>
+</p:notes>
+</file>
+
+<file path=ppt/notesSlides/notesSlide7.xml><?xml version="1.0" encoding="utf-8"?>
+<p:notes xmlns:a="http://schemas.openxmlformats.org/drawingml/2006/main" xmlns:r="http://schemas.openxmlformats.org/officeDocument/2006/relationships" xmlns:p="http://schemas.openxmlformats.org/presentationml/2006/main">
+  <p:cSld>
+    <p:spTree>
+      <p:nvGrpSpPr>
+        <p:cNvPr id="1" name=""/>
+        <p:cNvGrpSpPr/>
+        <p:nvPr/>
+      </p:nvGrpSpPr>
+      <p:grpSpPr>
+        <a:xfrm>
+          <a:off x="0" y="0"/>
+          <a:ext cx="0" cy="0"/>
+          <a:chOff x="0" y="0"/>
+          <a:chExt cx="0" cy="0"/>
+        </a:xfrm>
+      </p:grpSpPr>
+      <p:sp>
+        <p:nvSpPr>
+          <p:cNvPr id="4" name="Slide Number Placeholder 3"/>
+          <p:cNvSpPr>
+            <a:spLocks noGrp="1"/>
+          </p:cNvSpPr>
+          <p:nvPr>
+            <p:ph type="sldNum" sz="quarter" idx="10"/>
+          </p:nvPr>
+        </p:nvSpPr>
+        <p:spPr/>
+        <p:txBody>
+          <a:bodyPr/>
+          <a:lstStyle/>
+          <a:p>
+            <a:fld id="{7D8C2C35-2B8A-446E-BEC0-FD36716C29AC}" type="slidenum">
               <a:rPr lang="en-US" smtClean="0"/>
               <a:pPr/>
-              <a:t>7</a:t>
+              <a:t>10</a:t>
             </a:fld>
             <a:endParaRPr lang="en-US" dirty="0"/>
           </a:p>
@@ -14384,6 +14668,32 @@
 </p:sld>
 </file>
 
+<file path=ppt/slides/slide10.xml><?xml version="1.0" encoding="utf-8"?>
+<p:sld xmlns:a="http://schemas.openxmlformats.org/drawingml/2006/main" xmlns:r="http://schemas.openxmlformats.org/officeDocument/2006/relationships" xmlns:p="http://schemas.openxmlformats.org/presentationml/2006/main" show="0">
+  <p:cSld>
+    <p:spTree>
+      <p:nvGrpSpPr>
+        <p:cNvPr id="1" name=""/>
+        <p:cNvGrpSpPr/>
+        <p:nvPr/>
+      </p:nvGrpSpPr>
+      <p:grpSpPr>
+        <a:xfrm>
+          <a:off x="0" y="0"/>
+          <a:ext cx="0" cy="0"/>
+          <a:chOff x="0" y="0"/>
+          <a:chExt cx="0" cy="0"/>
+        </a:xfrm>
+      </p:grpSpPr>
+    </p:spTree>
+  </p:cSld>
+  <p:clrMapOvr>
+    <a:masterClrMapping/>
+  </p:clrMapOvr>
+  <p:transition spd="med"/>
+</p:sld>
+</file>
+
 <file path=ppt/slides/slide2.xml><?xml version="1.0" encoding="utf-8"?>
 <p:sld xmlns:a="http://schemas.openxmlformats.org/drawingml/2006/main" xmlns:r="http://schemas.openxmlformats.org/officeDocument/2006/relationships" xmlns:p="http://schemas.openxmlformats.org/presentationml/2006/main">
   <p:cSld>
@@ -14448,7 +14758,7 @@
             </a:pPr>
             <a:r>
               <a:rPr lang="en-US" dirty="0"/>
-              <a:t>Designed to manage applications with several isolated components</a:t>
+              <a:t>Helm combines templates and values to convert them into valid k8s resources</a:t>
             </a:r>
           </a:p>
           <a:p>
@@ -14458,7 +14768,7 @@
             </a:pPr>
             <a:r>
               <a:rPr lang="en-US" dirty="0"/>
-              <a:t>Supports “release management” with updates &amp; roll-backs</a:t>
+              <a:t>Designed to manage applications with several components</a:t>
             </a:r>
           </a:p>
           <a:p>
@@ -16171,169 +16481,6 @@
           <a:p>
             <a:r>
               <a:rPr lang="en-US" dirty="0"/>
-              <a:t>Helm charts</a:t>
-            </a:r>
-          </a:p>
-        </p:txBody>
-      </p:sp>
-      <p:sp>
-        <p:nvSpPr>
-          <p:cNvPr id="3" name="Rectangle 2"/>
-          <p:cNvSpPr/>
-          <p:nvPr/>
-        </p:nvSpPr>
-        <p:spPr>
-          <a:xfrm>
-            <a:off x="504000" y="1223190"/>
-            <a:ext cx="10842180" cy="3000821"/>
-          </a:xfrm>
-          <a:prstGeom prst="rect">
-            <a:avLst/>
-          </a:prstGeom>
-        </p:spPr>
-        <p:txBody>
-          <a:bodyPr wrap="square">
-            <a:spAutoFit/>
-          </a:bodyPr>
-          <a:lstStyle/>
-          <a:p>
-            <a:pPr marL="342900" indent="-342900">
-              <a:buFont typeface="Wingdings" panose="05000000000000000000" pitchFamily="2" charset="2"/>
-              <a:buChar char="§"/>
-            </a:pPr>
-            <a:r>
-              <a:rPr lang="en-US" dirty="0"/>
-              <a:t>Packages of predefined, parameterized K8s resources are called “charts”</a:t>
-            </a:r>
-          </a:p>
-          <a:p>
-            <a:pPr marL="342900" indent="-342900">
-              <a:buFont typeface="Wingdings" panose="05000000000000000000" pitchFamily="2" charset="2"/>
-              <a:buChar char="§"/>
-            </a:pPr>
-            <a:endParaRPr lang="en-US" dirty="0"/>
-          </a:p>
-          <a:p>
-            <a:r>
-              <a:rPr lang="en-US" dirty="0" err="1"/>
-              <a:t>wordpress</a:t>
-            </a:r>
-            <a:r>
-              <a:rPr lang="en-US" dirty="0"/>
-              <a:t>/</a:t>
-            </a:r>
-          </a:p>
-          <a:p>
-            <a:pPr marL="342900" indent="-342900">
-              <a:buFont typeface="Wingdings" panose="05000000000000000000" pitchFamily="2" charset="2"/>
-              <a:buChar char="§"/>
-            </a:pPr>
-            <a:r>
-              <a:rPr lang="en-US" dirty="0" err="1"/>
-              <a:t>Chart.yaml</a:t>
-            </a:r>
-            <a:r>
-              <a:rPr lang="en-US" dirty="0"/>
-              <a:t> - A file containing information about the chart</a:t>
-            </a:r>
-          </a:p>
-          <a:p>
-            <a:pPr marL="342900" indent="-342900">
-              <a:buFont typeface="Wingdings" panose="05000000000000000000" pitchFamily="2" charset="2"/>
-              <a:buChar char="§"/>
-            </a:pPr>
-            <a:r>
-              <a:rPr lang="en-US" dirty="0" err="1"/>
-              <a:t>requirements.yaml</a:t>
-            </a:r>
-            <a:r>
-              <a:rPr lang="en-US" dirty="0"/>
-              <a:t> - A file listing dependencies for the chart</a:t>
-            </a:r>
-          </a:p>
-          <a:p>
-            <a:pPr marL="342900" indent="-342900">
-              <a:buFont typeface="Wingdings" panose="05000000000000000000" pitchFamily="2" charset="2"/>
-              <a:buChar char="§"/>
-            </a:pPr>
-            <a:r>
-              <a:rPr lang="en-US" dirty="0" err="1"/>
-              <a:t>values.yaml</a:t>
-            </a:r>
-            <a:r>
-              <a:rPr lang="en-US" dirty="0"/>
-              <a:t> - The default configuration values for this chart</a:t>
-            </a:r>
-          </a:p>
-          <a:p>
-            <a:pPr marL="342900" indent="-342900">
-              <a:buFont typeface="Wingdings" panose="05000000000000000000" pitchFamily="2" charset="2"/>
-              <a:buChar char="§"/>
-            </a:pPr>
-            <a:r>
-              <a:rPr lang="en-US" dirty="0"/>
-              <a:t>charts/ - A directory containing any charts upon which this chart depends.</a:t>
-            </a:r>
-          </a:p>
-          <a:p>
-            <a:pPr marL="342900" indent="-342900">
-              <a:buFont typeface="Wingdings" panose="05000000000000000000" pitchFamily="2" charset="2"/>
-              <a:buChar char="§"/>
-            </a:pPr>
-            <a:r>
-              <a:rPr lang="en-US" dirty="0"/>
-              <a:t>templates/ - A directory of templates that, when combined with values, will generate valid Kubernetes manifest files.</a:t>
-            </a:r>
-          </a:p>
-        </p:txBody>
-      </p:sp>
-    </p:spTree>
-    <p:extLst>
-      <p:ext uri="{BB962C8B-B14F-4D97-AF65-F5344CB8AC3E}">
-        <p14:creationId xmlns:p14="http://schemas.microsoft.com/office/powerpoint/2010/main" val="764019977"/>
-      </p:ext>
-    </p:extLst>
-  </p:cSld>
-  <p:clrMapOvr>
-    <a:masterClrMapping/>
-  </p:clrMapOvr>
-</p:sld>
-</file>
-
-<file path=ppt/slides/slide5.xml><?xml version="1.0" encoding="utf-8"?>
-<p:sld xmlns:a="http://schemas.openxmlformats.org/drawingml/2006/main" xmlns:r="http://schemas.openxmlformats.org/officeDocument/2006/relationships" xmlns:p="http://schemas.openxmlformats.org/presentationml/2006/main">
-  <p:cSld>
-    <p:spTree>
-      <p:nvGrpSpPr>
-        <p:cNvPr id="1" name=""/>
-        <p:cNvGrpSpPr/>
-        <p:nvPr/>
-      </p:nvGrpSpPr>
-      <p:grpSpPr>
-        <a:xfrm>
-          <a:off x="0" y="0"/>
-          <a:ext cx="0" cy="0"/>
-          <a:chOff x="0" y="0"/>
-          <a:chExt cx="0" cy="0"/>
-        </a:xfrm>
-      </p:grpSpPr>
-      <p:sp>
-        <p:nvSpPr>
-          <p:cNvPr id="2" name="Title 1"/>
-          <p:cNvSpPr>
-            <a:spLocks noGrp="1"/>
-          </p:cNvSpPr>
-          <p:nvPr>
-            <p:ph type="title"/>
-          </p:nvPr>
-        </p:nvSpPr>
-        <p:spPr/>
-        <p:txBody>
-          <a:bodyPr/>
-          <a:lstStyle/>
-          <a:p>
-            <a:r>
-              <a:rPr lang="en-US" dirty="0"/>
               <a:t>Working with helm</a:t>
             </a:r>
           </a:p>
@@ -17707,7 +17854,7 @@
 </p:sld>
 </file>
 
-<file path=ppt/slides/slide6.xml><?xml version="1.0" encoding="utf-8"?>
+<file path=ppt/slides/slide5.xml><?xml version="1.0" encoding="utf-8"?>
 <p:sld xmlns:a="http://schemas.openxmlformats.org/drawingml/2006/main" xmlns:r="http://schemas.openxmlformats.org/officeDocument/2006/relationships" xmlns:p="http://schemas.openxmlformats.org/presentationml/2006/main" show="0">
   <p:cSld>
     <p:spTree>
@@ -17835,6 +17982,226 @@
 </p:sld>
 </file>
 
+<file path=ppt/slides/slide6.xml><?xml version="1.0" encoding="utf-8"?>
+<p:sld xmlns:a="http://schemas.openxmlformats.org/drawingml/2006/main" xmlns:r="http://schemas.openxmlformats.org/officeDocument/2006/relationships" xmlns:p="http://schemas.openxmlformats.org/presentationml/2006/main">
+  <p:cSld>
+    <p:spTree>
+      <p:nvGrpSpPr>
+        <p:cNvPr id="1" name=""/>
+        <p:cNvGrpSpPr/>
+        <p:nvPr/>
+      </p:nvGrpSpPr>
+      <p:grpSpPr>
+        <a:xfrm>
+          <a:off x="0" y="0"/>
+          <a:ext cx="0" cy="0"/>
+          <a:chOff x="0" y="0"/>
+          <a:chExt cx="0" cy="0"/>
+        </a:xfrm>
+      </p:grpSpPr>
+      <p:sp>
+        <p:nvSpPr>
+          <p:cNvPr id="2" name="Title 1"/>
+          <p:cNvSpPr>
+            <a:spLocks noGrp="1"/>
+          </p:cNvSpPr>
+          <p:nvPr>
+            <p:ph type="title"/>
+          </p:nvPr>
+        </p:nvSpPr>
+        <p:spPr/>
+        <p:txBody>
+          <a:bodyPr/>
+          <a:lstStyle/>
+          <a:p>
+            <a:r>
+              <a:rPr lang="en-US" dirty="0"/>
+              <a:t>Authoring helm charts</a:t>
+            </a:r>
+          </a:p>
+        </p:txBody>
+      </p:sp>
+      <p:pic>
+        <p:nvPicPr>
+          <p:cNvPr id="4" name="Picture 3">
+            <a:extLst>
+              <a:ext uri="{FF2B5EF4-FFF2-40B4-BE49-F238E27FC236}">
+                <a16:creationId xmlns:a16="http://schemas.microsoft.com/office/drawing/2014/main" id="{BD625C01-15F0-497E-B1CD-8AB18852298E}"/>
+              </a:ext>
+            </a:extLst>
+          </p:cNvPr>
+          <p:cNvPicPr>
+            <a:picLocks noChangeAspect="1"/>
+          </p:cNvPicPr>
+          <p:nvPr/>
+        </p:nvPicPr>
+        <p:blipFill>
+          <a:blip r:embed="rId2"/>
+          <a:stretch>
+            <a:fillRect/>
+          </a:stretch>
+        </p:blipFill>
+        <p:spPr>
+          <a:xfrm>
+            <a:off x="6664690" y="688666"/>
+            <a:ext cx="4121394" cy="5495192"/>
+          </a:xfrm>
+          <a:prstGeom prst="rect">
+            <a:avLst/>
+          </a:prstGeom>
+        </p:spPr>
+      </p:pic>
+      <p:sp>
+        <p:nvSpPr>
+          <p:cNvPr id="6" name="Rectangle 5">
+            <a:extLst>
+              <a:ext uri="{FF2B5EF4-FFF2-40B4-BE49-F238E27FC236}">
+                <a16:creationId xmlns:a16="http://schemas.microsoft.com/office/drawing/2014/main" id="{31A48861-B72C-49CA-BB50-789DAEC7F1C4}"/>
+              </a:ext>
+            </a:extLst>
+          </p:cNvPr>
+          <p:cNvSpPr/>
+          <p:nvPr/>
+        </p:nvSpPr>
+        <p:spPr>
+          <a:xfrm>
+            <a:off x="504001" y="1390244"/>
+            <a:ext cx="5975930" cy="4293483"/>
+          </a:xfrm>
+          <a:prstGeom prst="rect">
+            <a:avLst/>
+          </a:prstGeom>
+        </p:spPr>
+        <p:txBody>
+          <a:bodyPr wrap="square">
+            <a:spAutoFit/>
+          </a:bodyPr>
+          <a:lstStyle/>
+          <a:p>
+            <a:pPr marL="342900" indent="-342900">
+              <a:buFont typeface="Wingdings" panose="05000000000000000000" pitchFamily="2" charset="2"/>
+              <a:buChar char="§"/>
+            </a:pPr>
+            <a:r>
+              <a:rPr lang="en-US" dirty="0"/>
+              <a:t>Packages in the helm eco system are called “charts”</a:t>
+            </a:r>
+          </a:p>
+          <a:p>
+            <a:pPr marL="342900" indent="-342900">
+              <a:buFont typeface="Wingdings" panose="05000000000000000000" pitchFamily="2" charset="2"/>
+              <a:buChar char="§"/>
+            </a:pPr>
+            <a:endParaRPr lang="en-US" dirty="0"/>
+          </a:p>
+          <a:p>
+            <a:r>
+              <a:rPr lang="en-US" dirty="0" err="1"/>
+              <a:t>wordpress</a:t>
+            </a:r>
+            <a:r>
+              <a:rPr lang="en-US" dirty="0"/>
+              <a:t>/</a:t>
+            </a:r>
+          </a:p>
+          <a:p>
+            <a:pPr marL="342900" indent="-342900">
+              <a:buFont typeface="Wingdings" panose="05000000000000000000" pitchFamily="2" charset="2"/>
+              <a:buChar char="§"/>
+            </a:pPr>
+            <a:r>
+              <a:rPr lang="en-US" dirty="0" err="1"/>
+              <a:t>Chart.yaml</a:t>
+            </a:r>
+            <a:r>
+              <a:rPr lang="en-US" dirty="0"/>
+              <a:t> </a:t>
+            </a:r>
+          </a:p>
+          <a:p>
+            <a:pPr marL="342900" indent="-342900">
+              <a:buFont typeface="Wingdings" panose="05000000000000000000" pitchFamily="2" charset="2"/>
+              <a:buChar char="§"/>
+            </a:pPr>
+            <a:r>
+              <a:rPr lang="en-US" dirty="0" err="1"/>
+              <a:t>requirements.yaml</a:t>
+            </a:r>
+            <a:endParaRPr lang="en-US" dirty="0"/>
+          </a:p>
+          <a:p>
+            <a:pPr marL="342900" indent="-342900">
+              <a:buFont typeface="Wingdings" panose="05000000000000000000" pitchFamily="2" charset="2"/>
+              <a:buChar char="§"/>
+            </a:pPr>
+            <a:r>
+              <a:rPr lang="en-US" dirty="0" err="1"/>
+              <a:t>values.yaml</a:t>
+            </a:r>
+            <a:endParaRPr lang="en-US" dirty="0"/>
+          </a:p>
+          <a:p>
+            <a:pPr marL="342900" indent="-342900">
+              <a:buFont typeface="Wingdings" panose="05000000000000000000" pitchFamily="2" charset="2"/>
+              <a:buChar char="§"/>
+            </a:pPr>
+            <a:r>
+              <a:rPr lang="en-US" dirty="0"/>
+              <a:t>charts/ </a:t>
+            </a:r>
+          </a:p>
+          <a:p>
+            <a:pPr marL="342900" indent="-342900">
+              <a:buFont typeface="Wingdings" panose="05000000000000000000" pitchFamily="2" charset="2"/>
+              <a:buChar char="§"/>
+            </a:pPr>
+            <a:r>
+              <a:rPr lang="en-US" dirty="0"/>
+              <a:t>templates/</a:t>
+            </a:r>
+          </a:p>
+          <a:p>
+            <a:pPr marL="342900" indent="-342900">
+              <a:buFont typeface="Wingdings" panose="05000000000000000000" pitchFamily="2" charset="2"/>
+              <a:buChar char="§"/>
+            </a:pPr>
+            <a:endParaRPr lang="en-US" dirty="0"/>
+          </a:p>
+          <a:p>
+            <a:pPr marL="342900" indent="-342900">
+              <a:buFont typeface="Wingdings" panose="05000000000000000000" pitchFamily="2" charset="2"/>
+              <a:buChar char="§"/>
+            </a:pPr>
+            <a:r>
+              <a:rPr lang="en-US" dirty="0"/>
+              <a:t>Templates contain variables</a:t>
+            </a:r>
+          </a:p>
+          <a:p>
+            <a:pPr marL="342900" indent="-342900">
+              <a:buFont typeface="Wingdings" panose="05000000000000000000" pitchFamily="2" charset="2"/>
+              <a:buChar char="§"/>
+            </a:pPr>
+            <a:r>
+              <a:rPr lang="en-US" dirty="0"/>
+              <a:t>Helm renders charts during deployment and substitutes variables with values</a:t>
+            </a:r>
+          </a:p>
+        </p:txBody>
+      </p:sp>
+    </p:spTree>
+    <p:extLst>
+      <p:ext uri="{BB962C8B-B14F-4D97-AF65-F5344CB8AC3E}">
+        <p14:creationId xmlns:p14="http://schemas.microsoft.com/office/powerpoint/2010/main" val="764019977"/>
+      </p:ext>
+    </p:extLst>
+  </p:cSld>
+  <p:clrMapOvr>
+    <a:masterClrMapping/>
+  </p:clrMapOvr>
+</p:sld>
+</file>
+
 <file path=ppt/slides/slide7.xml><?xml version="1.0" encoding="utf-8"?>
 <p:sld xmlns:a="http://schemas.openxmlformats.org/drawingml/2006/main" xmlns:r="http://schemas.openxmlformats.org/officeDocument/2006/relationships" xmlns:p="http://schemas.openxmlformats.org/presentationml/2006/main" show="0">
   <p:cSld>
@@ -17852,12 +18219,916 @@
           <a:chExt cx="0" cy="0"/>
         </a:xfrm>
       </p:grpSpPr>
+      <p:sp>
+        <p:nvSpPr>
+          <p:cNvPr id="2" name="Title 1"/>
+          <p:cNvSpPr>
+            <a:spLocks noGrp="1"/>
+          </p:cNvSpPr>
+          <p:nvPr>
+            <p:ph type="title"/>
+          </p:nvPr>
+        </p:nvSpPr>
+        <p:spPr/>
+        <p:txBody>
+          <a:bodyPr/>
+          <a:lstStyle/>
+          <a:p>
+            <a:r>
+              <a:rPr lang="en-US" dirty="0"/>
+              <a:t>Helm charts</a:t>
+            </a:r>
+          </a:p>
+        </p:txBody>
+      </p:sp>
+      <p:sp>
+        <p:nvSpPr>
+          <p:cNvPr id="3" name="Rectangle 2"/>
+          <p:cNvSpPr/>
+          <p:nvPr/>
+        </p:nvSpPr>
+        <p:spPr>
+          <a:xfrm>
+            <a:off x="504000" y="1223190"/>
+            <a:ext cx="10842180" cy="3000821"/>
+          </a:xfrm>
+          <a:prstGeom prst="rect">
+            <a:avLst/>
+          </a:prstGeom>
+        </p:spPr>
+        <p:txBody>
+          <a:bodyPr wrap="square">
+            <a:spAutoFit/>
+          </a:bodyPr>
+          <a:lstStyle/>
+          <a:p>
+            <a:pPr marL="342900" indent="-342900">
+              <a:buFont typeface="Wingdings" panose="05000000000000000000" pitchFamily="2" charset="2"/>
+              <a:buChar char="§"/>
+            </a:pPr>
+            <a:r>
+              <a:rPr lang="en-US" dirty="0"/>
+              <a:t>Packages of predefined, parameterized K8s resources are called “charts”</a:t>
+            </a:r>
+          </a:p>
+          <a:p>
+            <a:pPr marL="342900" indent="-342900">
+              <a:buFont typeface="Wingdings" panose="05000000000000000000" pitchFamily="2" charset="2"/>
+              <a:buChar char="§"/>
+            </a:pPr>
+            <a:endParaRPr lang="en-US" dirty="0"/>
+          </a:p>
+          <a:p>
+            <a:r>
+              <a:rPr lang="en-US" dirty="0" err="1"/>
+              <a:t>wordpress</a:t>
+            </a:r>
+            <a:r>
+              <a:rPr lang="en-US" dirty="0"/>
+              <a:t>/</a:t>
+            </a:r>
+          </a:p>
+          <a:p>
+            <a:pPr marL="342900" indent="-342900">
+              <a:buFont typeface="Wingdings" panose="05000000000000000000" pitchFamily="2" charset="2"/>
+              <a:buChar char="§"/>
+            </a:pPr>
+            <a:r>
+              <a:rPr lang="en-US" dirty="0" err="1"/>
+              <a:t>Chart.yaml</a:t>
+            </a:r>
+            <a:r>
+              <a:rPr lang="en-US" dirty="0"/>
+              <a:t> - A file containing information about the chart</a:t>
+            </a:r>
+          </a:p>
+          <a:p>
+            <a:pPr marL="342900" indent="-342900">
+              <a:buFont typeface="Wingdings" panose="05000000000000000000" pitchFamily="2" charset="2"/>
+              <a:buChar char="§"/>
+            </a:pPr>
+            <a:r>
+              <a:rPr lang="en-US" dirty="0" err="1"/>
+              <a:t>requirements.yaml</a:t>
+            </a:r>
+            <a:r>
+              <a:rPr lang="en-US" dirty="0"/>
+              <a:t> - A file listing dependencies for the chart</a:t>
+            </a:r>
+          </a:p>
+          <a:p>
+            <a:pPr marL="342900" indent="-342900">
+              <a:buFont typeface="Wingdings" panose="05000000000000000000" pitchFamily="2" charset="2"/>
+              <a:buChar char="§"/>
+            </a:pPr>
+            <a:r>
+              <a:rPr lang="en-US" dirty="0" err="1"/>
+              <a:t>values.yaml</a:t>
+            </a:r>
+            <a:r>
+              <a:rPr lang="en-US" dirty="0"/>
+              <a:t> - The default configuration values for this chart</a:t>
+            </a:r>
+          </a:p>
+          <a:p>
+            <a:pPr marL="342900" indent="-342900">
+              <a:buFont typeface="Wingdings" panose="05000000000000000000" pitchFamily="2" charset="2"/>
+              <a:buChar char="§"/>
+            </a:pPr>
+            <a:r>
+              <a:rPr lang="en-US" dirty="0"/>
+              <a:t>charts/ - A directory containing any charts upon which this chart depends.</a:t>
+            </a:r>
+          </a:p>
+          <a:p>
+            <a:pPr marL="342900" indent="-342900">
+              <a:buFont typeface="Wingdings" panose="05000000000000000000" pitchFamily="2" charset="2"/>
+              <a:buChar char="§"/>
+            </a:pPr>
+            <a:r>
+              <a:rPr lang="en-US" dirty="0"/>
+              <a:t>templates/ - A directory of templates that, when combined with values, will generate valid Kubernetes manifest files.</a:t>
+            </a:r>
+          </a:p>
+        </p:txBody>
+      </p:sp>
     </p:spTree>
+    <p:extLst>
+      <p:ext uri="{BB962C8B-B14F-4D97-AF65-F5344CB8AC3E}">
+        <p14:creationId xmlns:p14="http://schemas.microsoft.com/office/powerpoint/2010/main" val="3054274610"/>
+      </p:ext>
+    </p:extLst>
   </p:cSld>
   <p:clrMapOvr>
     <a:masterClrMapping/>
   </p:clrMapOvr>
-  <p:transition spd="med"/>
+</p:sld>
+</file>
+
+<file path=ppt/slides/slide8.xml><?xml version="1.0" encoding="utf-8"?>
+<p:sld xmlns:a="http://schemas.openxmlformats.org/drawingml/2006/main" xmlns:r="http://schemas.openxmlformats.org/officeDocument/2006/relationships" xmlns:p="http://schemas.openxmlformats.org/presentationml/2006/main">
+  <p:cSld>
+    <p:spTree>
+      <p:nvGrpSpPr>
+        <p:cNvPr id="1" name=""/>
+        <p:cNvGrpSpPr/>
+        <p:nvPr/>
+      </p:nvGrpSpPr>
+      <p:grpSpPr>
+        <a:xfrm>
+          <a:off x="0" y="0"/>
+          <a:ext cx="0" cy="0"/>
+          <a:chOff x="0" y="0"/>
+          <a:chExt cx="0" cy="0"/>
+        </a:xfrm>
+      </p:grpSpPr>
+      <p:pic>
+        <p:nvPicPr>
+          <p:cNvPr id="17" name="Picture 16">
+            <a:extLst>
+              <a:ext uri="{FF2B5EF4-FFF2-40B4-BE49-F238E27FC236}">
+                <a16:creationId xmlns:a16="http://schemas.microsoft.com/office/drawing/2014/main" id="{2464FB82-4E81-4F54-9EF8-4A36ED3B8045}"/>
+              </a:ext>
+            </a:extLst>
+          </p:cNvPr>
+          <p:cNvPicPr>
+            <a:picLocks noChangeAspect="1"/>
+          </p:cNvPicPr>
+          <p:nvPr/>
+        </p:nvPicPr>
+        <p:blipFill>
+          <a:blip r:embed="rId3"/>
+          <a:stretch>
+            <a:fillRect/>
+          </a:stretch>
+        </p:blipFill>
+        <p:spPr>
+          <a:xfrm>
+            <a:off x="504001" y="1692328"/>
+            <a:ext cx="4095238" cy="3923809"/>
+          </a:xfrm>
+          <a:prstGeom prst="rect">
+            <a:avLst/>
+          </a:prstGeom>
+        </p:spPr>
+      </p:pic>
+      <p:sp>
+        <p:nvSpPr>
+          <p:cNvPr id="4" name="Title 3">
+            <a:extLst>
+              <a:ext uri="{FF2B5EF4-FFF2-40B4-BE49-F238E27FC236}">
+                <a16:creationId xmlns:a16="http://schemas.microsoft.com/office/drawing/2014/main" id="{2C20A3A3-5BE1-4DB7-9A60-49901FC75E7B}"/>
+              </a:ext>
+            </a:extLst>
+          </p:cNvPr>
+          <p:cNvSpPr>
+            <a:spLocks noGrp="1"/>
+          </p:cNvSpPr>
+          <p:nvPr>
+            <p:ph type="title"/>
+          </p:nvPr>
+        </p:nvSpPr>
+        <p:spPr>
+          <a:xfrm>
+            <a:off x="504001" y="504000"/>
+            <a:ext cx="11186476" cy="369332"/>
+          </a:xfrm>
+        </p:spPr>
+        <p:txBody>
+          <a:bodyPr/>
+          <a:lstStyle/>
+          <a:p>
+            <a:r>
+              <a:rPr lang="en-US" dirty="0"/>
+              <a:t>About writing templates</a:t>
+            </a:r>
+          </a:p>
+        </p:txBody>
+      </p:sp>
+      <p:sp>
+        <p:nvSpPr>
+          <p:cNvPr id="16" name="Speech Bubble: Rectangle 15">
+            <a:extLst>
+              <a:ext uri="{FF2B5EF4-FFF2-40B4-BE49-F238E27FC236}">
+                <a16:creationId xmlns:a16="http://schemas.microsoft.com/office/drawing/2014/main" id="{78F9BA3B-EB94-4AC8-920D-A9ED83D0D2E2}"/>
+              </a:ext>
+            </a:extLst>
+          </p:cNvPr>
+          <p:cNvSpPr/>
+          <p:nvPr/>
+        </p:nvSpPr>
+        <p:spPr bwMode="gray">
+          <a:xfrm>
+            <a:off x="6189996" y="1208618"/>
+            <a:ext cx="4101737" cy="469551"/>
+          </a:xfrm>
+          <a:prstGeom prst="wedgeRectCallout">
+            <a:avLst>
+              <a:gd name="adj1" fmla="val -105768"/>
+              <a:gd name="adj2" fmla="val 206931"/>
+            </a:avLst>
+          </a:prstGeom>
+          <a:ln>
+            <a:headEnd/>
+            <a:tailEnd/>
+          </a:ln>
+        </p:spPr>
+        <p:style>
+          <a:lnRef idx="2">
+            <a:schemeClr val="accent5"/>
+          </a:lnRef>
+          <a:fillRef idx="1">
+            <a:schemeClr val="lt1"/>
+          </a:fillRef>
+          <a:effectRef idx="0">
+            <a:schemeClr val="accent5"/>
+          </a:effectRef>
+          <a:fontRef idx="minor">
+            <a:schemeClr val="dk1"/>
+          </a:fontRef>
+        </p:style>
+        <p:txBody>
+          <a:bodyPr lIns="90000" tIns="72000" rIns="90000" bIns="72000" rtlCol="0" anchor="ctr"/>
+          <a:lstStyle/>
+          <a:p>
+            <a:pPr marR="0" algn="ctr" defTabSz="914400" eaLnBrk="1" fontAlgn="base" latinLnBrk="0" hangingPunct="1">
+              <a:lnSpc>
+                <a:spcPct val="100000"/>
+              </a:lnSpc>
+              <a:spcBef>
+                <a:spcPct val="50000"/>
+              </a:spcBef>
+              <a:spcAft>
+                <a:spcPct val="0"/>
+              </a:spcAft>
+              <a:buClr>
+                <a:srgbClr val="F0AB00"/>
+              </a:buClr>
+              <a:buSzPct val="80000"/>
+              <a:tabLst/>
+            </a:pPr>
+            <a:r>
+              <a:rPr lang="en-US" sz="1800" kern="0" noProof="0" dirty="0">
+                <a:ea typeface="Arial Unicode MS" pitchFamily="34" charset="-128"/>
+                <a:cs typeface="Arial Unicode MS" pitchFamily="34" charset="-128"/>
+              </a:rPr>
+              <a:t>Simple </a:t>
+            </a:r>
+            <a:r>
+              <a:rPr lang="en-US" sz="1800" kern="0" noProof="0" dirty="0" err="1">
+                <a:ea typeface="Arial Unicode MS" pitchFamily="34" charset="-128"/>
+                <a:cs typeface="Arial Unicode MS" pitchFamily="34" charset="-128"/>
+              </a:rPr>
+              <a:t>ConfigMap</a:t>
+            </a:r>
+            <a:r>
+              <a:rPr lang="en-US" sz="1800" kern="0" noProof="0" dirty="0">
+                <a:ea typeface="Arial Unicode MS" pitchFamily="34" charset="-128"/>
+                <a:cs typeface="Arial Unicode MS" pitchFamily="34" charset="-128"/>
+              </a:rPr>
+              <a:t> with specific values </a:t>
+            </a:r>
+            <a:endParaRPr kumimoji="0" lang="en-US" sz="1800" b="0" i="0" u="none" strike="noStrike" kern="0" cap="none" spc="0" normalizeH="0" baseline="0" noProof="0" dirty="0">
+              <a:ln>
+                <a:noFill/>
+              </a:ln>
+              <a:effectLst/>
+              <a:uLnTx/>
+              <a:uFillTx/>
+              <a:ea typeface="Arial Unicode MS" pitchFamily="34" charset="-128"/>
+              <a:cs typeface="Arial Unicode MS" pitchFamily="34" charset="-128"/>
+            </a:endParaRPr>
+          </a:p>
+        </p:txBody>
+      </p:sp>
+      <p:sp>
+        <p:nvSpPr>
+          <p:cNvPr id="18" name="Speech Bubble: Rectangle 17">
+            <a:extLst>
+              <a:ext uri="{FF2B5EF4-FFF2-40B4-BE49-F238E27FC236}">
+                <a16:creationId xmlns:a16="http://schemas.microsoft.com/office/drawing/2014/main" id="{ECB57014-3931-4302-B65B-412F5B56F6DB}"/>
+              </a:ext>
+            </a:extLst>
+          </p:cNvPr>
+          <p:cNvSpPr/>
+          <p:nvPr/>
+        </p:nvSpPr>
+        <p:spPr bwMode="gray">
+          <a:xfrm>
+            <a:off x="6189995" y="2412670"/>
+            <a:ext cx="4101737" cy="770145"/>
+          </a:xfrm>
+          <a:prstGeom prst="wedgeRectCallout">
+            <a:avLst>
+              <a:gd name="adj1" fmla="val -107269"/>
+              <a:gd name="adj2" fmla="val 44120"/>
+            </a:avLst>
+          </a:prstGeom>
+          <a:ln>
+            <a:headEnd/>
+            <a:tailEnd/>
+          </a:ln>
+        </p:spPr>
+        <p:style>
+          <a:lnRef idx="2">
+            <a:schemeClr val="accent5"/>
+          </a:lnRef>
+          <a:fillRef idx="1">
+            <a:schemeClr val="lt1"/>
+          </a:fillRef>
+          <a:effectRef idx="0">
+            <a:schemeClr val="accent5"/>
+          </a:effectRef>
+          <a:fontRef idx="minor">
+            <a:schemeClr val="dk1"/>
+          </a:fontRef>
+        </p:style>
+        <p:txBody>
+          <a:bodyPr lIns="90000" tIns="72000" rIns="90000" bIns="72000" rtlCol="0" anchor="ctr"/>
+          <a:lstStyle/>
+          <a:p>
+            <a:pPr marR="0" algn="ctr" defTabSz="914400" eaLnBrk="1" fontAlgn="base" latinLnBrk="0" hangingPunct="1">
+              <a:lnSpc>
+                <a:spcPct val="100000"/>
+              </a:lnSpc>
+              <a:spcBef>
+                <a:spcPct val="50000"/>
+              </a:spcBef>
+              <a:spcAft>
+                <a:spcPct val="0"/>
+              </a:spcAft>
+              <a:buClr>
+                <a:srgbClr val="F0AB00"/>
+              </a:buClr>
+              <a:buSzPct val="80000"/>
+              <a:tabLst/>
+            </a:pPr>
+            <a:r>
+              <a:rPr lang="en-US" sz="1800" kern="0" noProof="0" dirty="0" err="1">
+                <a:ea typeface="Arial Unicode MS" pitchFamily="34" charset="-128"/>
+                <a:cs typeface="Arial Unicode MS" pitchFamily="34" charset="-128"/>
+              </a:rPr>
+              <a:t>Yaml</a:t>
+            </a:r>
+            <a:r>
+              <a:rPr lang="en-US" sz="1800" kern="0" noProof="0" dirty="0">
+                <a:ea typeface="Arial Unicode MS" pitchFamily="34" charset="-128"/>
+                <a:cs typeface="Arial Unicode MS" pitchFamily="34" charset="-128"/>
+              </a:rPr>
+              <a:t> file needs to be edited each time a </a:t>
+            </a:r>
+            <a:r>
+              <a:rPr lang="en-US" sz="1800" kern="0" dirty="0">
+                <a:ea typeface="Arial Unicode MS" pitchFamily="34" charset="-128"/>
+                <a:cs typeface="Arial Unicode MS" pitchFamily="34" charset="-128"/>
+              </a:rPr>
+              <a:t>change is required</a:t>
+            </a:r>
+            <a:endParaRPr kumimoji="0" lang="en-US" sz="1800" b="0" i="0" u="none" strike="noStrike" kern="0" cap="none" spc="0" normalizeH="0" baseline="0" noProof="0" dirty="0">
+              <a:ln>
+                <a:noFill/>
+              </a:ln>
+              <a:effectLst/>
+              <a:uLnTx/>
+              <a:uFillTx/>
+              <a:ea typeface="Arial Unicode MS" pitchFamily="34" charset="-128"/>
+              <a:cs typeface="Arial Unicode MS" pitchFamily="34" charset="-128"/>
+            </a:endParaRPr>
+          </a:p>
+        </p:txBody>
+      </p:sp>
+      <p:sp>
+        <p:nvSpPr>
+          <p:cNvPr id="19" name="Speech Bubble: Rectangle 18">
+            <a:extLst>
+              <a:ext uri="{FF2B5EF4-FFF2-40B4-BE49-F238E27FC236}">
+                <a16:creationId xmlns:a16="http://schemas.microsoft.com/office/drawing/2014/main" id="{1C8D7A34-3D93-4592-83AE-3BAA44551FC3}"/>
+              </a:ext>
+            </a:extLst>
+          </p:cNvPr>
+          <p:cNvSpPr/>
+          <p:nvPr/>
+        </p:nvSpPr>
+        <p:spPr bwMode="gray">
+          <a:xfrm>
+            <a:off x="6189995" y="3917316"/>
+            <a:ext cx="4101737" cy="742607"/>
+          </a:xfrm>
+          <a:prstGeom prst="wedgeRectCallout">
+            <a:avLst>
+              <a:gd name="adj1" fmla="val -100195"/>
+              <a:gd name="adj2" fmla="val 37609"/>
+            </a:avLst>
+          </a:prstGeom>
+          <a:ln>
+            <a:headEnd/>
+            <a:tailEnd/>
+          </a:ln>
+        </p:spPr>
+        <p:style>
+          <a:lnRef idx="2">
+            <a:schemeClr val="accent5"/>
+          </a:lnRef>
+          <a:fillRef idx="1">
+            <a:schemeClr val="lt1"/>
+          </a:fillRef>
+          <a:effectRef idx="0">
+            <a:schemeClr val="accent5"/>
+          </a:effectRef>
+          <a:fontRef idx="minor">
+            <a:schemeClr val="dk1"/>
+          </a:fontRef>
+        </p:style>
+        <p:txBody>
+          <a:bodyPr lIns="90000" tIns="72000" rIns="90000" bIns="72000" rtlCol="0" anchor="ctr"/>
+          <a:lstStyle/>
+          <a:p>
+            <a:pPr marR="0" algn="ctr" defTabSz="914400" eaLnBrk="1" fontAlgn="base" latinLnBrk="0" hangingPunct="1">
+              <a:lnSpc>
+                <a:spcPct val="100000"/>
+              </a:lnSpc>
+              <a:spcBef>
+                <a:spcPct val="50000"/>
+              </a:spcBef>
+              <a:spcAft>
+                <a:spcPct val="0"/>
+              </a:spcAft>
+              <a:buClr>
+                <a:srgbClr val="F0AB00"/>
+              </a:buClr>
+              <a:buSzPct val="80000"/>
+              <a:tabLst/>
+            </a:pPr>
+            <a:r>
+              <a:rPr lang="en-US" sz="1800" kern="0" dirty="0">
+                <a:ea typeface="Arial Unicode MS" pitchFamily="34" charset="-128"/>
+                <a:cs typeface="Arial Unicode MS" pitchFamily="34" charset="-128"/>
+              </a:rPr>
+              <a:t>Helm template of a </a:t>
+            </a:r>
+            <a:r>
+              <a:rPr kumimoji="0" lang="en-US" sz="1800" b="0" i="0" u="none" strike="noStrike" kern="0" cap="none" spc="0" normalizeH="0" baseline="0" dirty="0" err="1">
+                <a:ln>
+                  <a:noFill/>
+                </a:ln>
+                <a:effectLst/>
+                <a:uLnTx/>
+                <a:uFillTx/>
+                <a:ea typeface="Arial Unicode MS" pitchFamily="34" charset="-128"/>
+                <a:cs typeface="Arial Unicode MS" pitchFamily="34" charset="-128"/>
+              </a:rPr>
+              <a:t>Config</a:t>
+            </a:r>
+            <a:r>
+              <a:rPr lang="en-US" sz="1800" kern="0" dirty="0" err="1">
+                <a:ea typeface="Arial Unicode MS" pitchFamily="34" charset="-128"/>
+                <a:cs typeface="Arial Unicode MS" pitchFamily="34" charset="-128"/>
+              </a:rPr>
+              <a:t>Map</a:t>
+            </a:r>
+            <a:r>
+              <a:rPr lang="en-US" sz="1800" kern="0" dirty="0">
+                <a:ea typeface="Arial Unicode MS" pitchFamily="34" charset="-128"/>
+                <a:cs typeface="Arial Unicode MS" pitchFamily="34" charset="-128"/>
+              </a:rPr>
+              <a:t> with variables</a:t>
+            </a:r>
+            <a:endParaRPr kumimoji="0" lang="en-US" sz="1800" b="0" i="0" u="none" strike="noStrike" kern="0" cap="none" spc="0" normalizeH="0" baseline="0" noProof="0" dirty="0">
+              <a:ln>
+                <a:noFill/>
+              </a:ln>
+              <a:effectLst/>
+              <a:uLnTx/>
+              <a:uFillTx/>
+              <a:ea typeface="Arial Unicode MS" pitchFamily="34" charset="-128"/>
+              <a:cs typeface="Arial Unicode MS" pitchFamily="34" charset="-128"/>
+            </a:endParaRPr>
+          </a:p>
+        </p:txBody>
+      </p:sp>
+      <p:sp>
+        <p:nvSpPr>
+          <p:cNvPr id="20" name="Speech Bubble: Rectangle 19">
+            <a:extLst>
+              <a:ext uri="{FF2B5EF4-FFF2-40B4-BE49-F238E27FC236}">
+                <a16:creationId xmlns:a16="http://schemas.microsoft.com/office/drawing/2014/main" id="{EBBD1CF4-C76F-407F-8290-5B2B409BBB4C}"/>
+              </a:ext>
+            </a:extLst>
+          </p:cNvPr>
+          <p:cNvSpPr/>
+          <p:nvPr/>
+        </p:nvSpPr>
+        <p:spPr bwMode="gray">
+          <a:xfrm>
+            <a:off x="6189994" y="5009351"/>
+            <a:ext cx="4101737" cy="770145"/>
+          </a:xfrm>
+          <a:prstGeom prst="wedgeRectCallout">
+            <a:avLst>
+              <a:gd name="adj1" fmla="val -85619"/>
+              <a:gd name="adj2" fmla="val -16387"/>
+            </a:avLst>
+          </a:prstGeom>
+          <a:ln>
+            <a:headEnd/>
+            <a:tailEnd/>
+          </a:ln>
+        </p:spPr>
+        <p:style>
+          <a:lnRef idx="2">
+            <a:schemeClr val="accent5"/>
+          </a:lnRef>
+          <a:fillRef idx="1">
+            <a:schemeClr val="lt1"/>
+          </a:fillRef>
+          <a:effectRef idx="0">
+            <a:schemeClr val="accent5"/>
+          </a:effectRef>
+          <a:fontRef idx="minor">
+            <a:schemeClr val="dk1"/>
+          </a:fontRef>
+        </p:style>
+        <p:txBody>
+          <a:bodyPr lIns="90000" tIns="72000" rIns="90000" bIns="72000" rtlCol="0" anchor="ctr"/>
+          <a:lstStyle/>
+          <a:p>
+            <a:pPr marR="0" algn="ctr" defTabSz="914400" eaLnBrk="1" fontAlgn="base" latinLnBrk="0" hangingPunct="1">
+              <a:lnSpc>
+                <a:spcPct val="100000"/>
+              </a:lnSpc>
+              <a:spcBef>
+                <a:spcPct val="50000"/>
+              </a:spcBef>
+              <a:spcAft>
+                <a:spcPct val="0"/>
+              </a:spcAft>
+              <a:buClr>
+                <a:srgbClr val="F0AB00"/>
+              </a:buClr>
+              <a:buSzPct val="80000"/>
+              <a:tabLst/>
+            </a:pPr>
+            <a:r>
+              <a:rPr kumimoji="0" lang="en-US" sz="1800" b="0" i="0" u="none" strike="noStrike" kern="0" cap="none" spc="0" normalizeH="0" baseline="0" dirty="0">
+                <a:ln>
+                  <a:noFill/>
+                </a:ln>
+                <a:effectLst/>
+                <a:uLnTx/>
+                <a:uFillTx/>
+                <a:ea typeface="Arial Unicode MS" pitchFamily="34" charset="-128"/>
+                <a:cs typeface="Arial Unicode MS" pitchFamily="34" charset="-128"/>
+              </a:rPr>
+              <a:t>Variables are </a:t>
+            </a:r>
+            <a:r>
+              <a:rPr lang="en-US" sz="1800" kern="0" dirty="0">
+                <a:ea typeface="Arial Unicode MS" pitchFamily="34" charset="-128"/>
+                <a:cs typeface="Arial Unicode MS" pitchFamily="34" charset="-128"/>
+              </a:rPr>
+              <a:t>converted to specific values upon installation of the chart</a:t>
+            </a:r>
+            <a:endParaRPr kumimoji="0" lang="en-US" sz="1800" b="0" i="0" u="none" strike="noStrike" kern="0" cap="none" spc="0" normalizeH="0" baseline="0" noProof="0" dirty="0">
+              <a:ln>
+                <a:noFill/>
+              </a:ln>
+              <a:effectLst/>
+              <a:uLnTx/>
+              <a:uFillTx/>
+              <a:ea typeface="Arial Unicode MS" pitchFamily="34" charset="-128"/>
+              <a:cs typeface="Arial Unicode MS" pitchFamily="34" charset="-128"/>
+            </a:endParaRPr>
+          </a:p>
+        </p:txBody>
+      </p:sp>
+    </p:spTree>
+    <p:extLst>
+      <p:ext uri="{BB962C8B-B14F-4D97-AF65-F5344CB8AC3E}">
+        <p14:creationId xmlns:p14="http://schemas.microsoft.com/office/powerpoint/2010/main" val="1378125413"/>
+      </p:ext>
+    </p:extLst>
+  </p:cSld>
+  <p:clrMapOvr>
+    <a:masterClrMapping/>
+  </p:clrMapOvr>
+</p:sld>
+</file>
+
+<file path=ppt/slides/slide9.xml><?xml version="1.0" encoding="utf-8"?>
+<p:sld xmlns:a="http://schemas.openxmlformats.org/drawingml/2006/main" xmlns:r="http://schemas.openxmlformats.org/officeDocument/2006/relationships" xmlns:p="http://schemas.openxmlformats.org/presentationml/2006/main" show="0">
+  <p:cSld>
+    <p:spTree>
+      <p:nvGrpSpPr>
+        <p:cNvPr id="1" name=""/>
+        <p:cNvGrpSpPr/>
+        <p:nvPr/>
+      </p:nvGrpSpPr>
+      <p:grpSpPr>
+        <a:xfrm>
+          <a:off x="0" y="0"/>
+          <a:ext cx="0" cy="0"/>
+          <a:chOff x="0" y="0"/>
+          <a:chExt cx="0" cy="0"/>
+        </a:xfrm>
+      </p:grpSpPr>
+      <p:sp>
+        <p:nvSpPr>
+          <p:cNvPr id="6" name="Text Placeholder 5">
+            <a:extLst>
+              <a:ext uri="{FF2B5EF4-FFF2-40B4-BE49-F238E27FC236}">
+                <a16:creationId xmlns:a16="http://schemas.microsoft.com/office/drawing/2014/main" id="{920D95D6-6510-4E95-B39D-F186652A1A46}"/>
+              </a:ext>
+            </a:extLst>
+          </p:cNvPr>
+          <p:cNvSpPr>
+            <a:spLocks noGrp="1"/>
+          </p:cNvSpPr>
+          <p:nvPr>
+            <p:ph type="body" sz="quarter" idx="10"/>
+          </p:nvPr>
+        </p:nvSpPr>
+        <p:spPr>
+          <a:xfrm>
+            <a:off x="504000" y="1101253"/>
+            <a:ext cx="11186477" cy="4230000"/>
+          </a:xfrm>
+        </p:spPr>
+        <p:txBody>
+          <a:bodyPr/>
+          <a:lstStyle/>
+          <a:p>
+            <a:pPr marL="342900" indent="-342900">
+              <a:buFontTx/>
+              <a:buChar char="-"/>
+            </a:pPr>
+            <a:r>
+              <a:rPr lang="en-US" sz="1800" dirty="0"/>
+              <a:t>Go to the k8s demo folder </a:t>
+            </a:r>
+            <a:r>
+              <a:rPr lang="en-US" sz="1800" dirty="0">
+                <a:sym typeface="Wingdings" panose="05000000000000000000" pitchFamily="2" charset="2"/>
+              </a:rPr>
+              <a:t>and continue with demo-chart</a:t>
+            </a:r>
+          </a:p>
+          <a:p>
+            <a:pPr marL="522864" lvl="1" indent="-342900">
+              <a:buFontTx/>
+              <a:buChar char="-"/>
+            </a:pPr>
+            <a:r>
+              <a:rPr lang="en-US" sz="1600" dirty="0"/>
+              <a:t>Show the content of the template subfolder, starting with the specific-</a:t>
+            </a:r>
+            <a:r>
+              <a:rPr lang="en-US" sz="1600" dirty="0" err="1"/>
+              <a:t>configmap.yaml</a:t>
+            </a:r>
+            <a:endParaRPr lang="en-US" sz="1600" dirty="0"/>
+          </a:p>
+          <a:p>
+            <a:pPr marL="522864" lvl="1" indent="-342900">
+              <a:buFontTx/>
+              <a:buChar char="-"/>
+            </a:pPr>
+            <a:r>
+              <a:rPr lang="en-US" sz="1600" dirty="0"/>
+              <a:t>Show the flexible-</a:t>
+            </a:r>
+            <a:r>
+              <a:rPr lang="en-US" sz="1600" dirty="0" err="1"/>
+              <a:t>configmap.yaml</a:t>
+            </a:r>
+            <a:r>
+              <a:rPr lang="en-US" sz="1600" dirty="0"/>
+              <a:t> and explain the build in variables, values references + _</a:t>
+            </a:r>
+            <a:r>
+              <a:rPr lang="en-US" sz="1600" dirty="0" err="1"/>
+              <a:t>helpers.tpl</a:t>
+            </a:r>
+            <a:r>
+              <a:rPr lang="en-US" sz="1600" dirty="0"/>
+              <a:t> where the functions are defined</a:t>
+            </a:r>
+          </a:p>
+          <a:p>
+            <a:pPr marL="522864" lvl="1" indent="-342900">
+              <a:buFontTx/>
+              <a:buChar char="-"/>
+            </a:pPr>
+            <a:r>
+              <a:rPr lang="en-US" sz="1600" dirty="0"/>
+              <a:t>Show NOTES.txt -&gt; it contains the lines to print after a successful deployment</a:t>
+            </a:r>
+          </a:p>
+          <a:p>
+            <a:pPr marL="522864" lvl="1" indent="-342900">
+              <a:buFontTx/>
+              <a:buChar char="-"/>
+            </a:pPr>
+            <a:r>
+              <a:rPr lang="en-US" sz="1600" dirty="0"/>
+              <a:t>Show the values file in the demo-chart folder</a:t>
+            </a:r>
+          </a:p>
+          <a:p>
+            <a:pPr marL="342900" indent="-342900">
+              <a:buFontTx/>
+              <a:buChar char="-"/>
+            </a:pPr>
+            <a:r>
+              <a:rPr lang="en-US" sz="1800" dirty="0"/>
+              <a:t>Deploy the chart: “helm install .” (assuming your current working directory is ./demo-chart )</a:t>
+            </a:r>
+          </a:p>
+          <a:p>
+            <a:pPr marL="522864" lvl="1" indent="-342900">
+              <a:buFontTx/>
+              <a:buChar char="-"/>
+            </a:pPr>
+            <a:r>
+              <a:rPr lang="en-US" sz="1600" dirty="0"/>
+              <a:t> run the commands that have been printed by helm</a:t>
+            </a:r>
+          </a:p>
+          <a:p>
+            <a:pPr marL="342900" indent="-342900">
+              <a:buFontTx/>
+              <a:buChar char="-"/>
+            </a:pPr>
+            <a:r>
+              <a:rPr lang="en-US" sz="1800" dirty="0"/>
+              <a:t>Update the release and change the value of </a:t>
+            </a:r>
+            <a:r>
+              <a:rPr lang="en-US" sz="1800" dirty="0" err="1"/>
+              <a:t>myMessage</a:t>
+            </a:r>
+            <a:r>
+              <a:rPr lang="en-US" sz="1800" dirty="0"/>
+              <a:t>, use dry-run and debug to double check changes: </a:t>
+            </a:r>
+          </a:p>
+          <a:p>
+            <a:pPr marL="522864" lvl="1" indent="-342900">
+              <a:buFontTx/>
+              <a:buChar char="-"/>
+            </a:pPr>
+            <a:r>
+              <a:rPr lang="en-US" sz="1600" dirty="0"/>
+              <a:t>helm upgrade --dry-run --debug --set </a:t>
+            </a:r>
+            <a:r>
+              <a:rPr lang="en-US" sz="1600" dirty="0" err="1"/>
+              <a:t>myMessage</a:t>
+            </a:r>
+            <a:r>
+              <a:rPr lang="en-US" sz="1600" dirty="0"/>
+              <a:t>=“Goodbye course” &lt;release name&gt; .</a:t>
+            </a:r>
+          </a:p>
+          <a:p>
+            <a:pPr marL="522864" lvl="1" indent="-342900">
+              <a:buFontTx/>
+              <a:buChar char="-"/>
+            </a:pPr>
+            <a:r>
+              <a:rPr lang="en-US" sz="1600" dirty="0"/>
+              <a:t>helm upgrade --set </a:t>
+            </a:r>
+            <a:r>
+              <a:rPr lang="en-US" sz="1600" dirty="0" err="1"/>
+              <a:t>myMessage</a:t>
+            </a:r>
+            <a:r>
+              <a:rPr lang="en-US" sz="1600" dirty="0"/>
+              <a:t>=“Goodbye course” &lt;release name&gt; .</a:t>
+            </a:r>
+          </a:p>
+          <a:p>
+            <a:pPr marL="342900" indent="-342900">
+              <a:buFontTx/>
+              <a:buChar char="-"/>
+            </a:pPr>
+            <a:r>
+              <a:rPr lang="en-US" sz="1800" dirty="0"/>
+              <a:t>Update the release with a </a:t>
+            </a:r>
+            <a:r>
+              <a:rPr lang="en-US" sz="1800" dirty="0" err="1"/>
+              <a:t>custom_values.yaml</a:t>
+            </a:r>
+            <a:endParaRPr lang="en-US" sz="1800" dirty="0"/>
+          </a:p>
+          <a:p>
+            <a:pPr marL="522864" lvl="1" indent="-342900">
+              <a:buFontTx/>
+              <a:buChar char="-"/>
+            </a:pPr>
+            <a:r>
+              <a:rPr lang="en-US" sz="1600" dirty="0"/>
+              <a:t>Helm upgrade –f </a:t>
+            </a:r>
+            <a:r>
+              <a:rPr lang="en-US" sz="1600" dirty="0" err="1"/>
+              <a:t>custom_values.yaml</a:t>
+            </a:r>
+            <a:r>
+              <a:rPr lang="en-US" sz="1600" dirty="0"/>
+              <a:t> &lt;release name&gt; .</a:t>
+            </a:r>
+          </a:p>
+          <a:p>
+            <a:pPr lvl="1" indent="0">
+              <a:buNone/>
+            </a:pPr>
+            <a:r>
+              <a:rPr lang="en-US" b="1" dirty="0"/>
+              <a:t>“.” is referencing a relative path to your chart – don’t truncate it!</a:t>
+            </a:r>
+          </a:p>
+        </p:txBody>
+      </p:sp>
+      <p:sp>
+        <p:nvSpPr>
+          <p:cNvPr id="5" name="Title 4">
+            <a:extLst>
+              <a:ext uri="{FF2B5EF4-FFF2-40B4-BE49-F238E27FC236}">
+                <a16:creationId xmlns:a16="http://schemas.microsoft.com/office/drawing/2014/main" id="{17C5E0DC-58DA-4279-A937-C304F691FF25}"/>
+              </a:ext>
+            </a:extLst>
+          </p:cNvPr>
+          <p:cNvSpPr>
+            <a:spLocks noGrp="1"/>
+          </p:cNvSpPr>
+          <p:nvPr>
+            <p:ph type="title"/>
+          </p:nvPr>
+        </p:nvSpPr>
+        <p:spPr/>
+        <p:txBody>
+          <a:bodyPr/>
+          <a:lstStyle/>
+          <a:p>
+            <a:r>
+              <a:rPr lang="en-US" dirty="0"/>
+              <a:t>Demo script</a:t>
+            </a:r>
+          </a:p>
+        </p:txBody>
+      </p:sp>
+    </p:spTree>
+    <p:extLst>
+      <p:ext uri="{BB962C8B-B14F-4D97-AF65-F5344CB8AC3E}">
+        <p14:creationId xmlns:p14="http://schemas.microsoft.com/office/powerpoint/2010/main" val="4159007378"/>
+      </p:ext>
+    </p:extLst>
+  </p:cSld>
+  <p:clrMapOvr>
+    <a:masterClrMapping/>
+  </p:clrMapOvr>
 </p:sld>
 </file>
 

--- a/kubernetes/12_helm.pptx
+++ b/kubernetes/12_helm.pptx
@@ -5,10 +5,10 @@
     <p:sldMasterId id="2147483733" r:id="rId1"/>
   </p:sldMasterIdLst>
   <p:notesMasterIdLst>
-    <p:notesMasterId r:id="rId12"/>
+    <p:notesMasterId r:id="rId14"/>
   </p:notesMasterIdLst>
   <p:handoutMasterIdLst>
-    <p:handoutMasterId r:id="rId13"/>
+    <p:handoutMasterId r:id="rId15"/>
   </p:handoutMasterIdLst>
   <p:sldIdLst>
     <p:sldId id="433" r:id="rId2"/>
@@ -19,8 +19,10 @@
     <p:sldId id="446" r:id="rId7"/>
     <p:sldId id="449" r:id="rId8"/>
     <p:sldId id="448" r:id="rId9"/>
-    <p:sldId id="450" r:id="rId10"/>
-    <p:sldId id="265" r:id="rId11"/>
+    <p:sldId id="451" r:id="rId10"/>
+    <p:sldId id="452" r:id="rId11"/>
+    <p:sldId id="450" r:id="rId12"/>
+    <p:sldId id="265" r:id="rId13"/>
   </p:sldIdLst>
   <p:sldSz cx="12195175" cy="6858000"/>
   <p:notesSz cx="6858000" cy="9144000"/>
@@ -1202,6 +1204,266 @@
     </p:spTree>
     <p:extLst>
       <p:ext uri="{BB962C8B-B14F-4D97-AF65-F5344CB8AC3E}">
+        <p14:creationId xmlns:p14="http://schemas.microsoft.com/office/powerpoint/2010/main" val="1425782848"/>
+      </p:ext>
+    </p:extLst>
+  </p:cSld>
+  <p:clrMapOvr>
+    <a:masterClrMapping/>
+  </p:clrMapOvr>
+</p:notes>
+</file>
+
+<file path=ppt/notesSlides/notesSlide7.xml><?xml version="1.0" encoding="utf-8"?>
+<p:notes xmlns:a="http://schemas.openxmlformats.org/drawingml/2006/main" xmlns:r="http://schemas.openxmlformats.org/officeDocument/2006/relationships" xmlns:p="http://schemas.openxmlformats.org/presentationml/2006/main">
+  <p:cSld>
+    <p:spTree>
+      <p:nvGrpSpPr>
+        <p:cNvPr id="1" name=""/>
+        <p:cNvGrpSpPr/>
+        <p:nvPr/>
+      </p:nvGrpSpPr>
+      <p:grpSpPr>
+        <a:xfrm>
+          <a:off x="0" y="0"/>
+          <a:ext cx="0" cy="0"/>
+          <a:chOff x="0" y="0"/>
+          <a:chExt cx="0" cy="0"/>
+        </a:xfrm>
+      </p:grpSpPr>
+      <p:sp>
+        <p:nvSpPr>
+          <p:cNvPr id="2" name="Slide Image Placeholder 1"/>
+          <p:cNvSpPr>
+            <a:spLocks noGrp="1" noRot="1" noChangeAspect="1"/>
+          </p:cNvSpPr>
+          <p:nvPr>
+            <p:ph type="sldImg"/>
+          </p:nvPr>
+        </p:nvSpPr>
+        <p:spPr/>
+      </p:sp>
+      <p:sp>
+        <p:nvSpPr>
+          <p:cNvPr id="3" name="Notes Placeholder 2"/>
+          <p:cNvSpPr>
+            <a:spLocks noGrp="1"/>
+          </p:cNvSpPr>
+          <p:nvPr>
+            <p:ph type="body" idx="1"/>
+          </p:nvPr>
+        </p:nvSpPr>
+        <p:spPr/>
+        <p:txBody>
+          <a:bodyPr/>
+          <a:lstStyle/>
+          <a:p>
+            <a:r>
+              <a:rPr lang="en-US" dirty="0"/>
+              <a:t>{{ }} triggers the go templating engine</a:t>
+            </a:r>
+          </a:p>
+          <a:p>
+            <a:r>
+              <a:rPr lang="en-US" dirty="0"/>
+              <a:t>.Values is a reference to an object with all keys in the </a:t>
+            </a:r>
+            <a:r>
+              <a:rPr lang="en-US" dirty="0" err="1"/>
+              <a:t>values.yaml</a:t>
+            </a:r>
+            <a:r>
+              <a:rPr lang="en-US" dirty="0"/>
+              <a:t> file</a:t>
+            </a:r>
+          </a:p>
+          <a:p>
+            <a:r>
+              <a:rPr lang="en-US" dirty="0"/>
+              <a:t>.</a:t>
+            </a:r>
+            <a:r>
+              <a:rPr lang="en-US" dirty="0" err="1"/>
+              <a:t>myMessage</a:t>
+            </a:r>
+            <a:r>
+              <a:rPr lang="en-US" dirty="0"/>
+              <a:t> is the reference to the key “</a:t>
+            </a:r>
+            <a:r>
+              <a:rPr lang="en-US" dirty="0" err="1"/>
+              <a:t>myMessage</a:t>
+            </a:r>
+            <a:r>
+              <a:rPr lang="en-US" dirty="0"/>
+              <a:t>” in .Values</a:t>
+            </a:r>
+          </a:p>
+          <a:p>
+            <a:endParaRPr lang="en-US" dirty="0"/>
+          </a:p>
+          <a:p>
+            <a:r>
+              <a:rPr lang="en-US" dirty="0"/>
+              <a:t>In case of nested values such as example below, use .</a:t>
+            </a:r>
+            <a:r>
+              <a:rPr lang="en-US" dirty="0" err="1"/>
+              <a:t>Values.message.greeting</a:t>
+            </a:r>
+            <a:r>
+              <a:rPr lang="en-US" dirty="0"/>
+              <a:t> or .to </a:t>
+            </a:r>
+            <a:r>
+              <a:rPr lang="en-US" dirty="0" err="1"/>
+              <a:t>to</a:t>
+            </a:r>
+            <a:r>
+              <a:rPr lang="en-US" dirty="0"/>
+              <a:t> reference the </a:t>
+            </a:r>
+            <a:r>
+              <a:rPr lang="en-US" dirty="0" err="1"/>
+              <a:t>acutal</a:t>
+            </a:r>
+            <a:r>
+              <a:rPr lang="en-US" dirty="0"/>
+              <a:t> key</a:t>
+            </a:r>
+          </a:p>
+          <a:p>
+            <a:r>
+              <a:rPr lang="en-US" dirty="0"/>
+              <a:t>message:</a:t>
+            </a:r>
+          </a:p>
+          <a:p>
+            <a:r>
+              <a:rPr lang="en-US" dirty="0"/>
+              <a:t>  greeting: “hello”</a:t>
+            </a:r>
+          </a:p>
+          <a:p>
+            <a:r>
+              <a:rPr lang="en-US" dirty="0"/>
+              <a:t>  to: “course”</a:t>
+            </a:r>
+          </a:p>
+        </p:txBody>
+      </p:sp>
+      <p:sp>
+        <p:nvSpPr>
+          <p:cNvPr id="4" name="Slide Number Placeholder 3"/>
+          <p:cNvSpPr>
+            <a:spLocks noGrp="1"/>
+          </p:cNvSpPr>
+          <p:nvPr>
+            <p:ph type="sldNum" sz="quarter" idx="10"/>
+          </p:nvPr>
+        </p:nvSpPr>
+        <p:spPr/>
+        <p:txBody>
+          <a:bodyPr/>
+          <a:lstStyle/>
+          <a:p>
+            <a:fld id="{7D8C2C35-2B8A-446E-BEC0-FD36716C29AC}" type="slidenum">
+              <a:rPr lang="de-DE" smtClean="0"/>
+              <a:pPr/>
+              <a:t>10</a:t>
+            </a:fld>
+            <a:endParaRPr lang="de-DE" dirty="0"/>
+          </a:p>
+        </p:txBody>
+      </p:sp>
+    </p:spTree>
+    <p:extLst>
+      <p:ext uri="{BB962C8B-B14F-4D97-AF65-F5344CB8AC3E}">
+        <p14:creationId xmlns:p14="http://schemas.microsoft.com/office/powerpoint/2010/main" val="3421261900"/>
+      </p:ext>
+    </p:extLst>
+  </p:cSld>
+  <p:clrMapOvr>
+    <a:masterClrMapping/>
+  </p:clrMapOvr>
+</p:notes>
+</file>
+
+<file path=ppt/notesSlides/notesSlide8.xml><?xml version="1.0" encoding="utf-8"?>
+<p:notes xmlns:a="http://schemas.openxmlformats.org/drawingml/2006/main" xmlns:r="http://schemas.openxmlformats.org/officeDocument/2006/relationships" xmlns:p="http://schemas.openxmlformats.org/presentationml/2006/main">
+  <p:cSld>
+    <p:spTree>
+      <p:nvGrpSpPr>
+        <p:cNvPr id="1" name=""/>
+        <p:cNvGrpSpPr/>
+        <p:nvPr/>
+      </p:nvGrpSpPr>
+      <p:grpSpPr>
+        <a:xfrm>
+          <a:off x="0" y="0"/>
+          <a:ext cx="0" cy="0"/>
+          <a:chOff x="0" y="0"/>
+          <a:chExt cx="0" cy="0"/>
+        </a:xfrm>
+      </p:grpSpPr>
+      <p:sp>
+        <p:nvSpPr>
+          <p:cNvPr id="2" name="Slide Image Placeholder 1"/>
+          <p:cNvSpPr>
+            <a:spLocks noGrp="1" noRot="1" noChangeAspect="1"/>
+          </p:cNvSpPr>
+          <p:nvPr>
+            <p:ph type="sldImg"/>
+          </p:nvPr>
+        </p:nvSpPr>
+        <p:spPr/>
+      </p:sp>
+      <p:sp>
+        <p:nvSpPr>
+          <p:cNvPr id="3" name="Notes Placeholder 2"/>
+          <p:cNvSpPr>
+            <a:spLocks noGrp="1"/>
+          </p:cNvSpPr>
+          <p:nvPr>
+            <p:ph type="body" idx="1"/>
+          </p:nvPr>
+        </p:nvSpPr>
+        <p:spPr/>
+        <p:txBody>
+          <a:bodyPr/>
+          <a:lstStyle/>
+          <a:p>
+            <a:endParaRPr lang="en-US" dirty="0"/>
+          </a:p>
+        </p:txBody>
+      </p:sp>
+      <p:sp>
+        <p:nvSpPr>
+          <p:cNvPr id="4" name="Slide Number Placeholder 3"/>
+          <p:cNvSpPr>
+            <a:spLocks noGrp="1"/>
+          </p:cNvSpPr>
+          <p:nvPr>
+            <p:ph type="sldNum" sz="quarter" idx="10"/>
+          </p:nvPr>
+        </p:nvSpPr>
+        <p:spPr/>
+        <p:txBody>
+          <a:bodyPr/>
+          <a:lstStyle/>
+          <a:p>
+            <a:fld id="{7D8C2C35-2B8A-446E-BEC0-FD36716C29AC}" type="slidenum">
+              <a:rPr lang="de-DE" smtClean="0"/>
+              <a:pPr/>
+              <a:t>11</a:t>
+            </a:fld>
+            <a:endParaRPr lang="de-DE" dirty="0"/>
+          </a:p>
+        </p:txBody>
+      </p:sp>
+    </p:spTree>
+    <p:extLst>
+      <p:ext uri="{BB962C8B-B14F-4D97-AF65-F5344CB8AC3E}">
         <p14:creationId xmlns:p14="http://schemas.microsoft.com/office/powerpoint/2010/main" val="437231904"/>
       </p:ext>
     </p:extLst>
@@ -1212,7 +1474,7 @@
 </p:notes>
 </file>
 
-<file path=ppt/notesSlides/notesSlide7.xml><?xml version="1.0" encoding="utf-8"?>
+<file path=ppt/notesSlides/notesSlide9.xml><?xml version="1.0" encoding="utf-8"?>
 <p:notes xmlns:a="http://schemas.openxmlformats.org/drawingml/2006/main" xmlns:r="http://schemas.openxmlformats.org/officeDocument/2006/relationships" xmlns:p="http://schemas.openxmlformats.org/presentationml/2006/main">
   <p:cSld>
     <p:spTree>
@@ -1247,7 +1509,7 @@
             <a:fld id="{7D8C2C35-2B8A-446E-BEC0-FD36716C29AC}" type="slidenum">
               <a:rPr lang="en-US" smtClean="0"/>
               <a:pPr/>
-              <a:t>10</a:t>
+              <a:t>12</a:t>
             </a:fld>
             <a:endParaRPr lang="en-US" dirty="0"/>
           </a:p>
@@ -14669,6 +14931,714 @@
 </file>
 
 <file path=ppt/slides/slide10.xml><?xml version="1.0" encoding="utf-8"?>
+<p:sld xmlns:a="http://schemas.openxmlformats.org/drawingml/2006/main" xmlns:r="http://schemas.openxmlformats.org/officeDocument/2006/relationships" xmlns:p="http://schemas.openxmlformats.org/presentationml/2006/main">
+  <p:cSld>
+    <p:spTree>
+      <p:nvGrpSpPr>
+        <p:cNvPr id="1" name=""/>
+        <p:cNvGrpSpPr/>
+        <p:nvPr/>
+      </p:nvGrpSpPr>
+      <p:grpSpPr>
+        <a:xfrm>
+          <a:off x="0" y="0"/>
+          <a:ext cx="0" cy="0"/>
+          <a:chOff x="0" y="0"/>
+          <a:chExt cx="0" cy="0"/>
+        </a:xfrm>
+      </p:grpSpPr>
+      <p:pic>
+        <p:nvPicPr>
+          <p:cNvPr id="2" name="Picture 1">
+            <a:extLst>
+              <a:ext uri="{FF2B5EF4-FFF2-40B4-BE49-F238E27FC236}">
+                <a16:creationId xmlns:a16="http://schemas.microsoft.com/office/drawing/2014/main" id="{32341E7D-A2DE-4E61-AE88-BE264F40EC1A}"/>
+              </a:ext>
+            </a:extLst>
+          </p:cNvPr>
+          <p:cNvPicPr>
+            <a:picLocks noChangeAspect="1"/>
+          </p:cNvPicPr>
+          <p:nvPr/>
+        </p:nvPicPr>
+        <p:blipFill>
+          <a:blip r:embed="rId3"/>
+          <a:stretch>
+            <a:fillRect/>
+          </a:stretch>
+        </p:blipFill>
+        <p:spPr>
+          <a:xfrm>
+            <a:off x="6097239" y="2682486"/>
+            <a:ext cx="4047619" cy="1580952"/>
+          </a:xfrm>
+          <a:prstGeom prst="rect">
+            <a:avLst/>
+          </a:prstGeom>
+        </p:spPr>
+      </p:pic>
+      <p:sp>
+        <p:nvSpPr>
+          <p:cNvPr id="4" name="Title 3">
+            <a:extLst>
+              <a:ext uri="{FF2B5EF4-FFF2-40B4-BE49-F238E27FC236}">
+                <a16:creationId xmlns:a16="http://schemas.microsoft.com/office/drawing/2014/main" id="{581B0699-A522-4A8F-8C8F-7FA0530D9D6B}"/>
+              </a:ext>
+            </a:extLst>
+          </p:cNvPr>
+          <p:cNvSpPr>
+            <a:spLocks noGrp="1"/>
+          </p:cNvSpPr>
+          <p:nvPr>
+            <p:ph type="title"/>
+          </p:nvPr>
+        </p:nvSpPr>
+        <p:spPr/>
+        <p:txBody>
+          <a:bodyPr/>
+          <a:lstStyle/>
+          <a:p>
+            <a:r>
+              <a:rPr lang="en-US" dirty="0"/>
+              <a:t>About variables &amp; functions</a:t>
+            </a:r>
+          </a:p>
+        </p:txBody>
+      </p:sp>
+      <p:sp>
+        <p:nvSpPr>
+          <p:cNvPr id="6" name="Speech Bubble: Rectangle 5">
+            <a:extLst>
+              <a:ext uri="{FF2B5EF4-FFF2-40B4-BE49-F238E27FC236}">
+                <a16:creationId xmlns:a16="http://schemas.microsoft.com/office/drawing/2014/main" id="{94CDC397-8C29-49D6-88BF-EF28A87F40A0}"/>
+              </a:ext>
+            </a:extLst>
+          </p:cNvPr>
+          <p:cNvSpPr/>
+          <p:nvPr/>
+        </p:nvSpPr>
+        <p:spPr bwMode="gray">
+          <a:xfrm>
+            <a:off x="7315411" y="895809"/>
+            <a:ext cx="4101737" cy="936039"/>
+          </a:xfrm>
+          <a:prstGeom prst="wedgeRectCallout">
+            <a:avLst>
+              <a:gd name="adj1" fmla="val -35888"/>
+              <a:gd name="adj2" fmla="val 205745"/>
+            </a:avLst>
+          </a:prstGeom>
+          <a:ln>
+            <a:headEnd/>
+            <a:tailEnd/>
+          </a:ln>
+        </p:spPr>
+        <p:style>
+          <a:lnRef idx="2">
+            <a:schemeClr val="accent5"/>
+          </a:lnRef>
+          <a:fillRef idx="1">
+            <a:schemeClr val="lt1"/>
+          </a:fillRef>
+          <a:effectRef idx="0">
+            <a:schemeClr val="accent5"/>
+          </a:effectRef>
+          <a:fontRef idx="minor">
+            <a:schemeClr val="dk1"/>
+          </a:fontRef>
+        </p:style>
+        <p:txBody>
+          <a:bodyPr lIns="90000" tIns="72000" rIns="90000" bIns="72000" rtlCol="0" anchor="ctr"/>
+          <a:lstStyle/>
+          <a:p>
+            <a:pPr marR="0" algn="ctr" defTabSz="914400" eaLnBrk="1" fontAlgn="base" latinLnBrk="0" hangingPunct="1">
+              <a:lnSpc>
+                <a:spcPct val="100000"/>
+              </a:lnSpc>
+              <a:spcBef>
+                <a:spcPct val="50000"/>
+              </a:spcBef>
+              <a:spcAft>
+                <a:spcPct val="0"/>
+              </a:spcAft>
+              <a:buClr>
+                <a:srgbClr val="F0AB00"/>
+              </a:buClr>
+              <a:buSzPct val="80000"/>
+              <a:tabLst/>
+            </a:pPr>
+            <a:r>
+              <a:rPr kumimoji="0" lang="en-US" sz="1800" b="0" i="0" u="none" strike="noStrike" kern="0" cap="none" spc="0" normalizeH="0" baseline="0" noProof="0" dirty="0">
+                <a:ln>
+                  <a:noFill/>
+                </a:ln>
+                <a:effectLst/>
+                <a:uLnTx/>
+                <a:uFillTx/>
+                <a:ea typeface="Arial Unicode MS" pitchFamily="34" charset="-128"/>
+                <a:cs typeface="Arial Unicode MS" pitchFamily="34" charset="-128"/>
+              </a:rPr>
+              <a:t>.Release.* contains build-in variables such as Name</a:t>
+            </a:r>
+          </a:p>
+        </p:txBody>
+      </p:sp>
+      <p:sp>
+        <p:nvSpPr>
+          <p:cNvPr id="10" name="Speech Bubble: Rectangle 9">
+            <a:extLst>
+              <a:ext uri="{FF2B5EF4-FFF2-40B4-BE49-F238E27FC236}">
+                <a16:creationId xmlns:a16="http://schemas.microsoft.com/office/drawing/2014/main" id="{C989CAD7-341D-4BCB-BD98-81558448707E}"/>
+              </a:ext>
+            </a:extLst>
+          </p:cNvPr>
+          <p:cNvSpPr/>
+          <p:nvPr/>
+        </p:nvSpPr>
+        <p:spPr bwMode="gray">
+          <a:xfrm>
+            <a:off x="797381" y="5053993"/>
+            <a:ext cx="4101737" cy="1217392"/>
+          </a:xfrm>
+          <a:prstGeom prst="wedgeRectCallout">
+            <a:avLst>
+              <a:gd name="adj1" fmla="val -37817"/>
+              <a:gd name="adj2" fmla="val -109725"/>
+            </a:avLst>
+          </a:prstGeom>
+          <a:ln>
+            <a:headEnd/>
+            <a:tailEnd/>
+          </a:ln>
+        </p:spPr>
+        <p:style>
+          <a:lnRef idx="2">
+            <a:schemeClr val="accent5"/>
+          </a:lnRef>
+          <a:fillRef idx="1">
+            <a:schemeClr val="lt1"/>
+          </a:fillRef>
+          <a:effectRef idx="0">
+            <a:schemeClr val="accent5"/>
+          </a:effectRef>
+          <a:fontRef idx="minor">
+            <a:schemeClr val="dk1"/>
+          </a:fontRef>
+        </p:style>
+        <p:txBody>
+          <a:bodyPr lIns="90000" tIns="72000" rIns="90000" bIns="72000" rtlCol="0" anchor="ctr"/>
+          <a:lstStyle/>
+          <a:p>
+            <a:pPr marR="0" algn="ctr" defTabSz="914400" eaLnBrk="1" fontAlgn="base" latinLnBrk="0" hangingPunct="1">
+              <a:lnSpc>
+                <a:spcPct val="100000"/>
+              </a:lnSpc>
+              <a:spcBef>
+                <a:spcPct val="50000"/>
+              </a:spcBef>
+              <a:spcAft>
+                <a:spcPct val="0"/>
+              </a:spcAft>
+              <a:buClr>
+                <a:srgbClr val="F0AB00"/>
+              </a:buClr>
+              <a:buSzPct val="80000"/>
+              <a:tabLst/>
+            </a:pPr>
+            <a:r>
+              <a:rPr kumimoji="0" lang="en-US" sz="1800" b="0" i="0" u="none" strike="noStrike" kern="0" cap="none" spc="0" normalizeH="0" baseline="0" noProof="0" dirty="0">
+                <a:ln>
+                  <a:noFill/>
+                </a:ln>
+                <a:effectLst/>
+                <a:uLnTx/>
+                <a:uFillTx/>
+                <a:ea typeface="Arial Unicode MS" pitchFamily="34" charset="-128"/>
+                <a:cs typeface="Arial Unicode MS" pitchFamily="34" charset="-128"/>
+              </a:rPr>
+              <a:t>Reference the key in a template to inject the value:</a:t>
+            </a:r>
+          </a:p>
+          <a:p>
+            <a:pPr marR="0" algn="ctr" defTabSz="914400" eaLnBrk="1" fontAlgn="base" latinLnBrk="0" hangingPunct="1">
+              <a:lnSpc>
+                <a:spcPct val="100000"/>
+              </a:lnSpc>
+              <a:spcBef>
+                <a:spcPct val="50000"/>
+              </a:spcBef>
+              <a:spcAft>
+                <a:spcPct val="0"/>
+              </a:spcAft>
+              <a:buClr>
+                <a:srgbClr val="F0AB00"/>
+              </a:buClr>
+              <a:buSzPct val="80000"/>
+              <a:tabLst/>
+            </a:pPr>
+            <a:r>
+              <a:rPr lang="en-US" sz="1800" kern="0" dirty="0">
+                <a:ea typeface="Arial Unicode MS" pitchFamily="34" charset="-128"/>
+                <a:cs typeface="Arial Unicode MS" pitchFamily="34" charset="-128"/>
+              </a:rPr>
+              <a:t>{{ .</a:t>
+            </a:r>
+            <a:r>
+              <a:rPr lang="en-US" sz="1800" kern="0" dirty="0" err="1">
+                <a:ea typeface="Arial Unicode MS" pitchFamily="34" charset="-128"/>
+                <a:cs typeface="Arial Unicode MS" pitchFamily="34" charset="-128"/>
+              </a:rPr>
+              <a:t>Values.myMessage</a:t>
+            </a:r>
+            <a:r>
+              <a:rPr lang="en-US" sz="1800" kern="0" dirty="0">
+                <a:ea typeface="Arial Unicode MS" pitchFamily="34" charset="-128"/>
+                <a:cs typeface="Arial Unicode MS" pitchFamily="34" charset="-128"/>
+              </a:rPr>
+              <a:t> }}</a:t>
+            </a:r>
+            <a:endParaRPr kumimoji="0" lang="en-US" sz="1800" b="0" i="0" u="none" strike="noStrike" kern="0" cap="none" spc="0" normalizeH="0" baseline="0" noProof="0" dirty="0">
+              <a:ln>
+                <a:noFill/>
+              </a:ln>
+              <a:effectLst/>
+              <a:uLnTx/>
+              <a:uFillTx/>
+              <a:ea typeface="Arial Unicode MS" pitchFamily="34" charset="-128"/>
+              <a:cs typeface="Arial Unicode MS" pitchFamily="34" charset="-128"/>
+            </a:endParaRPr>
+          </a:p>
+        </p:txBody>
+      </p:sp>
+      <p:pic>
+        <p:nvPicPr>
+          <p:cNvPr id="11" name="Picture 10">
+            <a:extLst>
+              <a:ext uri="{FF2B5EF4-FFF2-40B4-BE49-F238E27FC236}">
+                <a16:creationId xmlns:a16="http://schemas.microsoft.com/office/drawing/2014/main" id="{E3D91FD5-B591-48A9-A5F3-099C59019B66}"/>
+              </a:ext>
+            </a:extLst>
+          </p:cNvPr>
+          <p:cNvPicPr>
+            <a:picLocks noChangeAspect="1"/>
+          </p:cNvPicPr>
+          <p:nvPr/>
+        </p:nvPicPr>
+        <p:blipFill>
+          <a:blip r:embed="rId4"/>
+          <a:stretch>
+            <a:fillRect/>
+          </a:stretch>
+        </p:blipFill>
+        <p:spPr>
+          <a:xfrm>
+            <a:off x="504001" y="2663438"/>
+            <a:ext cx="5047619" cy="1619048"/>
+          </a:xfrm>
+          <a:prstGeom prst="rect">
+            <a:avLst/>
+          </a:prstGeom>
+        </p:spPr>
+      </p:pic>
+      <p:sp>
+        <p:nvSpPr>
+          <p:cNvPr id="12" name="Speech Bubble: Rectangle 11">
+            <a:extLst>
+              <a:ext uri="{FF2B5EF4-FFF2-40B4-BE49-F238E27FC236}">
+                <a16:creationId xmlns:a16="http://schemas.microsoft.com/office/drawing/2014/main" id="{B9B40FF0-83C8-4945-B66B-883B0DB85688}"/>
+              </a:ext>
+            </a:extLst>
+          </p:cNvPr>
+          <p:cNvSpPr/>
+          <p:nvPr/>
+        </p:nvSpPr>
+        <p:spPr bwMode="gray">
+          <a:xfrm>
+            <a:off x="6321670" y="5114076"/>
+            <a:ext cx="5095478" cy="1217392"/>
+          </a:xfrm>
+          <a:prstGeom prst="wedgeRectCallout">
+            <a:avLst>
+              <a:gd name="adj1" fmla="val 4625"/>
+              <a:gd name="adj2" fmla="val -118392"/>
+            </a:avLst>
+          </a:prstGeom>
+          <a:ln>
+            <a:headEnd/>
+            <a:tailEnd/>
+          </a:ln>
+        </p:spPr>
+        <p:style>
+          <a:lnRef idx="2">
+            <a:schemeClr val="accent5"/>
+          </a:lnRef>
+          <a:fillRef idx="1">
+            <a:schemeClr val="lt1"/>
+          </a:fillRef>
+          <a:effectRef idx="0">
+            <a:schemeClr val="accent5"/>
+          </a:effectRef>
+          <a:fontRef idx="minor">
+            <a:schemeClr val="dk1"/>
+          </a:fontRef>
+        </p:style>
+        <p:txBody>
+          <a:bodyPr lIns="90000" tIns="72000" rIns="90000" bIns="72000" rtlCol="0" anchor="ctr"/>
+          <a:lstStyle/>
+          <a:p>
+            <a:pPr marR="0" algn="ctr" defTabSz="914400" eaLnBrk="1" fontAlgn="base" latinLnBrk="0" hangingPunct="1">
+              <a:lnSpc>
+                <a:spcPct val="100000"/>
+              </a:lnSpc>
+              <a:spcBef>
+                <a:spcPct val="50000"/>
+              </a:spcBef>
+              <a:spcAft>
+                <a:spcPct val="0"/>
+              </a:spcAft>
+              <a:buClr>
+                <a:srgbClr val="F0AB00"/>
+              </a:buClr>
+              <a:buSzPct val="80000"/>
+              <a:tabLst/>
+            </a:pPr>
+            <a:r>
+              <a:rPr lang="en-US" sz="1800" kern="0" dirty="0">
+                <a:ea typeface="Arial Unicode MS" pitchFamily="34" charset="-128"/>
+                <a:cs typeface="Arial Unicode MS" pitchFamily="34" charset="-128"/>
+              </a:rPr>
+              <a:t>Values can be transformed using build-in functions</a:t>
+            </a:r>
+          </a:p>
+          <a:p>
+            <a:pPr marR="0" algn="ctr" defTabSz="914400" eaLnBrk="1" fontAlgn="base" latinLnBrk="0" hangingPunct="1">
+              <a:lnSpc>
+                <a:spcPct val="100000"/>
+              </a:lnSpc>
+              <a:spcBef>
+                <a:spcPct val="50000"/>
+              </a:spcBef>
+              <a:spcAft>
+                <a:spcPct val="0"/>
+              </a:spcAft>
+              <a:buClr>
+                <a:srgbClr val="F0AB00"/>
+              </a:buClr>
+              <a:buSzPct val="80000"/>
+              <a:tabLst/>
+            </a:pPr>
+            <a:r>
+              <a:rPr lang="en-US" sz="1800" kern="0" dirty="0">
+                <a:ea typeface="Arial Unicode MS" pitchFamily="34" charset="-128"/>
+                <a:cs typeface="Arial Unicode MS" pitchFamily="34" charset="-128"/>
+              </a:rPr>
+              <a:t>In the example the injected string will be quoted</a:t>
+            </a:r>
+            <a:endParaRPr kumimoji="0" lang="en-US" sz="1800" b="0" i="0" u="none" strike="noStrike" kern="0" cap="none" spc="0" normalizeH="0" baseline="0" noProof="0" dirty="0">
+              <a:ln>
+                <a:noFill/>
+              </a:ln>
+              <a:effectLst/>
+              <a:uLnTx/>
+              <a:uFillTx/>
+              <a:ea typeface="Arial Unicode MS" pitchFamily="34" charset="-128"/>
+              <a:cs typeface="Arial Unicode MS" pitchFamily="34" charset="-128"/>
+            </a:endParaRPr>
+          </a:p>
+        </p:txBody>
+      </p:sp>
+    </p:spTree>
+    <p:extLst>
+      <p:ext uri="{BB962C8B-B14F-4D97-AF65-F5344CB8AC3E}">
+        <p14:creationId xmlns:p14="http://schemas.microsoft.com/office/powerpoint/2010/main" val="1556754097"/>
+      </p:ext>
+    </p:extLst>
+  </p:cSld>
+  <p:clrMapOvr>
+    <a:masterClrMapping/>
+  </p:clrMapOvr>
+</p:sld>
+</file>
+
+<file path=ppt/slides/slide11.xml><?xml version="1.0" encoding="utf-8"?>
+<p:sld xmlns:a="http://schemas.openxmlformats.org/drawingml/2006/main" xmlns:r="http://schemas.openxmlformats.org/officeDocument/2006/relationships" xmlns:p="http://schemas.openxmlformats.org/presentationml/2006/main" show="0">
+  <p:cSld>
+    <p:spTree>
+      <p:nvGrpSpPr>
+        <p:cNvPr id="1" name=""/>
+        <p:cNvGrpSpPr/>
+        <p:nvPr/>
+      </p:nvGrpSpPr>
+      <p:grpSpPr>
+        <a:xfrm>
+          <a:off x="0" y="0"/>
+          <a:ext cx="0" cy="0"/>
+          <a:chOff x="0" y="0"/>
+          <a:chExt cx="0" cy="0"/>
+        </a:xfrm>
+      </p:grpSpPr>
+      <p:sp>
+        <p:nvSpPr>
+          <p:cNvPr id="6" name="Text Placeholder 5">
+            <a:extLst>
+              <a:ext uri="{FF2B5EF4-FFF2-40B4-BE49-F238E27FC236}">
+                <a16:creationId xmlns:a16="http://schemas.microsoft.com/office/drawing/2014/main" id="{920D95D6-6510-4E95-B39D-F186652A1A46}"/>
+              </a:ext>
+            </a:extLst>
+          </p:cNvPr>
+          <p:cNvSpPr>
+            <a:spLocks noGrp="1"/>
+          </p:cNvSpPr>
+          <p:nvPr>
+            <p:ph type="body" sz="quarter" idx="10"/>
+          </p:nvPr>
+        </p:nvSpPr>
+        <p:spPr>
+          <a:xfrm>
+            <a:off x="504000" y="1101253"/>
+            <a:ext cx="11186477" cy="4230000"/>
+          </a:xfrm>
+        </p:spPr>
+        <p:txBody>
+          <a:bodyPr/>
+          <a:lstStyle/>
+          <a:p>
+            <a:pPr marL="342900" indent="-342900">
+              <a:buFontTx/>
+              <a:buChar char="-"/>
+            </a:pPr>
+            <a:r>
+              <a:rPr lang="en-US" sz="1800" dirty="0"/>
+              <a:t>Go to the k8s demo folder </a:t>
+            </a:r>
+            <a:r>
+              <a:rPr lang="en-US" sz="1800" dirty="0">
+                <a:sym typeface="Wingdings" panose="05000000000000000000" pitchFamily="2" charset="2"/>
+              </a:rPr>
+              <a:t>and continue with demo-chart</a:t>
+            </a:r>
+          </a:p>
+          <a:p>
+            <a:pPr marL="522864" lvl="1" indent="-342900">
+              <a:buFontTx/>
+              <a:buChar char="-"/>
+            </a:pPr>
+            <a:r>
+              <a:rPr lang="en-US" sz="1600" dirty="0"/>
+              <a:t>Show the content of the template subfolder, starting with the specific-</a:t>
+            </a:r>
+            <a:r>
+              <a:rPr lang="en-US" sz="1600" dirty="0" err="1"/>
+              <a:t>configmap.yaml</a:t>
+            </a:r>
+            <a:endParaRPr lang="en-US" sz="1600" dirty="0"/>
+          </a:p>
+          <a:p>
+            <a:pPr marL="522864" lvl="1" indent="-342900">
+              <a:buFontTx/>
+              <a:buChar char="-"/>
+            </a:pPr>
+            <a:r>
+              <a:rPr lang="en-US" sz="1600" dirty="0"/>
+              <a:t>Show the flexible-</a:t>
+            </a:r>
+            <a:r>
+              <a:rPr lang="en-US" sz="1600" dirty="0" err="1"/>
+              <a:t>configmap.yaml</a:t>
+            </a:r>
+            <a:r>
+              <a:rPr lang="en-US" sz="1600" dirty="0"/>
+              <a:t> and explain the build in variables, values references + _</a:t>
+            </a:r>
+            <a:r>
+              <a:rPr lang="en-US" sz="1600" dirty="0" err="1"/>
+              <a:t>helpers.tpl</a:t>
+            </a:r>
+            <a:r>
+              <a:rPr lang="en-US" sz="1600" dirty="0"/>
+              <a:t> where the functions are defined</a:t>
+            </a:r>
+          </a:p>
+          <a:p>
+            <a:pPr marL="522864" lvl="1" indent="-342900">
+              <a:buFontTx/>
+              <a:buChar char="-"/>
+            </a:pPr>
+            <a:r>
+              <a:rPr lang="en-US" sz="1600" dirty="0"/>
+              <a:t>Show NOTES.txt -&gt; it contains the lines to print after a successful deployment</a:t>
+            </a:r>
+          </a:p>
+          <a:p>
+            <a:pPr marL="522864" lvl="1" indent="-342900">
+              <a:buFontTx/>
+              <a:buChar char="-"/>
+            </a:pPr>
+            <a:r>
+              <a:rPr lang="en-US" sz="1600" dirty="0"/>
+              <a:t>Show the values file in the demo-chart folder</a:t>
+            </a:r>
+          </a:p>
+          <a:p>
+            <a:pPr marL="342900" indent="-342900">
+              <a:buFontTx/>
+              <a:buChar char="-"/>
+            </a:pPr>
+            <a:r>
+              <a:rPr lang="en-US" sz="1800" dirty="0"/>
+              <a:t>Deploy the chart: “helm install .” (assuming your current working directory is ./demo-chart )</a:t>
+            </a:r>
+          </a:p>
+          <a:p>
+            <a:pPr marL="522864" lvl="1" indent="-342900">
+              <a:buFontTx/>
+              <a:buChar char="-"/>
+            </a:pPr>
+            <a:r>
+              <a:rPr lang="en-US" sz="1600" dirty="0"/>
+              <a:t> run the commands that have been printed by helm</a:t>
+            </a:r>
+          </a:p>
+          <a:p>
+            <a:pPr marL="342900" indent="-342900">
+              <a:buFontTx/>
+              <a:buChar char="-"/>
+            </a:pPr>
+            <a:r>
+              <a:rPr lang="en-US" sz="1800" dirty="0"/>
+              <a:t>Update the release and change the value of </a:t>
+            </a:r>
+            <a:r>
+              <a:rPr lang="en-US" sz="1800" dirty="0" err="1"/>
+              <a:t>myMessage</a:t>
+            </a:r>
+            <a:r>
+              <a:rPr lang="en-US" sz="1800" dirty="0"/>
+              <a:t>, use dry-run and debug to double check changes: </a:t>
+            </a:r>
+          </a:p>
+          <a:p>
+            <a:pPr marL="522864" lvl="1" indent="-342900">
+              <a:buFontTx/>
+              <a:buChar char="-"/>
+            </a:pPr>
+            <a:r>
+              <a:rPr lang="en-US" sz="1600" dirty="0"/>
+              <a:t>helm upgrade --dry-run --debug --set </a:t>
+            </a:r>
+            <a:r>
+              <a:rPr lang="en-US" sz="1600" dirty="0" err="1"/>
+              <a:t>myMessage</a:t>
+            </a:r>
+            <a:r>
+              <a:rPr lang="en-US" sz="1600" dirty="0"/>
+              <a:t>=“Goodbye course” &lt;release name&gt; .</a:t>
+            </a:r>
+          </a:p>
+          <a:p>
+            <a:pPr marL="522864" lvl="1" indent="-342900">
+              <a:buFontTx/>
+              <a:buChar char="-"/>
+            </a:pPr>
+            <a:r>
+              <a:rPr lang="en-US" sz="1600" dirty="0"/>
+              <a:t>helm upgrade --set </a:t>
+            </a:r>
+            <a:r>
+              <a:rPr lang="en-US" sz="1600" dirty="0" err="1"/>
+              <a:t>myMessage</a:t>
+            </a:r>
+            <a:r>
+              <a:rPr lang="en-US" sz="1600" dirty="0"/>
+              <a:t>=“Goodbye course” &lt;release name&gt; .</a:t>
+            </a:r>
+          </a:p>
+          <a:p>
+            <a:pPr marL="342900" indent="-342900">
+              <a:buFontTx/>
+              <a:buChar char="-"/>
+            </a:pPr>
+            <a:r>
+              <a:rPr lang="en-US" sz="1800" dirty="0"/>
+              <a:t>Update the release with a </a:t>
+            </a:r>
+            <a:r>
+              <a:rPr lang="en-US" sz="1800" dirty="0" err="1"/>
+              <a:t>custom_values.yaml</a:t>
+            </a:r>
+            <a:endParaRPr lang="en-US" sz="1800" dirty="0"/>
+          </a:p>
+          <a:p>
+            <a:pPr marL="522864" lvl="1" indent="-342900">
+              <a:buFontTx/>
+              <a:buChar char="-"/>
+            </a:pPr>
+            <a:r>
+              <a:rPr lang="en-US" sz="1600" dirty="0"/>
+              <a:t>Helm upgrade –f </a:t>
+            </a:r>
+            <a:r>
+              <a:rPr lang="en-US" sz="1600" dirty="0" err="1"/>
+              <a:t>custom_values.yaml</a:t>
+            </a:r>
+            <a:r>
+              <a:rPr lang="en-US" sz="1600" dirty="0"/>
+              <a:t> &lt;release name&gt; .</a:t>
+            </a:r>
+          </a:p>
+          <a:p>
+            <a:pPr lvl="1" indent="0">
+              <a:buNone/>
+            </a:pPr>
+            <a:r>
+              <a:rPr lang="en-US" b="1" dirty="0"/>
+              <a:t>“.” is referencing a relative path to your chart – don’t truncate it!</a:t>
+            </a:r>
+          </a:p>
+        </p:txBody>
+      </p:sp>
+      <p:sp>
+        <p:nvSpPr>
+          <p:cNvPr id="5" name="Title 4">
+            <a:extLst>
+              <a:ext uri="{FF2B5EF4-FFF2-40B4-BE49-F238E27FC236}">
+                <a16:creationId xmlns:a16="http://schemas.microsoft.com/office/drawing/2014/main" id="{17C5E0DC-58DA-4279-A937-C304F691FF25}"/>
+              </a:ext>
+            </a:extLst>
+          </p:cNvPr>
+          <p:cNvSpPr>
+            <a:spLocks noGrp="1"/>
+          </p:cNvSpPr>
+          <p:nvPr>
+            <p:ph type="title"/>
+          </p:nvPr>
+        </p:nvSpPr>
+        <p:spPr/>
+        <p:txBody>
+          <a:bodyPr/>
+          <a:lstStyle/>
+          <a:p>
+            <a:r>
+              <a:rPr lang="en-US" dirty="0"/>
+              <a:t>Demo script</a:t>
+            </a:r>
+          </a:p>
+        </p:txBody>
+      </p:sp>
+    </p:spTree>
+    <p:extLst>
+      <p:ext uri="{BB962C8B-B14F-4D97-AF65-F5344CB8AC3E}">
+        <p14:creationId xmlns:p14="http://schemas.microsoft.com/office/powerpoint/2010/main" val="4159007378"/>
+      </p:ext>
+    </p:extLst>
+  </p:cSld>
+  <p:clrMapOvr>
+    <a:masterClrMapping/>
+  </p:clrMapOvr>
+</p:sld>
+</file>
+
+<file path=ppt/slides/slide12.xml><?xml version="1.0" encoding="utf-8"?>
 <p:sld xmlns:a="http://schemas.openxmlformats.org/drawingml/2006/main" xmlns:r="http://schemas.openxmlformats.org/officeDocument/2006/relationships" xmlns:p="http://schemas.openxmlformats.org/presentationml/2006/main" show="0">
   <p:cSld>
     <p:spTree>
@@ -18440,7 +19410,7 @@
           <a:p>
             <a:r>
               <a:rPr lang="en-US" dirty="0"/>
-              <a:t>About writing templates</a:t>
+              <a:t>About templates</a:t>
             </a:r>
           </a:p>
         </p:txBody>
@@ -18855,7 +19825,7 @@
 </file>
 
 <file path=ppt/slides/slide9.xml><?xml version="1.0" encoding="utf-8"?>
-<p:sld xmlns:a="http://schemas.openxmlformats.org/drawingml/2006/main" xmlns:r="http://schemas.openxmlformats.org/officeDocument/2006/relationships" xmlns:p="http://schemas.openxmlformats.org/presentationml/2006/main" show="0">
+<p:sld xmlns:a="http://schemas.openxmlformats.org/drawingml/2006/main" xmlns:r="http://schemas.openxmlformats.org/officeDocument/2006/relationships" xmlns:p="http://schemas.openxmlformats.org/presentationml/2006/main">
   <p:cSld>
     <p:spTree>
       <p:nvGrpSpPr>
@@ -18873,230 +19843,10 @@
       </p:grpSpPr>
       <p:sp>
         <p:nvSpPr>
-          <p:cNvPr id="6" name="Text Placeholder 5">
+          <p:cNvPr id="4" name="Title 3">
             <a:extLst>
               <a:ext uri="{FF2B5EF4-FFF2-40B4-BE49-F238E27FC236}">
-                <a16:creationId xmlns:a16="http://schemas.microsoft.com/office/drawing/2014/main" id="{920D95D6-6510-4E95-B39D-F186652A1A46}"/>
-              </a:ext>
-            </a:extLst>
-          </p:cNvPr>
-          <p:cNvSpPr>
-            <a:spLocks noGrp="1"/>
-          </p:cNvSpPr>
-          <p:nvPr>
-            <p:ph type="body" sz="quarter" idx="10"/>
-          </p:nvPr>
-        </p:nvSpPr>
-        <p:spPr>
-          <a:xfrm>
-            <a:off x="504000" y="1101253"/>
-            <a:ext cx="11186477" cy="4230000"/>
-          </a:xfrm>
-        </p:spPr>
-        <p:txBody>
-          <a:bodyPr/>
-          <a:lstStyle/>
-          <a:p>
-            <a:pPr marL="342900" indent="-342900">
-              <a:buFontTx/>
-              <a:buChar char="-"/>
-            </a:pPr>
-            <a:r>
-              <a:rPr lang="en-US" sz="1800" dirty="0"/>
-              <a:t>Go to the k8s demo folder </a:t>
-            </a:r>
-            <a:r>
-              <a:rPr lang="en-US" sz="1800" dirty="0">
-                <a:sym typeface="Wingdings" panose="05000000000000000000" pitchFamily="2" charset="2"/>
-              </a:rPr>
-              <a:t>and continue with demo-chart</a:t>
-            </a:r>
-          </a:p>
-          <a:p>
-            <a:pPr marL="522864" lvl="1" indent="-342900">
-              <a:buFontTx/>
-              <a:buChar char="-"/>
-            </a:pPr>
-            <a:r>
-              <a:rPr lang="en-US" sz="1600" dirty="0"/>
-              <a:t>Show the content of the template subfolder, starting with the specific-</a:t>
-            </a:r>
-            <a:r>
-              <a:rPr lang="en-US" sz="1600" dirty="0" err="1"/>
-              <a:t>configmap.yaml</a:t>
-            </a:r>
-            <a:endParaRPr lang="en-US" sz="1600" dirty="0"/>
-          </a:p>
-          <a:p>
-            <a:pPr marL="522864" lvl="1" indent="-342900">
-              <a:buFontTx/>
-              <a:buChar char="-"/>
-            </a:pPr>
-            <a:r>
-              <a:rPr lang="en-US" sz="1600" dirty="0"/>
-              <a:t>Show the flexible-</a:t>
-            </a:r>
-            <a:r>
-              <a:rPr lang="en-US" sz="1600" dirty="0" err="1"/>
-              <a:t>configmap.yaml</a:t>
-            </a:r>
-            <a:r>
-              <a:rPr lang="en-US" sz="1600" dirty="0"/>
-              <a:t> and explain the build in variables, values references + _</a:t>
-            </a:r>
-            <a:r>
-              <a:rPr lang="en-US" sz="1600" dirty="0" err="1"/>
-              <a:t>helpers.tpl</a:t>
-            </a:r>
-            <a:r>
-              <a:rPr lang="en-US" sz="1600" dirty="0"/>
-              <a:t> where the functions are defined</a:t>
-            </a:r>
-          </a:p>
-          <a:p>
-            <a:pPr marL="522864" lvl="1" indent="-342900">
-              <a:buFontTx/>
-              <a:buChar char="-"/>
-            </a:pPr>
-            <a:r>
-              <a:rPr lang="en-US" sz="1600" dirty="0"/>
-              <a:t>Show NOTES.txt -&gt; it contains the lines to print after a successful deployment</a:t>
-            </a:r>
-          </a:p>
-          <a:p>
-            <a:pPr marL="522864" lvl="1" indent="-342900">
-              <a:buFontTx/>
-              <a:buChar char="-"/>
-            </a:pPr>
-            <a:r>
-              <a:rPr lang="en-US" sz="1600" dirty="0"/>
-              <a:t>Show the values file in the demo-chart folder</a:t>
-            </a:r>
-          </a:p>
-          <a:p>
-            <a:pPr marL="342900" indent="-342900">
-              <a:buFontTx/>
-              <a:buChar char="-"/>
-            </a:pPr>
-            <a:r>
-              <a:rPr lang="en-US" sz="1800" dirty="0"/>
-              <a:t>Deploy the chart: “helm install .” (assuming your current working directory is ./demo-chart )</a:t>
-            </a:r>
-          </a:p>
-          <a:p>
-            <a:pPr marL="522864" lvl="1" indent="-342900">
-              <a:buFontTx/>
-              <a:buChar char="-"/>
-            </a:pPr>
-            <a:r>
-              <a:rPr lang="en-US" sz="1600" dirty="0"/>
-              <a:t> run the commands that have been printed by helm</a:t>
-            </a:r>
-          </a:p>
-          <a:p>
-            <a:pPr marL="342900" indent="-342900">
-              <a:buFontTx/>
-              <a:buChar char="-"/>
-            </a:pPr>
-            <a:r>
-              <a:rPr lang="en-US" sz="1800" dirty="0"/>
-              <a:t>Update the release and change the value of </a:t>
-            </a:r>
-            <a:r>
-              <a:rPr lang="en-US" sz="1800" dirty="0" err="1"/>
-              <a:t>myMessage</a:t>
-            </a:r>
-            <a:r>
-              <a:rPr lang="en-US" sz="1800" dirty="0"/>
-              <a:t>, use dry-run and debug to double check changes: </a:t>
-            </a:r>
-          </a:p>
-          <a:p>
-            <a:pPr marL="522864" lvl="1" indent="-342900">
-              <a:buFontTx/>
-              <a:buChar char="-"/>
-            </a:pPr>
-            <a:r>
-              <a:rPr lang="en-US" sz="1600" dirty="0"/>
-              <a:t>helm upgrade --dry-run --debug --set </a:t>
-            </a:r>
-            <a:r>
-              <a:rPr lang="en-US" sz="1600" dirty="0" err="1"/>
-              <a:t>myMessage</a:t>
-            </a:r>
-            <a:r>
-              <a:rPr lang="en-US" sz="1600" dirty="0"/>
-              <a:t>=“Goodbye course” &lt;release name&gt; .</a:t>
-            </a:r>
-          </a:p>
-          <a:p>
-            <a:pPr marL="522864" lvl="1" indent="-342900">
-              <a:buFontTx/>
-              <a:buChar char="-"/>
-            </a:pPr>
-            <a:r>
-              <a:rPr lang="en-US" sz="1600" dirty="0"/>
-              <a:t>helm upgrade --set </a:t>
-            </a:r>
-            <a:r>
-              <a:rPr lang="en-US" sz="1600" dirty="0" err="1"/>
-              <a:t>myMessage</a:t>
-            </a:r>
-            <a:r>
-              <a:rPr lang="en-US" sz="1600" dirty="0"/>
-              <a:t>=“Goodbye course” &lt;release name&gt; .</a:t>
-            </a:r>
-          </a:p>
-          <a:p>
-            <a:pPr marL="342900" indent="-342900">
-              <a:buFontTx/>
-              <a:buChar char="-"/>
-            </a:pPr>
-            <a:r>
-              <a:rPr lang="en-US" sz="1800" dirty="0"/>
-              <a:t>Update the release with a </a:t>
-            </a:r>
-            <a:r>
-              <a:rPr lang="en-US" sz="1800" dirty="0" err="1"/>
-              <a:t>custom_values.yaml</a:t>
-            </a:r>
-            <a:endParaRPr lang="en-US" sz="1800" dirty="0"/>
-          </a:p>
-          <a:p>
-            <a:pPr marL="522864" lvl="1" indent="-342900">
-              <a:buFontTx/>
-              <a:buChar char="-"/>
-            </a:pPr>
-            <a:r>
-              <a:rPr lang="en-US" sz="1600" dirty="0"/>
-              <a:t>Helm upgrade –f </a:t>
-            </a:r>
-            <a:r>
-              <a:rPr lang="en-US" sz="1600" dirty="0" err="1"/>
-              <a:t>custom_values.yaml</a:t>
-            </a:r>
-            <a:r>
-              <a:rPr lang="en-US" sz="1600" dirty="0"/>
-              <a:t> &lt;release name&gt; .</a:t>
-            </a:r>
-          </a:p>
-          <a:p>
-            <a:pPr lvl="1" indent="0">
-              <a:buNone/>
-            </a:pPr>
-            <a:r>
-              <a:rPr lang="en-US" b="1" dirty="0"/>
-              <a:t>“.” is referencing a relative path to your chart – don’t truncate it!</a:t>
-            </a:r>
-          </a:p>
-        </p:txBody>
-      </p:sp>
-      <p:sp>
-        <p:nvSpPr>
-          <p:cNvPr id="5" name="Title 4">
-            <a:extLst>
-              <a:ext uri="{FF2B5EF4-FFF2-40B4-BE49-F238E27FC236}">
-                <a16:creationId xmlns:a16="http://schemas.microsoft.com/office/drawing/2014/main" id="{17C5E0DC-58DA-4279-A937-C304F691FF25}"/>
+                <a16:creationId xmlns:a16="http://schemas.microsoft.com/office/drawing/2014/main" id="{581B0699-A522-4A8F-8C8F-7FA0530D9D6B}"/>
               </a:ext>
             </a:extLst>
           </p:cNvPr>
@@ -19114,7 +19864,389 @@
           <a:p>
             <a:r>
               <a:rPr lang="en-US" dirty="0"/>
-              <a:t>Demo script</a:t>
+              <a:t>About (default) values</a:t>
+            </a:r>
+          </a:p>
+        </p:txBody>
+      </p:sp>
+      <p:pic>
+        <p:nvPicPr>
+          <p:cNvPr id="5" name="Picture 4">
+            <a:extLst>
+              <a:ext uri="{FF2B5EF4-FFF2-40B4-BE49-F238E27FC236}">
+                <a16:creationId xmlns:a16="http://schemas.microsoft.com/office/drawing/2014/main" id="{702AB992-FC16-46C4-B8C1-4B9FE4CB53E2}"/>
+              </a:ext>
+            </a:extLst>
+          </p:cNvPr>
+          <p:cNvPicPr>
+            <a:picLocks noChangeAspect="1"/>
+          </p:cNvPicPr>
+          <p:nvPr/>
+        </p:nvPicPr>
+        <p:blipFill>
+          <a:blip r:embed="rId3"/>
+          <a:stretch>
+            <a:fillRect/>
+          </a:stretch>
+        </p:blipFill>
+        <p:spPr>
+          <a:xfrm>
+            <a:off x="504001" y="2039184"/>
+            <a:ext cx="5047619" cy="1619048"/>
+          </a:xfrm>
+          <a:prstGeom prst="rect">
+            <a:avLst/>
+          </a:prstGeom>
+        </p:spPr>
+      </p:pic>
+      <p:sp>
+        <p:nvSpPr>
+          <p:cNvPr id="6" name="Speech Bubble: Rectangle 5">
+            <a:extLst>
+              <a:ext uri="{FF2B5EF4-FFF2-40B4-BE49-F238E27FC236}">
+                <a16:creationId xmlns:a16="http://schemas.microsoft.com/office/drawing/2014/main" id="{94CDC397-8C29-49D6-88BF-EF28A87F40A0}"/>
+              </a:ext>
+            </a:extLst>
+          </p:cNvPr>
+          <p:cNvSpPr/>
+          <p:nvPr/>
+        </p:nvSpPr>
+        <p:spPr bwMode="gray">
+          <a:xfrm>
+            <a:off x="7157149" y="1349961"/>
+            <a:ext cx="4101737" cy="1217392"/>
+          </a:xfrm>
+          <a:prstGeom prst="wedgeRectCallout">
+            <a:avLst>
+              <a:gd name="adj1" fmla="val -100195"/>
+              <a:gd name="adj2" fmla="val 37609"/>
+            </a:avLst>
+          </a:prstGeom>
+          <a:ln>
+            <a:headEnd/>
+            <a:tailEnd/>
+          </a:ln>
+        </p:spPr>
+        <p:style>
+          <a:lnRef idx="2">
+            <a:schemeClr val="accent5"/>
+          </a:lnRef>
+          <a:fillRef idx="1">
+            <a:schemeClr val="lt1"/>
+          </a:fillRef>
+          <a:effectRef idx="0">
+            <a:schemeClr val="accent5"/>
+          </a:effectRef>
+          <a:fontRef idx="minor">
+            <a:schemeClr val="dk1"/>
+          </a:fontRef>
+        </p:style>
+        <p:txBody>
+          <a:bodyPr lIns="90000" tIns="72000" rIns="90000" bIns="72000" rtlCol="0" anchor="ctr"/>
+          <a:lstStyle/>
+          <a:p>
+            <a:pPr marR="0" algn="ctr" defTabSz="914400" eaLnBrk="1" fontAlgn="base" latinLnBrk="0" hangingPunct="1">
+              <a:lnSpc>
+                <a:spcPct val="100000"/>
+              </a:lnSpc>
+              <a:spcBef>
+                <a:spcPct val="50000"/>
+              </a:spcBef>
+              <a:spcAft>
+                <a:spcPct val="0"/>
+              </a:spcAft>
+              <a:buClr>
+                <a:srgbClr val="F0AB00"/>
+              </a:buClr>
+              <a:buSzPct val="80000"/>
+              <a:tabLst/>
+            </a:pPr>
+            <a:r>
+              <a:rPr kumimoji="0" lang="en-US" sz="1800" b="0" i="0" u="none" strike="noStrike" kern="0" cap="none" spc="0" normalizeH="0" baseline="0" noProof="0" dirty="0">
+                <a:ln>
+                  <a:noFill/>
+                </a:ln>
+                <a:effectLst/>
+                <a:uLnTx/>
+                <a:uFillTx/>
+                <a:ea typeface="Arial Unicode MS" pitchFamily="34" charset="-128"/>
+                <a:cs typeface="Arial Unicode MS" pitchFamily="34" charset="-128"/>
+              </a:rPr>
+              <a:t>Most charts come with default values, stored in a </a:t>
+            </a:r>
+            <a:r>
+              <a:rPr kumimoji="0" lang="en-US" sz="1800" b="0" i="0" u="none" strike="noStrike" kern="0" cap="none" spc="0" normalizeH="0" baseline="0" noProof="0" dirty="0" err="1">
+                <a:ln>
+                  <a:noFill/>
+                </a:ln>
+                <a:effectLst/>
+                <a:uLnTx/>
+                <a:uFillTx/>
+                <a:ea typeface="Arial Unicode MS" pitchFamily="34" charset="-128"/>
+                <a:cs typeface="Arial Unicode MS" pitchFamily="34" charset="-128"/>
+              </a:rPr>
+              <a:t>values.yaml</a:t>
+            </a:r>
+            <a:r>
+              <a:rPr kumimoji="0" lang="en-US" sz="1800" b="0" i="0" u="none" strike="noStrike" kern="0" cap="none" spc="0" normalizeH="0" baseline="0" noProof="0" dirty="0">
+                <a:ln>
+                  <a:noFill/>
+                </a:ln>
+                <a:effectLst/>
+                <a:uLnTx/>
+                <a:uFillTx/>
+                <a:ea typeface="Arial Unicode MS" pitchFamily="34" charset="-128"/>
+                <a:cs typeface="Arial Unicode MS" pitchFamily="34" charset="-128"/>
+              </a:rPr>
+              <a:t> file in the chart’s </a:t>
+            </a:r>
+            <a:r>
+              <a:rPr kumimoji="0" lang="en-US" sz="1800" b="0" i="0" u="none" strike="noStrike" kern="0" cap="none" spc="0" normalizeH="0" baseline="0" noProof="0" dirty="0" err="1">
+                <a:ln>
+                  <a:noFill/>
+                </a:ln>
+                <a:effectLst/>
+                <a:uLnTx/>
+                <a:uFillTx/>
+                <a:ea typeface="Arial Unicode MS" pitchFamily="34" charset="-128"/>
+                <a:cs typeface="Arial Unicode MS" pitchFamily="34" charset="-128"/>
+              </a:rPr>
+              <a:t>direcotry</a:t>
+            </a:r>
+            <a:endParaRPr kumimoji="0" lang="en-US" sz="1800" b="0" i="0" u="none" strike="noStrike" kern="0" cap="none" spc="0" normalizeH="0" baseline="0" noProof="0" dirty="0">
+              <a:ln>
+                <a:noFill/>
+              </a:ln>
+              <a:effectLst/>
+              <a:uLnTx/>
+              <a:uFillTx/>
+              <a:ea typeface="Arial Unicode MS" pitchFamily="34" charset="-128"/>
+              <a:cs typeface="Arial Unicode MS" pitchFamily="34" charset="-128"/>
+            </a:endParaRPr>
+          </a:p>
+        </p:txBody>
+      </p:sp>
+      <p:sp>
+        <p:nvSpPr>
+          <p:cNvPr id="7" name="Speech Bubble: Rectangle 6">
+            <a:extLst>
+              <a:ext uri="{FF2B5EF4-FFF2-40B4-BE49-F238E27FC236}">
+                <a16:creationId xmlns:a16="http://schemas.microsoft.com/office/drawing/2014/main" id="{0A6FEC62-08BF-44DA-96F4-2E8EE523F047}"/>
+              </a:ext>
+            </a:extLst>
+          </p:cNvPr>
+          <p:cNvSpPr/>
+          <p:nvPr/>
+        </p:nvSpPr>
+        <p:spPr bwMode="gray">
+          <a:xfrm>
+            <a:off x="7157149" y="3049536"/>
+            <a:ext cx="4101737" cy="1217392"/>
+          </a:xfrm>
+          <a:prstGeom prst="wedgeRectCallout">
+            <a:avLst>
+              <a:gd name="adj1" fmla="val -98909"/>
+              <a:gd name="adj2" fmla="val -12947"/>
+            </a:avLst>
+          </a:prstGeom>
+          <a:ln>
+            <a:headEnd/>
+            <a:tailEnd/>
+          </a:ln>
+        </p:spPr>
+        <p:style>
+          <a:lnRef idx="2">
+            <a:schemeClr val="accent5"/>
+          </a:lnRef>
+          <a:fillRef idx="1">
+            <a:schemeClr val="lt1"/>
+          </a:fillRef>
+          <a:effectRef idx="0">
+            <a:schemeClr val="accent5"/>
+          </a:effectRef>
+          <a:fontRef idx="minor">
+            <a:schemeClr val="dk1"/>
+          </a:fontRef>
+        </p:style>
+        <p:txBody>
+          <a:bodyPr lIns="90000" tIns="72000" rIns="90000" bIns="72000" rtlCol="0" anchor="ctr"/>
+          <a:lstStyle/>
+          <a:p>
+            <a:pPr marR="0" algn="ctr" defTabSz="914400" eaLnBrk="1" fontAlgn="base" latinLnBrk="0" hangingPunct="1">
+              <a:lnSpc>
+                <a:spcPct val="100000"/>
+              </a:lnSpc>
+              <a:spcBef>
+                <a:spcPct val="50000"/>
+              </a:spcBef>
+              <a:spcAft>
+                <a:spcPct val="0"/>
+              </a:spcAft>
+              <a:buClr>
+                <a:srgbClr val="F0AB00"/>
+              </a:buClr>
+              <a:buSzPct val="80000"/>
+              <a:tabLst/>
+            </a:pPr>
+            <a:r>
+              <a:rPr kumimoji="0" lang="en-US" sz="1800" b="0" i="0" u="none" strike="noStrike" kern="0" cap="none" spc="0" normalizeH="0" baseline="0" noProof="0" dirty="0">
+                <a:ln>
+                  <a:noFill/>
+                </a:ln>
+                <a:effectLst/>
+                <a:uLnTx/>
+                <a:uFillTx/>
+                <a:ea typeface="Arial Unicode MS" pitchFamily="34" charset="-128"/>
+                <a:cs typeface="Arial Unicode MS" pitchFamily="34" charset="-128"/>
+              </a:rPr>
+              <a:t>Values follow the usual </a:t>
+            </a:r>
+            <a:r>
+              <a:rPr kumimoji="0" lang="en-US" sz="1800" b="0" i="0" u="none" strike="noStrike" kern="0" cap="none" spc="0" normalizeH="0" baseline="0" noProof="0" dirty="0" err="1">
+                <a:ln>
+                  <a:noFill/>
+                </a:ln>
+                <a:effectLst/>
+                <a:uLnTx/>
+                <a:uFillTx/>
+                <a:ea typeface="Arial Unicode MS" pitchFamily="34" charset="-128"/>
+                <a:cs typeface="Arial Unicode MS" pitchFamily="34" charset="-128"/>
+              </a:rPr>
+              <a:t>yaml</a:t>
+            </a:r>
+            <a:r>
+              <a:rPr kumimoji="0" lang="en-US" sz="1800" b="0" i="0" u="none" strike="noStrike" kern="0" cap="none" spc="0" normalizeH="0" baseline="0" noProof="0" dirty="0">
+                <a:ln>
+                  <a:noFill/>
+                </a:ln>
+                <a:effectLst/>
+                <a:uLnTx/>
+                <a:uFillTx/>
+                <a:ea typeface="Arial Unicode MS" pitchFamily="34" charset="-128"/>
+                <a:cs typeface="Arial Unicode MS" pitchFamily="34" charset="-128"/>
+              </a:rPr>
+              <a:t> structure (indented</a:t>
+            </a:r>
+            <a:r>
+              <a:rPr lang="en-US" sz="1800" kern="0" dirty="0">
+                <a:ea typeface="Arial Unicode MS" pitchFamily="34" charset="-128"/>
+                <a:cs typeface="Arial Unicode MS" pitchFamily="34" charset="-128"/>
+              </a:rPr>
+              <a:t>, maps, lists)</a:t>
+            </a:r>
+            <a:endParaRPr kumimoji="0" lang="en-US" sz="1800" b="0" i="0" u="none" strike="noStrike" kern="0" cap="none" spc="0" normalizeH="0" baseline="0" noProof="0" dirty="0">
+              <a:ln>
+                <a:noFill/>
+              </a:ln>
+              <a:effectLst/>
+              <a:uLnTx/>
+              <a:uFillTx/>
+              <a:ea typeface="Arial Unicode MS" pitchFamily="34" charset="-128"/>
+              <a:cs typeface="Arial Unicode MS" pitchFamily="34" charset="-128"/>
+            </a:endParaRPr>
+          </a:p>
+        </p:txBody>
+      </p:sp>
+      <p:sp>
+        <p:nvSpPr>
+          <p:cNvPr id="8" name="Speech Bubble: Rectangle 7">
+            <a:extLst>
+              <a:ext uri="{FF2B5EF4-FFF2-40B4-BE49-F238E27FC236}">
+                <a16:creationId xmlns:a16="http://schemas.microsoft.com/office/drawing/2014/main" id="{33632052-3C24-4B78-BE91-D81A3475BFBD}"/>
+              </a:ext>
+            </a:extLst>
+          </p:cNvPr>
+          <p:cNvSpPr/>
+          <p:nvPr/>
+        </p:nvSpPr>
+        <p:spPr bwMode="gray">
+          <a:xfrm>
+            <a:off x="3168372" y="4824084"/>
+            <a:ext cx="4101737" cy="1217392"/>
+          </a:xfrm>
+          <a:prstGeom prst="wedgeRectCallout">
+            <a:avLst>
+              <a:gd name="adj1" fmla="val -50679"/>
+              <a:gd name="adj2" fmla="val -138614"/>
+            </a:avLst>
+          </a:prstGeom>
+          <a:ln>
+            <a:headEnd/>
+            <a:tailEnd/>
+          </a:ln>
+        </p:spPr>
+        <p:style>
+          <a:lnRef idx="2">
+            <a:schemeClr val="accent5"/>
+          </a:lnRef>
+          <a:fillRef idx="1">
+            <a:schemeClr val="lt1"/>
+          </a:fillRef>
+          <a:effectRef idx="0">
+            <a:schemeClr val="accent5"/>
+          </a:effectRef>
+          <a:fontRef idx="minor">
+            <a:schemeClr val="dk1"/>
+          </a:fontRef>
+        </p:style>
+        <p:txBody>
+          <a:bodyPr lIns="90000" tIns="72000" rIns="90000" bIns="72000" rtlCol="0" anchor="ctr"/>
+          <a:lstStyle/>
+          <a:p>
+            <a:pPr marR="0" algn="ctr" defTabSz="914400" eaLnBrk="1" fontAlgn="base" latinLnBrk="0" hangingPunct="1">
+              <a:lnSpc>
+                <a:spcPct val="100000"/>
+              </a:lnSpc>
+              <a:spcBef>
+                <a:spcPct val="50000"/>
+              </a:spcBef>
+              <a:spcAft>
+                <a:spcPct val="0"/>
+              </a:spcAft>
+              <a:buClr>
+                <a:srgbClr val="F0AB00"/>
+              </a:buClr>
+              <a:buSzPct val="80000"/>
+              <a:tabLst/>
+            </a:pPr>
+            <a:r>
+              <a:rPr kumimoji="0" lang="en-US" sz="1800" b="0" i="0" u="none" strike="noStrike" kern="0" cap="none" spc="0" normalizeH="0" baseline="0" noProof="0" dirty="0">
+                <a:ln>
+                  <a:noFill/>
+                </a:ln>
+                <a:effectLst/>
+                <a:uLnTx/>
+                <a:uFillTx/>
+                <a:ea typeface="Arial Unicode MS" pitchFamily="34" charset="-128"/>
+                <a:cs typeface="Arial Unicode MS" pitchFamily="34" charset="-128"/>
+              </a:rPr>
+              <a:t>Overwrite default values by specifying the with --set or send a custom values </a:t>
+            </a:r>
+            <a:r>
+              <a:rPr kumimoji="0" lang="en-US" sz="1800" b="0" i="0" u="none" strike="noStrike" kern="0" cap="none" spc="0" normalizeH="0" baseline="0" noProof="0" dirty="0" err="1">
+                <a:ln>
+                  <a:noFill/>
+                </a:ln>
+                <a:effectLst/>
+                <a:uLnTx/>
+                <a:uFillTx/>
+                <a:ea typeface="Arial Unicode MS" pitchFamily="34" charset="-128"/>
+                <a:cs typeface="Arial Unicode MS" pitchFamily="34" charset="-128"/>
+              </a:rPr>
+              <a:t>yaml</a:t>
+            </a:r>
+            <a:r>
+              <a:rPr kumimoji="0" lang="en-US" sz="1800" b="0" i="0" u="none" strike="noStrike" kern="0" cap="none" spc="0" normalizeH="0" baseline="0" noProof="0" dirty="0">
+                <a:ln>
+                  <a:noFill/>
+                </a:ln>
+                <a:effectLst/>
+                <a:uLnTx/>
+                <a:uFillTx/>
+                <a:ea typeface="Arial Unicode MS" pitchFamily="34" charset="-128"/>
+                <a:cs typeface="Arial Unicode MS" pitchFamily="34" charset="-128"/>
+              </a:rPr>
+              <a:t> file</a:t>
             </a:r>
           </a:p>
         </p:txBody>
@@ -19122,7 +20254,7 @@
     </p:spTree>
     <p:extLst>
       <p:ext uri="{BB962C8B-B14F-4D97-AF65-F5344CB8AC3E}">
-        <p14:creationId xmlns:p14="http://schemas.microsoft.com/office/powerpoint/2010/main" val="4159007378"/>
+        <p14:creationId xmlns:p14="http://schemas.microsoft.com/office/powerpoint/2010/main" val="3362660739"/>
       </p:ext>
     </p:extLst>
   </p:cSld>

--- a/kubernetes/12_helm.pptx
+++ b/kubernetes/12_helm.pptx
@@ -15019,7 +15019,7 @@
         </p:nvSpPr>
         <p:spPr bwMode="gray">
           <a:xfrm>
-            <a:off x="7315411" y="895809"/>
+            <a:off x="7658311" y="787931"/>
             <a:ext cx="4101737" cy="936039"/>
           </a:xfrm>
           <a:prstGeom prst="wedgeRectCallout">
@@ -15338,6 +15338,236 @@
               <a:ln>
                 <a:noFill/>
               </a:ln>
+              <a:effectLst/>
+              <a:uLnTx/>
+              <a:uFillTx/>
+              <a:ea typeface="Arial Unicode MS" pitchFamily="34" charset="-128"/>
+              <a:cs typeface="Arial Unicode MS" pitchFamily="34" charset="-128"/>
+            </a:endParaRPr>
+          </a:p>
+        </p:txBody>
+      </p:sp>
+      <p:sp>
+        <p:nvSpPr>
+          <p:cNvPr id="9" name="Rectangle: Rounded Corners 8">
+            <a:extLst>
+              <a:ext uri="{FF2B5EF4-FFF2-40B4-BE49-F238E27FC236}">
+                <a16:creationId xmlns:a16="http://schemas.microsoft.com/office/drawing/2014/main" id="{08FA5226-770E-4FC6-A251-F3DCF0E13EDB}"/>
+              </a:ext>
+            </a:extLst>
+          </p:cNvPr>
+          <p:cNvSpPr/>
+          <p:nvPr/>
+        </p:nvSpPr>
+        <p:spPr bwMode="gray">
+          <a:xfrm>
+            <a:off x="504001" y="1891931"/>
+            <a:ext cx="1855177" cy="531593"/>
+          </a:xfrm>
+          <a:prstGeom prst="roundRect">
+            <a:avLst/>
+          </a:prstGeom>
+          <a:noFill/>
+          <a:ln w="9525" cap="flat" cmpd="sng" algn="ctr">
+            <a:solidFill>
+              <a:schemeClr val="accent2"/>
+            </a:solidFill>
+            <a:prstDash val="solid"/>
+            <a:round/>
+            <a:headEnd type="none" w="med" len="med"/>
+            <a:tailEnd type="none" w="med" len="med"/>
+          </a:ln>
+        </p:spPr>
+        <p:style>
+          <a:lnRef idx="0">
+            <a:scrgbClr r="0" g="0" b="0"/>
+          </a:lnRef>
+          <a:fillRef idx="0">
+            <a:scrgbClr r="0" g="0" b="0"/>
+          </a:fillRef>
+          <a:effectRef idx="0">
+            <a:scrgbClr r="0" g="0" b="0"/>
+          </a:effectRef>
+          <a:fontRef idx="minor">
+            <a:schemeClr val="accent2"/>
+          </a:fontRef>
+        </p:style>
+        <p:txBody>
+          <a:bodyPr lIns="90000" tIns="72000" rIns="90000" bIns="72000" rtlCol="0" anchor="ctr"/>
+          <a:lstStyle/>
+          <a:p>
+            <a:pPr marR="0" algn="ctr" defTabSz="914400" eaLnBrk="1" fontAlgn="base" latinLnBrk="0" hangingPunct="1">
+              <a:lnSpc>
+                <a:spcPct val="100000"/>
+              </a:lnSpc>
+              <a:spcBef>
+                <a:spcPct val="50000"/>
+              </a:spcBef>
+              <a:spcAft>
+                <a:spcPct val="0"/>
+              </a:spcAft>
+              <a:buClr>
+                <a:srgbClr val="F0AB00"/>
+              </a:buClr>
+              <a:buSzPct val="80000"/>
+              <a:tabLst/>
+            </a:pPr>
+            <a:r>
+              <a:rPr lang="en-US" sz="1800" b="1" kern="0" dirty="0">
+                <a:solidFill>
+                  <a:schemeClr val="tx1"/>
+                </a:solidFill>
+                <a:ea typeface="Arial Unicode MS" pitchFamily="34" charset="-128"/>
+                <a:cs typeface="Arial Unicode MS" pitchFamily="34" charset="-128"/>
+              </a:rPr>
+              <a:t>v</a:t>
+            </a:r>
+            <a:r>
+              <a:rPr kumimoji="0" lang="en-US" sz="1800" b="1" i="0" u="none" strike="noStrike" kern="0" cap="none" spc="0" normalizeH="0" baseline="0" noProof="0" dirty="0" err="1">
+                <a:ln>
+                  <a:noFill/>
+                </a:ln>
+                <a:solidFill>
+                  <a:schemeClr val="tx1"/>
+                </a:solidFill>
+                <a:effectLst/>
+                <a:uLnTx/>
+                <a:uFillTx/>
+                <a:ea typeface="Arial Unicode MS" pitchFamily="34" charset="-128"/>
+                <a:cs typeface="Arial Unicode MS" pitchFamily="34" charset="-128"/>
+              </a:rPr>
+              <a:t>alues.yaml</a:t>
+            </a:r>
+            <a:endParaRPr kumimoji="0" lang="en-US" sz="1800" b="1" i="0" u="none" strike="noStrike" kern="0" cap="none" spc="0" normalizeH="0" baseline="0" noProof="0" dirty="0">
+              <a:ln>
+                <a:noFill/>
+              </a:ln>
+              <a:solidFill>
+                <a:schemeClr val="tx1"/>
+              </a:solidFill>
+              <a:effectLst/>
+              <a:uLnTx/>
+              <a:uFillTx/>
+              <a:ea typeface="Arial Unicode MS" pitchFamily="34" charset="-128"/>
+              <a:cs typeface="Arial Unicode MS" pitchFamily="34" charset="-128"/>
+            </a:endParaRPr>
+          </a:p>
+        </p:txBody>
+      </p:sp>
+      <p:sp>
+        <p:nvSpPr>
+          <p:cNvPr id="13" name="Rectangle: Rounded Corners 12">
+            <a:extLst>
+              <a:ext uri="{FF2B5EF4-FFF2-40B4-BE49-F238E27FC236}">
+                <a16:creationId xmlns:a16="http://schemas.microsoft.com/office/drawing/2014/main" id="{99C12D3C-987A-454F-ABB1-9D4F4C6F3D4A}"/>
+              </a:ext>
+            </a:extLst>
+          </p:cNvPr>
+          <p:cNvSpPr/>
+          <p:nvPr/>
+        </p:nvSpPr>
+        <p:spPr bwMode="gray">
+          <a:xfrm>
+            <a:off x="6097239" y="1891931"/>
+            <a:ext cx="1855177" cy="531593"/>
+          </a:xfrm>
+          <a:prstGeom prst="roundRect">
+            <a:avLst/>
+          </a:prstGeom>
+          <a:noFill/>
+          <a:ln w="9525" cap="flat" cmpd="sng" algn="ctr">
+            <a:solidFill>
+              <a:schemeClr val="accent2"/>
+            </a:solidFill>
+            <a:prstDash val="solid"/>
+            <a:round/>
+            <a:headEnd type="none" w="med" len="med"/>
+            <a:tailEnd type="none" w="med" len="med"/>
+          </a:ln>
+        </p:spPr>
+        <p:style>
+          <a:lnRef idx="0">
+            <a:scrgbClr r="0" g="0" b="0"/>
+          </a:lnRef>
+          <a:fillRef idx="0">
+            <a:scrgbClr r="0" g="0" b="0"/>
+          </a:fillRef>
+          <a:effectRef idx="0">
+            <a:scrgbClr r="0" g="0" b="0"/>
+          </a:effectRef>
+          <a:fontRef idx="minor">
+            <a:schemeClr val="accent2"/>
+          </a:fontRef>
+        </p:style>
+        <p:txBody>
+          <a:bodyPr lIns="90000" tIns="72000" rIns="90000" bIns="72000" rtlCol="0" anchor="ctr"/>
+          <a:lstStyle/>
+          <a:p>
+            <a:pPr marR="0" algn="ctr" defTabSz="914400" eaLnBrk="1" fontAlgn="base" latinLnBrk="0" hangingPunct="1">
+              <a:lnSpc>
+                <a:spcPct val="100000"/>
+              </a:lnSpc>
+              <a:spcBef>
+                <a:spcPct val="50000"/>
+              </a:spcBef>
+              <a:spcAft>
+                <a:spcPct val="0"/>
+              </a:spcAft>
+              <a:buClr>
+                <a:srgbClr val="F0AB00"/>
+              </a:buClr>
+              <a:buSzPct val="80000"/>
+              <a:tabLst/>
+            </a:pPr>
+            <a:r>
+              <a:rPr lang="en-US" sz="1800" b="1" kern="0" dirty="0">
+                <a:solidFill>
+                  <a:schemeClr val="tx1"/>
+                </a:solidFill>
+                <a:ea typeface="Arial Unicode MS" pitchFamily="34" charset="-128"/>
+                <a:cs typeface="Arial Unicode MS" pitchFamily="34" charset="-128"/>
+              </a:rPr>
+              <a:t>template</a:t>
+            </a:r>
+            <a:r>
+              <a:rPr kumimoji="0" lang="en-US" sz="1800" b="1" i="0" u="none" strike="noStrike" kern="0" cap="none" spc="0" normalizeH="0" baseline="0" noProof="0" dirty="0">
+                <a:ln>
+                  <a:noFill/>
+                </a:ln>
+                <a:solidFill>
+                  <a:schemeClr val="tx1"/>
+                </a:solidFill>
+                <a:effectLst/>
+                <a:uLnTx/>
+                <a:uFillTx/>
+                <a:ea typeface="Arial Unicode MS" pitchFamily="34" charset="-128"/>
+                <a:cs typeface="Arial Unicode MS" pitchFamily="34" charset="-128"/>
+              </a:rPr>
+              <a:t>.</a:t>
+            </a:r>
+            <a:r>
+              <a:rPr kumimoji="0" lang="en-US" sz="1800" b="1" i="0" u="none" strike="noStrike" kern="0" cap="none" spc="0" normalizeH="0" baseline="0" noProof="0" dirty="0" err="1">
+                <a:ln>
+                  <a:noFill/>
+                </a:ln>
+                <a:solidFill>
+                  <a:schemeClr val="tx1"/>
+                </a:solidFill>
+                <a:effectLst/>
+                <a:uLnTx/>
+                <a:uFillTx/>
+                <a:ea typeface="Arial Unicode MS" pitchFamily="34" charset="-128"/>
+                <a:cs typeface="Arial Unicode MS" pitchFamily="34" charset="-128"/>
+              </a:rPr>
+              <a:t>yaml</a:t>
+            </a:r>
+            <a:endParaRPr kumimoji="0" lang="en-US" sz="1800" b="1" i="0" u="none" strike="noStrike" kern="0" cap="none" spc="0" normalizeH="0" baseline="0" noProof="0" dirty="0">
+              <a:ln>
+                <a:noFill/>
+              </a:ln>
+              <a:solidFill>
+                <a:schemeClr val="tx1"/>
+              </a:solidFill>
               <a:effectLst/>
               <a:uLnTx/>
               <a:uFillTx/>
@@ -20248,6 +20478,113 @@
               </a:rPr>
               <a:t> file</a:t>
             </a:r>
+          </a:p>
+        </p:txBody>
+      </p:sp>
+      <p:sp>
+        <p:nvSpPr>
+          <p:cNvPr id="3" name="Rectangle: Rounded Corners 2">
+            <a:extLst>
+              <a:ext uri="{FF2B5EF4-FFF2-40B4-BE49-F238E27FC236}">
+                <a16:creationId xmlns:a16="http://schemas.microsoft.com/office/drawing/2014/main" id="{AAA31C7E-E730-4BEC-AA1F-23831492FE88}"/>
+              </a:ext>
+            </a:extLst>
+          </p:cNvPr>
+          <p:cNvSpPr/>
+          <p:nvPr/>
+        </p:nvSpPr>
+        <p:spPr bwMode="gray">
+          <a:xfrm>
+            <a:off x="504001" y="1349961"/>
+            <a:ext cx="1855177" cy="531593"/>
+          </a:xfrm>
+          <a:prstGeom prst="roundRect">
+            <a:avLst/>
+          </a:prstGeom>
+          <a:noFill/>
+          <a:ln w="9525" cap="flat" cmpd="sng" algn="ctr">
+            <a:solidFill>
+              <a:schemeClr val="accent2"/>
+            </a:solidFill>
+            <a:prstDash val="solid"/>
+            <a:round/>
+            <a:headEnd type="none" w="med" len="med"/>
+            <a:tailEnd type="none" w="med" len="med"/>
+          </a:ln>
+        </p:spPr>
+        <p:style>
+          <a:lnRef idx="0">
+            <a:scrgbClr r="0" g="0" b="0"/>
+          </a:lnRef>
+          <a:fillRef idx="0">
+            <a:scrgbClr r="0" g="0" b="0"/>
+          </a:fillRef>
+          <a:effectRef idx="0">
+            <a:scrgbClr r="0" g="0" b="0"/>
+          </a:effectRef>
+          <a:fontRef idx="minor">
+            <a:schemeClr val="accent2"/>
+          </a:fontRef>
+        </p:style>
+        <p:txBody>
+          <a:bodyPr lIns="90000" tIns="72000" rIns="90000" bIns="72000" rtlCol="0" anchor="ctr"/>
+          <a:lstStyle/>
+          <a:p>
+            <a:pPr marR="0" algn="ctr" defTabSz="914400" eaLnBrk="1" fontAlgn="base" latinLnBrk="0" hangingPunct="1">
+              <a:lnSpc>
+                <a:spcPct val="100000"/>
+              </a:lnSpc>
+              <a:spcBef>
+                <a:spcPct val="50000"/>
+              </a:spcBef>
+              <a:spcAft>
+                <a:spcPct val="0"/>
+              </a:spcAft>
+              <a:buClr>
+                <a:srgbClr val="F0AB00"/>
+              </a:buClr>
+              <a:buSzPct val="80000"/>
+              <a:tabLst/>
+            </a:pPr>
+            <a:r>
+              <a:rPr lang="en-US" sz="1800" b="1" kern="0" dirty="0">
+                <a:solidFill>
+                  <a:schemeClr val="tx1"/>
+                </a:solidFill>
+                <a:ea typeface="Arial Unicode MS" pitchFamily="34" charset="-128"/>
+                <a:cs typeface="Arial Unicode MS" pitchFamily="34" charset="-128"/>
+              </a:rPr>
+              <a:t>v</a:t>
+            </a:r>
+            <a:r>
+              <a:rPr kumimoji="0" lang="en-US" sz="1800" b="1" i="0" u="none" strike="noStrike" kern="0" cap="none" spc="0" normalizeH="0" baseline="0" noProof="0" dirty="0" err="1">
+                <a:ln>
+                  <a:noFill/>
+                </a:ln>
+                <a:solidFill>
+                  <a:schemeClr val="tx1"/>
+                </a:solidFill>
+                <a:effectLst/>
+                <a:uLnTx/>
+                <a:uFillTx/>
+                <a:ea typeface="Arial Unicode MS" pitchFamily="34" charset="-128"/>
+                <a:cs typeface="Arial Unicode MS" pitchFamily="34" charset="-128"/>
+              </a:rPr>
+              <a:t>alues.yaml</a:t>
+            </a:r>
+            <a:endParaRPr kumimoji="0" lang="en-US" sz="1800" b="1" i="0" u="none" strike="noStrike" kern="0" cap="none" spc="0" normalizeH="0" baseline="0" noProof="0" dirty="0">
+              <a:ln>
+                <a:noFill/>
+              </a:ln>
+              <a:solidFill>
+                <a:schemeClr val="tx1"/>
+              </a:solidFill>
+              <a:effectLst/>
+              <a:uLnTx/>
+              <a:uFillTx/>
+              <a:ea typeface="Arial Unicode MS" pitchFamily="34" charset="-128"/>
+              <a:cs typeface="Arial Unicode MS" pitchFamily="34" charset="-128"/>
+            </a:endParaRPr>
           </a:p>
         </p:txBody>
       </p:sp>

--- a/kubernetes/12_helm.pptx
+++ b/kubernetes/12_helm.pptx
@@ -5,10 +5,10 @@
     <p:sldMasterId id="2147483733" r:id="rId1"/>
   </p:sldMasterIdLst>
   <p:notesMasterIdLst>
-    <p:notesMasterId r:id="rId9"/>
+    <p:notesMasterId r:id="rId10"/>
   </p:notesMasterIdLst>
   <p:handoutMasterIdLst>
-    <p:handoutMasterId r:id="rId10"/>
+    <p:handoutMasterId r:id="rId11"/>
   </p:handoutMasterIdLst>
   <p:sldIdLst>
     <p:sldId id="433" r:id="rId2"/>
@@ -16,8 +16,9 @@
     <p:sldId id="445" r:id="rId4"/>
     <p:sldId id="446" r:id="rId5"/>
     <p:sldId id="447" r:id="rId6"/>
-    <p:sldId id="444" r:id="rId7"/>
-    <p:sldId id="265" r:id="rId8"/>
+    <p:sldId id="467" r:id="rId7"/>
+    <p:sldId id="456" r:id="rId8"/>
+    <p:sldId id="265" r:id="rId9"/>
   </p:sldIdLst>
   <p:sldSz cx="12195175" cy="6858000"/>
   <p:notesSz cx="6858000" cy="9144000"/>
@@ -193,10 +194,6 @@
 </p:presentation>
 </file>
 
-<file path=ppt/revisionInfo.xml><?xml version="1.0" encoding="utf-8"?>
-<p1510:revInfo xmlns:a="http://schemas.openxmlformats.org/drawingml/2006/main" xmlns:r="http://schemas.openxmlformats.org/officeDocument/2006/relationships" xmlns:p1510="http://schemas.microsoft.com/office/powerpoint/2015/10/main"/>
-</file>
-
 <file path=ppt/handoutMasters/handoutMaster1.xml><?xml version="1.0" encoding="utf-8"?>
 <p:handoutMaster xmlns:a="http://schemas.openxmlformats.org/drawingml/2006/main" xmlns:r="http://schemas.openxmlformats.org/officeDocument/2006/relationships" xmlns:p="http://schemas.openxmlformats.org/presentationml/2006/main">
   <p:cSld>
@@ -947,6 +944,324 @@
       </p:grpSpPr>
       <p:sp>
         <p:nvSpPr>
+          <p:cNvPr id="2" name="Slide Image Placeholder 1"/>
+          <p:cNvSpPr>
+            <a:spLocks noGrp="1" noRot="1" noChangeAspect="1"/>
+          </p:cNvSpPr>
+          <p:nvPr>
+            <p:ph type="sldImg"/>
+          </p:nvPr>
+        </p:nvSpPr>
+        <p:spPr/>
+      </p:sp>
+      <p:sp>
+        <p:nvSpPr>
+          <p:cNvPr id="3" name="Notes Placeholder 2"/>
+          <p:cNvSpPr>
+            <a:spLocks noGrp="1"/>
+          </p:cNvSpPr>
+          <p:nvPr>
+            <p:ph type="body" idx="1"/>
+          </p:nvPr>
+        </p:nvSpPr>
+        <p:spPr/>
+        <p:txBody>
+          <a:bodyPr>
+            <a:normAutofit/>
+          </a:bodyPr>
+          <a:lstStyle/>
+          <a:p>
+            <a:pPr marL="285750" lvl="0" indent="-285750">
+              <a:buFontTx/>
+              <a:buChar char="-"/>
+            </a:pPr>
+            <a:r>
+              <a:rPr lang="en-US" dirty="0"/>
+              <a:t>Start with showing the helm binary – simply run “helm” without anything else</a:t>
+            </a:r>
+          </a:p>
+          <a:p>
+            <a:pPr marL="285750" lvl="0" indent="-285750">
+              <a:buFontTx/>
+              <a:buChar char="-"/>
+            </a:pPr>
+            <a:r>
+              <a:rPr lang="en-US" dirty="0"/>
+              <a:t>If not yet done, run a “helm </a:t>
+            </a:r>
+            <a:r>
+              <a:rPr lang="en-US" dirty="0" err="1"/>
+              <a:t>init</a:t>
+            </a:r>
+            <a:r>
+              <a:rPr lang="en-US" dirty="0"/>
+              <a:t>” to deploy tiller. But probably there is already a tiller from the time when you created the registry.</a:t>
+            </a:r>
+          </a:p>
+          <a:p>
+            <a:pPr marL="285750" lvl="0" indent="-285750">
+              <a:buFontTx/>
+              <a:buChar char="-"/>
+            </a:pPr>
+            <a:r>
+              <a:rPr lang="en-US" dirty="0"/>
+              <a:t>Show the tiller pod in </a:t>
+            </a:r>
+            <a:r>
+              <a:rPr lang="en-US" dirty="0" err="1"/>
+              <a:t>kube</a:t>
+            </a:r>
+            <a:r>
+              <a:rPr lang="en-US" dirty="0"/>
+              <a:t>-system namespace. Explain, that for helm </a:t>
+            </a:r>
+            <a:r>
+              <a:rPr lang="en-US" dirty="0" err="1"/>
+              <a:t>init</a:t>
+            </a:r>
+            <a:r>
+              <a:rPr lang="en-US" dirty="0"/>
+              <a:t>, participants should target their own namespace. Otherwise they will connect to the same tiller. Highlight that in order to setup tiller with cluster access (i.e. outside of it’s namespace a </a:t>
+            </a:r>
+            <a:r>
+              <a:rPr lang="en-US" dirty="0" err="1"/>
+              <a:t>clusterrolebinding</a:t>
+            </a:r>
+            <a:r>
+              <a:rPr lang="en-US" dirty="0"/>
+              <a:t> is required)</a:t>
+            </a:r>
+          </a:p>
+          <a:p>
+            <a:pPr marL="285750" lvl="0" indent="-285750">
+              <a:buFontTx/>
+              <a:buChar char="-"/>
+            </a:pPr>
+            <a:r>
+              <a:rPr lang="en-US" dirty="0"/>
+              <a:t>Run “helm list” to show the already installed charts and explain that they are called a “release”.</a:t>
+            </a:r>
+          </a:p>
+          <a:p>
+            <a:pPr marL="285750" lvl="0" indent="-285750">
+              <a:buFontTx/>
+              <a:buChar char="-"/>
+            </a:pPr>
+            <a:r>
+              <a:rPr lang="en-US" dirty="0"/>
+              <a:t>To prepare the next exercise, explain that an empty return (still </a:t>
+            </a:r>
+            <a:r>
+              <a:rPr lang="en-US" dirty="0" err="1"/>
+              <a:t>rc</a:t>
+            </a:r>
+            <a:r>
+              <a:rPr lang="en-US" dirty="0"/>
+              <a:t>=0) is ok to validate that tiller installed &amp; ready. If not, you would get an error message.</a:t>
+            </a:r>
+          </a:p>
+          <a:p>
+            <a:pPr marL="285750" lvl="0" indent="-285750">
+              <a:buFontTx/>
+              <a:buChar char="-"/>
+            </a:pPr>
+            <a:endParaRPr lang="en-US" dirty="0"/>
+          </a:p>
+          <a:p>
+            <a:pPr marL="0" lvl="0" indent="0">
+              <a:buFontTx/>
+              <a:buNone/>
+            </a:pPr>
+            <a:r>
+              <a:rPr lang="en-US" dirty="0"/>
+              <a:t>Next move on to the question, wherefrom to get charts:</a:t>
+            </a:r>
+          </a:p>
+          <a:p>
+            <a:pPr marL="285750" lvl="0" indent="-285750">
+              <a:buFontTx/>
+              <a:buChar char="-"/>
+            </a:pPr>
+            <a:r>
+              <a:rPr lang="en-US" dirty="0"/>
+              <a:t>Open https://github.com/helm/charts in a browser</a:t>
+            </a:r>
+          </a:p>
+          <a:p>
+            <a:pPr marL="285750" lvl="0" indent="-285750">
+              <a:buFontTx/>
+              <a:buChar char="-"/>
+            </a:pPr>
+            <a:r>
+              <a:rPr lang="en-US" dirty="0"/>
+              <a:t>Talk about the different “levels” – currently incubator, test &amp; stable and go to stable</a:t>
+            </a:r>
+          </a:p>
+          <a:p>
+            <a:pPr marL="285750" lvl="0" indent="-285750">
+              <a:buFontTx/>
+              <a:buChar char="-"/>
+            </a:pPr>
+            <a:r>
+              <a:rPr lang="en-US" dirty="0"/>
+              <a:t>Pick up any chart (e.g. mongo </a:t>
+            </a:r>
+            <a:r>
+              <a:rPr lang="en-US" dirty="0" err="1"/>
+              <a:t>db</a:t>
+            </a:r>
+            <a:r>
+              <a:rPr lang="en-US" dirty="0"/>
+              <a:t> or </a:t>
+            </a:r>
+            <a:r>
+              <a:rPr lang="en-US" dirty="0" err="1"/>
+              <a:t>wordpress</a:t>
+            </a:r>
+            <a:r>
+              <a:rPr lang="en-US" dirty="0"/>
+              <a:t>) and go into details.</a:t>
+            </a:r>
+          </a:p>
+          <a:p>
+            <a:pPr marL="285750" lvl="0" indent="-285750">
+              <a:buFontTx/>
+              <a:buChar char="-"/>
+            </a:pPr>
+            <a:r>
+              <a:rPr lang="en-US" dirty="0"/>
+              <a:t>Discuss the info on the readme page, especially the “installing the chart” and “configuration”</a:t>
+            </a:r>
+          </a:p>
+          <a:p>
+            <a:pPr marL="285750" lvl="0" indent="-285750">
+              <a:buFontTx/>
+              <a:buChar char="-"/>
+            </a:pPr>
+            <a:r>
+              <a:rPr lang="en-US" dirty="0"/>
+              <a:t>Highlight that any parameter in configuration has a default value or is not set. </a:t>
+            </a:r>
+          </a:p>
+          <a:p>
+            <a:pPr marL="285750" lvl="0" indent="-285750">
+              <a:buFontTx/>
+              <a:buChar char="-"/>
+            </a:pPr>
+            <a:r>
+              <a:rPr lang="en-US" dirty="0"/>
+              <a:t>Highlight that any parameter in configuration can be overwritten / customized either by using “--set key=value” or a </a:t>
+            </a:r>
+            <a:r>
+              <a:rPr lang="en-US" dirty="0" err="1"/>
+              <a:t>values.yaml</a:t>
+            </a:r>
+            <a:r>
+              <a:rPr lang="en-US" dirty="0"/>
+              <a:t> file.</a:t>
+            </a:r>
+          </a:p>
+          <a:p>
+            <a:pPr marL="285750" lvl="0" indent="-285750">
+              <a:buFontTx/>
+              <a:buChar char="-"/>
+            </a:pPr>
+            <a:r>
+              <a:rPr lang="en-US" dirty="0"/>
+              <a:t>The default values can be found in the repo in a </a:t>
+            </a:r>
+            <a:r>
+              <a:rPr lang="en-US" dirty="0" err="1"/>
+              <a:t>values.yaml</a:t>
+            </a:r>
+            <a:r>
+              <a:rPr lang="en-US" dirty="0"/>
+              <a:t> file too.</a:t>
+            </a:r>
+          </a:p>
+          <a:p>
+            <a:pPr marL="285750" lvl="0" indent="-285750">
+              <a:buFontTx/>
+              <a:buChar char="-"/>
+            </a:pPr>
+            <a:r>
+              <a:rPr lang="en-US" dirty="0"/>
+              <a:t>Go to the templates and take a look at one of the </a:t>
+            </a:r>
+            <a:r>
+              <a:rPr lang="en-US" dirty="0" err="1"/>
+              <a:t>yaml</a:t>
+            </a:r>
+            <a:r>
+              <a:rPr lang="en-US" dirty="0"/>
+              <a:t> files. Explain that helm uses a go-based engine to render the charts upon deployment </a:t>
+            </a:r>
+            <a:r>
+              <a:rPr lang="en-US" dirty="0">
+                <a:sym typeface="Wingdings" panose="05000000000000000000" pitchFamily="2" charset="2"/>
+              </a:rPr>
+              <a:t> substituting variables with specific values.</a:t>
+            </a:r>
+          </a:p>
+          <a:p>
+            <a:pPr marL="0" lvl="0" indent="0">
+              <a:buFontTx/>
+              <a:buNone/>
+            </a:pPr>
+            <a:endParaRPr lang="en-US" dirty="0">
+              <a:sym typeface="Wingdings" panose="05000000000000000000" pitchFamily="2" charset="2"/>
+            </a:endParaRPr>
+          </a:p>
+          <a:p>
+            <a:pPr marL="0" lvl="0" indent="0">
+              <a:buFontTx/>
+              <a:buNone/>
+            </a:pPr>
+            <a:r>
+              <a:rPr lang="en-US" dirty="0">
+                <a:sym typeface="Wingdings" panose="05000000000000000000" pitchFamily="2" charset="2"/>
+              </a:rPr>
+              <a:t>Finally run a helm install for the chart you choose and show the created object / run some of the commands printed out.</a:t>
+            </a:r>
+          </a:p>
+          <a:p>
+            <a:pPr marL="0" lvl="0" indent="0">
+              <a:buFontTx/>
+              <a:buNone/>
+            </a:pPr>
+            <a:endParaRPr lang="en-US" dirty="0">
+              <a:sym typeface="Wingdings" panose="05000000000000000000" pitchFamily="2" charset="2"/>
+            </a:endParaRPr>
+          </a:p>
+          <a:p>
+            <a:pPr marL="0" lvl="0" indent="0">
+              <a:buFontTx/>
+              <a:buNone/>
+            </a:pPr>
+            <a:r>
+              <a:rPr lang="en-US" dirty="0">
+                <a:sym typeface="Wingdings" panose="05000000000000000000" pitchFamily="2" charset="2"/>
+              </a:rPr>
+              <a:t>You can also talk about the --debug (verbosity) &amp; --dry-un </a:t>
+            </a:r>
+            <a:r>
+              <a:rPr lang="en-US">
+                <a:sym typeface="Wingdings" panose="05000000000000000000" pitchFamily="2" charset="2"/>
+              </a:rPr>
+              <a:t>(simulation mode) commands </a:t>
+            </a:r>
+            <a:r>
+              <a:rPr lang="en-US" dirty="0">
+                <a:sym typeface="Wingdings" panose="05000000000000000000" pitchFamily="2" charset="2"/>
+              </a:rPr>
+              <a:t>for helm actions like install. </a:t>
+            </a:r>
+            <a:endParaRPr lang="en-US" dirty="0"/>
+          </a:p>
+        </p:txBody>
+      </p:sp>
+      <p:sp>
+        <p:nvSpPr>
           <p:cNvPr id="4" name="Slide Number Placeholder 3"/>
           <p:cNvSpPr>
             <a:spLocks noGrp="1"/>
@@ -961,9 +1276,148 @@
           <a:lstStyle/>
           <a:p>
             <a:fld id="{7D8C2C35-2B8A-446E-BEC0-FD36716C29AC}" type="slidenum">
+              <a:rPr lang="de-DE" smtClean="0"/>
+              <a:pPr/>
+              <a:t>6</a:t>
+            </a:fld>
+            <a:endParaRPr lang="de-DE" dirty="0"/>
+          </a:p>
+        </p:txBody>
+      </p:sp>
+    </p:spTree>
+    <p:extLst>
+      <p:ext uri="{BB962C8B-B14F-4D97-AF65-F5344CB8AC3E}">
+        <p14:creationId xmlns:p14="http://schemas.microsoft.com/office/powerpoint/2010/main" val="4154447744"/>
+      </p:ext>
+    </p:extLst>
+  </p:cSld>
+  <p:clrMapOvr>
+    <a:masterClrMapping/>
+  </p:clrMapOvr>
+</p:notes>
+</file>
+
+<file path=ppt/notesSlides/notesSlide6.xml><?xml version="1.0" encoding="utf-8"?>
+<p:notes xmlns:a="http://schemas.openxmlformats.org/drawingml/2006/main" xmlns:r="http://schemas.openxmlformats.org/officeDocument/2006/relationships" xmlns:p="http://schemas.openxmlformats.org/presentationml/2006/main">
+  <p:cSld>
+    <p:spTree>
+      <p:nvGrpSpPr>
+        <p:cNvPr id="1" name=""/>
+        <p:cNvGrpSpPr/>
+        <p:nvPr/>
+      </p:nvGrpSpPr>
+      <p:grpSpPr>
+        <a:xfrm>
+          <a:off x="0" y="0"/>
+          <a:ext cx="0" cy="0"/>
+          <a:chOff x="0" y="0"/>
+          <a:chExt cx="0" cy="0"/>
+        </a:xfrm>
+      </p:grpSpPr>
+      <p:sp>
+        <p:nvSpPr>
+          <p:cNvPr id="2" name="Slide Image Placeholder 1"/>
+          <p:cNvSpPr>
+            <a:spLocks noGrp="1" noRot="1" noChangeAspect="1"/>
+          </p:cNvSpPr>
+          <p:nvPr>
+            <p:ph type="sldImg"/>
+          </p:nvPr>
+        </p:nvSpPr>
+        <p:spPr/>
+      </p:sp>
+      <p:sp>
+        <p:nvSpPr>
+          <p:cNvPr id="3" name="Notes Placeholder 2"/>
+          <p:cNvSpPr>
+            <a:spLocks noGrp="1"/>
+          </p:cNvSpPr>
+          <p:nvPr>
+            <p:ph type="body" idx="1"/>
+          </p:nvPr>
+        </p:nvSpPr>
+        <p:spPr/>
+        <p:txBody>
+          <a:bodyPr/>
+          <a:lstStyle/>
+          <a:p>
+            <a:endParaRPr lang="en-US" dirty="0"/>
+          </a:p>
+        </p:txBody>
+      </p:sp>
+      <p:sp>
+        <p:nvSpPr>
+          <p:cNvPr id="4" name="Slide Number Placeholder 3"/>
+          <p:cNvSpPr>
+            <a:spLocks noGrp="1"/>
+          </p:cNvSpPr>
+          <p:nvPr>
+            <p:ph type="sldNum" sz="quarter" idx="10"/>
+          </p:nvPr>
+        </p:nvSpPr>
+        <p:spPr/>
+        <p:txBody>
+          <a:bodyPr/>
+          <a:lstStyle/>
+          <a:p>
+            <a:fld id="{7D8C2C35-2B8A-446E-BEC0-FD36716C29AC}" type="slidenum">
+              <a:rPr lang="de-DE" smtClean="0"/>
+              <a:pPr/>
+              <a:t>7</a:t>
+            </a:fld>
+            <a:endParaRPr lang="de-DE" dirty="0"/>
+          </a:p>
+        </p:txBody>
+      </p:sp>
+    </p:spTree>
+    <p:extLst>
+      <p:ext uri="{BB962C8B-B14F-4D97-AF65-F5344CB8AC3E}">
+        <p14:creationId xmlns:p14="http://schemas.microsoft.com/office/powerpoint/2010/main" val="1903845547"/>
+      </p:ext>
+    </p:extLst>
+  </p:cSld>
+  <p:clrMapOvr>
+    <a:masterClrMapping/>
+  </p:clrMapOvr>
+</p:notes>
+</file>
+
+<file path=ppt/notesSlides/notesSlide7.xml><?xml version="1.0" encoding="utf-8"?>
+<p:notes xmlns:a="http://schemas.openxmlformats.org/drawingml/2006/main" xmlns:r="http://schemas.openxmlformats.org/officeDocument/2006/relationships" xmlns:p="http://schemas.openxmlformats.org/presentationml/2006/main">
+  <p:cSld>
+    <p:spTree>
+      <p:nvGrpSpPr>
+        <p:cNvPr id="1" name=""/>
+        <p:cNvGrpSpPr/>
+        <p:nvPr/>
+      </p:nvGrpSpPr>
+      <p:grpSpPr>
+        <a:xfrm>
+          <a:off x="0" y="0"/>
+          <a:ext cx="0" cy="0"/>
+          <a:chOff x="0" y="0"/>
+          <a:chExt cx="0" cy="0"/>
+        </a:xfrm>
+      </p:grpSpPr>
+      <p:sp>
+        <p:nvSpPr>
+          <p:cNvPr id="4" name="Slide Number Placeholder 3"/>
+          <p:cNvSpPr>
+            <a:spLocks noGrp="1"/>
+          </p:cNvSpPr>
+          <p:nvPr>
+            <p:ph type="sldNum" sz="quarter" idx="10"/>
+          </p:nvPr>
+        </p:nvSpPr>
+        <p:spPr/>
+        <p:txBody>
+          <a:bodyPr/>
+          <a:lstStyle/>
+          <a:p>
+            <a:fld id="{7D8C2C35-2B8A-446E-BEC0-FD36716C29AC}" type="slidenum">
               <a:rPr lang="en-US" smtClean="0"/>
               <a:pPr/>
-              <a:t>7</a:t>
+              <a:t>8</a:t>
             </a:fld>
             <a:endParaRPr lang="en-US" dirty="0"/>
           </a:p>
@@ -17708,7 +18162,7 @@
 </file>
 
 <file path=ppt/slides/slide6.xml><?xml version="1.0" encoding="utf-8"?>
-<p:sld xmlns:a="http://schemas.openxmlformats.org/drawingml/2006/main" xmlns:r="http://schemas.openxmlformats.org/officeDocument/2006/relationships" xmlns:p="http://schemas.openxmlformats.org/presentationml/2006/main" show="0">
+<p:sld xmlns:a="http://schemas.openxmlformats.org/drawingml/2006/main" xmlns:r="http://schemas.openxmlformats.org/officeDocument/2006/relationships" xmlns:p="http://schemas.openxmlformats.org/presentationml/2006/main">
   <p:cSld>
     <p:spTree>
       <p:nvGrpSpPr>
@@ -17726,83 +18180,13 @@
       </p:grpSpPr>
       <p:sp>
         <p:nvSpPr>
-          <p:cNvPr id="4" name="Text Placeholder 3"/>
-          <p:cNvSpPr>
-            <a:spLocks noGrp="1"/>
-          </p:cNvSpPr>
-          <p:nvPr>
-            <p:ph type="body" sz="quarter" idx="10"/>
-          </p:nvPr>
-        </p:nvSpPr>
-        <p:spPr/>
-        <p:txBody>
-          <a:bodyPr/>
-          <a:lstStyle/>
-          <a:p>
-            <a:pPr marL="342900" indent="-342900">
-              <a:buFontTx/>
-              <a:buChar char="-"/>
-            </a:pPr>
-            <a:r>
-              <a:rPr lang="en-US" dirty="0"/>
-              <a:t>Show helm client &amp; tiller server in k8s</a:t>
-            </a:r>
-          </a:p>
-          <a:p>
-            <a:pPr marL="342900" indent="-342900">
-              <a:buFontTx/>
-              <a:buChar char="-"/>
-            </a:pPr>
-            <a:r>
-              <a:rPr lang="en-US" dirty="0"/>
-              <a:t>Helm repo list</a:t>
-            </a:r>
-          </a:p>
-          <a:p>
-            <a:pPr marL="342900" indent="-342900">
-              <a:buFontTx/>
-              <a:buChar char="-"/>
-            </a:pPr>
-            <a:r>
-              <a:rPr lang="en-US" dirty="0"/>
-              <a:t>Helm repo update</a:t>
-            </a:r>
-          </a:p>
-          <a:p>
-            <a:pPr marL="342900" indent="-342900">
-              <a:buFontTx/>
-              <a:buChar char="-"/>
-            </a:pPr>
-            <a:r>
-              <a:rPr lang="en-US" dirty="0"/>
-              <a:t>helm search </a:t>
-            </a:r>
-            <a:r>
-              <a:rPr lang="en-US" dirty="0" err="1"/>
-              <a:t>wordpress</a:t>
-            </a:r>
-            <a:endParaRPr lang="en-US" dirty="0"/>
-          </a:p>
-          <a:p>
-            <a:pPr marL="342900" indent="-342900">
-              <a:buFontTx/>
-              <a:buChar char="-"/>
-            </a:pPr>
-            <a:r>
-              <a:rPr lang="en-US" dirty="0"/>
-              <a:t>Helm install </a:t>
-            </a:r>
-            <a:r>
-              <a:rPr lang="en-US" dirty="0" err="1"/>
-              <a:t>wordpress</a:t>
-            </a:r>
-            <a:endParaRPr lang="en-US" dirty="0"/>
-          </a:p>
-        </p:txBody>
-      </p:sp>
-      <p:sp>
-        <p:nvSpPr>
-          <p:cNvPr id="3" name="Title 2"/>
+          <p:cNvPr id="2" name="Title 1">
+            <a:extLst>
+              <a:ext uri="{FF2B5EF4-FFF2-40B4-BE49-F238E27FC236}">
+                <a16:creationId xmlns:a16="http://schemas.microsoft.com/office/drawing/2014/main" id="{2D4BD4BF-5C0E-4BE1-A99C-25DBDC85D9CD}"/>
+              </a:ext>
+            </a:extLst>
+          </p:cNvPr>
           <p:cNvSpPr>
             <a:spLocks noGrp="1"/>
           </p:cNvSpPr>
@@ -17822,10 +18206,40 @@
           </a:p>
         </p:txBody>
       </p:sp>
+      <p:pic>
+        <p:nvPicPr>
+          <p:cNvPr id="18" name="Picture 17">
+            <a:extLst>
+              <a:ext uri="{FF2B5EF4-FFF2-40B4-BE49-F238E27FC236}">
+                <a16:creationId xmlns:a16="http://schemas.microsoft.com/office/drawing/2014/main" id="{FC355B51-9D60-4DBB-9EF1-08294FF8959E}"/>
+              </a:ext>
+            </a:extLst>
+          </p:cNvPr>
+          <p:cNvPicPr>
+            <a:picLocks noChangeAspect="1"/>
+          </p:cNvPicPr>
+          <p:nvPr/>
+        </p:nvPicPr>
+        <p:blipFill>
+          <a:blip r:embed="rId3"/>
+          <a:stretch>
+            <a:fillRect/>
+          </a:stretch>
+        </p:blipFill>
+        <p:spPr>
+          <a:xfrm>
+            <a:off x="3849419" y="1181180"/>
+            <a:ext cx="4495640" cy="4495640"/>
+          </a:xfrm>
+          <a:prstGeom prst="rect">
+            <a:avLst/>
+          </a:prstGeom>
+        </p:spPr>
+      </p:pic>
     </p:spTree>
     <p:extLst>
       <p:ext uri="{BB962C8B-B14F-4D97-AF65-F5344CB8AC3E}">
-        <p14:creationId xmlns:p14="http://schemas.microsoft.com/office/powerpoint/2010/main" val="684979928"/>
+        <p14:creationId xmlns:p14="http://schemas.microsoft.com/office/powerpoint/2010/main" val="247635095"/>
       </p:ext>
     </p:extLst>
   </p:cSld>
@@ -17836,6 +18250,94 @@
 </file>
 
 <file path=ppt/slides/slide7.xml><?xml version="1.0" encoding="utf-8"?>
+<p:sld xmlns:a="http://schemas.openxmlformats.org/drawingml/2006/main" xmlns:r="http://schemas.openxmlformats.org/officeDocument/2006/relationships" xmlns:p="http://schemas.openxmlformats.org/presentationml/2006/main">
+  <p:cSld>
+    <p:spTree>
+      <p:nvGrpSpPr>
+        <p:cNvPr id="1" name=""/>
+        <p:cNvGrpSpPr/>
+        <p:nvPr/>
+      </p:nvGrpSpPr>
+      <p:grpSpPr>
+        <a:xfrm>
+          <a:off x="0" y="0"/>
+          <a:ext cx="0" cy="0"/>
+          <a:chOff x="0" y="0"/>
+          <a:chExt cx="0" cy="0"/>
+        </a:xfrm>
+      </p:grpSpPr>
+      <p:sp>
+        <p:nvSpPr>
+          <p:cNvPr id="3" name="Title 2">
+            <a:extLst>
+              <a:ext uri="{FF2B5EF4-FFF2-40B4-BE49-F238E27FC236}">
+                <a16:creationId xmlns:a16="http://schemas.microsoft.com/office/drawing/2014/main" id="{B4B6938A-7A0C-4712-A9B8-41F25B66C8A4}"/>
+              </a:ext>
+            </a:extLst>
+          </p:cNvPr>
+          <p:cNvSpPr>
+            <a:spLocks noGrp="1"/>
+          </p:cNvSpPr>
+          <p:nvPr>
+            <p:ph type="title"/>
+          </p:nvPr>
+        </p:nvSpPr>
+        <p:spPr/>
+        <p:txBody>
+          <a:bodyPr/>
+          <a:lstStyle/>
+          <a:p>
+            <a:r>
+              <a:rPr lang="en-US" dirty="0"/>
+              <a:t>Exercise #09</a:t>
+            </a:r>
+          </a:p>
+        </p:txBody>
+      </p:sp>
+      <p:pic>
+        <p:nvPicPr>
+          <p:cNvPr id="6" name="Picture 5">
+            <a:extLst>
+              <a:ext uri="{FF2B5EF4-FFF2-40B4-BE49-F238E27FC236}">
+                <a16:creationId xmlns:a16="http://schemas.microsoft.com/office/drawing/2014/main" id="{6449D282-DC4E-4479-991B-68509FF3A710}"/>
+              </a:ext>
+            </a:extLst>
+          </p:cNvPr>
+          <p:cNvPicPr>
+            <a:picLocks noChangeAspect="1"/>
+          </p:cNvPicPr>
+          <p:nvPr/>
+        </p:nvPicPr>
+        <p:blipFill>
+          <a:blip r:embed="rId3"/>
+          <a:stretch>
+            <a:fillRect/>
+          </a:stretch>
+        </p:blipFill>
+        <p:spPr>
+          <a:xfrm>
+            <a:off x="4261672" y="1181180"/>
+            <a:ext cx="3773347" cy="3773347"/>
+          </a:xfrm>
+          <a:prstGeom prst="rect">
+            <a:avLst/>
+          </a:prstGeom>
+        </p:spPr>
+      </p:pic>
+    </p:spTree>
+    <p:extLst>
+      <p:ext uri="{BB962C8B-B14F-4D97-AF65-F5344CB8AC3E}">
+        <p14:creationId xmlns:p14="http://schemas.microsoft.com/office/powerpoint/2010/main" val="2757824260"/>
+      </p:ext>
+    </p:extLst>
+  </p:cSld>
+  <p:clrMapOvr>
+    <a:masterClrMapping/>
+  </p:clrMapOvr>
+</p:sld>
+</file>
+
+<file path=ppt/slides/slide8.xml><?xml version="1.0" encoding="utf-8"?>
 <p:sld xmlns:a="http://schemas.openxmlformats.org/drawingml/2006/main" xmlns:r="http://schemas.openxmlformats.org/officeDocument/2006/relationships" xmlns:p="http://schemas.openxmlformats.org/presentationml/2006/main" show="0">
   <p:cSld>
     <p:spTree>

--- a/kubernetes/12_helm.pptx
+++ b/kubernetes/12_helm.pptx
@@ -5,20 +5,25 @@
     <p:sldMasterId id="2147483733" r:id="rId1"/>
   </p:sldMasterIdLst>
   <p:notesMasterIdLst>
-    <p:notesMasterId r:id="rId10"/>
+    <p:notesMasterId r:id="rId15"/>
   </p:notesMasterIdLst>
   <p:handoutMasterIdLst>
-    <p:handoutMasterId r:id="rId11"/>
+    <p:handoutMasterId r:id="rId16"/>
   </p:handoutMasterIdLst>
   <p:sldIdLst>
     <p:sldId id="433" r:id="rId2"/>
     <p:sldId id="442" r:id="rId3"/>
     <p:sldId id="445" r:id="rId4"/>
-    <p:sldId id="446" r:id="rId5"/>
-    <p:sldId id="447" r:id="rId6"/>
-    <p:sldId id="467" r:id="rId7"/>
-    <p:sldId id="456" r:id="rId8"/>
-    <p:sldId id="265" r:id="rId9"/>
+    <p:sldId id="447" r:id="rId5"/>
+    <p:sldId id="444" r:id="rId6"/>
+    <p:sldId id="468" r:id="rId7"/>
+    <p:sldId id="446" r:id="rId8"/>
+    <p:sldId id="448" r:id="rId9"/>
+    <p:sldId id="451" r:id="rId10"/>
+    <p:sldId id="452" r:id="rId11"/>
+    <p:sldId id="456" r:id="rId12"/>
+    <p:sldId id="450" r:id="rId13"/>
+    <p:sldId id="265" r:id="rId14"/>
   </p:sldIdLst>
   <p:sldSz cx="12195175" cy="6858000"/>
   <p:notesSz cx="6858000" cy="9144000"/>
@@ -607,6 +612,98 @@
 </p:notes>
 </file>
 
+<file path=ppt/notesSlides/notesSlide10.xml><?xml version="1.0" encoding="utf-8"?>
+<p:notes xmlns:a="http://schemas.openxmlformats.org/drawingml/2006/main" xmlns:r="http://schemas.openxmlformats.org/officeDocument/2006/relationships" xmlns:p="http://schemas.openxmlformats.org/presentationml/2006/main">
+  <p:cSld>
+    <p:spTree>
+      <p:nvGrpSpPr>
+        <p:cNvPr id="1" name=""/>
+        <p:cNvGrpSpPr/>
+        <p:nvPr/>
+      </p:nvGrpSpPr>
+      <p:grpSpPr>
+        <a:xfrm>
+          <a:off x="0" y="0"/>
+          <a:ext cx="0" cy="0"/>
+          <a:chOff x="0" y="0"/>
+          <a:chExt cx="0" cy="0"/>
+        </a:xfrm>
+      </p:grpSpPr>
+      <p:sp>
+        <p:nvSpPr>
+          <p:cNvPr id="4" name="Slide Number Placeholder 3"/>
+          <p:cNvSpPr>
+            <a:spLocks noGrp="1"/>
+          </p:cNvSpPr>
+          <p:nvPr>
+            <p:ph type="sldNum" sz="quarter" idx="10"/>
+          </p:nvPr>
+        </p:nvSpPr>
+        <p:spPr/>
+        <p:txBody>
+          <a:bodyPr/>
+          <a:lstStyle/>
+          <a:p>
+            <a:fld id="{7D8C2C35-2B8A-446E-BEC0-FD36716C29AC}" type="slidenum">
+              <a:rPr lang="en-US" smtClean="0"/>
+              <a:pPr/>
+              <a:t>13</a:t>
+            </a:fld>
+            <a:endParaRPr lang="en-US" dirty="0"/>
+          </a:p>
+        </p:txBody>
+      </p:sp>
+      <p:sp>
+        <p:nvSpPr>
+          <p:cNvPr id="6" name="Slide Image Placeholder 5"/>
+          <p:cNvSpPr>
+            <a:spLocks noGrp="1" noRot="1" noChangeAspect="1"/>
+          </p:cNvSpPr>
+          <p:nvPr>
+            <p:ph type="sldImg"/>
+          </p:nvPr>
+        </p:nvSpPr>
+        <p:spPr>
+          <a:xfrm>
+            <a:off x="547688" y="612775"/>
+            <a:ext cx="5762625" cy="3241675"/>
+          </a:xfrm>
+        </p:spPr>
+      </p:sp>
+      <p:sp>
+        <p:nvSpPr>
+          <p:cNvPr id="7" name="Notes Placeholder 6"/>
+          <p:cNvSpPr>
+            <a:spLocks noGrp="1"/>
+          </p:cNvSpPr>
+          <p:nvPr>
+            <p:ph type="body" idx="1"/>
+          </p:nvPr>
+        </p:nvSpPr>
+        <p:spPr/>
+        <p:txBody>
+          <a:bodyPr>
+            <a:normAutofit/>
+          </a:bodyPr>
+          <a:lstStyle/>
+          <a:p>
+            <a:endParaRPr lang="en-US" dirty="0"/>
+          </a:p>
+        </p:txBody>
+      </p:sp>
+    </p:spTree>
+    <p:extLst>
+      <p:ext uri="{BB962C8B-B14F-4D97-AF65-F5344CB8AC3E}">
+        <p14:creationId xmlns:p14="http://schemas.microsoft.com/office/powerpoint/2010/main" val="2544264309"/>
+      </p:ext>
+    </p:extLst>
+  </p:cSld>
+  <p:clrMapOvr>
+    <a:masterClrMapping/>
+  </p:clrMapOvr>
+</p:notes>
+</file>
+
 <file path=ppt/notesSlides/notesSlide2.xml><?xml version="1.0" encoding="utf-8"?>
 <p:notes xmlns:a="http://schemas.openxmlformats.org/drawingml/2006/main" xmlns:r="http://schemas.openxmlformats.org/officeDocument/2006/relationships" xmlns:p="http://schemas.openxmlformats.org/presentationml/2006/main">
   <p:cSld>
@@ -906,7 +1003,7 @@
             <a:fld id="{7D8C2C35-2B8A-446E-BEC0-FD36716C29AC}" type="slidenum">
               <a:rPr lang="de-DE" smtClean="0"/>
               <a:pPr/>
-              <a:t>5</a:t>
+              <a:t>4</a:t>
             </a:fld>
             <a:endParaRPr lang="de-DE" dirty="0"/>
           </a:p>
@@ -967,226 +1064,30 @@
         <p:spPr/>
         <p:txBody>
           <a:bodyPr>
-            <a:normAutofit/>
+            <a:normAutofit lnSpcReduction="10000"/>
           </a:bodyPr>
           <a:lstStyle/>
           <a:p>
-            <a:pPr marL="285750" lvl="0" indent="-285750">
-              <a:buFontTx/>
-              <a:buChar char="-"/>
-            </a:pPr>
-            <a:r>
-              <a:rPr lang="en-US" dirty="0"/>
-              <a:t>Start with showing the helm binary – simply run “helm” without anything else</a:t>
-            </a:r>
-          </a:p>
-          <a:p>
-            <a:pPr marL="285750" lvl="0" indent="-285750">
-              <a:buFontTx/>
-              <a:buChar char="-"/>
-            </a:pPr>
-            <a:r>
-              <a:rPr lang="en-US" dirty="0"/>
-              <a:t>If not yet done, run a “helm </a:t>
-            </a:r>
-            <a:r>
-              <a:rPr lang="en-US" dirty="0" err="1"/>
-              <a:t>init</a:t>
-            </a:r>
-            <a:r>
-              <a:rPr lang="en-US" dirty="0"/>
-              <a:t>” to deploy tiller. But probably there is already a tiller from the time when you created the registry.</a:t>
-            </a:r>
-          </a:p>
-          <a:p>
-            <a:pPr marL="285750" lvl="0" indent="-285750">
-              <a:buFontTx/>
-              <a:buChar char="-"/>
-            </a:pPr>
-            <a:r>
-              <a:rPr lang="en-US" dirty="0"/>
-              <a:t>Show the tiller pod in </a:t>
-            </a:r>
-            <a:r>
-              <a:rPr lang="en-US" dirty="0" err="1"/>
-              <a:t>kube</a:t>
-            </a:r>
-            <a:r>
-              <a:rPr lang="en-US" dirty="0"/>
-              <a:t>-system namespace. Explain, that for helm </a:t>
-            </a:r>
-            <a:r>
-              <a:rPr lang="en-US" dirty="0" err="1"/>
-              <a:t>init</a:t>
-            </a:r>
-            <a:r>
-              <a:rPr lang="en-US" dirty="0"/>
-              <a:t>, participants should target their own namespace. Otherwise they will connect to the same tiller. Highlight that in order to setup tiller with cluster access (i.e. outside of it’s namespace a </a:t>
-            </a:r>
-            <a:r>
-              <a:rPr lang="en-US" dirty="0" err="1"/>
-              <a:t>clusterrolebinding</a:t>
-            </a:r>
-            <a:r>
-              <a:rPr lang="en-US" dirty="0"/>
-              <a:t> is required)</a:t>
-            </a:r>
-          </a:p>
-          <a:p>
-            <a:pPr marL="285750" lvl="0" indent="-285750">
-              <a:buFontTx/>
-              <a:buChar char="-"/>
-            </a:pPr>
-            <a:r>
-              <a:rPr lang="en-US" dirty="0"/>
-              <a:t>Run “helm list” to show the already installed charts and explain that they are called a “release”.</a:t>
-            </a:r>
-          </a:p>
-          <a:p>
-            <a:pPr marL="285750" lvl="0" indent="-285750">
-              <a:buFontTx/>
-              <a:buChar char="-"/>
-            </a:pPr>
-            <a:r>
-              <a:rPr lang="en-US" dirty="0"/>
-              <a:t>To prepare the next exercise, explain that an empty return (still </a:t>
-            </a:r>
-            <a:r>
-              <a:rPr lang="en-US" dirty="0" err="1"/>
-              <a:t>rc</a:t>
-            </a:r>
-            <a:r>
-              <a:rPr lang="en-US" dirty="0"/>
-              <a:t>=0) is ok to validate that tiller installed &amp; ready. If not, you would get an error message.</a:t>
-            </a:r>
-          </a:p>
-          <a:p>
-            <a:pPr marL="285750" lvl="0" indent="-285750">
-              <a:buFontTx/>
-              <a:buChar char="-"/>
-            </a:pPr>
-            <a:endParaRPr lang="en-US" dirty="0"/>
-          </a:p>
-          <a:p>
-            <a:pPr marL="0" lvl="0" indent="0">
+            <a:pPr marL="0" marR="0" lvl="0" indent="0" algn="l" defTabSz="1088776" rtl="0" eaLnBrk="1" fontAlgn="auto" latinLnBrk="0" hangingPunct="1">
+              <a:lnSpc>
+                <a:spcPct val="100000"/>
+              </a:lnSpc>
+              <a:spcBef>
+                <a:spcPts val="0"/>
+              </a:spcBef>
+              <a:spcAft>
+                <a:spcPts val="0"/>
+              </a:spcAft>
+              <a:buClrTx/>
+              <a:buSzTx/>
               <a:buFontTx/>
               <a:buNone/>
+              <a:tabLst/>
+              <a:defRPr/>
             </a:pPr>
             <a:r>
               <a:rPr lang="en-US" dirty="0"/>
-              <a:t>Next move on to the question, wherefrom to get charts:</a:t>
-            </a:r>
-          </a:p>
-          <a:p>
-            <a:pPr marL="285750" lvl="0" indent="-285750">
-              <a:buFontTx/>
-              <a:buChar char="-"/>
-            </a:pPr>
-            <a:r>
-              <a:rPr lang="en-US" dirty="0"/>
-              <a:t>Open https://github.com/helm/charts in a browser</a:t>
-            </a:r>
-          </a:p>
-          <a:p>
-            <a:pPr marL="285750" lvl="0" indent="-285750">
-              <a:buFontTx/>
-              <a:buChar char="-"/>
-            </a:pPr>
-            <a:r>
-              <a:rPr lang="en-US" dirty="0"/>
-              <a:t>Talk about the different “levels” – currently incubator, test &amp; stable and go to stable</a:t>
-            </a:r>
-          </a:p>
-          <a:p>
-            <a:pPr marL="285750" lvl="0" indent="-285750">
-              <a:buFontTx/>
-              <a:buChar char="-"/>
-            </a:pPr>
-            <a:r>
-              <a:rPr lang="en-US" dirty="0"/>
-              <a:t>Pick up any chart (e.g. mongo </a:t>
-            </a:r>
-            <a:r>
-              <a:rPr lang="en-US" dirty="0" err="1"/>
-              <a:t>db</a:t>
-            </a:r>
-            <a:r>
-              <a:rPr lang="en-US" dirty="0"/>
-              <a:t> or </a:t>
-            </a:r>
-            <a:r>
-              <a:rPr lang="en-US" dirty="0" err="1"/>
-              <a:t>wordpress</a:t>
-            </a:r>
-            <a:r>
-              <a:rPr lang="en-US" dirty="0"/>
-              <a:t>) and go into details.</a:t>
-            </a:r>
-          </a:p>
-          <a:p>
-            <a:pPr marL="285750" lvl="0" indent="-285750">
-              <a:buFontTx/>
-              <a:buChar char="-"/>
-            </a:pPr>
-            <a:r>
-              <a:rPr lang="en-US" dirty="0"/>
-              <a:t>Discuss the info on the readme page, especially the “installing the chart” and “configuration”</a:t>
-            </a:r>
-          </a:p>
-          <a:p>
-            <a:pPr marL="285750" lvl="0" indent="-285750">
-              <a:buFontTx/>
-              <a:buChar char="-"/>
-            </a:pPr>
-            <a:r>
-              <a:rPr lang="en-US" dirty="0"/>
-              <a:t>Highlight that any parameter in configuration has a default value or is not set. </a:t>
-            </a:r>
-          </a:p>
-          <a:p>
-            <a:pPr marL="285750" lvl="0" indent="-285750">
-              <a:buFontTx/>
-              <a:buChar char="-"/>
-            </a:pPr>
-            <a:r>
-              <a:rPr lang="en-US" dirty="0"/>
-              <a:t>Highlight that any parameter in configuration can be overwritten / customized either by using “--set key=value” or a </a:t>
-            </a:r>
-            <a:r>
-              <a:rPr lang="en-US" dirty="0" err="1"/>
-              <a:t>values.yaml</a:t>
-            </a:r>
-            <a:r>
-              <a:rPr lang="en-US" dirty="0"/>
-              <a:t> file.</a:t>
-            </a:r>
-          </a:p>
-          <a:p>
-            <a:pPr marL="285750" lvl="0" indent="-285750">
-              <a:buFontTx/>
-              <a:buChar char="-"/>
-            </a:pPr>
-            <a:r>
-              <a:rPr lang="en-US" dirty="0"/>
-              <a:t>The default values can be found in the repo in a </a:t>
-            </a:r>
-            <a:r>
-              <a:rPr lang="en-US" dirty="0" err="1"/>
-              <a:t>values.yaml</a:t>
-            </a:r>
-            <a:r>
-              <a:rPr lang="en-US" dirty="0"/>
-              <a:t> file too.</a:t>
-            </a:r>
-          </a:p>
-          <a:p>
-            <a:pPr marL="285750" lvl="0" indent="-285750">
-              <a:buFontTx/>
-              <a:buChar char="-"/>
-            </a:pPr>
-            <a:r>
-              <a:rPr lang="en-US" dirty="0"/>
-              <a:t>Go to the templates and take a look at one of the </a:t>
+              <a:t>The power of helm lies within its templates and the ability to convert templates with values into valid </a:t>
             </a:r>
             <a:r>
               <a:rPr lang="en-US" dirty="0" err="1"/>
@@ -1194,69 +1095,93 @@
             </a:r>
             <a:r>
               <a:rPr lang="en-US" dirty="0"/>
-              <a:t> files. Explain that helm uses a go-based engine to render the charts upon deployment </a:t>
-            </a:r>
-            <a:r>
-              <a:rPr lang="en-US" dirty="0">
-                <a:sym typeface="Wingdings" panose="05000000000000000000" pitchFamily="2" charset="2"/>
-              </a:rPr>
-              <a:t> substituting variables with specific values.</a:t>
-            </a:r>
-          </a:p>
-          <a:p>
-            <a:pPr marL="0" lvl="0" indent="0">
-              <a:buFontTx/>
-              <a:buNone/>
-            </a:pPr>
-            <a:endParaRPr lang="en-US" dirty="0">
-              <a:sym typeface="Wingdings" panose="05000000000000000000" pitchFamily="2" charset="2"/>
-            </a:endParaRPr>
-          </a:p>
-          <a:p>
-            <a:pPr marL="0" lvl="0" indent="0">
-              <a:buFontTx/>
-              <a:buNone/>
-            </a:pPr>
-            <a:r>
-              <a:rPr lang="en-US" dirty="0">
-                <a:sym typeface="Wingdings" panose="05000000000000000000" pitchFamily="2" charset="2"/>
-              </a:rPr>
-              <a:t>Finally run a helm install for the chart you choose and show the created object / run some of the commands printed out.</a:t>
-            </a:r>
-          </a:p>
-          <a:p>
-            <a:pPr marL="0" lvl="0" indent="0">
-              <a:buFontTx/>
-              <a:buNone/>
-            </a:pPr>
-            <a:endParaRPr lang="en-US" dirty="0">
-              <a:sym typeface="Wingdings" panose="05000000000000000000" pitchFamily="2" charset="2"/>
-            </a:endParaRPr>
-          </a:p>
-          <a:p>
-            <a:pPr marL="0" lvl="0" indent="0">
-              <a:buFontTx/>
-              <a:buNone/>
-            </a:pPr>
-            <a:r>
-              <a:rPr lang="en-US" dirty="0">
-                <a:sym typeface="Wingdings" panose="05000000000000000000" pitchFamily="2" charset="2"/>
-              </a:rPr>
-              <a:t>You can also talk about the --debug (verbosity) &amp; --dry-un </a:t>
-            </a:r>
-            <a:r>
-              <a:rPr lang="en-US">
-                <a:sym typeface="Wingdings" panose="05000000000000000000" pitchFamily="2" charset="2"/>
-              </a:rPr>
-              <a:t>(simulation mode) commands </a:t>
-            </a:r>
-            <a:r>
-              <a:rPr lang="en-US" dirty="0">
-                <a:sym typeface="Wingdings" panose="05000000000000000000" pitchFamily="2" charset="2"/>
-              </a:rPr>
-              <a:t>for helm actions like install. </a:t>
-            </a:r>
+              <a:t> files. When authoring charts this is where most of your work will end up.</a:t>
+            </a:r>
+          </a:p>
+          <a:p>
             <a:endParaRPr lang="en-US" dirty="0"/>
+          </a:p>
+          <a:p>
+            <a:r>
+              <a:rPr lang="en-US" dirty="0"/>
+              <a:t>So lets take a look at the template section of a chart. In our example there are 2 config map </a:t>
+            </a:r>
+            <a:r>
+              <a:rPr lang="en-US" dirty="0" err="1"/>
+              <a:t>yaml</a:t>
+            </a:r>
+            <a:r>
+              <a:rPr lang="en-US" dirty="0"/>
+              <a:t> files. One is pretty normal and works also without helm. However it is not very flexible. The 2</a:t>
+            </a:r>
+            <a:r>
+              <a:rPr lang="en-US" baseline="30000" dirty="0"/>
+              <a:t>nd</a:t>
+            </a:r>
+            <a:r>
+              <a:rPr lang="en-US" dirty="0"/>
+              <a:t> file contains references to helm variables – indicated by {{ }}. Helm renders the templates and converts them into valid </a:t>
+            </a:r>
+            <a:r>
+              <a:rPr lang="en-US" dirty="0" err="1"/>
+              <a:t>yaml</a:t>
+            </a:r>
+            <a:r>
+              <a:rPr lang="en-US" dirty="0"/>
+              <a:t>.</a:t>
+            </a:r>
+          </a:p>
+          <a:p>
+            <a:endParaRPr lang="en-US" dirty="0"/>
+          </a:p>
+          <a:p>
+            <a:r>
+              <a:rPr lang="en-US" dirty="0"/>
+              <a:t>There are build in variables .Release.* and custom values .Values.* . Additionally you can define functions and include / execute them. The definitions are stored in the _</a:t>
+            </a:r>
+            <a:r>
+              <a:rPr lang="en-US" dirty="0" err="1"/>
+              <a:t>helpers.tpl</a:t>
+            </a:r>
+            <a:r>
+              <a:rPr lang="en-US" dirty="0"/>
+              <a:t>. The demo-chart makes use of these, so take a look around there.</a:t>
+            </a:r>
+          </a:p>
+          <a:p>
+            <a:endParaRPr lang="en-US" dirty="0"/>
+          </a:p>
+          <a:p>
+            <a:r>
+              <a:rPr lang="en-US" dirty="0"/>
+              <a:t>To check, if the chart is ok, use “helm lint”. It will point out </a:t>
+            </a:r>
+            <a:r>
+              <a:rPr lang="en-US" dirty="0" err="1"/>
+              <a:t>yaml</a:t>
+            </a:r>
+            <a:r>
+              <a:rPr lang="en-US" dirty="0"/>
+              <a:t> errors and much more.</a:t>
+            </a:r>
+          </a:p>
+          <a:p>
+            <a:r>
+              <a:rPr lang="en-US" dirty="0"/>
+              <a:t>To check, how a chart would actually look like once deployed, use the --dry-run flag in combination with --debug</a:t>
+            </a:r>
+          </a:p>
+          <a:p>
+            <a:endParaRPr lang="en-US" dirty="0"/>
+          </a:p>
+          <a:p>
+            <a:endParaRPr lang="en-US" dirty="0"/>
+          </a:p>
+          <a:p>
+            <a:r>
+              <a:rPr lang="en-US" dirty="0"/>
+              <a:t>For details, check https://github.com/kubernetes/helm/tree/master/docs</a:t>
+            </a:r>
           </a:p>
         </p:txBody>
       </p:sp>
@@ -1278,7 +1203,7 @@
             <a:fld id="{7D8C2C35-2B8A-446E-BEC0-FD36716C29AC}" type="slidenum">
               <a:rPr lang="de-DE" smtClean="0"/>
               <a:pPr/>
-              <a:t>6</a:t>
+              <a:t>8</a:t>
             </a:fld>
             <a:endParaRPr lang="de-DE" dirty="0"/>
           </a:p>
@@ -1287,7 +1212,7 @@
     </p:spTree>
     <p:extLst>
       <p:ext uri="{BB962C8B-B14F-4D97-AF65-F5344CB8AC3E}">
-        <p14:creationId xmlns:p14="http://schemas.microsoft.com/office/powerpoint/2010/main" val="4154447744"/>
+        <p14:creationId xmlns:p14="http://schemas.microsoft.com/office/powerpoint/2010/main" val="1430307665"/>
       </p:ext>
     </p:extLst>
   </p:cSld>
@@ -1363,7 +1288,7 @@
             <a:fld id="{7D8C2C35-2B8A-446E-BEC0-FD36716C29AC}" type="slidenum">
               <a:rPr lang="de-DE" smtClean="0"/>
               <a:pPr/>
-              <a:t>7</a:t>
+              <a:t>9</a:t>
             </a:fld>
             <a:endParaRPr lang="de-DE" dirty="0"/>
           </a:p>
@@ -1372,7 +1297,7 @@
     </p:spTree>
     <p:extLst>
       <p:ext uri="{BB962C8B-B14F-4D97-AF65-F5344CB8AC3E}">
-        <p14:creationId xmlns:p14="http://schemas.microsoft.com/office/powerpoint/2010/main" val="1903845547"/>
+        <p14:creationId xmlns:p14="http://schemas.microsoft.com/office/powerpoint/2010/main" val="1124543534"/>
       </p:ext>
     </p:extLst>
   </p:cSld>
@@ -1401,6 +1326,127 @@
       </p:grpSpPr>
       <p:sp>
         <p:nvSpPr>
+          <p:cNvPr id="2" name="Slide Image Placeholder 1"/>
+          <p:cNvSpPr>
+            <a:spLocks noGrp="1" noRot="1" noChangeAspect="1"/>
+          </p:cNvSpPr>
+          <p:nvPr>
+            <p:ph type="sldImg"/>
+          </p:nvPr>
+        </p:nvSpPr>
+        <p:spPr/>
+      </p:sp>
+      <p:sp>
+        <p:nvSpPr>
+          <p:cNvPr id="3" name="Notes Placeholder 2"/>
+          <p:cNvSpPr>
+            <a:spLocks noGrp="1"/>
+          </p:cNvSpPr>
+          <p:nvPr>
+            <p:ph type="body" idx="1"/>
+          </p:nvPr>
+        </p:nvSpPr>
+        <p:spPr/>
+        <p:txBody>
+          <a:bodyPr/>
+          <a:lstStyle/>
+          <a:p>
+            <a:r>
+              <a:rPr lang="en-US" dirty="0"/>
+              <a:t>{{ }} triggers the go templating engine</a:t>
+            </a:r>
+          </a:p>
+          <a:p>
+            <a:r>
+              <a:rPr lang="en-US" dirty="0"/>
+              <a:t>.Values is a reference to an object with all keys in the </a:t>
+            </a:r>
+            <a:r>
+              <a:rPr lang="en-US" dirty="0" err="1"/>
+              <a:t>values.yaml</a:t>
+            </a:r>
+            <a:r>
+              <a:rPr lang="en-US" dirty="0"/>
+              <a:t> file</a:t>
+            </a:r>
+          </a:p>
+          <a:p>
+            <a:r>
+              <a:rPr lang="en-US" dirty="0"/>
+              <a:t>.</a:t>
+            </a:r>
+            <a:r>
+              <a:rPr lang="en-US" dirty="0" err="1"/>
+              <a:t>myMessage</a:t>
+            </a:r>
+            <a:r>
+              <a:rPr lang="en-US" dirty="0"/>
+              <a:t> is the reference to the key “</a:t>
+            </a:r>
+            <a:r>
+              <a:rPr lang="en-US" dirty="0" err="1"/>
+              <a:t>myMessage</a:t>
+            </a:r>
+            <a:r>
+              <a:rPr lang="en-US" dirty="0"/>
+              <a:t>” in .Values</a:t>
+            </a:r>
+          </a:p>
+          <a:p>
+            <a:endParaRPr lang="en-US" dirty="0"/>
+          </a:p>
+          <a:p>
+            <a:r>
+              <a:rPr lang="en-US" dirty="0"/>
+              <a:t>In case of nested values such as example below, use .</a:t>
+            </a:r>
+            <a:r>
+              <a:rPr lang="en-US" dirty="0" err="1"/>
+              <a:t>Values.message.greeting</a:t>
+            </a:r>
+            <a:r>
+              <a:rPr lang="en-US" dirty="0"/>
+              <a:t> or .to </a:t>
+            </a:r>
+            <a:r>
+              <a:rPr lang="en-US" dirty="0" err="1"/>
+              <a:t>to</a:t>
+            </a:r>
+            <a:r>
+              <a:rPr lang="en-US" dirty="0"/>
+              <a:t> reference the </a:t>
+            </a:r>
+            <a:r>
+              <a:rPr lang="en-US" dirty="0" err="1"/>
+              <a:t>acutal</a:t>
+            </a:r>
+            <a:r>
+              <a:rPr lang="en-US" dirty="0"/>
+              <a:t> key</a:t>
+            </a:r>
+          </a:p>
+          <a:p>
+            <a:r>
+              <a:rPr lang="en-US" dirty="0"/>
+              <a:t>message:</a:t>
+            </a:r>
+          </a:p>
+          <a:p>
+            <a:r>
+              <a:rPr lang="en-US" dirty="0"/>
+              <a:t>  greeting: “hello”</a:t>
+            </a:r>
+          </a:p>
+          <a:p>
+            <a:r>
+              <a:rPr lang="en-US" dirty="0"/>
+              <a:t>  to: “course”</a:t>
+            </a:r>
+          </a:p>
+        </p:txBody>
+      </p:sp>
+      <p:sp>
+        <p:nvSpPr>
           <p:cNvPr id="4" name="Slide Number Placeholder 3"/>
           <p:cNvSpPr>
             <a:spLocks noGrp="1"/>
@@ -1415,17 +1461,47 @@
           <a:lstStyle/>
           <a:p>
             <a:fld id="{7D8C2C35-2B8A-446E-BEC0-FD36716C29AC}" type="slidenum">
-              <a:rPr lang="en-US" smtClean="0"/>
+              <a:rPr lang="de-DE" smtClean="0"/>
               <a:pPr/>
-              <a:t>8</a:t>
+              <a:t>10</a:t>
             </a:fld>
-            <a:endParaRPr lang="en-US" dirty="0"/>
+            <a:endParaRPr lang="de-DE" dirty="0"/>
           </a:p>
         </p:txBody>
       </p:sp>
+    </p:spTree>
+    <p:extLst>
+      <p:ext uri="{BB962C8B-B14F-4D97-AF65-F5344CB8AC3E}">
+        <p14:creationId xmlns:p14="http://schemas.microsoft.com/office/powerpoint/2010/main" val="2999438910"/>
+      </p:ext>
+    </p:extLst>
+  </p:cSld>
+  <p:clrMapOvr>
+    <a:masterClrMapping/>
+  </p:clrMapOvr>
+</p:notes>
+</file>
+
+<file path=ppt/notesSlides/notesSlide8.xml><?xml version="1.0" encoding="utf-8"?>
+<p:notes xmlns:a="http://schemas.openxmlformats.org/drawingml/2006/main" xmlns:r="http://schemas.openxmlformats.org/officeDocument/2006/relationships" xmlns:p="http://schemas.openxmlformats.org/presentationml/2006/main">
+  <p:cSld>
+    <p:spTree>
+      <p:nvGrpSpPr>
+        <p:cNvPr id="1" name=""/>
+        <p:cNvGrpSpPr/>
+        <p:nvPr/>
+      </p:nvGrpSpPr>
+      <p:grpSpPr>
+        <a:xfrm>
+          <a:off x="0" y="0"/>
+          <a:ext cx="0" cy="0"/>
+          <a:chOff x="0" y="0"/>
+          <a:chExt cx="0" cy="0"/>
+        </a:xfrm>
+      </p:grpSpPr>
       <p:sp>
         <p:nvSpPr>
-          <p:cNvPr id="6" name="Slide Image Placeholder 5"/>
+          <p:cNvPr id="2" name="Slide Image Placeholder 1"/>
           <p:cNvSpPr>
             <a:spLocks noGrp="1" noRot="1" noChangeAspect="1"/>
           </p:cNvSpPr>
@@ -1433,16 +1509,11 @@
             <p:ph type="sldImg"/>
           </p:nvPr>
         </p:nvSpPr>
-        <p:spPr>
-          <a:xfrm>
-            <a:off x="547688" y="612775"/>
-            <a:ext cx="5762625" cy="3241675"/>
-          </a:xfrm>
-        </p:spPr>
+        <p:spPr/>
       </p:sp>
       <p:sp>
         <p:nvSpPr>
-          <p:cNvPr id="7" name="Notes Placeholder 6"/>
+          <p:cNvPr id="3" name="Notes Placeholder 2"/>
           <p:cNvSpPr>
             <a:spLocks noGrp="1"/>
           </p:cNvSpPr>
@@ -1452,19 +1523,126 @@
         </p:nvSpPr>
         <p:spPr/>
         <p:txBody>
-          <a:bodyPr>
-            <a:normAutofit/>
-          </a:bodyPr>
+          <a:bodyPr/>
           <a:lstStyle/>
           <a:p>
             <a:endParaRPr lang="en-US" dirty="0"/>
+          </a:p>
+        </p:txBody>
+      </p:sp>
+      <p:sp>
+        <p:nvSpPr>
+          <p:cNvPr id="4" name="Slide Number Placeholder 3"/>
+          <p:cNvSpPr>
+            <a:spLocks noGrp="1"/>
+          </p:cNvSpPr>
+          <p:nvPr>
+            <p:ph type="sldNum" sz="quarter" idx="10"/>
+          </p:nvPr>
+        </p:nvSpPr>
+        <p:spPr/>
+        <p:txBody>
+          <a:bodyPr/>
+          <a:lstStyle/>
+          <a:p>
+            <a:fld id="{7D8C2C35-2B8A-446E-BEC0-FD36716C29AC}" type="slidenum">
+              <a:rPr lang="de-DE" smtClean="0"/>
+              <a:pPr/>
+              <a:t>11</a:t>
+            </a:fld>
+            <a:endParaRPr lang="de-DE" dirty="0"/>
           </a:p>
         </p:txBody>
       </p:sp>
     </p:spTree>
     <p:extLst>
       <p:ext uri="{BB962C8B-B14F-4D97-AF65-F5344CB8AC3E}">
-        <p14:creationId xmlns:p14="http://schemas.microsoft.com/office/powerpoint/2010/main" val="2544264309"/>
+        <p14:creationId xmlns:p14="http://schemas.microsoft.com/office/powerpoint/2010/main" val="1903845547"/>
+      </p:ext>
+    </p:extLst>
+  </p:cSld>
+  <p:clrMapOvr>
+    <a:masterClrMapping/>
+  </p:clrMapOvr>
+</p:notes>
+</file>
+
+<file path=ppt/notesSlides/notesSlide9.xml><?xml version="1.0" encoding="utf-8"?>
+<p:notes xmlns:a="http://schemas.openxmlformats.org/drawingml/2006/main" xmlns:r="http://schemas.openxmlformats.org/officeDocument/2006/relationships" xmlns:p="http://schemas.openxmlformats.org/presentationml/2006/main">
+  <p:cSld>
+    <p:spTree>
+      <p:nvGrpSpPr>
+        <p:cNvPr id="1" name=""/>
+        <p:cNvGrpSpPr/>
+        <p:nvPr/>
+      </p:nvGrpSpPr>
+      <p:grpSpPr>
+        <a:xfrm>
+          <a:off x="0" y="0"/>
+          <a:ext cx="0" cy="0"/>
+          <a:chOff x="0" y="0"/>
+          <a:chExt cx="0" cy="0"/>
+        </a:xfrm>
+      </p:grpSpPr>
+      <p:sp>
+        <p:nvSpPr>
+          <p:cNvPr id="2" name="Slide Image Placeholder 1"/>
+          <p:cNvSpPr>
+            <a:spLocks noGrp="1" noRot="1" noChangeAspect="1"/>
+          </p:cNvSpPr>
+          <p:nvPr>
+            <p:ph type="sldImg"/>
+          </p:nvPr>
+        </p:nvSpPr>
+        <p:spPr/>
+      </p:sp>
+      <p:sp>
+        <p:nvSpPr>
+          <p:cNvPr id="3" name="Notes Placeholder 2"/>
+          <p:cNvSpPr>
+            <a:spLocks noGrp="1"/>
+          </p:cNvSpPr>
+          <p:nvPr>
+            <p:ph type="body" idx="1"/>
+          </p:nvPr>
+        </p:nvSpPr>
+        <p:spPr/>
+        <p:txBody>
+          <a:bodyPr/>
+          <a:lstStyle/>
+          <a:p>
+            <a:endParaRPr lang="en-US" dirty="0"/>
+          </a:p>
+        </p:txBody>
+      </p:sp>
+      <p:sp>
+        <p:nvSpPr>
+          <p:cNvPr id="4" name="Slide Number Placeholder 3"/>
+          <p:cNvSpPr>
+            <a:spLocks noGrp="1"/>
+          </p:cNvSpPr>
+          <p:nvPr>
+            <p:ph type="sldNum" sz="quarter" idx="10"/>
+          </p:nvPr>
+        </p:nvSpPr>
+        <p:spPr/>
+        <p:txBody>
+          <a:bodyPr/>
+          <a:lstStyle/>
+          <a:p>
+            <a:fld id="{7D8C2C35-2B8A-446E-BEC0-FD36716C29AC}" type="slidenum">
+              <a:rPr lang="de-DE" smtClean="0"/>
+              <a:pPr/>
+              <a:t>12</a:t>
+            </a:fld>
+            <a:endParaRPr lang="de-DE" dirty="0"/>
+          </a:p>
+        </p:txBody>
+      </p:sp>
+    </p:spTree>
+    <p:extLst>
+      <p:ext uri="{BB962C8B-B14F-4D97-AF65-F5344CB8AC3E}">
+        <p14:creationId xmlns:p14="http://schemas.microsoft.com/office/powerpoint/2010/main" val="3253167589"/>
       </p:ext>
     </p:extLst>
   </p:cSld>
@@ -14838,6 +15016,1058 @@
 </p:sld>
 </file>
 
+<file path=ppt/slides/slide10.xml><?xml version="1.0" encoding="utf-8"?>
+<p:sld xmlns:a="http://schemas.openxmlformats.org/drawingml/2006/main" xmlns:r="http://schemas.openxmlformats.org/officeDocument/2006/relationships" xmlns:p="http://schemas.openxmlformats.org/presentationml/2006/main">
+  <p:cSld>
+    <p:spTree>
+      <p:nvGrpSpPr>
+        <p:cNvPr id="1" name=""/>
+        <p:cNvGrpSpPr/>
+        <p:nvPr/>
+      </p:nvGrpSpPr>
+      <p:grpSpPr>
+        <a:xfrm>
+          <a:off x="0" y="0"/>
+          <a:ext cx="0" cy="0"/>
+          <a:chOff x="0" y="0"/>
+          <a:chExt cx="0" cy="0"/>
+        </a:xfrm>
+      </p:grpSpPr>
+      <p:pic>
+        <p:nvPicPr>
+          <p:cNvPr id="2" name="Picture 1">
+            <a:extLst>
+              <a:ext uri="{FF2B5EF4-FFF2-40B4-BE49-F238E27FC236}">
+                <a16:creationId xmlns:a16="http://schemas.microsoft.com/office/drawing/2014/main" id="{32341E7D-A2DE-4E61-AE88-BE264F40EC1A}"/>
+              </a:ext>
+            </a:extLst>
+          </p:cNvPr>
+          <p:cNvPicPr>
+            <a:picLocks noChangeAspect="1"/>
+          </p:cNvPicPr>
+          <p:nvPr/>
+        </p:nvPicPr>
+        <p:blipFill>
+          <a:blip r:embed="rId3"/>
+          <a:stretch>
+            <a:fillRect/>
+          </a:stretch>
+        </p:blipFill>
+        <p:spPr>
+          <a:xfrm>
+            <a:off x="6097239" y="2682486"/>
+            <a:ext cx="4047619" cy="1580952"/>
+          </a:xfrm>
+          <a:prstGeom prst="rect">
+            <a:avLst/>
+          </a:prstGeom>
+        </p:spPr>
+      </p:pic>
+      <p:sp>
+        <p:nvSpPr>
+          <p:cNvPr id="4" name="Title 3">
+            <a:extLst>
+              <a:ext uri="{FF2B5EF4-FFF2-40B4-BE49-F238E27FC236}">
+                <a16:creationId xmlns:a16="http://schemas.microsoft.com/office/drawing/2014/main" id="{581B0699-A522-4A8F-8C8F-7FA0530D9D6B}"/>
+              </a:ext>
+            </a:extLst>
+          </p:cNvPr>
+          <p:cNvSpPr>
+            <a:spLocks noGrp="1"/>
+          </p:cNvSpPr>
+          <p:nvPr>
+            <p:ph type="title"/>
+          </p:nvPr>
+        </p:nvSpPr>
+        <p:spPr/>
+        <p:txBody>
+          <a:bodyPr/>
+          <a:lstStyle/>
+          <a:p>
+            <a:r>
+              <a:rPr lang="en-US" dirty="0"/>
+              <a:t>About variables &amp; functions</a:t>
+            </a:r>
+          </a:p>
+        </p:txBody>
+      </p:sp>
+      <p:sp>
+        <p:nvSpPr>
+          <p:cNvPr id="6" name="Speech Bubble: Rectangle 5">
+            <a:extLst>
+              <a:ext uri="{FF2B5EF4-FFF2-40B4-BE49-F238E27FC236}">
+                <a16:creationId xmlns:a16="http://schemas.microsoft.com/office/drawing/2014/main" id="{94CDC397-8C29-49D6-88BF-EF28A87F40A0}"/>
+              </a:ext>
+            </a:extLst>
+          </p:cNvPr>
+          <p:cNvSpPr/>
+          <p:nvPr/>
+        </p:nvSpPr>
+        <p:spPr bwMode="gray">
+          <a:xfrm>
+            <a:off x="7658311" y="787931"/>
+            <a:ext cx="4101737" cy="936039"/>
+          </a:xfrm>
+          <a:prstGeom prst="wedgeRectCallout">
+            <a:avLst>
+              <a:gd name="adj1" fmla="val -35888"/>
+              <a:gd name="adj2" fmla="val 205745"/>
+            </a:avLst>
+          </a:prstGeom>
+          <a:ln>
+            <a:headEnd/>
+            <a:tailEnd/>
+          </a:ln>
+        </p:spPr>
+        <p:style>
+          <a:lnRef idx="2">
+            <a:schemeClr val="accent5"/>
+          </a:lnRef>
+          <a:fillRef idx="1">
+            <a:schemeClr val="lt1"/>
+          </a:fillRef>
+          <a:effectRef idx="0">
+            <a:schemeClr val="accent5"/>
+          </a:effectRef>
+          <a:fontRef idx="minor">
+            <a:schemeClr val="dk1"/>
+          </a:fontRef>
+        </p:style>
+        <p:txBody>
+          <a:bodyPr lIns="90000" tIns="72000" rIns="90000" bIns="72000" rtlCol="0" anchor="ctr"/>
+          <a:lstStyle/>
+          <a:p>
+            <a:pPr marR="0" algn="ctr" defTabSz="914400" eaLnBrk="1" fontAlgn="base" latinLnBrk="0" hangingPunct="1">
+              <a:lnSpc>
+                <a:spcPct val="100000"/>
+              </a:lnSpc>
+              <a:spcBef>
+                <a:spcPct val="50000"/>
+              </a:spcBef>
+              <a:spcAft>
+                <a:spcPct val="0"/>
+              </a:spcAft>
+              <a:buClr>
+                <a:srgbClr val="F0AB00"/>
+              </a:buClr>
+              <a:buSzPct val="80000"/>
+              <a:tabLst/>
+            </a:pPr>
+            <a:r>
+              <a:rPr kumimoji="0" lang="en-US" sz="1800" b="0" i="0" u="none" strike="noStrike" kern="0" cap="none" spc="0" normalizeH="0" baseline="0" noProof="0" dirty="0">
+                <a:ln>
+                  <a:noFill/>
+                </a:ln>
+                <a:effectLst/>
+                <a:uLnTx/>
+                <a:uFillTx/>
+                <a:ea typeface="Arial Unicode MS" pitchFamily="34" charset="-128"/>
+                <a:cs typeface="Arial Unicode MS" pitchFamily="34" charset="-128"/>
+              </a:rPr>
+              <a:t>.Release.* contains build-in variables such as Name</a:t>
+            </a:r>
+          </a:p>
+        </p:txBody>
+      </p:sp>
+      <p:sp>
+        <p:nvSpPr>
+          <p:cNvPr id="10" name="Speech Bubble: Rectangle 9">
+            <a:extLst>
+              <a:ext uri="{FF2B5EF4-FFF2-40B4-BE49-F238E27FC236}">
+                <a16:creationId xmlns:a16="http://schemas.microsoft.com/office/drawing/2014/main" id="{C989CAD7-341D-4BCB-BD98-81558448707E}"/>
+              </a:ext>
+            </a:extLst>
+          </p:cNvPr>
+          <p:cNvSpPr/>
+          <p:nvPr/>
+        </p:nvSpPr>
+        <p:spPr bwMode="gray">
+          <a:xfrm>
+            <a:off x="797381" y="5053993"/>
+            <a:ext cx="4101737" cy="1217392"/>
+          </a:xfrm>
+          <a:prstGeom prst="wedgeRectCallout">
+            <a:avLst>
+              <a:gd name="adj1" fmla="val -37817"/>
+              <a:gd name="adj2" fmla="val -109725"/>
+            </a:avLst>
+          </a:prstGeom>
+          <a:ln>
+            <a:headEnd/>
+            <a:tailEnd/>
+          </a:ln>
+        </p:spPr>
+        <p:style>
+          <a:lnRef idx="2">
+            <a:schemeClr val="accent5"/>
+          </a:lnRef>
+          <a:fillRef idx="1">
+            <a:schemeClr val="lt1"/>
+          </a:fillRef>
+          <a:effectRef idx="0">
+            <a:schemeClr val="accent5"/>
+          </a:effectRef>
+          <a:fontRef idx="minor">
+            <a:schemeClr val="dk1"/>
+          </a:fontRef>
+        </p:style>
+        <p:txBody>
+          <a:bodyPr lIns="90000" tIns="72000" rIns="90000" bIns="72000" rtlCol="0" anchor="ctr"/>
+          <a:lstStyle/>
+          <a:p>
+            <a:pPr marR="0" algn="ctr" defTabSz="914400" eaLnBrk="1" fontAlgn="base" latinLnBrk="0" hangingPunct="1">
+              <a:lnSpc>
+                <a:spcPct val="100000"/>
+              </a:lnSpc>
+              <a:spcBef>
+                <a:spcPct val="50000"/>
+              </a:spcBef>
+              <a:spcAft>
+                <a:spcPct val="0"/>
+              </a:spcAft>
+              <a:buClr>
+                <a:srgbClr val="F0AB00"/>
+              </a:buClr>
+              <a:buSzPct val="80000"/>
+              <a:tabLst/>
+            </a:pPr>
+            <a:r>
+              <a:rPr kumimoji="0" lang="en-US" sz="1800" b="0" i="0" u="none" strike="noStrike" kern="0" cap="none" spc="0" normalizeH="0" baseline="0" noProof="0" dirty="0">
+                <a:ln>
+                  <a:noFill/>
+                </a:ln>
+                <a:effectLst/>
+                <a:uLnTx/>
+                <a:uFillTx/>
+                <a:ea typeface="Arial Unicode MS" pitchFamily="34" charset="-128"/>
+                <a:cs typeface="Arial Unicode MS" pitchFamily="34" charset="-128"/>
+              </a:rPr>
+              <a:t>Reference the key in a template to inject the value:</a:t>
+            </a:r>
+          </a:p>
+          <a:p>
+            <a:pPr marR="0" algn="ctr" defTabSz="914400" eaLnBrk="1" fontAlgn="base" latinLnBrk="0" hangingPunct="1">
+              <a:lnSpc>
+                <a:spcPct val="100000"/>
+              </a:lnSpc>
+              <a:spcBef>
+                <a:spcPct val="50000"/>
+              </a:spcBef>
+              <a:spcAft>
+                <a:spcPct val="0"/>
+              </a:spcAft>
+              <a:buClr>
+                <a:srgbClr val="F0AB00"/>
+              </a:buClr>
+              <a:buSzPct val="80000"/>
+              <a:tabLst/>
+            </a:pPr>
+            <a:r>
+              <a:rPr lang="en-US" sz="1800" kern="0" dirty="0">
+                <a:ea typeface="Arial Unicode MS" pitchFamily="34" charset="-128"/>
+                <a:cs typeface="Arial Unicode MS" pitchFamily="34" charset="-128"/>
+              </a:rPr>
+              <a:t>{{ .</a:t>
+            </a:r>
+            <a:r>
+              <a:rPr lang="en-US" sz="1800" kern="0" dirty="0" err="1">
+                <a:ea typeface="Arial Unicode MS" pitchFamily="34" charset="-128"/>
+                <a:cs typeface="Arial Unicode MS" pitchFamily="34" charset="-128"/>
+              </a:rPr>
+              <a:t>Values.myMessage</a:t>
+            </a:r>
+            <a:r>
+              <a:rPr lang="en-US" sz="1800" kern="0" dirty="0">
+                <a:ea typeface="Arial Unicode MS" pitchFamily="34" charset="-128"/>
+                <a:cs typeface="Arial Unicode MS" pitchFamily="34" charset="-128"/>
+              </a:rPr>
+              <a:t> }}</a:t>
+            </a:r>
+            <a:endParaRPr kumimoji="0" lang="en-US" sz="1800" b="0" i="0" u="none" strike="noStrike" kern="0" cap="none" spc="0" normalizeH="0" baseline="0" noProof="0" dirty="0">
+              <a:ln>
+                <a:noFill/>
+              </a:ln>
+              <a:effectLst/>
+              <a:uLnTx/>
+              <a:uFillTx/>
+              <a:ea typeface="Arial Unicode MS" pitchFamily="34" charset="-128"/>
+              <a:cs typeface="Arial Unicode MS" pitchFamily="34" charset="-128"/>
+            </a:endParaRPr>
+          </a:p>
+        </p:txBody>
+      </p:sp>
+      <p:pic>
+        <p:nvPicPr>
+          <p:cNvPr id="11" name="Picture 10">
+            <a:extLst>
+              <a:ext uri="{FF2B5EF4-FFF2-40B4-BE49-F238E27FC236}">
+                <a16:creationId xmlns:a16="http://schemas.microsoft.com/office/drawing/2014/main" id="{E3D91FD5-B591-48A9-A5F3-099C59019B66}"/>
+              </a:ext>
+            </a:extLst>
+          </p:cNvPr>
+          <p:cNvPicPr>
+            <a:picLocks noChangeAspect="1"/>
+          </p:cNvPicPr>
+          <p:nvPr/>
+        </p:nvPicPr>
+        <p:blipFill>
+          <a:blip r:embed="rId4"/>
+          <a:stretch>
+            <a:fillRect/>
+          </a:stretch>
+        </p:blipFill>
+        <p:spPr>
+          <a:xfrm>
+            <a:off x="504001" y="2663438"/>
+            <a:ext cx="5047619" cy="1619048"/>
+          </a:xfrm>
+          <a:prstGeom prst="rect">
+            <a:avLst/>
+          </a:prstGeom>
+        </p:spPr>
+      </p:pic>
+      <p:sp>
+        <p:nvSpPr>
+          <p:cNvPr id="12" name="Speech Bubble: Rectangle 11">
+            <a:extLst>
+              <a:ext uri="{FF2B5EF4-FFF2-40B4-BE49-F238E27FC236}">
+                <a16:creationId xmlns:a16="http://schemas.microsoft.com/office/drawing/2014/main" id="{B9B40FF0-83C8-4945-B66B-883B0DB85688}"/>
+              </a:ext>
+            </a:extLst>
+          </p:cNvPr>
+          <p:cNvSpPr/>
+          <p:nvPr/>
+        </p:nvSpPr>
+        <p:spPr bwMode="gray">
+          <a:xfrm>
+            <a:off x="6321670" y="5114076"/>
+            <a:ext cx="5095478" cy="1217392"/>
+          </a:xfrm>
+          <a:prstGeom prst="wedgeRectCallout">
+            <a:avLst>
+              <a:gd name="adj1" fmla="val 4625"/>
+              <a:gd name="adj2" fmla="val -118392"/>
+            </a:avLst>
+          </a:prstGeom>
+          <a:ln>
+            <a:headEnd/>
+            <a:tailEnd/>
+          </a:ln>
+        </p:spPr>
+        <p:style>
+          <a:lnRef idx="2">
+            <a:schemeClr val="accent5"/>
+          </a:lnRef>
+          <a:fillRef idx="1">
+            <a:schemeClr val="lt1"/>
+          </a:fillRef>
+          <a:effectRef idx="0">
+            <a:schemeClr val="accent5"/>
+          </a:effectRef>
+          <a:fontRef idx="minor">
+            <a:schemeClr val="dk1"/>
+          </a:fontRef>
+        </p:style>
+        <p:txBody>
+          <a:bodyPr lIns="90000" tIns="72000" rIns="90000" bIns="72000" rtlCol="0" anchor="ctr"/>
+          <a:lstStyle/>
+          <a:p>
+            <a:pPr marR="0" algn="ctr" defTabSz="914400" eaLnBrk="1" fontAlgn="base" latinLnBrk="0" hangingPunct="1">
+              <a:lnSpc>
+                <a:spcPct val="100000"/>
+              </a:lnSpc>
+              <a:spcBef>
+                <a:spcPct val="50000"/>
+              </a:spcBef>
+              <a:spcAft>
+                <a:spcPct val="0"/>
+              </a:spcAft>
+              <a:buClr>
+                <a:srgbClr val="F0AB00"/>
+              </a:buClr>
+              <a:buSzPct val="80000"/>
+              <a:tabLst/>
+            </a:pPr>
+            <a:r>
+              <a:rPr lang="en-US" sz="1800" kern="0" dirty="0">
+                <a:ea typeface="Arial Unicode MS" pitchFamily="34" charset="-128"/>
+                <a:cs typeface="Arial Unicode MS" pitchFamily="34" charset="-128"/>
+              </a:rPr>
+              <a:t>Values can be transformed using build-in functions</a:t>
+            </a:r>
+          </a:p>
+          <a:p>
+            <a:pPr marR="0" algn="ctr" defTabSz="914400" eaLnBrk="1" fontAlgn="base" latinLnBrk="0" hangingPunct="1">
+              <a:lnSpc>
+                <a:spcPct val="100000"/>
+              </a:lnSpc>
+              <a:spcBef>
+                <a:spcPct val="50000"/>
+              </a:spcBef>
+              <a:spcAft>
+                <a:spcPct val="0"/>
+              </a:spcAft>
+              <a:buClr>
+                <a:srgbClr val="F0AB00"/>
+              </a:buClr>
+              <a:buSzPct val="80000"/>
+              <a:tabLst/>
+            </a:pPr>
+            <a:r>
+              <a:rPr lang="en-US" sz="1800" kern="0" dirty="0">
+                <a:ea typeface="Arial Unicode MS" pitchFamily="34" charset="-128"/>
+                <a:cs typeface="Arial Unicode MS" pitchFamily="34" charset="-128"/>
+              </a:rPr>
+              <a:t>In the example the injected string will be quoted</a:t>
+            </a:r>
+            <a:endParaRPr kumimoji="0" lang="en-US" sz="1800" b="0" i="0" u="none" strike="noStrike" kern="0" cap="none" spc="0" normalizeH="0" baseline="0" noProof="0" dirty="0">
+              <a:ln>
+                <a:noFill/>
+              </a:ln>
+              <a:effectLst/>
+              <a:uLnTx/>
+              <a:uFillTx/>
+              <a:ea typeface="Arial Unicode MS" pitchFamily="34" charset="-128"/>
+              <a:cs typeface="Arial Unicode MS" pitchFamily="34" charset="-128"/>
+            </a:endParaRPr>
+          </a:p>
+        </p:txBody>
+      </p:sp>
+      <p:sp>
+        <p:nvSpPr>
+          <p:cNvPr id="9" name="Rectangle: Rounded Corners 8">
+            <a:extLst>
+              <a:ext uri="{FF2B5EF4-FFF2-40B4-BE49-F238E27FC236}">
+                <a16:creationId xmlns:a16="http://schemas.microsoft.com/office/drawing/2014/main" id="{08FA5226-770E-4FC6-A251-F3DCF0E13EDB}"/>
+              </a:ext>
+            </a:extLst>
+          </p:cNvPr>
+          <p:cNvSpPr/>
+          <p:nvPr/>
+        </p:nvSpPr>
+        <p:spPr bwMode="gray">
+          <a:xfrm>
+            <a:off x="504001" y="1891931"/>
+            <a:ext cx="1855177" cy="531593"/>
+          </a:xfrm>
+          <a:prstGeom prst="roundRect">
+            <a:avLst/>
+          </a:prstGeom>
+          <a:noFill/>
+          <a:ln w="9525" cap="flat" cmpd="sng" algn="ctr">
+            <a:solidFill>
+              <a:schemeClr val="accent2"/>
+            </a:solidFill>
+            <a:prstDash val="solid"/>
+            <a:round/>
+            <a:headEnd type="none" w="med" len="med"/>
+            <a:tailEnd type="none" w="med" len="med"/>
+          </a:ln>
+        </p:spPr>
+        <p:style>
+          <a:lnRef idx="0">
+            <a:scrgbClr r="0" g="0" b="0"/>
+          </a:lnRef>
+          <a:fillRef idx="0">
+            <a:scrgbClr r="0" g="0" b="0"/>
+          </a:fillRef>
+          <a:effectRef idx="0">
+            <a:scrgbClr r="0" g="0" b="0"/>
+          </a:effectRef>
+          <a:fontRef idx="minor">
+            <a:schemeClr val="accent2"/>
+          </a:fontRef>
+        </p:style>
+        <p:txBody>
+          <a:bodyPr lIns="90000" tIns="72000" rIns="90000" bIns="72000" rtlCol="0" anchor="ctr"/>
+          <a:lstStyle/>
+          <a:p>
+            <a:pPr marR="0" algn="ctr" defTabSz="914400" eaLnBrk="1" fontAlgn="base" latinLnBrk="0" hangingPunct="1">
+              <a:lnSpc>
+                <a:spcPct val="100000"/>
+              </a:lnSpc>
+              <a:spcBef>
+                <a:spcPct val="50000"/>
+              </a:spcBef>
+              <a:spcAft>
+                <a:spcPct val="0"/>
+              </a:spcAft>
+              <a:buClr>
+                <a:srgbClr val="F0AB00"/>
+              </a:buClr>
+              <a:buSzPct val="80000"/>
+              <a:tabLst/>
+            </a:pPr>
+            <a:r>
+              <a:rPr lang="en-US" sz="1800" b="1" kern="0" dirty="0">
+                <a:solidFill>
+                  <a:schemeClr val="tx1"/>
+                </a:solidFill>
+                <a:ea typeface="Arial Unicode MS" pitchFamily="34" charset="-128"/>
+                <a:cs typeface="Arial Unicode MS" pitchFamily="34" charset="-128"/>
+              </a:rPr>
+              <a:t>v</a:t>
+            </a:r>
+            <a:r>
+              <a:rPr kumimoji="0" lang="en-US" sz="1800" b="1" i="0" u="none" strike="noStrike" kern="0" cap="none" spc="0" normalizeH="0" baseline="0" noProof="0" dirty="0" err="1">
+                <a:ln>
+                  <a:noFill/>
+                </a:ln>
+                <a:solidFill>
+                  <a:schemeClr val="tx1"/>
+                </a:solidFill>
+                <a:effectLst/>
+                <a:uLnTx/>
+                <a:uFillTx/>
+                <a:ea typeface="Arial Unicode MS" pitchFamily="34" charset="-128"/>
+                <a:cs typeface="Arial Unicode MS" pitchFamily="34" charset="-128"/>
+              </a:rPr>
+              <a:t>alues.yaml</a:t>
+            </a:r>
+            <a:endParaRPr kumimoji="0" lang="en-US" sz="1800" b="1" i="0" u="none" strike="noStrike" kern="0" cap="none" spc="0" normalizeH="0" baseline="0" noProof="0" dirty="0">
+              <a:ln>
+                <a:noFill/>
+              </a:ln>
+              <a:solidFill>
+                <a:schemeClr val="tx1"/>
+              </a:solidFill>
+              <a:effectLst/>
+              <a:uLnTx/>
+              <a:uFillTx/>
+              <a:ea typeface="Arial Unicode MS" pitchFamily="34" charset="-128"/>
+              <a:cs typeface="Arial Unicode MS" pitchFamily="34" charset="-128"/>
+            </a:endParaRPr>
+          </a:p>
+        </p:txBody>
+      </p:sp>
+      <p:sp>
+        <p:nvSpPr>
+          <p:cNvPr id="13" name="Rectangle: Rounded Corners 12">
+            <a:extLst>
+              <a:ext uri="{FF2B5EF4-FFF2-40B4-BE49-F238E27FC236}">
+                <a16:creationId xmlns:a16="http://schemas.microsoft.com/office/drawing/2014/main" id="{99C12D3C-987A-454F-ABB1-9D4F4C6F3D4A}"/>
+              </a:ext>
+            </a:extLst>
+          </p:cNvPr>
+          <p:cNvSpPr/>
+          <p:nvPr/>
+        </p:nvSpPr>
+        <p:spPr bwMode="gray">
+          <a:xfrm>
+            <a:off x="6097239" y="1891931"/>
+            <a:ext cx="1855177" cy="531593"/>
+          </a:xfrm>
+          <a:prstGeom prst="roundRect">
+            <a:avLst/>
+          </a:prstGeom>
+          <a:noFill/>
+          <a:ln w="9525" cap="flat" cmpd="sng" algn="ctr">
+            <a:solidFill>
+              <a:schemeClr val="accent2"/>
+            </a:solidFill>
+            <a:prstDash val="solid"/>
+            <a:round/>
+            <a:headEnd type="none" w="med" len="med"/>
+            <a:tailEnd type="none" w="med" len="med"/>
+          </a:ln>
+        </p:spPr>
+        <p:style>
+          <a:lnRef idx="0">
+            <a:scrgbClr r="0" g="0" b="0"/>
+          </a:lnRef>
+          <a:fillRef idx="0">
+            <a:scrgbClr r="0" g="0" b="0"/>
+          </a:fillRef>
+          <a:effectRef idx="0">
+            <a:scrgbClr r="0" g="0" b="0"/>
+          </a:effectRef>
+          <a:fontRef idx="minor">
+            <a:schemeClr val="accent2"/>
+          </a:fontRef>
+        </p:style>
+        <p:txBody>
+          <a:bodyPr lIns="90000" tIns="72000" rIns="90000" bIns="72000" rtlCol="0" anchor="ctr"/>
+          <a:lstStyle/>
+          <a:p>
+            <a:pPr marR="0" algn="ctr" defTabSz="914400" eaLnBrk="1" fontAlgn="base" latinLnBrk="0" hangingPunct="1">
+              <a:lnSpc>
+                <a:spcPct val="100000"/>
+              </a:lnSpc>
+              <a:spcBef>
+                <a:spcPct val="50000"/>
+              </a:spcBef>
+              <a:spcAft>
+                <a:spcPct val="0"/>
+              </a:spcAft>
+              <a:buClr>
+                <a:srgbClr val="F0AB00"/>
+              </a:buClr>
+              <a:buSzPct val="80000"/>
+              <a:tabLst/>
+            </a:pPr>
+            <a:r>
+              <a:rPr lang="en-US" sz="1800" b="1" kern="0" dirty="0">
+                <a:solidFill>
+                  <a:schemeClr val="tx1"/>
+                </a:solidFill>
+                <a:ea typeface="Arial Unicode MS" pitchFamily="34" charset="-128"/>
+                <a:cs typeface="Arial Unicode MS" pitchFamily="34" charset="-128"/>
+              </a:rPr>
+              <a:t>template</a:t>
+            </a:r>
+            <a:r>
+              <a:rPr kumimoji="0" lang="en-US" sz="1800" b="1" i="0" u="none" strike="noStrike" kern="0" cap="none" spc="0" normalizeH="0" baseline="0" noProof="0" dirty="0">
+                <a:ln>
+                  <a:noFill/>
+                </a:ln>
+                <a:solidFill>
+                  <a:schemeClr val="tx1"/>
+                </a:solidFill>
+                <a:effectLst/>
+                <a:uLnTx/>
+                <a:uFillTx/>
+                <a:ea typeface="Arial Unicode MS" pitchFamily="34" charset="-128"/>
+                <a:cs typeface="Arial Unicode MS" pitchFamily="34" charset="-128"/>
+              </a:rPr>
+              <a:t>.</a:t>
+            </a:r>
+            <a:r>
+              <a:rPr kumimoji="0" lang="en-US" sz="1800" b="1" i="0" u="none" strike="noStrike" kern="0" cap="none" spc="0" normalizeH="0" baseline="0" noProof="0" dirty="0" err="1">
+                <a:ln>
+                  <a:noFill/>
+                </a:ln>
+                <a:solidFill>
+                  <a:schemeClr val="tx1"/>
+                </a:solidFill>
+                <a:effectLst/>
+                <a:uLnTx/>
+                <a:uFillTx/>
+                <a:ea typeface="Arial Unicode MS" pitchFamily="34" charset="-128"/>
+                <a:cs typeface="Arial Unicode MS" pitchFamily="34" charset="-128"/>
+              </a:rPr>
+              <a:t>yaml</a:t>
+            </a:r>
+            <a:endParaRPr kumimoji="0" lang="en-US" sz="1800" b="1" i="0" u="none" strike="noStrike" kern="0" cap="none" spc="0" normalizeH="0" baseline="0" noProof="0" dirty="0">
+              <a:ln>
+                <a:noFill/>
+              </a:ln>
+              <a:solidFill>
+                <a:schemeClr val="tx1"/>
+              </a:solidFill>
+              <a:effectLst/>
+              <a:uLnTx/>
+              <a:uFillTx/>
+              <a:ea typeface="Arial Unicode MS" pitchFamily="34" charset="-128"/>
+              <a:cs typeface="Arial Unicode MS" pitchFamily="34" charset="-128"/>
+            </a:endParaRPr>
+          </a:p>
+        </p:txBody>
+      </p:sp>
+    </p:spTree>
+    <p:extLst>
+      <p:ext uri="{BB962C8B-B14F-4D97-AF65-F5344CB8AC3E}">
+        <p14:creationId xmlns:p14="http://schemas.microsoft.com/office/powerpoint/2010/main" val="1556754097"/>
+      </p:ext>
+    </p:extLst>
+  </p:cSld>
+  <p:clrMapOvr>
+    <a:masterClrMapping/>
+  </p:clrMapOvr>
+</p:sld>
+</file>
+
+<file path=ppt/slides/slide11.xml><?xml version="1.0" encoding="utf-8"?>
+<p:sld xmlns:a="http://schemas.openxmlformats.org/drawingml/2006/main" xmlns:r="http://schemas.openxmlformats.org/officeDocument/2006/relationships" xmlns:p="http://schemas.openxmlformats.org/presentationml/2006/main">
+  <p:cSld>
+    <p:spTree>
+      <p:nvGrpSpPr>
+        <p:cNvPr id="1" name=""/>
+        <p:cNvGrpSpPr/>
+        <p:nvPr/>
+      </p:nvGrpSpPr>
+      <p:grpSpPr>
+        <a:xfrm>
+          <a:off x="0" y="0"/>
+          <a:ext cx="0" cy="0"/>
+          <a:chOff x="0" y="0"/>
+          <a:chExt cx="0" cy="0"/>
+        </a:xfrm>
+      </p:grpSpPr>
+      <p:sp>
+        <p:nvSpPr>
+          <p:cNvPr id="3" name="Title 2">
+            <a:extLst>
+              <a:ext uri="{FF2B5EF4-FFF2-40B4-BE49-F238E27FC236}">
+                <a16:creationId xmlns:a16="http://schemas.microsoft.com/office/drawing/2014/main" id="{B4B6938A-7A0C-4712-A9B8-41F25B66C8A4}"/>
+              </a:ext>
+            </a:extLst>
+          </p:cNvPr>
+          <p:cNvSpPr>
+            <a:spLocks noGrp="1"/>
+          </p:cNvSpPr>
+          <p:nvPr>
+            <p:ph type="title"/>
+          </p:nvPr>
+        </p:nvSpPr>
+        <p:spPr/>
+        <p:txBody>
+          <a:bodyPr/>
+          <a:lstStyle/>
+          <a:p>
+            <a:r>
+              <a:rPr lang="en-US" dirty="0"/>
+              <a:t>Exercise #09</a:t>
+            </a:r>
+          </a:p>
+        </p:txBody>
+      </p:sp>
+      <p:pic>
+        <p:nvPicPr>
+          <p:cNvPr id="6" name="Picture 5">
+            <a:extLst>
+              <a:ext uri="{FF2B5EF4-FFF2-40B4-BE49-F238E27FC236}">
+                <a16:creationId xmlns:a16="http://schemas.microsoft.com/office/drawing/2014/main" id="{6449D282-DC4E-4479-991B-68509FF3A710}"/>
+              </a:ext>
+            </a:extLst>
+          </p:cNvPr>
+          <p:cNvPicPr>
+            <a:picLocks noChangeAspect="1"/>
+          </p:cNvPicPr>
+          <p:nvPr/>
+        </p:nvPicPr>
+        <p:blipFill>
+          <a:blip r:embed="rId3"/>
+          <a:stretch>
+            <a:fillRect/>
+          </a:stretch>
+        </p:blipFill>
+        <p:spPr>
+          <a:xfrm>
+            <a:off x="4261672" y="1181180"/>
+            <a:ext cx="3773347" cy="3773347"/>
+          </a:xfrm>
+          <a:prstGeom prst="rect">
+            <a:avLst/>
+          </a:prstGeom>
+        </p:spPr>
+      </p:pic>
+    </p:spTree>
+    <p:extLst>
+      <p:ext uri="{BB962C8B-B14F-4D97-AF65-F5344CB8AC3E}">
+        <p14:creationId xmlns:p14="http://schemas.microsoft.com/office/powerpoint/2010/main" val="2757824260"/>
+      </p:ext>
+    </p:extLst>
+  </p:cSld>
+  <p:clrMapOvr>
+    <a:masterClrMapping/>
+  </p:clrMapOvr>
+</p:sld>
+</file>
+
+<file path=ppt/slides/slide12.xml><?xml version="1.0" encoding="utf-8"?>
+<p:sld xmlns:a="http://schemas.openxmlformats.org/drawingml/2006/main" xmlns:r="http://schemas.openxmlformats.org/officeDocument/2006/relationships" xmlns:p="http://schemas.openxmlformats.org/presentationml/2006/main" show="0">
+  <p:cSld>
+    <p:spTree>
+      <p:nvGrpSpPr>
+        <p:cNvPr id="1" name=""/>
+        <p:cNvGrpSpPr/>
+        <p:nvPr/>
+      </p:nvGrpSpPr>
+      <p:grpSpPr>
+        <a:xfrm>
+          <a:off x="0" y="0"/>
+          <a:ext cx="0" cy="0"/>
+          <a:chOff x="0" y="0"/>
+          <a:chExt cx="0" cy="0"/>
+        </a:xfrm>
+      </p:grpSpPr>
+      <p:sp>
+        <p:nvSpPr>
+          <p:cNvPr id="6" name="Text Placeholder 5">
+            <a:extLst>
+              <a:ext uri="{FF2B5EF4-FFF2-40B4-BE49-F238E27FC236}">
+                <a16:creationId xmlns:a16="http://schemas.microsoft.com/office/drawing/2014/main" id="{920D95D6-6510-4E95-B39D-F186652A1A46}"/>
+              </a:ext>
+            </a:extLst>
+          </p:cNvPr>
+          <p:cNvSpPr>
+            <a:spLocks noGrp="1"/>
+          </p:cNvSpPr>
+          <p:nvPr>
+            <p:ph type="body" sz="quarter" idx="10"/>
+          </p:nvPr>
+        </p:nvSpPr>
+        <p:spPr>
+          <a:xfrm>
+            <a:off x="504000" y="1101253"/>
+            <a:ext cx="11186477" cy="4230000"/>
+          </a:xfrm>
+        </p:spPr>
+        <p:txBody>
+          <a:bodyPr/>
+          <a:lstStyle/>
+          <a:p>
+            <a:pPr marL="342900" indent="-342900">
+              <a:buFontTx/>
+              <a:buChar char="-"/>
+            </a:pPr>
+            <a:r>
+              <a:rPr lang="en-US" sz="1800" dirty="0"/>
+              <a:t>Go to the k8s demo folder </a:t>
+            </a:r>
+            <a:r>
+              <a:rPr lang="en-US" sz="1800" dirty="0">
+                <a:sym typeface="Wingdings" panose="05000000000000000000" pitchFamily="2" charset="2"/>
+              </a:rPr>
+              <a:t>and continue with demo-chart</a:t>
+            </a:r>
+          </a:p>
+          <a:p>
+            <a:pPr marL="522864" lvl="1" indent="-342900">
+              <a:buFontTx/>
+              <a:buChar char="-"/>
+            </a:pPr>
+            <a:r>
+              <a:rPr lang="en-US" sz="1600" dirty="0"/>
+              <a:t>Show the content of the template subfolder, starting with the specific-</a:t>
+            </a:r>
+            <a:r>
+              <a:rPr lang="en-US" sz="1600" dirty="0" err="1"/>
+              <a:t>configmap.yaml</a:t>
+            </a:r>
+            <a:endParaRPr lang="en-US" sz="1600" dirty="0"/>
+          </a:p>
+          <a:p>
+            <a:pPr marL="522864" lvl="1" indent="-342900">
+              <a:buFontTx/>
+              <a:buChar char="-"/>
+            </a:pPr>
+            <a:r>
+              <a:rPr lang="en-US" sz="1600" dirty="0"/>
+              <a:t>Show the flexible-</a:t>
+            </a:r>
+            <a:r>
+              <a:rPr lang="en-US" sz="1600" dirty="0" err="1"/>
+              <a:t>configmap.yaml</a:t>
+            </a:r>
+            <a:r>
+              <a:rPr lang="en-US" sz="1600" dirty="0"/>
+              <a:t> and explain the build in variables, values references + _</a:t>
+            </a:r>
+            <a:r>
+              <a:rPr lang="en-US" sz="1600" dirty="0" err="1"/>
+              <a:t>helpers.tpl</a:t>
+            </a:r>
+            <a:r>
+              <a:rPr lang="en-US" sz="1600" dirty="0"/>
+              <a:t> where the functions are defined</a:t>
+            </a:r>
+          </a:p>
+          <a:p>
+            <a:pPr marL="522864" lvl="1" indent="-342900">
+              <a:buFontTx/>
+              <a:buChar char="-"/>
+            </a:pPr>
+            <a:r>
+              <a:rPr lang="en-US" sz="1600" dirty="0"/>
+              <a:t>Show NOTES.txt -&gt; it contains the lines to print after a successful deployment</a:t>
+            </a:r>
+          </a:p>
+          <a:p>
+            <a:pPr marL="522864" lvl="1" indent="-342900">
+              <a:buFontTx/>
+              <a:buChar char="-"/>
+            </a:pPr>
+            <a:r>
+              <a:rPr lang="en-US" sz="1600" dirty="0"/>
+              <a:t>Show the values file in the demo-chart folder</a:t>
+            </a:r>
+          </a:p>
+          <a:p>
+            <a:pPr marL="342900" indent="-342900">
+              <a:buFontTx/>
+              <a:buChar char="-"/>
+            </a:pPr>
+            <a:r>
+              <a:rPr lang="en-US" sz="1800" dirty="0"/>
+              <a:t>Deploy the chart: “helm install .” (assuming your current working directory is ./demo-chart )</a:t>
+            </a:r>
+          </a:p>
+          <a:p>
+            <a:pPr marL="522864" lvl="1" indent="-342900">
+              <a:buFontTx/>
+              <a:buChar char="-"/>
+            </a:pPr>
+            <a:r>
+              <a:rPr lang="en-US" sz="1600" dirty="0"/>
+              <a:t> run the commands that have been printed by helm</a:t>
+            </a:r>
+          </a:p>
+          <a:p>
+            <a:pPr marL="342900" indent="-342900">
+              <a:buFontTx/>
+              <a:buChar char="-"/>
+            </a:pPr>
+            <a:r>
+              <a:rPr lang="en-US" sz="1800" dirty="0"/>
+              <a:t>Update the release and change the value of </a:t>
+            </a:r>
+            <a:r>
+              <a:rPr lang="en-US" sz="1800" dirty="0" err="1"/>
+              <a:t>myMessage</a:t>
+            </a:r>
+            <a:r>
+              <a:rPr lang="en-US" sz="1800" dirty="0"/>
+              <a:t>, use dry-run and debug to double check changes: </a:t>
+            </a:r>
+          </a:p>
+          <a:p>
+            <a:pPr marL="522864" lvl="1" indent="-342900">
+              <a:buFontTx/>
+              <a:buChar char="-"/>
+            </a:pPr>
+            <a:r>
+              <a:rPr lang="en-US" sz="1600" dirty="0"/>
+              <a:t>helm upgrade --dry-run --debug --set </a:t>
+            </a:r>
+            <a:r>
+              <a:rPr lang="en-US" sz="1600" dirty="0" err="1"/>
+              <a:t>myMessage</a:t>
+            </a:r>
+            <a:r>
+              <a:rPr lang="en-US" sz="1600" dirty="0"/>
+              <a:t>=“Goodbye course” &lt;release name&gt; .</a:t>
+            </a:r>
+          </a:p>
+          <a:p>
+            <a:pPr marL="522864" lvl="1" indent="-342900">
+              <a:buFontTx/>
+              <a:buChar char="-"/>
+            </a:pPr>
+            <a:r>
+              <a:rPr lang="en-US" sz="1600" dirty="0"/>
+              <a:t>helm upgrade --set </a:t>
+            </a:r>
+            <a:r>
+              <a:rPr lang="en-US" sz="1600" dirty="0" err="1"/>
+              <a:t>myMessage</a:t>
+            </a:r>
+            <a:r>
+              <a:rPr lang="en-US" sz="1600" dirty="0"/>
+              <a:t>=“Goodbye course” &lt;release name&gt; .</a:t>
+            </a:r>
+          </a:p>
+          <a:p>
+            <a:pPr marL="342900" indent="-342900">
+              <a:buFontTx/>
+              <a:buChar char="-"/>
+            </a:pPr>
+            <a:r>
+              <a:rPr lang="en-US" sz="1800" dirty="0"/>
+              <a:t>Update the release with a </a:t>
+            </a:r>
+            <a:r>
+              <a:rPr lang="en-US" sz="1800" dirty="0" err="1"/>
+              <a:t>custom_values.yaml</a:t>
+            </a:r>
+            <a:endParaRPr lang="en-US" sz="1800" dirty="0"/>
+          </a:p>
+          <a:p>
+            <a:pPr marL="522864" lvl="1" indent="-342900">
+              <a:buFontTx/>
+              <a:buChar char="-"/>
+            </a:pPr>
+            <a:r>
+              <a:rPr lang="en-US" sz="1600" dirty="0"/>
+              <a:t>Helm upgrade –f </a:t>
+            </a:r>
+            <a:r>
+              <a:rPr lang="en-US" sz="1600" dirty="0" err="1"/>
+              <a:t>custom_values.yaml</a:t>
+            </a:r>
+            <a:r>
+              <a:rPr lang="en-US" sz="1600" dirty="0"/>
+              <a:t> &lt;release name&gt; .</a:t>
+            </a:r>
+          </a:p>
+          <a:p>
+            <a:pPr lvl="1" indent="0">
+              <a:buNone/>
+            </a:pPr>
+            <a:r>
+              <a:rPr lang="en-US" b="1" dirty="0"/>
+              <a:t>“.” is referencing a relative path to your chart – don’t truncate it!</a:t>
+            </a:r>
+          </a:p>
+        </p:txBody>
+      </p:sp>
+      <p:sp>
+        <p:nvSpPr>
+          <p:cNvPr id="5" name="Title 4">
+            <a:extLst>
+              <a:ext uri="{FF2B5EF4-FFF2-40B4-BE49-F238E27FC236}">
+                <a16:creationId xmlns:a16="http://schemas.microsoft.com/office/drawing/2014/main" id="{17C5E0DC-58DA-4279-A937-C304F691FF25}"/>
+              </a:ext>
+            </a:extLst>
+          </p:cNvPr>
+          <p:cNvSpPr>
+            <a:spLocks noGrp="1"/>
+          </p:cNvSpPr>
+          <p:nvPr>
+            <p:ph type="title"/>
+          </p:nvPr>
+        </p:nvSpPr>
+        <p:spPr/>
+        <p:txBody>
+          <a:bodyPr/>
+          <a:lstStyle/>
+          <a:p>
+            <a:r>
+              <a:rPr lang="en-US" dirty="0"/>
+              <a:t>Demo script</a:t>
+            </a:r>
+          </a:p>
+        </p:txBody>
+      </p:sp>
+    </p:spTree>
+    <p:extLst>
+      <p:ext uri="{BB962C8B-B14F-4D97-AF65-F5344CB8AC3E}">
+        <p14:creationId xmlns:p14="http://schemas.microsoft.com/office/powerpoint/2010/main" val="4159007378"/>
+      </p:ext>
+    </p:extLst>
+  </p:cSld>
+  <p:clrMapOvr>
+    <a:masterClrMapping/>
+  </p:clrMapOvr>
+</p:sld>
+</file>
+
+<file path=ppt/slides/slide13.xml><?xml version="1.0" encoding="utf-8"?>
+<p:sld xmlns:a="http://schemas.openxmlformats.org/drawingml/2006/main" xmlns:r="http://schemas.openxmlformats.org/officeDocument/2006/relationships" xmlns:p="http://schemas.openxmlformats.org/presentationml/2006/main" show="0">
+  <p:cSld>
+    <p:spTree>
+      <p:nvGrpSpPr>
+        <p:cNvPr id="1" name=""/>
+        <p:cNvGrpSpPr/>
+        <p:nvPr/>
+      </p:nvGrpSpPr>
+      <p:grpSpPr>
+        <a:xfrm>
+          <a:off x="0" y="0"/>
+          <a:ext cx="0" cy="0"/>
+          <a:chOff x="0" y="0"/>
+          <a:chExt cx="0" cy="0"/>
+        </a:xfrm>
+      </p:grpSpPr>
+    </p:spTree>
+  </p:cSld>
+  <p:clrMapOvr>
+    <a:masterClrMapping/>
+  </p:clrMapOvr>
+  <p:transition spd="med"/>
+</p:sld>
+</file>
+
 <file path=ppt/slides/slide2.xml><?xml version="1.0" encoding="utf-8"?>
 <p:sld xmlns:a="http://schemas.openxmlformats.org/drawingml/2006/main" xmlns:r="http://schemas.openxmlformats.org/officeDocument/2006/relationships" xmlns:p="http://schemas.openxmlformats.org/presentationml/2006/main">
   <p:cSld>
@@ -16625,169 +17855,6 @@
           <a:p>
             <a:r>
               <a:rPr lang="en-US" dirty="0"/>
-              <a:t>Helm charts</a:t>
-            </a:r>
-          </a:p>
-        </p:txBody>
-      </p:sp>
-      <p:sp>
-        <p:nvSpPr>
-          <p:cNvPr id="3" name="Rectangle 2"/>
-          <p:cNvSpPr/>
-          <p:nvPr/>
-        </p:nvSpPr>
-        <p:spPr>
-          <a:xfrm>
-            <a:off x="504000" y="1223190"/>
-            <a:ext cx="10842180" cy="3000821"/>
-          </a:xfrm>
-          <a:prstGeom prst="rect">
-            <a:avLst/>
-          </a:prstGeom>
-        </p:spPr>
-        <p:txBody>
-          <a:bodyPr wrap="square">
-            <a:spAutoFit/>
-          </a:bodyPr>
-          <a:lstStyle/>
-          <a:p>
-            <a:pPr marL="342900" indent="-342900">
-              <a:buFont typeface="Wingdings" panose="05000000000000000000" pitchFamily="2" charset="2"/>
-              <a:buChar char="§"/>
-            </a:pPr>
-            <a:r>
-              <a:rPr lang="en-US" dirty="0"/>
-              <a:t>Packages of predefined, parameterized K8s resources are called “charts”</a:t>
-            </a:r>
-          </a:p>
-          <a:p>
-            <a:pPr marL="342900" indent="-342900">
-              <a:buFont typeface="Wingdings" panose="05000000000000000000" pitchFamily="2" charset="2"/>
-              <a:buChar char="§"/>
-            </a:pPr>
-            <a:endParaRPr lang="en-US" dirty="0"/>
-          </a:p>
-          <a:p>
-            <a:r>
-              <a:rPr lang="en-US" dirty="0" err="1"/>
-              <a:t>wordpress</a:t>
-            </a:r>
-            <a:r>
-              <a:rPr lang="en-US" dirty="0"/>
-              <a:t>/</a:t>
-            </a:r>
-          </a:p>
-          <a:p>
-            <a:pPr marL="342900" indent="-342900">
-              <a:buFont typeface="Wingdings" panose="05000000000000000000" pitchFamily="2" charset="2"/>
-              <a:buChar char="§"/>
-            </a:pPr>
-            <a:r>
-              <a:rPr lang="en-US" dirty="0" err="1"/>
-              <a:t>Chart.yaml</a:t>
-            </a:r>
-            <a:r>
-              <a:rPr lang="en-US" dirty="0"/>
-              <a:t> - A file containing information about the chart</a:t>
-            </a:r>
-          </a:p>
-          <a:p>
-            <a:pPr marL="342900" indent="-342900">
-              <a:buFont typeface="Wingdings" panose="05000000000000000000" pitchFamily="2" charset="2"/>
-              <a:buChar char="§"/>
-            </a:pPr>
-            <a:r>
-              <a:rPr lang="en-US" dirty="0" err="1"/>
-              <a:t>requirements.yaml</a:t>
-            </a:r>
-            <a:r>
-              <a:rPr lang="en-US" dirty="0"/>
-              <a:t> - A file listing dependencies for the chart</a:t>
-            </a:r>
-          </a:p>
-          <a:p>
-            <a:pPr marL="342900" indent="-342900">
-              <a:buFont typeface="Wingdings" panose="05000000000000000000" pitchFamily="2" charset="2"/>
-              <a:buChar char="§"/>
-            </a:pPr>
-            <a:r>
-              <a:rPr lang="en-US" dirty="0" err="1"/>
-              <a:t>values.yaml</a:t>
-            </a:r>
-            <a:r>
-              <a:rPr lang="en-US" dirty="0"/>
-              <a:t> - The default configuration values for this chart</a:t>
-            </a:r>
-          </a:p>
-          <a:p>
-            <a:pPr marL="342900" indent="-342900">
-              <a:buFont typeface="Wingdings" panose="05000000000000000000" pitchFamily="2" charset="2"/>
-              <a:buChar char="§"/>
-            </a:pPr>
-            <a:r>
-              <a:rPr lang="en-US" dirty="0"/>
-              <a:t>charts/ - A directory containing any charts upon which this chart depends.</a:t>
-            </a:r>
-          </a:p>
-          <a:p>
-            <a:pPr marL="342900" indent="-342900">
-              <a:buFont typeface="Wingdings" panose="05000000000000000000" pitchFamily="2" charset="2"/>
-              <a:buChar char="§"/>
-            </a:pPr>
-            <a:r>
-              <a:rPr lang="en-US" dirty="0"/>
-              <a:t>templates/ - A directory of templates that, when combined with values, will generate valid Kubernetes manifest files.</a:t>
-            </a:r>
-          </a:p>
-        </p:txBody>
-      </p:sp>
-    </p:spTree>
-    <p:extLst>
-      <p:ext uri="{BB962C8B-B14F-4D97-AF65-F5344CB8AC3E}">
-        <p14:creationId xmlns:p14="http://schemas.microsoft.com/office/powerpoint/2010/main" val="764019977"/>
-      </p:ext>
-    </p:extLst>
-  </p:cSld>
-  <p:clrMapOvr>
-    <a:masterClrMapping/>
-  </p:clrMapOvr>
-</p:sld>
-</file>
-
-<file path=ppt/slides/slide5.xml><?xml version="1.0" encoding="utf-8"?>
-<p:sld xmlns:a="http://schemas.openxmlformats.org/drawingml/2006/main" xmlns:r="http://schemas.openxmlformats.org/officeDocument/2006/relationships" xmlns:p="http://schemas.openxmlformats.org/presentationml/2006/main">
-  <p:cSld>
-    <p:spTree>
-      <p:nvGrpSpPr>
-        <p:cNvPr id="1" name=""/>
-        <p:cNvGrpSpPr/>
-        <p:nvPr/>
-      </p:nvGrpSpPr>
-      <p:grpSpPr>
-        <a:xfrm>
-          <a:off x="0" y="0"/>
-          <a:ext cx="0" cy="0"/>
-          <a:chOff x="0" y="0"/>
-          <a:chExt cx="0" cy="0"/>
-        </a:xfrm>
-      </p:grpSpPr>
-      <p:sp>
-        <p:nvSpPr>
-          <p:cNvPr id="2" name="Title 1"/>
-          <p:cNvSpPr>
-            <a:spLocks noGrp="1"/>
-          </p:cNvSpPr>
-          <p:nvPr>
-            <p:ph type="title"/>
-          </p:nvPr>
-        </p:nvSpPr>
-        <p:spPr/>
-        <p:txBody>
-          <a:bodyPr/>
-          <a:lstStyle/>
-          <a:p>
-            <a:r>
-              <a:rPr lang="en-US" dirty="0"/>
               <a:t>Working with helm</a:t>
             </a:r>
           </a:p>
@@ -18161,6 +19228,134 @@
 </p:sld>
 </file>
 
+<file path=ppt/slides/slide5.xml><?xml version="1.0" encoding="utf-8"?>
+<p:sld xmlns:a="http://schemas.openxmlformats.org/drawingml/2006/main" xmlns:r="http://schemas.openxmlformats.org/officeDocument/2006/relationships" xmlns:p="http://schemas.openxmlformats.org/presentationml/2006/main" show="0">
+  <p:cSld>
+    <p:spTree>
+      <p:nvGrpSpPr>
+        <p:cNvPr id="1" name=""/>
+        <p:cNvGrpSpPr/>
+        <p:nvPr/>
+      </p:nvGrpSpPr>
+      <p:grpSpPr>
+        <a:xfrm>
+          <a:off x="0" y="0"/>
+          <a:ext cx="0" cy="0"/>
+          <a:chOff x="0" y="0"/>
+          <a:chExt cx="0" cy="0"/>
+        </a:xfrm>
+      </p:grpSpPr>
+      <p:sp>
+        <p:nvSpPr>
+          <p:cNvPr id="4" name="Text Placeholder 3"/>
+          <p:cNvSpPr>
+            <a:spLocks noGrp="1"/>
+          </p:cNvSpPr>
+          <p:nvPr>
+            <p:ph type="body" sz="quarter" idx="10"/>
+          </p:nvPr>
+        </p:nvSpPr>
+        <p:spPr/>
+        <p:txBody>
+          <a:bodyPr/>
+          <a:lstStyle/>
+          <a:p>
+            <a:pPr marL="342900" indent="-342900">
+              <a:buFontTx/>
+              <a:buChar char="-"/>
+            </a:pPr>
+            <a:r>
+              <a:rPr lang="en-US" dirty="0"/>
+              <a:t>Show helm client &amp; tiller server in k8s</a:t>
+            </a:r>
+          </a:p>
+          <a:p>
+            <a:pPr marL="342900" indent="-342900">
+              <a:buFontTx/>
+              <a:buChar char="-"/>
+            </a:pPr>
+            <a:r>
+              <a:rPr lang="en-US" dirty="0"/>
+              <a:t>Helm repo list</a:t>
+            </a:r>
+          </a:p>
+          <a:p>
+            <a:pPr marL="342900" indent="-342900">
+              <a:buFontTx/>
+              <a:buChar char="-"/>
+            </a:pPr>
+            <a:r>
+              <a:rPr lang="en-US" dirty="0"/>
+              <a:t>Helm repo update</a:t>
+            </a:r>
+          </a:p>
+          <a:p>
+            <a:pPr marL="342900" indent="-342900">
+              <a:buFontTx/>
+              <a:buChar char="-"/>
+            </a:pPr>
+            <a:r>
+              <a:rPr lang="en-US" dirty="0"/>
+              <a:t>helm search </a:t>
+            </a:r>
+            <a:r>
+              <a:rPr lang="en-US" dirty="0" err="1"/>
+              <a:t>wordpress</a:t>
+            </a:r>
+            <a:endParaRPr lang="en-US" dirty="0"/>
+          </a:p>
+          <a:p>
+            <a:pPr marL="342900" indent="-342900">
+              <a:buFontTx/>
+              <a:buChar char="-"/>
+            </a:pPr>
+            <a:r>
+              <a:rPr lang="en-US" dirty="0"/>
+              <a:t>Helm install </a:t>
+            </a:r>
+            <a:r>
+              <a:rPr lang="en-US" dirty="0" err="1"/>
+              <a:t>wordpress</a:t>
+            </a:r>
+            <a:endParaRPr lang="en-US" dirty="0"/>
+          </a:p>
+        </p:txBody>
+      </p:sp>
+      <p:sp>
+        <p:nvSpPr>
+          <p:cNvPr id="3" name="Title 2"/>
+          <p:cNvSpPr>
+            <a:spLocks noGrp="1"/>
+          </p:cNvSpPr>
+          <p:nvPr>
+            <p:ph type="title"/>
+          </p:nvPr>
+        </p:nvSpPr>
+        <p:spPr/>
+        <p:txBody>
+          <a:bodyPr/>
+          <a:lstStyle/>
+          <a:p>
+            <a:r>
+              <a:rPr lang="en-US" dirty="0"/>
+              <a:t>Demo</a:t>
+            </a:r>
+          </a:p>
+        </p:txBody>
+      </p:sp>
+    </p:spTree>
+    <p:extLst>
+      <p:ext uri="{BB962C8B-B14F-4D97-AF65-F5344CB8AC3E}">
+        <p14:creationId xmlns:p14="http://schemas.microsoft.com/office/powerpoint/2010/main" val="684979928"/>
+      </p:ext>
+    </p:extLst>
+  </p:cSld>
+  <p:clrMapOvr>
+    <a:masterClrMapping/>
+  </p:clrMapOvr>
+</p:sld>
+</file>
+
 <file path=ppt/slides/slide6.xml><?xml version="1.0" encoding="utf-8"?>
 <p:sld xmlns:a="http://schemas.openxmlformats.org/drawingml/2006/main" xmlns:r="http://schemas.openxmlformats.org/officeDocument/2006/relationships" xmlns:p="http://schemas.openxmlformats.org/presentationml/2006/main">
   <p:cSld>
@@ -18180,13 +19375,7 @@
       </p:grpSpPr>
       <p:sp>
         <p:nvSpPr>
-          <p:cNvPr id="2" name="Title 1">
-            <a:extLst>
-              <a:ext uri="{FF2B5EF4-FFF2-40B4-BE49-F238E27FC236}">
-                <a16:creationId xmlns:a16="http://schemas.microsoft.com/office/drawing/2014/main" id="{2D4BD4BF-5C0E-4BE1-A99C-25DBDC85D9CD}"/>
-              </a:ext>
-            </a:extLst>
-          </p:cNvPr>
+          <p:cNvPr id="2" name="Title 1"/>
           <p:cNvSpPr>
             <a:spLocks noGrp="1"/>
           </p:cNvSpPr>
@@ -18201,17 +19390,378 @@
           <a:p>
             <a:r>
               <a:rPr lang="en-US" dirty="0"/>
-              <a:t>Demo</a:t>
+              <a:t>Authoring helm charts</a:t>
             </a:r>
           </a:p>
         </p:txBody>
       </p:sp>
       <p:pic>
         <p:nvPicPr>
-          <p:cNvPr id="18" name="Picture 17">
+          <p:cNvPr id="4" name="Picture 3">
             <a:extLst>
               <a:ext uri="{FF2B5EF4-FFF2-40B4-BE49-F238E27FC236}">
-                <a16:creationId xmlns:a16="http://schemas.microsoft.com/office/drawing/2014/main" id="{FC355B51-9D60-4DBB-9EF1-08294FF8959E}"/>
+                <a16:creationId xmlns:a16="http://schemas.microsoft.com/office/drawing/2014/main" id="{BD625C01-15F0-497E-B1CD-8AB18852298E}"/>
+              </a:ext>
+            </a:extLst>
+          </p:cNvPr>
+          <p:cNvPicPr>
+            <a:picLocks noChangeAspect="1"/>
+          </p:cNvPicPr>
+          <p:nvPr/>
+        </p:nvPicPr>
+        <p:blipFill>
+          <a:blip r:embed="rId2"/>
+          <a:stretch>
+            <a:fillRect/>
+          </a:stretch>
+        </p:blipFill>
+        <p:spPr>
+          <a:xfrm>
+            <a:off x="6664690" y="688666"/>
+            <a:ext cx="4121394" cy="5495192"/>
+          </a:xfrm>
+          <a:prstGeom prst="rect">
+            <a:avLst/>
+          </a:prstGeom>
+        </p:spPr>
+      </p:pic>
+      <p:sp>
+        <p:nvSpPr>
+          <p:cNvPr id="6" name="Rectangle 5">
+            <a:extLst>
+              <a:ext uri="{FF2B5EF4-FFF2-40B4-BE49-F238E27FC236}">
+                <a16:creationId xmlns:a16="http://schemas.microsoft.com/office/drawing/2014/main" id="{31A48861-B72C-49CA-BB50-789DAEC7F1C4}"/>
+              </a:ext>
+            </a:extLst>
+          </p:cNvPr>
+          <p:cNvSpPr/>
+          <p:nvPr/>
+        </p:nvSpPr>
+        <p:spPr>
+          <a:xfrm>
+            <a:off x="504001" y="1390244"/>
+            <a:ext cx="5975930" cy="4293483"/>
+          </a:xfrm>
+          <a:prstGeom prst="rect">
+            <a:avLst/>
+          </a:prstGeom>
+        </p:spPr>
+        <p:txBody>
+          <a:bodyPr wrap="square">
+            <a:spAutoFit/>
+          </a:bodyPr>
+          <a:lstStyle/>
+          <a:p>
+            <a:pPr marL="342900" indent="-342900">
+              <a:buFont typeface="Wingdings" panose="05000000000000000000" pitchFamily="2" charset="2"/>
+              <a:buChar char="§"/>
+            </a:pPr>
+            <a:r>
+              <a:rPr lang="en-US" dirty="0"/>
+              <a:t>Packages in the helm eco system are called “charts”</a:t>
+            </a:r>
+          </a:p>
+          <a:p>
+            <a:pPr marL="342900" indent="-342900">
+              <a:buFont typeface="Wingdings" panose="05000000000000000000" pitchFamily="2" charset="2"/>
+              <a:buChar char="§"/>
+            </a:pPr>
+            <a:endParaRPr lang="en-US" dirty="0"/>
+          </a:p>
+          <a:p>
+            <a:r>
+              <a:rPr lang="en-US" dirty="0" err="1"/>
+              <a:t>wordpress</a:t>
+            </a:r>
+            <a:r>
+              <a:rPr lang="en-US" dirty="0"/>
+              <a:t>/</a:t>
+            </a:r>
+          </a:p>
+          <a:p>
+            <a:pPr marL="342900" indent="-342900">
+              <a:buFont typeface="Wingdings" panose="05000000000000000000" pitchFamily="2" charset="2"/>
+              <a:buChar char="§"/>
+            </a:pPr>
+            <a:r>
+              <a:rPr lang="en-US" dirty="0" err="1"/>
+              <a:t>Chart.yaml</a:t>
+            </a:r>
+            <a:r>
+              <a:rPr lang="en-US" dirty="0"/>
+              <a:t> </a:t>
+            </a:r>
+          </a:p>
+          <a:p>
+            <a:pPr marL="342900" indent="-342900">
+              <a:buFont typeface="Wingdings" panose="05000000000000000000" pitchFamily="2" charset="2"/>
+              <a:buChar char="§"/>
+            </a:pPr>
+            <a:r>
+              <a:rPr lang="en-US" dirty="0" err="1"/>
+              <a:t>requirements.yaml</a:t>
+            </a:r>
+            <a:endParaRPr lang="en-US" dirty="0"/>
+          </a:p>
+          <a:p>
+            <a:pPr marL="342900" indent="-342900">
+              <a:buFont typeface="Wingdings" panose="05000000000000000000" pitchFamily="2" charset="2"/>
+              <a:buChar char="§"/>
+            </a:pPr>
+            <a:r>
+              <a:rPr lang="en-US" dirty="0" err="1"/>
+              <a:t>values.yaml</a:t>
+            </a:r>
+            <a:endParaRPr lang="en-US" dirty="0"/>
+          </a:p>
+          <a:p>
+            <a:pPr marL="342900" indent="-342900">
+              <a:buFont typeface="Wingdings" panose="05000000000000000000" pitchFamily="2" charset="2"/>
+              <a:buChar char="§"/>
+            </a:pPr>
+            <a:r>
+              <a:rPr lang="en-US" dirty="0"/>
+              <a:t>charts/ </a:t>
+            </a:r>
+          </a:p>
+          <a:p>
+            <a:pPr marL="342900" indent="-342900">
+              <a:buFont typeface="Wingdings" panose="05000000000000000000" pitchFamily="2" charset="2"/>
+              <a:buChar char="§"/>
+            </a:pPr>
+            <a:r>
+              <a:rPr lang="en-US" dirty="0"/>
+              <a:t>templates/</a:t>
+            </a:r>
+          </a:p>
+          <a:p>
+            <a:pPr marL="342900" indent="-342900">
+              <a:buFont typeface="Wingdings" panose="05000000000000000000" pitchFamily="2" charset="2"/>
+              <a:buChar char="§"/>
+            </a:pPr>
+            <a:endParaRPr lang="en-US" dirty="0"/>
+          </a:p>
+          <a:p>
+            <a:pPr marL="342900" indent="-342900">
+              <a:buFont typeface="Wingdings" panose="05000000000000000000" pitchFamily="2" charset="2"/>
+              <a:buChar char="§"/>
+            </a:pPr>
+            <a:r>
+              <a:rPr lang="en-US" dirty="0"/>
+              <a:t>Templates contain variables</a:t>
+            </a:r>
+          </a:p>
+          <a:p>
+            <a:pPr marL="342900" indent="-342900">
+              <a:buFont typeface="Wingdings" panose="05000000000000000000" pitchFamily="2" charset="2"/>
+              <a:buChar char="§"/>
+            </a:pPr>
+            <a:r>
+              <a:rPr lang="en-US" dirty="0"/>
+              <a:t>Helm renders charts during deployment and substitutes variables with values</a:t>
+            </a:r>
+          </a:p>
+        </p:txBody>
+      </p:sp>
+    </p:spTree>
+    <p:extLst>
+      <p:ext uri="{BB962C8B-B14F-4D97-AF65-F5344CB8AC3E}">
+        <p14:creationId xmlns:p14="http://schemas.microsoft.com/office/powerpoint/2010/main" val="3255370888"/>
+      </p:ext>
+    </p:extLst>
+  </p:cSld>
+  <p:clrMapOvr>
+    <a:masterClrMapping/>
+  </p:clrMapOvr>
+</p:sld>
+</file>
+
+<file path=ppt/slides/slide7.xml><?xml version="1.0" encoding="utf-8"?>
+<p:sld xmlns:a="http://schemas.openxmlformats.org/drawingml/2006/main" xmlns:r="http://schemas.openxmlformats.org/officeDocument/2006/relationships" xmlns:p="http://schemas.openxmlformats.org/presentationml/2006/main" show="0">
+  <p:cSld>
+    <p:spTree>
+      <p:nvGrpSpPr>
+        <p:cNvPr id="1" name=""/>
+        <p:cNvGrpSpPr/>
+        <p:nvPr/>
+      </p:nvGrpSpPr>
+      <p:grpSpPr>
+        <a:xfrm>
+          <a:off x="0" y="0"/>
+          <a:ext cx="0" cy="0"/>
+          <a:chOff x="0" y="0"/>
+          <a:chExt cx="0" cy="0"/>
+        </a:xfrm>
+      </p:grpSpPr>
+      <p:sp>
+        <p:nvSpPr>
+          <p:cNvPr id="2" name="Title 1"/>
+          <p:cNvSpPr>
+            <a:spLocks noGrp="1"/>
+          </p:cNvSpPr>
+          <p:nvPr>
+            <p:ph type="title"/>
+          </p:nvPr>
+        </p:nvSpPr>
+        <p:spPr/>
+        <p:txBody>
+          <a:bodyPr/>
+          <a:lstStyle/>
+          <a:p>
+            <a:r>
+              <a:rPr lang="en-US" dirty="0"/>
+              <a:t>Helm charts</a:t>
+            </a:r>
+          </a:p>
+        </p:txBody>
+      </p:sp>
+      <p:sp>
+        <p:nvSpPr>
+          <p:cNvPr id="3" name="Rectangle 2"/>
+          <p:cNvSpPr/>
+          <p:nvPr/>
+        </p:nvSpPr>
+        <p:spPr>
+          <a:xfrm>
+            <a:off x="504000" y="1223190"/>
+            <a:ext cx="10842180" cy="3000821"/>
+          </a:xfrm>
+          <a:prstGeom prst="rect">
+            <a:avLst/>
+          </a:prstGeom>
+        </p:spPr>
+        <p:txBody>
+          <a:bodyPr wrap="square">
+            <a:spAutoFit/>
+          </a:bodyPr>
+          <a:lstStyle/>
+          <a:p>
+            <a:pPr marL="342900" indent="-342900">
+              <a:buFont typeface="Wingdings" panose="05000000000000000000" pitchFamily="2" charset="2"/>
+              <a:buChar char="§"/>
+            </a:pPr>
+            <a:r>
+              <a:rPr lang="en-US" dirty="0"/>
+              <a:t>Packages of predefined, parameterized K8s resources are called “charts”</a:t>
+            </a:r>
+          </a:p>
+          <a:p>
+            <a:pPr marL="342900" indent="-342900">
+              <a:buFont typeface="Wingdings" panose="05000000000000000000" pitchFamily="2" charset="2"/>
+              <a:buChar char="§"/>
+            </a:pPr>
+            <a:endParaRPr lang="en-US" dirty="0"/>
+          </a:p>
+          <a:p>
+            <a:r>
+              <a:rPr lang="en-US" dirty="0" err="1"/>
+              <a:t>wordpress</a:t>
+            </a:r>
+            <a:r>
+              <a:rPr lang="en-US" dirty="0"/>
+              <a:t>/</a:t>
+            </a:r>
+          </a:p>
+          <a:p>
+            <a:pPr marL="342900" indent="-342900">
+              <a:buFont typeface="Wingdings" panose="05000000000000000000" pitchFamily="2" charset="2"/>
+              <a:buChar char="§"/>
+            </a:pPr>
+            <a:r>
+              <a:rPr lang="en-US" dirty="0" err="1"/>
+              <a:t>Chart.yaml</a:t>
+            </a:r>
+            <a:r>
+              <a:rPr lang="en-US" dirty="0"/>
+              <a:t> - A file containing information about the chart</a:t>
+            </a:r>
+          </a:p>
+          <a:p>
+            <a:pPr marL="342900" indent="-342900">
+              <a:buFont typeface="Wingdings" panose="05000000000000000000" pitchFamily="2" charset="2"/>
+              <a:buChar char="§"/>
+            </a:pPr>
+            <a:r>
+              <a:rPr lang="en-US" dirty="0" err="1"/>
+              <a:t>requirements.yaml</a:t>
+            </a:r>
+            <a:r>
+              <a:rPr lang="en-US" dirty="0"/>
+              <a:t> - A file listing dependencies for the chart</a:t>
+            </a:r>
+          </a:p>
+          <a:p>
+            <a:pPr marL="342900" indent="-342900">
+              <a:buFont typeface="Wingdings" panose="05000000000000000000" pitchFamily="2" charset="2"/>
+              <a:buChar char="§"/>
+            </a:pPr>
+            <a:r>
+              <a:rPr lang="en-US" dirty="0" err="1"/>
+              <a:t>values.yaml</a:t>
+            </a:r>
+            <a:r>
+              <a:rPr lang="en-US" dirty="0"/>
+              <a:t> - The default configuration values for this chart</a:t>
+            </a:r>
+          </a:p>
+          <a:p>
+            <a:pPr marL="342900" indent="-342900">
+              <a:buFont typeface="Wingdings" panose="05000000000000000000" pitchFamily="2" charset="2"/>
+              <a:buChar char="§"/>
+            </a:pPr>
+            <a:r>
+              <a:rPr lang="en-US" dirty="0"/>
+              <a:t>charts/ - A directory containing any charts upon which this chart depends.</a:t>
+            </a:r>
+          </a:p>
+          <a:p>
+            <a:pPr marL="342900" indent="-342900">
+              <a:buFont typeface="Wingdings" panose="05000000000000000000" pitchFamily="2" charset="2"/>
+              <a:buChar char="§"/>
+            </a:pPr>
+            <a:r>
+              <a:rPr lang="en-US" dirty="0"/>
+              <a:t>templates/ - A directory of templates that, when combined with values, will generate valid Kubernetes manifest files.</a:t>
+            </a:r>
+          </a:p>
+        </p:txBody>
+      </p:sp>
+    </p:spTree>
+    <p:extLst>
+      <p:ext uri="{BB962C8B-B14F-4D97-AF65-F5344CB8AC3E}">
+        <p14:creationId xmlns:p14="http://schemas.microsoft.com/office/powerpoint/2010/main" val="764019977"/>
+      </p:ext>
+    </p:extLst>
+  </p:cSld>
+  <p:clrMapOvr>
+    <a:masterClrMapping/>
+  </p:clrMapOvr>
+</p:sld>
+</file>
+
+<file path=ppt/slides/slide8.xml><?xml version="1.0" encoding="utf-8"?>
+<p:sld xmlns:a="http://schemas.openxmlformats.org/drawingml/2006/main" xmlns:r="http://schemas.openxmlformats.org/officeDocument/2006/relationships" xmlns:p="http://schemas.openxmlformats.org/presentationml/2006/main">
+  <p:cSld>
+    <p:spTree>
+      <p:nvGrpSpPr>
+        <p:cNvPr id="1" name=""/>
+        <p:cNvGrpSpPr/>
+        <p:nvPr/>
+      </p:nvGrpSpPr>
+      <p:grpSpPr>
+        <a:xfrm>
+          <a:off x="0" y="0"/>
+          <a:ext cx="0" cy="0"/>
+          <a:chOff x="0" y="0"/>
+          <a:chExt cx="0" cy="0"/>
+        </a:xfrm>
+      </p:grpSpPr>
+      <p:pic>
+        <p:nvPicPr>
+          <p:cNvPr id="17" name="Picture 16">
+            <a:extLst>
+              <a:ext uri="{FF2B5EF4-FFF2-40B4-BE49-F238E27FC236}">
+                <a16:creationId xmlns:a16="http://schemas.microsoft.com/office/drawing/2014/main" id="{2464FB82-4E81-4F54-9EF8-4A36ED3B8045}"/>
               </a:ext>
             </a:extLst>
           </p:cNvPr>
@@ -18228,18 +19778,447 @@
         </p:blipFill>
         <p:spPr>
           <a:xfrm>
-            <a:off x="3849419" y="1181180"/>
-            <a:ext cx="4495640" cy="4495640"/>
+            <a:off x="504001" y="1692328"/>
+            <a:ext cx="4095238" cy="3923809"/>
           </a:xfrm>
           <a:prstGeom prst="rect">
             <a:avLst/>
           </a:prstGeom>
         </p:spPr>
       </p:pic>
+      <p:sp>
+        <p:nvSpPr>
+          <p:cNvPr id="4" name="Title 3">
+            <a:extLst>
+              <a:ext uri="{FF2B5EF4-FFF2-40B4-BE49-F238E27FC236}">
+                <a16:creationId xmlns:a16="http://schemas.microsoft.com/office/drawing/2014/main" id="{2C20A3A3-5BE1-4DB7-9A60-49901FC75E7B}"/>
+              </a:ext>
+            </a:extLst>
+          </p:cNvPr>
+          <p:cNvSpPr>
+            <a:spLocks noGrp="1"/>
+          </p:cNvSpPr>
+          <p:nvPr>
+            <p:ph type="title"/>
+          </p:nvPr>
+        </p:nvSpPr>
+        <p:spPr>
+          <a:xfrm>
+            <a:off x="504001" y="504000"/>
+            <a:ext cx="11186476" cy="369332"/>
+          </a:xfrm>
+        </p:spPr>
+        <p:txBody>
+          <a:bodyPr/>
+          <a:lstStyle/>
+          <a:p>
+            <a:r>
+              <a:rPr lang="en-US" dirty="0"/>
+              <a:t>About templates</a:t>
+            </a:r>
+          </a:p>
+        </p:txBody>
+      </p:sp>
+      <p:sp>
+        <p:nvSpPr>
+          <p:cNvPr id="16" name="Speech Bubble: Rectangle 15">
+            <a:extLst>
+              <a:ext uri="{FF2B5EF4-FFF2-40B4-BE49-F238E27FC236}">
+                <a16:creationId xmlns:a16="http://schemas.microsoft.com/office/drawing/2014/main" id="{78F9BA3B-EB94-4AC8-920D-A9ED83D0D2E2}"/>
+              </a:ext>
+            </a:extLst>
+          </p:cNvPr>
+          <p:cNvSpPr/>
+          <p:nvPr/>
+        </p:nvSpPr>
+        <p:spPr bwMode="gray">
+          <a:xfrm>
+            <a:off x="6189996" y="1208618"/>
+            <a:ext cx="4101737" cy="469551"/>
+          </a:xfrm>
+          <a:prstGeom prst="wedgeRectCallout">
+            <a:avLst>
+              <a:gd name="adj1" fmla="val -105768"/>
+              <a:gd name="adj2" fmla="val 206931"/>
+            </a:avLst>
+          </a:prstGeom>
+          <a:ln>
+            <a:headEnd/>
+            <a:tailEnd/>
+          </a:ln>
+        </p:spPr>
+        <p:style>
+          <a:lnRef idx="2">
+            <a:schemeClr val="accent5"/>
+          </a:lnRef>
+          <a:fillRef idx="1">
+            <a:schemeClr val="lt1"/>
+          </a:fillRef>
+          <a:effectRef idx="0">
+            <a:schemeClr val="accent5"/>
+          </a:effectRef>
+          <a:fontRef idx="minor">
+            <a:schemeClr val="dk1"/>
+          </a:fontRef>
+        </p:style>
+        <p:txBody>
+          <a:bodyPr lIns="90000" tIns="72000" rIns="90000" bIns="72000" rtlCol="0" anchor="ctr"/>
+          <a:lstStyle/>
+          <a:p>
+            <a:pPr marR="0" algn="ctr" defTabSz="914400" eaLnBrk="1" fontAlgn="base" latinLnBrk="0" hangingPunct="1">
+              <a:lnSpc>
+                <a:spcPct val="100000"/>
+              </a:lnSpc>
+              <a:spcBef>
+                <a:spcPct val="50000"/>
+              </a:spcBef>
+              <a:spcAft>
+                <a:spcPct val="0"/>
+              </a:spcAft>
+              <a:buClr>
+                <a:srgbClr val="F0AB00"/>
+              </a:buClr>
+              <a:buSzPct val="80000"/>
+              <a:tabLst/>
+            </a:pPr>
+            <a:r>
+              <a:rPr lang="en-US" sz="1800" kern="0" noProof="0" dirty="0">
+                <a:ea typeface="Arial Unicode MS" pitchFamily="34" charset="-128"/>
+                <a:cs typeface="Arial Unicode MS" pitchFamily="34" charset="-128"/>
+              </a:rPr>
+              <a:t>Simple </a:t>
+            </a:r>
+            <a:r>
+              <a:rPr lang="en-US" sz="1800" kern="0" noProof="0" dirty="0" err="1">
+                <a:ea typeface="Arial Unicode MS" pitchFamily="34" charset="-128"/>
+                <a:cs typeface="Arial Unicode MS" pitchFamily="34" charset="-128"/>
+              </a:rPr>
+              <a:t>ConfigMap</a:t>
+            </a:r>
+            <a:r>
+              <a:rPr lang="en-US" sz="1800" kern="0" noProof="0" dirty="0">
+                <a:ea typeface="Arial Unicode MS" pitchFamily="34" charset="-128"/>
+                <a:cs typeface="Arial Unicode MS" pitchFamily="34" charset="-128"/>
+              </a:rPr>
+              <a:t> with specific values </a:t>
+            </a:r>
+            <a:endParaRPr kumimoji="0" lang="en-US" sz="1800" b="0" i="0" u="none" strike="noStrike" kern="0" cap="none" spc="0" normalizeH="0" baseline="0" noProof="0" dirty="0">
+              <a:ln>
+                <a:noFill/>
+              </a:ln>
+              <a:effectLst/>
+              <a:uLnTx/>
+              <a:uFillTx/>
+              <a:ea typeface="Arial Unicode MS" pitchFamily="34" charset="-128"/>
+              <a:cs typeface="Arial Unicode MS" pitchFamily="34" charset="-128"/>
+            </a:endParaRPr>
+          </a:p>
+        </p:txBody>
+      </p:sp>
+      <p:sp>
+        <p:nvSpPr>
+          <p:cNvPr id="18" name="Speech Bubble: Rectangle 17">
+            <a:extLst>
+              <a:ext uri="{FF2B5EF4-FFF2-40B4-BE49-F238E27FC236}">
+                <a16:creationId xmlns:a16="http://schemas.microsoft.com/office/drawing/2014/main" id="{ECB57014-3931-4302-B65B-412F5B56F6DB}"/>
+              </a:ext>
+            </a:extLst>
+          </p:cNvPr>
+          <p:cNvSpPr/>
+          <p:nvPr/>
+        </p:nvSpPr>
+        <p:spPr bwMode="gray">
+          <a:xfrm>
+            <a:off x="6189995" y="2412670"/>
+            <a:ext cx="4101737" cy="770145"/>
+          </a:xfrm>
+          <a:prstGeom prst="wedgeRectCallout">
+            <a:avLst>
+              <a:gd name="adj1" fmla="val -107269"/>
+              <a:gd name="adj2" fmla="val 44120"/>
+            </a:avLst>
+          </a:prstGeom>
+          <a:ln>
+            <a:headEnd/>
+            <a:tailEnd/>
+          </a:ln>
+        </p:spPr>
+        <p:style>
+          <a:lnRef idx="2">
+            <a:schemeClr val="accent5"/>
+          </a:lnRef>
+          <a:fillRef idx="1">
+            <a:schemeClr val="lt1"/>
+          </a:fillRef>
+          <a:effectRef idx="0">
+            <a:schemeClr val="accent5"/>
+          </a:effectRef>
+          <a:fontRef idx="minor">
+            <a:schemeClr val="dk1"/>
+          </a:fontRef>
+        </p:style>
+        <p:txBody>
+          <a:bodyPr lIns="90000" tIns="72000" rIns="90000" bIns="72000" rtlCol="0" anchor="ctr"/>
+          <a:lstStyle/>
+          <a:p>
+            <a:pPr marR="0" algn="ctr" defTabSz="914400" eaLnBrk="1" fontAlgn="base" latinLnBrk="0" hangingPunct="1">
+              <a:lnSpc>
+                <a:spcPct val="100000"/>
+              </a:lnSpc>
+              <a:spcBef>
+                <a:spcPct val="50000"/>
+              </a:spcBef>
+              <a:spcAft>
+                <a:spcPct val="0"/>
+              </a:spcAft>
+              <a:buClr>
+                <a:srgbClr val="F0AB00"/>
+              </a:buClr>
+              <a:buSzPct val="80000"/>
+              <a:tabLst/>
+            </a:pPr>
+            <a:r>
+              <a:rPr lang="en-US" sz="1800" kern="0" noProof="0" dirty="0" err="1">
+                <a:ea typeface="Arial Unicode MS" pitchFamily="34" charset="-128"/>
+                <a:cs typeface="Arial Unicode MS" pitchFamily="34" charset="-128"/>
+              </a:rPr>
+              <a:t>Yaml</a:t>
+            </a:r>
+            <a:r>
+              <a:rPr lang="en-US" sz="1800" kern="0" noProof="0" dirty="0">
+                <a:ea typeface="Arial Unicode MS" pitchFamily="34" charset="-128"/>
+                <a:cs typeface="Arial Unicode MS" pitchFamily="34" charset="-128"/>
+              </a:rPr>
+              <a:t> file needs to be edited each time a </a:t>
+            </a:r>
+            <a:r>
+              <a:rPr lang="en-US" sz="1800" kern="0" dirty="0">
+                <a:ea typeface="Arial Unicode MS" pitchFamily="34" charset="-128"/>
+                <a:cs typeface="Arial Unicode MS" pitchFamily="34" charset="-128"/>
+              </a:rPr>
+              <a:t>change is required</a:t>
+            </a:r>
+            <a:endParaRPr kumimoji="0" lang="en-US" sz="1800" b="0" i="0" u="none" strike="noStrike" kern="0" cap="none" spc="0" normalizeH="0" baseline="0" noProof="0" dirty="0">
+              <a:ln>
+                <a:noFill/>
+              </a:ln>
+              <a:effectLst/>
+              <a:uLnTx/>
+              <a:uFillTx/>
+              <a:ea typeface="Arial Unicode MS" pitchFamily="34" charset="-128"/>
+              <a:cs typeface="Arial Unicode MS" pitchFamily="34" charset="-128"/>
+            </a:endParaRPr>
+          </a:p>
+        </p:txBody>
+      </p:sp>
+      <p:sp>
+        <p:nvSpPr>
+          <p:cNvPr id="19" name="Speech Bubble: Rectangle 18">
+            <a:extLst>
+              <a:ext uri="{FF2B5EF4-FFF2-40B4-BE49-F238E27FC236}">
+                <a16:creationId xmlns:a16="http://schemas.microsoft.com/office/drawing/2014/main" id="{1C8D7A34-3D93-4592-83AE-3BAA44551FC3}"/>
+              </a:ext>
+            </a:extLst>
+          </p:cNvPr>
+          <p:cNvSpPr/>
+          <p:nvPr/>
+        </p:nvSpPr>
+        <p:spPr bwMode="gray">
+          <a:xfrm>
+            <a:off x="6189995" y="3917316"/>
+            <a:ext cx="4101737" cy="742607"/>
+          </a:xfrm>
+          <a:prstGeom prst="wedgeRectCallout">
+            <a:avLst>
+              <a:gd name="adj1" fmla="val -100195"/>
+              <a:gd name="adj2" fmla="val 37609"/>
+            </a:avLst>
+          </a:prstGeom>
+          <a:ln>
+            <a:headEnd/>
+            <a:tailEnd/>
+          </a:ln>
+        </p:spPr>
+        <p:style>
+          <a:lnRef idx="2">
+            <a:schemeClr val="accent5"/>
+          </a:lnRef>
+          <a:fillRef idx="1">
+            <a:schemeClr val="lt1"/>
+          </a:fillRef>
+          <a:effectRef idx="0">
+            <a:schemeClr val="accent5"/>
+          </a:effectRef>
+          <a:fontRef idx="minor">
+            <a:schemeClr val="dk1"/>
+          </a:fontRef>
+        </p:style>
+        <p:txBody>
+          <a:bodyPr lIns="90000" tIns="72000" rIns="90000" bIns="72000" rtlCol="0" anchor="ctr"/>
+          <a:lstStyle/>
+          <a:p>
+            <a:pPr marR="0" algn="ctr" defTabSz="914400" eaLnBrk="1" fontAlgn="base" latinLnBrk="0" hangingPunct="1">
+              <a:lnSpc>
+                <a:spcPct val="100000"/>
+              </a:lnSpc>
+              <a:spcBef>
+                <a:spcPct val="50000"/>
+              </a:spcBef>
+              <a:spcAft>
+                <a:spcPct val="0"/>
+              </a:spcAft>
+              <a:buClr>
+                <a:srgbClr val="F0AB00"/>
+              </a:buClr>
+              <a:buSzPct val="80000"/>
+              <a:tabLst/>
+            </a:pPr>
+            <a:r>
+              <a:rPr lang="en-US" sz="1800" kern="0" dirty="0">
+                <a:ea typeface="Arial Unicode MS" pitchFamily="34" charset="-128"/>
+                <a:cs typeface="Arial Unicode MS" pitchFamily="34" charset="-128"/>
+              </a:rPr>
+              <a:t>Helm template of a </a:t>
+            </a:r>
+            <a:r>
+              <a:rPr kumimoji="0" lang="en-US" sz="1800" b="0" i="0" u="none" strike="noStrike" kern="0" cap="none" spc="0" normalizeH="0" baseline="0" dirty="0" err="1">
+                <a:ln>
+                  <a:noFill/>
+                </a:ln>
+                <a:effectLst/>
+                <a:uLnTx/>
+                <a:uFillTx/>
+                <a:ea typeface="Arial Unicode MS" pitchFamily="34" charset="-128"/>
+                <a:cs typeface="Arial Unicode MS" pitchFamily="34" charset="-128"/>
+              </a:rPr>
+              <a:t>Config</a:t>
+            </a:r>
+            <a:r>
+              <a:rPr lang="en-US" sz="1800" kern="0" dirty="0" err="1">
+                <a:ea typeface="Arial Unicode MS" pitchFamily="34" charset="-128"/>
+                <a:cs typeface="Arial Unicode MS" pitchFamily="34" charset="-128"/>
+              </a:rPr>
+              <a:t>Map</a:t>
+            </a:r>
+            <a:r>
+              <a:rPr lang="en-US" sz="1800" kern="0" dirty="0">
+                <a:ea typeface="Arial Unicode MS" pitchFamily="34" charset="-128"/>
+                <a:cs typeface="Arial Unicode MS" pitchFamily="34" charset="-128"/>
+              </a:rPr>
+              <a:t> with variables</a:t>
+            </a:r>
+            <a:endParaRPr kumimoji="0" lang="en-US" sz="1800" b="0" i="0" u="none" strike="noStrike" kern="0" cap="none" spc="0" normalizeH="0" baseline="0" noProof="0" dirty="0">
+              <a:ln>
+                <a:noFill/>
+              </a:ln>
+              <a:effectLst/>
+              <a:uLnTx/>
+              <a:uFillTx/>
+              <a:ea typeface="Arial Unicode MS" pitchFamily="34" charset="-128"/>
+              <a:cs typeface="Arial Unicode MS" pitchFamily="34" charset="-128"/>
+            </a:endParaRPr>
+          </a:p>
+        </p:txBody>
+      </p:sp>
+      <p:sp>
+        <p:nvSpPr>
+          <p:cNvPr id="20" name="Speech Bubble: Rectangle 19">
+            <a:extLst>
+              <a:ext uri="{FF2B5EF4-FFF2-40B4-BE49-F238E27FC236}">
+                <a16:creationId xmlns:a16="http://schemas.microsoft.com/office/drawing/2014/main" id="{EBBD1CF4-C76F-407F-8290-5B2B409BBB4C}"/>
+              </a:ext>
+            </a:extLst>
+          </p:cNvPr>
+          <p:cNvSpPr/>
+          <p:nvPr/>
+        </p:nvSpPr>
+        <p:spPr bwMode="gray">
+          <a:xfrm>
+            <a:off x="6189994" y="5009351"/>
+            <a:ext cx="4101737" cy="770145"/>
+          </a:xfrm>
+          <a:prstGeom prst="wedgeRectCallout">
+            <a:avLst>
+              <a:gd name="adj1" fmla="val -85619"/>
+              <a:gd name="adj2" fmla="val -16387"/>
+            </a:avLst>
+          </a:prstGeom>
+          <a:ln>
+            <a:headEnd/>
+            <a:tailEnd/>
+          </a:ln>
+        </p:spPr>
+        <p:style>
+          <a:lnRef idx="2">
+            <a:schemeClr val="accent5"/>
+          </a:lnRef>
+          <a:fillRef idx="1">
+            <a:schemeClr val="lt1"/>
+          </a:fillRef>
+          <a:effectRef idx="0">
+            <a:schemeClr val="accent5"/>
+          </a:effectRef>
+          <a:fontRef idx="minor">
+            <a:schemeClr val="dk1"/>
+          </a:fontRef>
+        </p:style>
+        <p:txBody>
+          <a:bodyPr lIns="90000" tIns="72000" rIns="90000" bIns="72000" rtlCol="0" anchor="ctr"/>
+          <a:lstStyle/>
+          <a:p>
+            <a:pPr marR="0" algn="ctr" defTabSz="914400" eaLnBrk="1" fontAlgn="base" latinLnBrk="0" hangingPunct="1">
+              <a:lnSpc>
+                <a:spcPct val="100000"/>
+              </a:lnSpc>
+              <a:spcBef>
+                <a:spcPct val="50000"/>
+              </a:spcBef>
+              <a:spcAft>
+                <a:spcPct val="0"/>
+              </a:spcAft>
+              <a:buClr>
+                <a:srgbClr val="F0AB00"/>
+              </a:buClr>
+              <a:buSzPct val="80000"/>
+              <a:tabLst/>
+            </a:pPr>
+            <a:r>
+              <a:rPr kumimoji="0" lang="en-US" sz="1800" b="0" i="0" u="none" strike="noStrike" kern="0" cap="none" spc="0" normalizeH="0" baseline="0" dirty="0">
+                <a:ln>
+                  <a:noFill/>
+                </a:ln>
+                <a:effectLst/>
+                <a:uLnTx/>
+                <a:uFillTx/>
+                <a:ea typeface="Arial Unicode MS" pitchFamily="34" charset="-128"/>
+                <a:cs typeface="Arial Unicode MS" pitchFamily="34" charset="-128"/>
+              </a:rPr>
+              <a:t>Variables are </a:t>
+            </a:r>
+            <a:r>
+              <a:rPr lang="en-US" sz="1800" kern="0" dirty="0">
+                <a:ea typeface="Arial Unicode MS" pitchFamily="34" charset="-128"/>
+                <a:cs typeface="Arial Unicode MS" pitchFamily="34" charset="-128"/>
+              </a:rPr>
+              <a:t>converted to specific values upon installation of the chart</a:t>
+            </a:r>
+            <a:endParaRPr kumimoji="0" lang="en-US" sz="1800" b="0" i="0" u="none" strike="noStrike" kern="0" cap="none" spc="0" normalizeH="0" baseline="0" noProof="0" dirty="0">
+              <a:ln>
+                <a:noFill/>
+              </a:ln>
+              <a:effectLst/>
+              <a:uLnTx/>
+              <a:uFillTx/>
+              <a:ea typeface="Arial Unicode MS" pitchFamily="34" charset="-128"/>
+              <a:cs typeface="Arial Unicode MS" pitchFamily="34" charset="-128"/>
+            </a:endParaRPr>
+          </a:p>
+        </p:txBody>
+      </p:sp>
     </p:spTree>
     <p:extLst>
       <p:ext uri="{BB962C8B-B14F-4D97-AF65-F5344CB8AC3E}">
-        <p14:creationId xmlns:p14="http://schemas.microsoft.com/office/powerpoint/2010/main" val="247635095"/>
+        <p14:creationId xmlns:p14="http://schemas.microsoft.com/office/powerpoint/2010/main" val="1378125413"/>
       </p:ext>
     </p:extLst>
   </p:cSld>
@@ -18249,7 +20228,7 @@
 </p:sld>
 </file>
 
-<file path=ppt/slides/slide7.xml><?xml version="1.0" encoding="utf-8"?>
+<file path=ppt/slides/slide9.xml><?xml version="1.0" encoding="utf-8"?>
 <p:sld xmlns:a="http://schemas.openxmlformats.org/drawingml/2006/main" xmlns:r="http://schemas.openxmlformats.org/officeDocument/2006/relationships" xmlns:p="http://schemas.openxmlformats.org/presentationml/2006/main">
   <p:cSld>
     <p:spTree>
@@ -18268,10 +20247,10 @@
       </p:grpSpPr>
       <p:sp>
         <p:nvSpPr>
-          <p:cNvPr id="3" name="Title 2">
+          <p:cNvPr id="4" name="Title 3">
             <a:extLst>
               <a:ext uri="{FF2B5EF4-FFF2-40B4-BE49-F238E27FC236}">
-                <a16:creationId xmlns:a16="http://schemas.microsoft.com/office/drawing/2014/main" id="{B4B6938A-7A0C-4712-A9B8-41F25B66C8A4}"/>
+                <a16:creationId xmlns:a16="http://schemas.microsoft.com/office/drawing/2014/main" id="{581B0699-A522-4A8F-8C8F-7FA0530D9D6B}"/>
               </a:ext>
             </a:extLst>
           </p:cNvPr>
@@ -18289,17 +20268,17 @@
           <a:p>
             <a:r>
               <a:rPr lang="en-US" dirty="0"/>
-              <a:t>Exercise #09</a:t>
+              <a:t>About (default) values</a:t>
             </a:r>
           </a:p>
         </p:txBody>
       </p:sp>
       <p:pic>
         <p:nvPicPr>
-          <p:cNvPr id="6" name="Picture 5">
+          <p:cNvPr id="5" name="Picture 4">
             <a:extLst>
               <a:ext uri="{FF2B5EF4-FFF2-40B4-BE49-F238E27FC236}">
-                <a16:creationId xmlns:a16="http://schemas.microsoft.com/office/drawing/2014/main" id="{6449D282-DC4E-4479-991B-68509FF3A710}"/>
+                <a16:creationId xmlns:a16="http://schemas.microsoft.com/office/drawing/2014/main" id="{702AB992-FC16-46C4-B8C1-4B9FE4CB53E2}"/>
               </a:ext>
             </a:extLst>
           </p:cNvPr>
@@ -18316,50 +20295,483 @@
         </p:blipFill>
         <p:spPr>
           <a:xfrm>
-            <a:off x="4261672" y="1181180"/>
-            <a:ext cx="3773347" cy="3773347"/>
+            <a:off x="504001" y="2039184"/>
+            <a:ext cx="5047619" cy="1619048"/>
           </a:xfrm>
           <a:prstGeom prst="rect">
             <a:avLst/>
           </a:prstGeom>
         </p:spPr>
       </p:pic>
+      <p:sp>
+        <p:nvSpPr>
+          <p:cNvPr id="6" name="Speech Bubble: Rectangle 5">
+            <a:extLst>
+              <a:ext uri="{FF2B5EF4-FFF2-40B4-BE49-F238E27FC236}">
+                <a16:creationId xmlns:a16="http://schemas.microsoft.com/office/drawing/2014/main" id="{94CDC397-8C29-49D6-88BF-EF28A87F40A0}"/>
+              </a:ext>
+            </a:extLst>
+          </p:cNvPr>
+          <p:cNvSpPr/>
+          <p:nvPr/>
+        </p:nvSpPr>
+        <p:spPr bwMode="gray">
+          <a:xfrm>
+            <a:off x="7157149" y="1349961"/>
+            <a:ext cx="4101737" cy="1217392"/>
+          </a:xfrm>
+          <a:prstGeom prst="wedgeRectCallout">
+            <a:avLst>
+              <a:gd name="adj1" fmla="val -100195"/>
+              <a:gd name="adj2" fmla="val 37609"/>
+            </a:avLst>
+          </a:prstGeom>
+          <a:ln>
+            <a:headEnd/>
+            <a:tailEnd/>
+          </a:ln>
+        </p:spPr>
+        <p:style>
+          <a:lnRef idx="2">
+            <a:schemeClr val="accent5"/>
+          </a:lnRef>
+          <a:fillRef idx="1">
+            <a:schemeClr val="lt1"/>
+          </a:fillRef>
+          <a:effectRef idx="0">
+            <a:schemeClr val="accent5"/>
+          </a:effectRef>
+          <a:fontRef idx="minor">
+            <a:schemeClr val="dk1"/>
+          </a:fontRef>
+        </p:style>
+        <p:txBody>
+          <a:bodyPr lIns="90000" tIns="72000" rIns="90000" bIns="72000" rtlCol="0" anchor="ctr"/>
+          <a:lstStyle/>
+          <a:p>
+            <a:pPr marR="0" algn="ctr" defTabSz="914400" eaLnBrk="1" fontAlgn="base" latinLnBrk="0" hangingPunct="1">
+              <a:lnSpc>
+                <a:spcPct val="100000"/>
+              </a:lnSpc>
+              <a:spcBef>
+                <a:spcPct val="50000"/>
+              </a:spcBef>
+              <a:spcAft>
+                <a:spcPct val="0"/>
+              </a:spcAft>
+              <a:buClr>
+                <a:srgbClr val="F0AB00"/>
+              </a:buClr>
+              <a:buSzPct val="80000"/>
+              <a:tabLst/>
+            </a:pPr>
+            <a:r>
+              <a:rPr kumimoji="0" lang="en-US" sz="1800" b="0" i="0" u="none" strike="noStrike" kern="0" cap="none" spc="0" normalizeH="0" baseline="0" noProof="0" dirty="0">
+                <a:ln>
+                  <a:noFill/>
+                </a:ln>
+                <a:effectLst/>
+                <a:uLnTx/>
+                <a:uFillTx/>
+                <a:ea typeface="Arial Unicode MS" pitchFamily="34" charset="-128"/>
+                <a:cs typeface="Arial Unicode MS" pitchFamily="34" charset="-128"/>
+              </a:rPr>
+              <a:t>Most charts come with default values, stored in a </a:t>
+            </a:r>
+            <a:r>
+              <a:rPr kumimoji="0" lang="en-US" sz="1800" b="0" i="0" u="none" strike="noStrike" kern="0" cap="none" spc="0" normalizeH="0" baseline="0" noProof="0" dirty="0" err="1">
+                <a:ln>
+                  <a:noFill/>
+                </a:ln>
+                <a:effectLst/>
+                <a:uLnTx/>
+                <a:uFillTx/>
+                <a:ea typeface="Arial Unicode MS" pitchFamily="34" charset="-128"/>
+                <a:cs typeface="Arial Unicode MS" pitchFamily="34" charset="-128"/>
+              </a:rPr>
+              <a:t>values.yaml</a:t>
+            </a:r>
+            <a:r>
+              <a:rPr kumimoji="0" lang="en-US" sz="1800" b="0" i="0" u="none" strike="noStrike" kern="0" cap="none" spc="0" normalizeH="0" baseline="0" noProof="0" dirty="0">
+                <a:ln>
+                  <a:noFill/>
+                </a:ln>
+                <a:effectLst/>
+                <a:uLnTx/>
+                <a:uFillTx/>
+                <a:ea typeface="Arial Unicode MS" pitchFamily="34" charset="-128"/>
+                <a:cs typeface="Arial Unicode MS" pitchFamily="34" charset="-128"/>
+              </a:rPr>
+              <a:t> file in the chart’s </a:t>
+            </a:r>
+            <a:r>
+              <a:rPr kumimoji="0" lang="en-US" sz="1800" b="0" i="0" u="none" strike="noStrike" kern="0" cap="none" spc="0" normalizeH="0" baseline="0" noProof="0" dirty="0" err="1">
+                <a:ln>
+                  <a:noFill/>
+                </a:ln>
+                <a:effectLst/>
+                <a:uLnTx/>
+                <a:uFillTx/>
+                <a:ea typeface="Arial Unicode MS" pitchFamily="34" charset="-128"/>
+                <a:cs typeface="Arial Unicode MS" pitchFamily="34" charset="-128"/>
+              </a:rPr>
+              <a:t>direcotry</a:t>
+            </a:r>
+            <a:endParaRPr kumimoji="0" lang="en-US" sz="1800" b="0" i="0" u="none" strike="noStrike" kern="0" cap="none" spc="0" normalizeH="0" baseline="0" noProof="0" dirty="0">
+              <a:ln>
+                <a:noFill/>
+              </a:ln>
+              <a:effectLst/>
+              <a:uLnTx/>
+              <a:uFillTx/>
+              <a:ea typeface="Arial Unicode MS" pitchFamily="34" charset="-128"/>
+              <a:cs typeface="Arial Unicode MS" pitchFamily="34" charset="-128"/>
+            </a:endParaRPr>
+          </a:p>
+        </p:txBody>
+      </p:sp>
+      <p:sp>
+        <p:nvSpPr>
+          <p:cNvPr id="7" name="Speech Bubble: Rectangle 6">
+            <a:extLst>
+              <a:ext uri="{FF2B5EF4-FFF2-40B4-BE49-F238E27FC236}">
+                <a16:creationId xmlns:a16="http://schemas.microsoft.com/office/drawing/2014/main" id="{0A6FEC62-08BF-44DA-96F4-2E8EE523F047}"/>
+              </a:ext>
+            </a:extLst>
+          </p:cNvPr>
+          <p:cNvSpPr/>
+          <p:nvPr/>
+        </p:nvSpPr>
+        <p:spPr bwMode="gray">
+          <a:xfrm>
+            <a:off x="7157149" y="3049536"/>
+            <a:ext cx="4101737" cy="1217392"/>
+          </a:xfrm>
+          <a:prstGeom prst="wedgeRectCallout">
+            <a:avLst>
+              <a:gd name="adj1" fmla="val -98909"/>
+              <a:gd name="adj2" fmla="val -12947"/>
+            </a:avLst>
+          </a:prstGeom>
+          <a:ln>
+            <a:headEnd/>
+            <a:tailEnd/>
+          </a:ln>
+        </p:spPr>
+        <p:style>
+          <a:lnRef idx="2">
+            <a:schemeClr val="accent5"/>
+          </a:lnRef>
+          <a:fillRef idx="1">
+            <a:schemeClr val="lt1"/>
+          </a:fillRef>
+          <a:effectRef idx="0">
+            <a:schemeClr val="accent5"/>
+          </a:effectRef>
+          <a:fontRef idx="minor">
+            <a:schemeClr val="dk1"/>
+          </a:fontRef>
+        </p:style>
+        <p:txBody>
+          <a:bodyPr lIns="90000" tIns="72000" rIns="90000" bIns="72000" rtlCol="0" anchor="ctr"/>
+          <a:lstStyle/>
+          <a:p>
+            <a:pPr marR="0" algn="ctr" defTabSz="914400" eaLnBrk="1" fontAlgn="base" latinLnBrk="0" hangingPunct="1">
+              <a:lnSpc>
+                <a:spcPct val="100000"/>
+              </a:lnSpc>
+              <a:spcBef>
+                <a:spcPct val="50000"/>
+              </a:spcBef>
+              <a:spcAft>
+                <a:spcPct val="0"/>
+              </a:spcAft>
+              <a:buClr>
+                <a:srgbClr val="F0AB00"/>
+              </a:buClr>
+              <a:buSzPct val="80000"/>
+              <a:tabLst/>
+            </a:pPr>
+            <a:r>
+              <a:rPr kumimoji="0" lang="en-US" sz="1800" b="0" i="0" u="none" strike="noStrike" kern="0" cap="none" spc="0" normalizeH="0" baseline="0" noProof="0" dirty="0">
+                <a:ln>
+                  <a:noFill/>
+                </a:ln>
+                <a:effectLst/>
+                <a:uLnTx/>
+                <a:uFillTx/>
+                <a:ea typeface="Arial Unicode MS" pitchFamily="34" charset="-128"/>
+                <a:cs typeface="Arial Unicode MS" pitchFamily="34" charset="-128"/>
+              </a:rPr>
+              <a:t>Values follow the usual </a:t>
+            </a:r>
+            <a:r>
+              <a:rPr kumimoji="0" lang="en-US" sz="1800" b="0" i="0" u="none" strike="noStrike" kern="0" cap="none" spc="0" normalizeH="0" baseline="0" noProof="0" dirty="0" err="1">
+                <a:ln>
+                  <a:noFill/>
+                </a:ln>
+                <a:effectLst/>
+                <a:uLnTx/>
+                <a:uFillTx/>
+                <a:ea typeface="Arial Unicode MS" pitchFamily="34" charset="-128"/>
+                <a:cs typeface="Arial Unicode MS" pitchFamily="34" charset="-128"/>
+              </a:rPr>
+              <a:t>yaml</a:t>
+            </a:r>
+            <a:r>
+              <a:rPr kumimoji="0" lang="en-US" sz="1800" b="0" i="0" u="none" strike="noStrike" kern="0" cap="none" spc="0" normalizeH="0" baseline="0" noProof="0" dirty="0">
+                <a:ln>
+                  <a:noFill/>
+                </a:ln>
+                <a:effectLst/>
+                <a:uLnTx/>
+                <a:uFillTx/>
+                <a:ea typeface="Arial Unicode MS" pitchFamily="34" charset="-128"/>
+                <a:cs typeface="Arial Unicode MS" pitchFamily="34" charset="-128"/>
+              </a:rPr>
+              <a:t> structure (indented</a:t>
+            </a:r>
+            <a:r>
+              <a:rPr lang="en-US" sz="1800" kern="0" dirty="0">
+                <a:ea typeface="Arial Unicode MS" pitchFamily="34" charset="-128"/>
+                <a:cs typeface="Arial Unicode MS" pitchFamily="34" charset="-128"/>
+              </a:rPr>
+              <a:t>, maps, lists)</a:t>
+            </a:r>
+            <a:endParaRPr kumimoji="0" lang="en-US" sz="1800" b="0" i="0" u="none" strike="noStrike" kern="0" cap="none" spc="0" normalizeH="0" baseline="0" noProof="0" dirty="0">
+              <a:ln>
+                <a:noFill/>
+              </a:ln>
+              <a:effectLst/>
+              <a:uLnTx/>
+              <a:uFillTx/>
+              <a:ea typeface="Arial Unicode MS" pitchFamily="34" charset="-128"/>
+              <a:cs typeface="Arial Unicode MS" pitchFamily="34" charset="-128"/>
+            </a:endParaRPr>
+          </a:p>
+        </p:txBody>
+      </p:sp>
+      <p:sp>
+        <p:nvSpPr>
+          <p:cNvPr id="8" name="Speech Bubble: Rectangle 7">
+            <a:extLst>
+              <a:ext uri="{FF2B5EF4-FFF2-40B4-BE49-F238E27FC236}">
+                <a16:creationId xmlns:a16="http://schemas.microsoft.com/office/drawing/2014/main" id="{33632052-3C24-4B78-BE91-D81A3475BFBD}"/>
+              </a:ext>
+            </a:extLst>
+          </p:cNvPr>
+          <p:cNvSpPr/>
+          <p:nvPr/>
+        </p:nvSpPr>
+        <p:spPr bwMode="gray">
+          <a:xfrm>
+            <a:off x="3168372" y="4824084"/>
+            <a:ext cx="4101737" cy="1217392"/>
+          </a:xfrm>
+          <a:prstGeom prst="wedgeRectCallout">
+            <a:avLst>
+              <a:gd name="adj1" fmla="val -50679"/>
+              <a:gd name="adj2" fmla="val -138614"/>
+            </a:avLst>
+          </a:prstGeom>
+          <a:ln>
+            <a:headEnd/>
+            <a:tailEnd/>
+          </a:ln>
+        </p:spPr>
+        <p:style>
+          <a:lnRef idx="2">
+            <a:schemeClr val="accent5"/>
+          </a:lnRef>
+          <a:fillRef idx="1">
+            <a:schemeClr val="lt1"/>
+          </a:fillRef>
+          <a:effectRef idx="0">
+            <a:schemeClr val="accent5"/>
+          </a:effectRef>
+          <a:fontRef idx="minor">
+            <a:schemeClr val="dk1"/>
+          </a:fontRef>
+        </p:style>
+        <p:txBody>
+          <a:bodyPr lIns="90000" tIns="72000" rIns="90000" bIns="72000" rtlCol="0" anchor="ctr"/>
+          <a:lstStyle/>
+          <a:p>
+            <a:pPr marR="0" algn="ctr" defTabSz="914400" eaLnBrk="1" fontAlgn="base" latinLnBrk="0" hangingPunct="1">
+              <a:lnSpc>
+                <a:spcPct val="100000"/>
+              </a:lnSpc>
+              <a:spcBef>
+                <a:spcPct val="50000"/>
+              </a:spcBef>
+              <a:spcAft>
+                <a:spcPct val="0"/>
+              </a:spcAft>
+              <a:buClr>
+                <a:srgbClr val="F0AB00"/>
+              </a:buClr>
+              <a:buSzPct val="80000"/>
+              <a:tabLst/>
+            </a:pPr>
+            <a:r>
+              <a:rPr kumimoji="0" lang="en-US" sz="1800" b="0" i="0" u="none" strike="noStrike" kern="0" cap="none" spc="0" normalizeH="0" baseline="0" noProof="0" dirty="0">
+                <a:ln>
+                  <a:noFill/>
+                </a:ln>
+                <a:effectLst/>
+                <a:uLnTx/>
+                <a:uFillTx/>
+                <a:ea typeface="Arial Unicode MS" pitchFamily="34" charset="-128"/>
+                <a:cs typeface="Arial Unicode MS" pitchFamily="34" charset="-128"/>
+              </a:rPr>
+              <a:t>Overwrite default values by specifying the with --set or send a custom values </a:t>
+            </a:r>
+            <a:r>
+              <a:rPr kumimoji="0" lang="en-US" sz="1800" b="0" i="0" u="none" strike="noStrike" kern="0" cap="none" spc="0" normalizeH="0" baseline="0" noProof="0" dirty="0" err="1">
+                <a:ln>
+                  <a:noFill/>
+                </a:ln>
+                <a:effectLst/>
+                <a:uLnTx/>
+                <a:uFillTx/>
+                <a:ea typeface="Arial Unicode MS" pitchFamily="34" charset="-128"/>
+                <a:cs typeface="Arial Unicode MS" pitchFamily="34" charset="-128"/>
+              </a:rPr>
+              <a:t>yaml</a:t>
+            </a:r>
+            <a:r>
+              <a:rPr kumimoji="0" lang="en-US" sz="1800" b="0" i="0" u="none" strike="noStrike" kern="0" cap="none" spc="0" normalizeH="0" baseline="0" noProof="0" dirty="0">
+                <a:ln>
+                  <a:noFill/>
+                </a:ln>
+                <a:effectLst/>
+                <a:uLnTx/>
+                <a:uFillTx/>
+                <a:ea typeface="Arial Unicode MS" pitchFamily="34" charset="-128"/>
+                <a:cs typeface="Arial Unicode MS" pitchFamily="34" charset="-128"/>
+              </a:rPr>
+              <a:t> file</a:t>
+            </a:r>
+          </a:p>
+        </p:txBody>
+      </p:sp>
+      <p:sp>
+        <p:nvSpPr>
+          <p:cNvPr id="3" name="Rectangle: Rounded Corners 2">
+            <a:extLst>
+              <a:ext uri="{FF2B5EF4-FFF2-40B4-BE49-F238E27FC236}">
+                <a16:creationId xmlns:a16="http://schemas.microsoft.com/office/drawing/2014/main" id="{AAA31C7E-E730-4BEC-AA1F-23831492FE88}"/>
+              </a:ext>
+            </a:extLst>
+          </p:cNvPr>
+          <p:cNvSpPr/>
+          <p:nvPr/>
+        </p:nvSpPr>
+        <p:spPr bwMode="gray">
+          <a:xfrm>
+            <a:off x="504001" y="1349961"/>
+            <a:ext cx="1855177" cy="531593"/>
+          </a:xfrm>
+          <a:prstGeom prst="roundRect">
+            <a:avLst/>
+          </a:prstGeom>
+          <a:noFill/>
+          <a:ln w="9525" cap="flat" cmpd="sng" algn="ctr">
+            <a:solidFill>
+              <a:schemeClr val="accent2"/>
+            </a:solidFill>
+            <a:prstDash val="solid"/>
+            <a:round/>
+            <a:headEnd type="none" w="med" len="med"/>
+            <a:tailEnd type="none" w="med" len="med"/>
+          </a:ln>
+        </p:spPr>
+        <p:style>
+          <a:lnRef idx="0">
+            <a:scrgbClr r="0" g="0" b="0"/>
+          </a:lnRef>
+          <a:fillRef idx="0">
+            <a:scrgbClr r="0" g="0" b="0"/>
+          </a:fillRef>
+          <a:effectRef idx="0">
+            <a:scrgbClr r="0" g="0" b="0"/>
+          </a:effectRef>
+          <a:fontRef idx="minor">
+            <a:schemeClr val="accent2"/>
+          </a:fontRef>
+        </p:style>
+        <p:txBody>
+          <a:bodyPr lIns="90000" tIns="72000" rIns="90000" bIns="72000" rtlCol="0" anchor="ctr"/>
+          <a:lstStyle/>
+          <a:p>
+            <a:pPr marR="0" algn="ctr" defTabSz="914400" eaLnBrk="1" fontAlgn="base" latinLnBrk="0" hangingPunct="1">
+              <a:lnSpc>
+                <a:spcPct val="100000"/>
+              </a:lnSpc>
+              <a:spcBef>
+                <a:spcPct val="50000"/>
+              </a:spcBef>
+              <a:spcAft>
+                <a:spcPct val="0"/>
+              </a:spcAft>
+              <a:buClr>
+                <a:srgbClr val="F0AB00"/>
+              </a:buClr>
+              <a:buSzPct val="80000"/>
+              <a:tabLst/>
+            </a:pPr>
+            <a:r>
+              <a:rPr lang="en-US" sz="1800" b="1" kern="0" dirty="0">
+                <a:solidFill>
+                  <a:schemeClr val="tx1"/>
+                </a:solidFill>
+                <a:ea typeface="Arial Unicode MS" pitchFamily="34" charset="-128"/>
+                <a:cs typeface="Arial Unicode MS" pitchFamily="34" charset="-128"/>
+              </a:rPr>
+              <a:t>v</a:t>
+            </a:r>
+            <a:r>
+              <a:rPr kumimoji="0" lang="en-US" sz="1800" b="1" i="0" u="none" strike="noStrike" kern="0" cap="none" spc="0" normalizeH="0" baseline="0" noProof="0" dirty="0" err="1">
+                <a:ln>
+                  <a:noFill/>
+                </a:ln>
+                <a:solidFill>
+                  <a:schemeClr val="tx1"/>
+                </a:solidFill>
+                <a:effectLst/>
+                <a:uLnTx/>
+                <a:uFillTx/>
+                <a:ea typeface="Arial Unicode MS" pitchFamily="34" charset="-128"/>
+                <a:cs typeface="Arial Unicode MS" pitchFamily="34" charset="-128"/>
+              </a:rPr>
+              <a:t>alues.yaml</a:t>
+            </a:r>
+            <a:endParaRPr kumimoji="0" lang="en-US" sz="1800" b="1" i="0" u="none" strike="noStrike" kern="0" cap="none" spc="0" normalizeH="0" baseline="0" noProof="0" dirty="0">
+              <a:ln>
+                <a:noFill/>
+              </a:ln>
+              <a:solidFill>
+                <a:schemeClr val="tx1"/>
+              </a:solidFill>
+              <a:effectLst/>
+              <a:uLnTx/>
+              <a:uFillTx/>
+              <a:ea typeface="Arial Unicode MS" pitchFamily="34" charset="-128"/>
+              <a:cs typeface="Arial Unicode MS" pitchFamily="34" charset="-128"/>
+            </a:endParaRPr>
+          </a:p>
+        </p:txBody>
+      </p:sp>
     </p:spTree>
     <p:extLst>
       <p:ext uri="{BB962C8B-B14F-4D97-AF65-F5344CB8AC3E}">
-        <p14:creationId xmlns:p14="http://schemas.microsoft.com/office/powerpoint/2010/main" val="2757824260"/>
+        <p14:creationId xmlns:p14="http://schemas.microsoft.com/office/powerpoint/2010/main" val="3362660739"/>
       </p:ext>
     </p:extLst>
   </p:cSld>
   <p:clrMapOvr>
     <a:masterClrMapping/>
   </p:clrMapOvr>
-</p:sld>
-</file>
-
-<file path=ppt/slides/slide8.xml><?xml version="1.0" encoding="utf-8"?>
-<p:sld xmlns:a="http://schemas.openxmlformats.org/drawingml/2006/main" xmlns:r="http://schemas.openxmlformats.org/officeDocument/2006/relationships" xmlns:p="http://schemas.openxmlformats.org/presentationml/2006/main" show="0">
-  <p:cSld>
-    <p:spTree>
-      <p:nvGrpSpPr>
-        <p:cNvPr id="1" name=""/>
-        <p:cNvGrpSpPr/>
-        <p:nvPr/>
-      </p:nvGrpSpPr>
-      <p:grpSpPr>
-        <a:xfrm>
-          <a:off x="0" y="0"/>
-          <a:ext cx="0" cy="0"/>
-          <a:chOff x="0" y="0"/>
-          <a:chExt cx="0" cy="0"/>
-        </a:xfrm>
-      </p:grpSpPr>
-    </p:spTree>
-  </p:cSld>
-  <p:clrMapOvr>
-    <a:masterClrMapping/>
-  </p:clrMapOvr>
-  <p:transition spd="med"/>
 </p:sld>
 </file>
 

--- a/kubernetes/12_helm.pptx
+++ b/kubernetes/12_helm.pptx
@@ -15,14 +15,14 @@
     <p:sldId id="442" r:id="rId3"/>
     <p:sldId id="445" r:id="rId4"/>
     <p:sldId id="447" r:id="rId5"/>
-    <p:sldId id="444" r:id="rId6"/>
+    <p:sldId id="467" r:id="rId6"/>
     <p:sldId id="468" r:id="rId7"/>
     <p:sldId id="446" r:id="rId8"/>
     <p:sldId id="448" r:id="rId9"/>
     <p:sldId id="451" r:id="rId10"/>
     <p:sldId id="452" r:id="rId11"/>
-    <p:sldId id="456" r:id="rId12"/>
-    <p:sldId id="450" r:id="rId13"/>
+    <p:sldId id="469" r:id="rId12"/>
+    <p:sldId id="456" r:id="rId13"/>
     <p:sldId id="265" r:id="rId14"/>
   </p:sldIdLst>
   <p:sldSz cx="12195175" cy="6858000"/>
@@ -631,6 +631,91 @@
       </p:grpSpPr>
       <p:sp>
         <p:nvSpPr>
+          <p:cNvPr id="2" name="Slide Image Placeholder 1"/>
+          <p:cNvSpPr>
+            <a:spLocks noGrp="1" noRot="1" noChangeAspect="1"/>
+          </p:cNvSpPr>
+          <p:nvPr>
+            <p:ph type="sldImg"/>
+          </p:nvPr>
+        </p:nvSpPr>
+        <p:spPr/>
+      </p:sp>
+      <p:sp>
+        <p:nvSpPr>
+          <p:cNvPr id="3" name="Notes Placeholder 2"/>
+          <p:cNvSpPr>
+            <a:spLocks noGrp="1"/>
+          </p:cNvSpPr>
+          <p:nvPr>
+            <p:ph type="body" idx="1"/>
+          </p:nvPr>
+        </p:nvSpPr>
+        <p:spPr/>
+        <p:txBody>
+          <a:bodyPr/>
+          <a:lstStyle/>
+          <a:p>
+            <a:endParaRPr lang="en-US" dirty="0"/>
+          </a:p>
+        </p:txBody>
+      </p:sp>
+      <p:sp>
+        <p:nvSpPr>
+          <p:cNvPr id="4" name="Slide Number Placeholder 3"/>
+          <p:cNvSpPr>
+            <a:spLocks noGrp="1"/>
+          </p:cNvSpPr>
+          <p:nvPr>
+            <p:ph type="sldNum" sz="quarter" idx="10"/>
+          </p:nvPr>
+        </p:nvSpPr>
+        <p:spPr/>
+        <p:txBody>
+          <a:bodyPr/>
+          <a:lstStyle/>
+          <a:p>
+            <a:fld id="{7D8C2C35-2B8A-446E-BEC0-FD36716C29AC}" type="slidenum">
+              <a:rPr lang="de-DE" smtClean="0"/>
+              <a:pPr/>
+              <a:t>12</a:t>
+            </a:fld>
+            <a:endParaRPr lang="de-DE" dirty="0"/>
+          </a:p>
+        </p:txBody>
+      </p:sp>
+    </p:spTree>
+    <p:extLst>
+      <p:ext uri="{BB962C8B-B14F-4D97-AF65-F5344CB8AC3E}">
+        <p14:creationId xmlns:p14="http://schemas.microsoft.com/office/powerpoint/2010/main" val="1903845547"/>
+      </p:ext>
+    </p:extLst>
+  </p:cSld>
+  <p:clrMapOvr>
+    <a:masterClrMapping/>
+  </p:clrMapOvr>
+</p:notes>
+</file>
+
+<file path=ppt/notesSlides/notesSlide11.xml><?xml version="1.0" encoding="utf-8"?>
+<p:notes xmlns:a="http://schemas.openxmlformats.org/drawingml/2006/main" xmlns:r="http://schemas.openxmlformats.org/officeDocument/2006/relationships" xmlns:p="http://schemas.openxmlformats.org/presentationml/2006/main">
+  <p:cSld>
+    <p:spTree>
+      <p:nvGrpSpPr>
+        <p:cNvPr id="1" name=""/>
+        <p:cNvGrpSpPr/>
+        <p:nvPr/>
+      </p:nvGrpSpPr>
+      <p:grpSpPr>
+        <a:xfrm>
+          <a:off x="0" y="0"/>
+          <a:ext cx="0" cy="0"/>
+          <a:chOff x="0" y="0"/>
+          <a:chExt cx="0" cy="0"/>
+        </a:xfrm>
+      </p:grpSpPr>
+      <p:sp>
+        <p:nvSpPr>
           <p:cNvPr id="4" name="Slide Number Placeholder 3"/>
           <p:cNvSpPr>
             <a:spLocks noGrp="1"/>
@@ -1064,30 +1149,208 @@
         <p:spPr/>
         <p:txBody>
           <a:bodyPr>
-            <a:normAutofit lnSpcReduction="10000"/>
+            <a:normAutofit fontScale="77500" lnSpcReduction="20000"/>
           </a:bodyPr>
           <a:lstStyle/>
           <a:p>
-            <a:pPr marL="0" marR="0" lvl="0" indent="0" algn="l" defTabSz="1088776" rtl="0" eaLnBrk="1" fontAlgn="auto" latinLnBrk="0" hangingPunct="1">
-              <a:lnSpc>
-                <a:spcPct val="100000"/>
-              </a:lnSpc>
-              <a:spcBef>
-                <a:spcPts val="0"/>
-              </a:spcBef>
-              <a:spcAft>
-                <a:spcPts val="0"/>
-              </a:spcAft>
-              <a:buClrTx/>
-              <a:buSzTx/>
+            <a:pPr marL="285750" lvl="0" indent="-285750">
+              <a:buFontTx/>
+              <a:buChar char="-"/>
+            </a:pPr>
+            <a:r>
+              <a:rPr lang="en-US" dirty="0"/>
+              <a:t>Start with showing the helm binary – simply run “helm” without anything else</a:t>
+            </a:r>
+          </a:p>
+          <a:p>
+            <a:pPr marL="285750" lvl="0" indent="-285750">
+              <a:buFontTx/>
+              <a:buChar char="-"/>
+            </a:pPr>
+            <a:r>
+              <a:rPr lang="en-US" dirty="0"/>
+              <a:t>If not yet done, run a “helm </a:t>
+            </a:r>
+            <a:r>
+              <a:rPr lang="en-US" dirty="0" err="1"/>
+              <a:t>init</a:t>
+            </a:r>
+            <a:r>
+              <a:rPr lang="en-US" dirty="0"/>
+              <a:t>” to deploy tiller. But probably there is already a tiller from the time when you created the registry.</a:t>
+            </a:r>
+          </a:p>
+          <a:p>
+            <a:pPr marL="285750" lvl="0" indent="-285750">
+              <a:buFontTx/>
+              <a:buChar char="-"/>
+            </a:pPr>
+            <a:r>
+              <a:rPr lang="en-US" dirty="0"/>
+              <a:t>Show the tiller pod in </a:t>
+            </a:r>
+            <a:r>
+              <a:rPr lang="en-US" dirty="0" err="1"/>
+              <a:t>kube</a:t>
+            </a:r>
+            <a:r>
+              <a:rPr lang="en-US" dirty="0"/>
+              <a:t>-system namespace. Explain, that for helm </a:t>
+            </a:r>
+            <a:r>
+              <a:rPr lang="en-US" dirty="0" err="1"/>
+              <a:t>init</a:t>
+            </a:r>
+            <a:r>
+              <a:rPr lang="en-US" dirty="0"/>
+              <a:t>, participants should target their own namespace. Otherwise they will connect to the same tiller. Highlight that in order to setup tiller with cluster access (i.e. outside of it’s namespace a </a:t>
+            </a:r>
+            <a:r>
+              <a:rPr lang="en-US" dirty="0" err="1"/>
+              <a:t>clusterrolebinding</a:t>
+            </a:r>
+            <a:r>
+              <a:rPr lang="en-US" dirty="0"/>
+              <a:t> is required)</a:t>
+            </a:r>
+          </a:p>
+          <a:p>
+            <a:pPr marL="285750" lvl="0" indent="-285750">
+              <a:buFontTx/>
+              <a:buChar char="-"/>
+            </a:pPr>
+            <a:r>
+              <a:rPr lang="en-US" dirty="0"/>
+              <a:t>Run “helm list” to show the already installed charts and explain that they are called a “release”.</a:t>
+            </a:r>
+          </a:p>
+          <a:p>
+            <a:pPr marL="0" lvl="0" indent="0">
               <a:buFontTx/>
               <a:buNone/>
-              <a:tabLst/>
-              <a:defRPr/>
             </a:pPr>
+            <a:endParaRPr lang="en-US" dirty="0"/>
+          </a:p>
+          <a:p>
+            <a:pPr marL="0" lvl="0" indent="0">
+              <a:buFontTx/>
+              <a:buNone/>
+            </a:pPr>
             <a:r>
               <a:rPr lang="en-US" dirty="0"/>
-              <a:t>The power of helm lies within its templates and the ability to convert templates with values into valid </a:t>
+              <a:t>Next move on to the question, wherefrom to get charts:</a:t>
+            </a:r>
+          </a:p>
+          <a:p>
+            <a:pPr marL="285750" lvl="0" indent="-285750">
+              <a:buFontTx/>
+              <a:buChar char="-"/>
+            </a:pPr>
+            <a:r>
+              <a:rPr lang="en-US" dirty="0"/>
+              <a:t>Open https://github.com/helm/charts in a browser</a:t>
+            </a:r>
+          </a:p>
+          <a:p>
+            <a:pPr marL="285750" lvl="0" indent="-285750">
+              <a:buFontTx/>
+              <a:buChar char="-"/>
+            </a:pPr>
+            <a:r>
+              <a:rPr lang="en-US" dirty="0"/>
+              <a:t>Talk about the different “levels” – currently incubator, test &amp; stable and go to stable</a:t>
+            </a:r>
+          </a:p>
+          <a:p>
+            <a:pPr marL="285750" lvl="0" indent="-285750">
+              <a:buFontTx/>
+              <a:buChar char="-"/>
+            </a:pPr>
+            <a:r>
+              <a:rPr lang="en-US" dirty="0"/>
+              <a:t>Pick up any chart (e.g. mongo </a:t>
+            </a:r>
+            <a:r>
+              <a:rPr lang="en-US" dirty="0" err="1"/>
+              <a:t>db</a:t>
+            </a:r>
+            <a:r>
+              <a:rPr lang="en-US" dirty="0"/>
+              <a:t> or </a:t>
+            </a:r>
+            <a:r>
+              <a:rPr lang="en-US" dirty="0" err="1"/>
+              <a:t>wordpress</a:t>
+            </a:r>
+            <a:r>
+              <a:rPr lang="en-US" dirty="0"/>
+              <a:t>) and go into details.</a:t>
+            </a:r>
+          </a:p>
+          <a:p>
+            <a:pPr marL="285750" lvl="0" indent="-285750">
+              <a:buFontTx/>
+              <a:buChar char="-"/>
+            </a:pPr>
+            <a:r>
+              <a:rPr lang="en-US" dirty="0"/>
+              <a:t>Discuss the info on the readme page, especially the “installing the chart” and “configuration”</a:t>
+            </a:r>
+          </a:p>
+          <a:p>
+            <a:pPr marL="285750" lvl="0" indent="-285750">
+              <a:buFontTx/>
+              <a:buChar char="-"/>
+            </a:pPr>
+            <a:r>
+              <a:rPr lang="en-US" dirty="0"/>
+              <a:t>Highlight that any parameter in configuration has a default value or is not set. </a:t>
+            </a:r>
+          </a:p>
+          <a:p>
+            <a:pPr marL="285750" lvl="0" indent="-285750">
+              <a:buFontTx/>
+              <a:buChar char="-"/>
+            </a:pPr>
+            <a:r>
+              <a:rPr lang="en-US" dirty="0"/>
+              <a:t>Highlight that any parameter in configuration can be overwritten / customized either by using “--set key=value” or a </a:t>
+            </a:r>
+            <a:r>
+              <a:rPr lang="en-US" dirty="0" err="1"/>
+              <a:t>values.yaml</a:t>
+            </a:r>
+            <a:r>
+              <a:rPr lang="en-US" dirty="0"/>
+              <a:t> file.</a:t>
+            </a:r>
+          </a:p>
+          <a:p>
+            <a:pPr marL="285750" lvl="0" indent="-285750">
+              <a:buFontTx/>
+              <a:buChar char="-"/>
+            </a:pPr>
+            <a:r>
+              <a:rPr lang="en-US" dirty="0"/>
+              <a:t>The default values can be found in the repo in a </a:t>
+            </a:r>
+            <a:r>
+              <a:rPr lang="en-US" dirty="0" err="1"/>
+              <a:t>values.yaml</a:t>
+            </a:r>
+            <a:r>
+              <a:rPr lang="en-US" dirty="0"/>
+              <a:t> file too.</a:t>
+            </a:r>
+          </a:p>
+          <a:p>
+            <a:pPr marL="285750" lvl="0" indent="-285750">
+              <a:buFontTx/>
+              <a:buChar char="-"/>
+            </a:pPr>
+            <a:r>
+              <a:rPr lang="en-US" dirty="0"/>
+              <a:t>Go to the templates and take a look at one of the </a:t>
             </a:r>
             <a:r>
               <a:rPr lang="en-US" dirty="0" err="1"/>
@@ -1095,93 +1358,57 @@
             </a:r>
             <a:r>
               <a:rPr lang="en-US" dirty="0"/>
-              <a:t> files. When authoring charts this is where most of your work will end up.</a:t>
-            </a:r>
-          </a:p>
-          <a:p>
+              <a:t> files. Explain that helm uses a go-based engine to render the charts upon deployment </a:t>
+            </a:r>
+            <a:r>
+              <a:rPr lang="en-US" dirty="0">
+                <a:sym typeface="Wingdings" panose="05000000000000000000" pitchFamily="2" charset="2"/>
+              </a:rPr>
+              <a:t> substituting variables with specific values.</a:t>
+            </a:r>
+          </a:p>
+          <a:p>
+            <a:pPr marL="0" lvl="0" indent="0">
+              <a:buFontTx/>
+              <a:buNone/>
+            </a:pPr>
+            <a:endParaRPr lang="en-US" dirty="0">
+              <a:sym typeface="Wingdings" panose="05000000000000000000" pitchFamily="2" charset="2"/>
+            </a:endParaRPr>
+          </a:p>
+          <a:p>
+            <a:pPr marL="0" lvl="0" indent="0">
+              <a:buFontTx/>
+              <a:buNone/>
+            </a:pPr>
+            <a:r>
+              <a:rPr lang="en-US" dirty="0">
+                <a:sym typeface="Wingdings" panose="05000000000000000000" pitchFamily="2" charset="2"/>
+              </a:rPr>
+              <a:t>Finally run a helm install for the chart you choose and show the created object / run some of the commands printed out.</a:t>
+            </a:r>
+          </a:p>
+          <a:p>
+            <a:pPr marL="0" lvl="0" indent="0">
+              <a:buFontTx/>
+              <a:buNone/>
+            </a:pPr>
+            <a:endParaRPr lang="en-US" dirty="0">
+              <a:sym typeface="Wingdings" panose="05000000000000000000" pitchFamily="2" charset="2"/>
+            </a:endParaRPr>
+          </a:p>
+          <a:p>
+            <a:pPr marL="0" lvl="0" indent="0">
+              <a:buFontTx/>
+              <a:buNone/>
+            </a:pPr>
+            <a:r>
+              <a:rPr lang="en-US" dirty="0">
+                <a:sym typeface="Wingdings" panose="05000000000000000000" pitchFamily="2" charset="2"/>
+              </a:rPr>
+              <a:t>You can also talk about the --debug (verbosity) &amp; --dry-un (simulation mode) commands for helm actions like install. </a:t>
+            </a:r>
             <a:endParaRPr lang="en-US" dirty="0"/>
-          </a:p>
-          <a:p>
-            <a:r>
-              <a:rPr lang="en-US" dirty="0"/>
-              <a:t>So lets take a look at the template section of a chart. In our example there are 2 config map </a:t>
-            </a:r>
-            <a:r>
-              <a:rPr lang="en-US" dirty="0" err="1"/>
-              <a:t>yaml</a:t>
-            </a:r>
-            <a:r>
-              <a:rPr lang="en-US" dirty="0"/>
-              <a:t> files. One is pretty normal and works also without helm. However it is not very flexible. The 2</a:t>
-            </a:r>
-            <a:r>
-              <a:rPr lang="en-US" baseline="30000" dirty="0"/>
-              <a:t>nd</a:t>
-            </a:r>
-            <a:r>
-              <a:rPr lang="en-US" dirty="0"/>
-              <a:t> file contains references to helm variables – indicated by {{ }}. Helm renders the templates and converts them into valid </a:t>
-            </a:r>
-            <a:r>
-              <a:rPr lang="en-US" dirty="0" err="1"/>
-              <a:t>yaml</a:t>
-            </a:r>
-            <a:r>
-              <a:rPr lang="en-US" dirty="0"/>
-              <a:t>.</a:t>
-            </a:r>
-          </a:p>
-          <a:p>
-            <a:endParaRPr lang="en-US" dirty="0"/>
-          </a:p>
-          <a:p>
-            <a:r>
-              <a:rPr lang="en-US" dirty="0"/>
-              <a:t>There are build in variables .Release.* and custom values .Values.* . Additionally you can define functions and include / execute them. The definitions are stored in the _</a:t>
-            </a:r>
-            <a:r>
-              <a:rPr lang="en-US" dirty="0" err="1"/>
-              <a:t>helpers.tpl</a:t>
-            </a:r>
-            <a:r>
-              <a:rPr lang="en-US" dirty="0"/>
-              <a:t>. The demo-chart makes use of these, so take a look around there.</a:t>
-            </a:r>
-          </a:p>
-          <a:p>
-            <a:endParaRPr lang="en-US" dirty="0"/>
-          </a:p>
-          <a:p>
-            <a:r>
-              <a:rPr lang="en-US" dirty="0"/>
-              <a:t>To check, if the chart is ok, use “helm lint”. It will point out </a:t>
-            </a:r>
-            <a:r>
-              <a:rPr lang="en-US" dirty="0" err="1"/>
-              <a:t>yaml</a:t>
-            </a:r>
-            <a:r>
-              <a:rPr lang="en-US" dirty="0"/>
-              <a:t> errors and much more.</a:t>
-            </a:r>
-          </a:p>
-          <a:p>
-            <a:r>
-              <a:rPr lang="en-US" dirty="0"/>
-              <a:t>To check, how a chart would actually look like once deployed, use the --dry-run flag in combination with --debug</a:t>
-            </a:r>
-          </a:p>
-          <a:p>
-            <a:endParaRPr lang="en-US" dirty="0"/>
-          </a:p>
-          <a:p>
-            <a:endParaRPr lang="en-US" dirty="0"/>
-          </a:p>
-          <a:p>
-            <a:r>
-              <a:rPr lang="en-US" dirty="0"/>
-              <a:t>For details, check https://github.com/kubernetes/helm/tree/master/docs</a:t>
-            </a:r>
           </a:p>
         </p:txBody>
       </p:sp>
@@ -1203,7 +1430,7 @@
             <a:fld id="{7D8C2C35-2B8A-446E-BEC0-FD36716C29AC}" type="slidenum">
               <a:rPr lang="de-DE" smtClean="0"/>
               <a:pPr/>
-              <a:t>8</a:t>
+              <a:t>5</a:t>
             </a:fld>
             <a:endParaRPr lang="de-DE" dirty="0"/>
           </a:p>
@@ -1212,7 +1439,7 @@
     </p:spTree>
     <p:extLst>
       <p:ext uri="{BB962C8B-B14F-4D97-AF65-F5344CB8AC3E}">
-        <p14:creationId xmlns:p14="http://schemas.microsoft.com/office/powerpoint/2010/main" val="1430307665"/>
+        <p14:creationId xmlns:p14="http://schemas.microsoft.com/office/powerpoint/2010/main" val="4049153715"/>
       </p:ext>
     </p:extLst>
   </p:cSld>
@@ -1263,10 +1490,125 @@
         </p:nvSpPr>
         <p:spPr/>
         <p:txBody>
-          <a:bodyPr/>
+          <a:bodyPr>
+            <a:normAutofit lnSpcReduction="10000"/>
+          </a:bodyPr>
           <a:lstStyle/>
           <a:p>
+            <a:pPr marL="0" marR="0" lvl="0" indent="0" algn="l" defTabSz="1088776" rtl="0" eaLnBrk="1" fontAlgn="auto" latinLnBrk="0" hangingPunct="1">
+              <a:lnSpc>
+                <a:spcPct val="100000"/>
+              </a:lnSpc>
+              <a:spcBef>
+                <a:spcPts val="0"/>
+              </a:spcBef>
+              <a:spcAft>
+                <a:spcPts val="0"/>
+              </a:spcAft>
+              <a:buClrTx/>
+              <a:buSzTx/>
+              <a:buFontTx/>
+              <a:buNone/>
+              <a:tabLst/>
+              <a:defRPr/>
+            </a:pPr>
+            <a:r>
+              <a:rPr lang="en-US" dirty="0"/>
+              <a:t>The power of helm lies within its templates and the ability to convert templates with values into valid </a:t>
+            </a:r>
+            <a:r>
+              <a:rPr lang="en-US" dirty="0" err="1"/>
+              <a:t>yaml</a:t>
+            </a:r>
+            <a:r>
+              <a:rPr lang="en-US" dirty="0"/>
+              <a:t> files. When authoring charts this is where most of your work will end up.</a:t>
+            </a:r>
+          </a:p>
+          <a:p>
             <a:endParaRPr lang="en-US" dirty="0"/>
+          </a:p>
+          <a:p>
+            <a:r>
+              <a:rPr lang="en-US" dirty="0"/>
+              <a:t>So lets take a look at the template section of a chart. In our example there are 2 config map </a:t>
+            </a:r>
+            <a:r>
+              <a:rPr lang="en-US" dirty="0" err="1"/>
+              <a:t>yaml</a:t>
+            </a:r>
+            <a:r>
+              <a:rPr lang="en-US" dirty="0"/>
+              <a:t> files. One is pretty normal and works also without helm. However it is not very flexible. The 2</a:t>
+            </a:r>
+            <a:r>
+              <a:rPr lang="en-US" baseline="30000" dirty="0"/>
+              <a:t>nd</a:t>
+            </a:r>
+            <a:r>
+              <a:rPr lang="en-US" dirty="0"/>
+              <a:t> file contains references to helm variables – indicated by {{ }}. Helm renders the templates and converts them into valid </a:t>
+            </a:r>
+            <a:r>
+              <a:rPr lang="en-US" dirty="0" err="1"/>
+              <a:t>yaml</a:t>
+            </a:r>
+            <a:r>
+              <a:rPr lang="en-US" dirty="0"/>
+              <a:t>.</a:t>
+            </a:r>
+          </a:p>
+          <a:p>
+            <a:endParaRPr lang="en-US" dirty="0"/>
+          </a:p>
+          <a:p>
+            <a:r>
+              <a:rPr lang="en-US" dirty="0"/>
+              <a:t>There are build in variables .Release.* and custom values .Values.* . Additionally you can define functions and include / execute them. The definitions are stored in the _</a:t>
+            </a:r>
+            <a:r>
+              <a:rPr lang="en-US" dirty="0" err="1"/>
+              <a:t>helpers.tpl</a:t>
+            </a:r>
+            <a:r>
+              <a:rPr lang="en-US" dirty="0"/>
+              <a:t>. The demo-chart makes use of these, so take a look around there.</a:t>
+            </a:r>
+          </a:p>
+          <a:p>
+            <a:endParaRPr lang="en-US" dirty="0"/>
+          </a:p>
+          <a:p>
+            <a:r>
+              <a:rPr lang="en-US" dirty="0"/>
+              <a:t>To check, if the chart is ok, use “helm lint”. It will point out </a:t>
+            </a:r>
+            <a:r>
+              <a:rPr lang="en-US" dirty="0" err="1"/>
+              <a:t>yaml</a:t>
+            </a:r>
+            <a:r>
+              <a:rPr lang="en-US" dirty="0"/>
+              <a:t> errors and much more.</a:t>
+            </a:r>
+          </a:p>
+          <a:p>
+            <a:r>
+              <a:rPr lang="en-US" dirty="0"/>
+              <a:t>To check, how a chart would actually look like once deployed, use the --dry-run flag in combination with --debug</a:t>
+            </a:r>
+          </a:p>
+          <a:p>
+            <a:endParaRPr lang="en-US" dirty="0"/>
+          </a:p>
+          <a:p>
+            <a:endParaRPr lang="en-US" dirty="0"/>
+          </a:p>
+          <a:p>
+            <a:r>
+              <a:rPr lang="en-US" dirty="0"/>
+              <a:t>For details, check https://github.com/kubernetes/helm/tree/master/docs</a:t>
+            </a:r>
           </a:p>
         </p:txBody>
       </p:sp>
@@ -1288,7 +1630,7 @@
             <a:fld id="{7D8C2C35-2B8A-446E-BEC0-FD36716C29AC}" type="slidenum">
               <a:rPr lang="de-DE" smtClean="0"/>
               <a:pPr/>
-              <a:t>9</a:t>
+              <a:t>8</a:t>
             </a:fld>
             <a:endParaRPr lang="de-DE" dirty="0"/>
           </a:p>
@@ -1297,7 +1639,7 @@
     </p:spTree>
     <p:extLst>
       <p:ext uri="{BB962C8B-B14F-4D97-AF65-F5344CB8AC3E}">
-        <p14:creationId xmlns:p14="http://schemas.microsoft.com/office/powerpoint/2010/main" val="1124543534"/>
+        <p14:creationId xmlns:p14="http://schemas.microsoft.com/office/powerpoint/2010/main" val="1430307665"/>
       </p:ext>
     </p:extLst>
   </p:cSld>
@@ -1351,97 +1693,7 @@
           <a:bodyPr/>
           <a:lstStyle/>
           <a:p>
-            <a:r>
-              <a:rPr lang="en-US" dirty="0"/>
-              <a:t>{{ }} triggers the go templating engine</a:t>
-            </a:r>
-          </a:p>
-          <a:p>
-            <a:r>
-              <a:rPr lang="en-US" dirty="0"/>
-              <a:t>.Values is a reference to an object with all keys in the </a:t>
-            </a:r>
-            <a:r>
-              <a:rPr lang="en-US" dirty="0" err="1"/>
-              <a:t>values.yaml</a:t>
-            </a:r>
-            <a:r>
-              <a:rPr lang="en-US" dirty="0"/>
-              <a:t> file</a:t>
-            </a:r>
-          </a:p>
-          <a:p>
-            <a:r>
-              <a:rPr lang="en-US" dirty="0"/>
-              <a:t>.</a:t>
-            </a:r>
-            <a:r>
-              <a:rPr lang="en-US" dirty="0" err="1"/>
-              <a:t>myMessage</a:t>
-            </a:r>
-            <a:r>
-              <a:rPr lang="en-US" dirty="0"/>
-              <a:t> is the reference to the key “</a:t>
-            </a:r>
-            <a:r>
-              <a:rPr lang="en-US" dirty="0" err="1"/>
-              <a:t>myMessage</a:t>
-            </a:r>
-            <a:r>
-              <a:rPr lang="en-US" dirty="0"/>
-              <a:t>” in .Values</a:t>
-            </a:r>
-          </a:p>
-          <a:p>
             <a:endParaRPr lang="en-US" dirty="0"/>
-          </a:p>
-          <a:p>
-            <a:r>
-              <a:rPr lang="en-US" dirty="0"/>
-              <a:t>In case of nested values such as example below, use .</a:t>
-            </a:r>
-            <a:r>
-              <a:rPr lang="en-US" dirty="0" err="1"/>
-              <a:t>Values.message.greeting</a:t>
-            </a:r>
-            <a:r>
-              <a:rPr lang="en-US" dirty="0"/>
-              <a:t> or .to </a:t>
-            </a:r>
-            <a:r>
-              <a:rPr lang="en-US" dirty="0" err="1"/>
-              <a:t>to</a:t>
-            </a:r>
-            <a:r>
-              <a:rPr lang="en-US" dirty="0"/>
-              <a:t> reference the </a:t>
-            </a:r>
-            <a:r>
-              <a:rPr lang="en-US" dirty="0" err="1"/>
-              <a:t>acutal</a:t>
-            </a:r>
-            <a:r>
-              <a:rPr lang="en-US" dirty="0"/>
-              <a:t> key</a:t>
-            </a:r>
-          </a:p>
-          <a:p>
-            <a:r>
-              <a:rPr lang="en-US" dirty="0"/>
-              <a:t>message:</a:t>
-            </a:r>
-          </a:p>
-          <a:p>
-            <a:r>
-              <a:rPr lang="en-US" dirty="0"/>
-              <a:t>  greeting: “hello”</a:t>
-            </a:r>
-          </a:p>
-          <a:p>
-            <a:r>
-              <a:rPr lang="en-US" dirty="0"/>
-              <a:t>  to: “course”</a:t>
-            </a:r>
           </a:p>
         </p:txBody>
       </p:sp>
@@ -1463,7 +1715,7 @@
             <a:fld id="{7D8C2C35-2B8A-446E-BEC0-FD36716C29AC}" type="slidenum">
               <a:rPr lang="de-DE" smtClean="0"/>
               <a:pPr/>
-              <a:t>10</a:t>
+              <a:t>9</a:t>
             </a:fld>
             <a:endParaRPr lang="de-DE" dirty="0"/>
           </a:p>
@@ -1472,7 +1724,7 @@
     </p:spTree>
     <p:extLst>
       <p:ext uri="{BB962C8B-B14F-4D97-AF65-F5344CB8AC3E}">
-        <p14:creationId xmlns:p14="http://schemas.microsoft.com/office/powerpoint/2010/main" val="2999438910"/>
+        <p14:creationId xmlns:p14="http://schemas.microsoft.com/office/powerpoint/2010/main" val="1124543534"/>
       </p:ext>
     </p:extLst>
   </p:cSld>
@@ -1526,7 +1778,97 @@
           <a:bodyPr/>
           <a:lstStyle/>
           <a:p>
+            <a:r>
+              <a:rPr lang="en-US" dirty="0"/>
+              <a:t>{{ }} triggers the go templating engine</a:t>
+            </a:r>
+          </a:p>
+          <a:p>
+            <a:r>
+              <a:rPr lang="en-US" dirty="0"/>
+              <a:t>.Values is a reference to an object with all keys in the </a:t>
+            </a:r>
+            <a:r>
+              <a:rPr lang="en-US" dirty="0" err="1"/>
+              <a:t>values.yaml</a:t>
+            </a:r>
+            <a:r>
+              <a:rPr lang="en-US" dirty="0"/>
+              <a:t> file</a:t>
+            </a:r>
+          </a:p>
+          <a:p>
+            <a:r>
+              <a:rPr lang="en-US" dirty="0"/>
+              <a:t>.</a:t>
+            </a:r>
+            <a:r>
+              <a:rPr lang="en-US" dirty="0" err="1"/>
+              <a:t>myMessage</a:t>
+            </a:r>
+            <a:r>
+              <a:rPr lang="en-US" dirty="0"/>
+              <a:t> is the reference to the key “</a:t>
+            </a:r>
+            <a:r>
+              <a:rPr lang="en-US" dirty="0" err="1"/>
+              <a:t>myMessage</a:t>
+            </a:r>
+            <a:r>
+              <a:rPr lang="en-US" dirty="0"/>
+              <a:t>” in .Values</a:t>
+            </a:r>
+          </a:p>
+          <a:p>
             <a:endParaRPr lang="en-US" dirty="0"/>
+          </a:p>
+          <a:p>
+            <a:r>
+              <a:rPr lang="en-US" dirty="0"/>
+              <a:t>In case of nested values such as example below, use .</a:t>
+            </a:r>
+            <a:r>
+              <a:rPr lang="en-US" dirty="0" err="1"/>
+              <a:t>Values.message.greeting</a:t>
+            </a:r>
+            <a:r>
+              <a:rPr lang="en-US" dirty="0"/>
+              <a:t> or .to </a:t>
+            </a:r>
+            <a:r>
+              <a:rPr lang="en-US" dirty="0" err="1"/>
+              <a:t>to</a:t>
+            </a:r>
+            <a:r>
+              <a:rPr lang="en-US" dirty="0"/>
+              <a:t> reference the </a:t>
+            </a:r>
+            <a:r>
+              <a:rPr lang="en-US" dirty="0" err="1"/>
+              <a:t>acutal</a:t>
+            </a:r>
+            <a:r>
+              <a:rPr lang="en-US" dirty="0"/>
+              <a:t> key</a:t>
+            </a:r>
+          </a:p>
+          <a:p>
+            <a:r>
+              <a:rPr lang="en-US" dirty="0"/>
+              <a:t>message:</a:t>
+            </a:r>
+          </a:p>
+          <a:p>
+            <a:r>
+              <a:rPr lang="en-US" dirty="0"/>
+              <a:t>  greeting: “hello”</a:t>
+            </a:r>
+          </a:p>
+          <a:p>
+            <a:r>
+              <a:rPr lang="en-US" dirty="0"/>
+              <a:t>  to: “course”</a:t>
+            </a:r>
           </a:p>
         </p:txBody>
       </p:sp>
@@ -1548,7 +1890,7 @@
             <a:fld id="{7D8C2C35-2B8A-446E-BEC0-FD36716C29AC}" type="slidenum">
               <a:rPr lang="de-DE" smtClean="0"/>
               <a:pPr/>
-              <a:t>11</a:t>
+              <a:t>10</a:t>
             </a:fld>
             <a:endParaRPr lang="de-DE" dirty="0"/>
           </a:p>
@@ -1557,7 +1899,7 @@
     </p:spTree>
     <p:extLst>
       <p:ext uri="{BB962C8B-B14F-4D97-AF65-F5344CB8AC3E}">
-        <p14:creationId xmlns:p14="http://schemas.microsoft.com/office/powerpoint/2010/main" val="1903845547"/>
+        <p14:creationId xmlns:p14="http://schemas.microsoft.com/office/powerpoint/2010/main" val="2999438910"/>
       </p:ext>
     </p:extLst>
   </p:cSld>
@@ -1608,9 +1950,208 @@
         </p:nvSpPr>
         <p:spPr/>
         <p:txBody>
-          <a:bodyPr/>
+          <a:bodyPr>
+            <a:normAutofit/>
+          </a:bodyPr>
           <a:lstStyle/>
           <a:p>
+            <a:pPr marL="342900" indent="-342900">
+              <a:buFontTx/>
+              <a:buChar char="-"/>
+            </a:pPr>
+            <a:r>
+              <a:rPr lang="en-US" sz="1800" dirty="0"/>
+              <a:t>Go to the k8s demo folder </a:t>
+            </a:r>
+            <a:r>
+              <a:rPr lang="en-US" sz="1800" dirty="0">
+                <a:sym typeface="Wingdings" panose="05000000000000000000" pitchFamily="2" charset="2"/>
+              </a:rPr>
+              <a:t>and continue with demo-chart</a:t>
+            </a:r>
+          </a:p>
+          <a:p>
+            <a:pPr marL="522864" lvl="1" indent="-342900">
+              <a:buFontTx/>
+              <a:buChar char="-"/>
+            </a:pPr>
+            <a:r>
+              <a:rPr lang="en-US" sz="1600" dirty="0"/>
+              <a:t>Show the content of the template subfolder, starting with the specific-</a:t>
+            </a:r>
+            <a:r>
+              <a:rPr lang="en-US" sz="1600" dirty="0" err="1"/>
+              <a:t>configmap.yaml</a:t>
+            </a:r>
+            <a:endParaRPr lang="en-US" sz="1600" dirty="0"/>
+          </a:p>
+          <a:p>
+            <a:pPr marL="522864" lvl="1" indent="-342900">
+              <a:buFontTx/>
+              <a:buChar char="-"/>
+            </a:pPr>
+            <a:r>
+              <a:rPr lang="en-US" sz="1600" dirty="0"/>
+              <a:t>Show the flexible-</a:t>
+            </a:r>
+            <a:r>
+              <a:rPr lang="en-US" sz="1600" dirty="0" err="1"/>
+              <a:t>configmap.yaml</a:t>
+            </a:r>
+            <a:r>
+              <a:rPr lang="en-US" sz="1600" dirty="0"/>
+              <a:t> and explain the build in variables, values references + _</a:t>
+            </a:r>
+            <a:r>
+              <a:rPr lang="en-US" sz="1600" dirty="0" err="1"/>
+              <a:t>helpers.tpl</a:t>
+            </a:r>
+            <a:r>
+              <a:rPr lang="en-US" sz="1600" dirty="0"/>
+              <a:t> where the functions are defined</a:t>
+            </a:r>
+          </a:p>
+          <a:p>
+            <a:pPr marL="522864" lvl="1" indent="-342900">
+              <a:buFontTx/>
+              <a:buChar char="-"/>
+            </a:pPr>
+            <a:r>
+              <a:rPr lang="en-US" sz="1600" dirty="0"/>
+              <a:t>Show NOTES.txt -&gt; it contains the lines to print after a successful deployment</a:t>
+            </a:r>
+          </a:p>
+          <a:p>
+            <a:pPr marL="522864" lvl="1" indent="-342900">
+              <a:buFontTx/>
+              <a:buChar char="-"/>
+            </a:pPr>
+            <a:r>
+              <a:rPr lang="en-US" sz="1600" dirty="0"/>
+              <a:t>Show the values file in the demo-chart folder</a:t>
+            </a:r>
+          </a:p>
+          <a:p>
+            <a:pPr marL="342900" indent="-342900">
+              <a:buFontTx/>
+              <a:buChar char="-"/>
+            </a:pPr>
+            <a:r>
+              <a:rPr lang="en-US" sz="1800" dirty="0"/>
+              <a:t>Deploy the chart: “helm install .” (assuming your current working directory is ./demo-chart )</a:t>
+            </a:r>
+          </a:p>
+          <a:p>
+            <a:pPr marL="522864" lvl="1" indent="-342900">
+              <a:buFontTx/>
+              <a:buChar char="-"/>
+            </a:pPr>
+            <a:r>
+              <a:rPr lang="en-US" sz="1600" dirty="0"/>
+              <a:t> run the commands that have been printed by helm</a:t>
+            </a:r>
+          </a:p>
+          <a:p>
+            <a:pPr marL="342900" indent="-342900">
+              <a:buFontTx/>
+              <a:buChar char="-"/>
+            </a:pPr>
+            <a:r>
+              <a:rPr lang="en-US" sz="1800" dirty="0"/>
+              <a:t>Update the release and change the value of </a:t>
+            </a:r>
+            <a:r>
+              <a:rPr lang="en-US" sz="1800" dirty="0" err="1"/>
+              <a:t>myMessage</a:t>
+            </a:r>
+            <a:r>
+              <a:rPr lang="en-US" sz="1800" dirty="0"/>
+              <a:t>, use dry-run and debug to double check changes: </a:t>
+            </a:r>
+          </a:p>
+          <a:p>
+            <a:pPr marL="522864" lvl="1" indent="-342900">
+              <a:buFontTx/>
+              <a:buChar char="-"/>
+            </a:pPr>
+            <a:r>
+              <a:rPr lang="en-US" sz="1600" dirty="0"/>
+              <a:t>helm upgrade --dry-run --debug --set </a:t>
+            </a:r>
+            <a:r>
+              <a:rPr lang="en-US" sz="1600" dirty="0" err="1"/>
+              <a:t>myMessage</a:t>
+            </a:r>
+            <a:r>
+              <a:rPr lang="en-US" sz="1600" dirty="0"/>
+              <a:t>=“Goodbye course” &lt;release name&gt; .</a:t>
+            </a:r>
+          </a:p>
+          <a:p>
+            <a:pPr marL="522864" lvl="1" indent="-342900">
+              <a:buFontTx/>
+              <a:buChar char="-"/>
+            </a:pPr>
+            <a:r>
+              <a:rPr lang="en-US" sz="1600" dirty="0"/>
+              <a:t>helm upgrade --set </a:t>
+            </a:r>
+            <a:r>
+              <a:rPr lang="en-US" sz="1600" dirty="0" err="1"/>
+              <a:t>myMessage</a:t>
+            </a:r>
+            <a:r>
+              <a:rPr lang="en-US" sz="1600" dirty="0"/>
+              <a:t>=“Goodbye course” &lt;release name&gt; .</a:t>
+            </a:r>
+          </a:p>
+          <a:p>
+            <a:pPr marL="342900" indent="-342900">
+              <a:buFontTx/>
+              <a:buChar char="-"/>
+            </a:pPr>
+            <a:r>
+              <a:rPr lang="en-US" sz="1800" dirty="0"/>
+              <a:t>Update the release with a </a:t>
+            </a:r>
+            <a:r>
+              <a:rPr lang="en-US" sz="1800" dirty="0" err="1"/>
+              <a:t>custom_values.yaml</a:t>
+            </a:r>
+            <a:endParaRPr lang="en-US" sz="1800" dirty="0"/>
+          </a:p>
+          <a:p>
+            <a:pPr marL="522864" lvl="1" indent="-342900">
+              <a:buFontTx/>
+              <a:buChar char="-"/>
+            </a:pPr>
+            <a:r>
+              <a:rPr lang="en-US" sz="1600" dirty="0"/>
+              <a:t>Helm upgrade –f </a:t>
+            </a:r>
+            <a:r>
+              <a:rPr lang="en-US" sz="1600" dirty="0" err="1"/>
+              <a:t>custom_values.yaml</a:t>
+            </a:r>
+            <a:r>
+              <a:rPr lang="en-US" sz="1600" dirty="0"/>
+              <a:t> &lt;release name&gt; .</a:t>
+            </a:r>
+          </a:p>
+          <a:p>
+            <a:pPr lvl="1" indent="0">
+              <a:buNone/>
+            </a:pPr>
+            <a:r>
+              <a:rPr lang="en-US" b="1" dirty="0"/>
+              <a:t>“.” is referencing a relative path to your chart – don’t truncate it!</a:t>
+            </a:r>
+          </a:p>
+          <a:p>
+            <a:pPr marL="0" lvl="0" indent="0">
+              <a:buFontTx/>
+              <a:buNone/>
+            </a:pPr>
             <a:endParaRPr lang="en-US" dirty="0"/>
           </a:p>
         </p:txBody>
@@ -1633,7 +2174,7 @@
             <a:fld id="{7D8C2C35-2B8A-446E-BEC0-FD36716C29AC}" type="slidenum">
               <a:rPr lang="de-DE" smtClean="0"/>
               <a:pPr/>
-              <a:t>12</a:t>
+              <a:t>11</a:t>
             </a:fld>
             <a:endParaRPr lang="de-DE" dirty="0"/>
           </a:p>
@@ -1642,7 +2183,7 @@
     </p:spTree>
     <p:extLst>
       <p:ext uri="{BB962C8B-B14F-4D97-AF65-F5344CB8AC3E}">
-        <p14:creationId xmlns:p14="http://schemas.microsoft.com/office/powerpoint/2010/main" val="3253167589"/>
+        <p14:creationId xmlns:p14="http://schemas.microsoft.com/office/powerpoint/2010/main" val="944111672"/>
       </p:ext>
     </p:extLst>
   </p:cSld>
@@ -15695,6 +16236,94 @@
       </p:grpSpPr>
       <p:sp>
         <p:nvSpPr>
+          <p:cNvPr id="2" name="Title 1">
+            <a:extLst>
+              <a:ext uri="{FF2B5EF4-FFF2-40B4-BE49-F238E27FC236}">
+                <a16:creationId xmlns:a16="http://schemas.microsoft.com/office/drawing/2014/main" id="{2D4BD4BF-5C0E-4BE1-A99C-25DBDC85D9CD}"/>
+              </a:ext>
+            </a:extLst>
+          </p:cNvPr>
+          <p:cNvSpPr>
+            <a:spLocks noGrp="1"/>
+          </p:cNvSpPr>
+          <p:nvPr>
+            <p:ph type="title"/>
+          </p:nvPr>
+        </p:nvSpPr>
+        <p:spPr/>
+        <p:txBody>
+          <a:bodyPr/>
+          <a:lstStyle/>
+          <a:p>
+            <a:r>
+              <a:rPr lang="en-US" dirty="0"/>
+              <a:t>Demo</a:t>
+            </a:r>
+          </a:p>
+        </p:txBody>
+      </p:sp>
+      <p:pic>
+        <p:nvPicPr>
+          <p:cNvPr id="18" name="Picture 17">
+            <a:extLst>
+              <a:ext uri="{FF2B5EF4-FFF2-40B4-BE49-F238E27FC236}">
+                <a16:creationId xmlns:a16="http://schemas.microsoft.com/office/drawing/2014/main" id="{FC355B51-9D60-4DBB-9EF1-08294FF8959E}"/>
+              </a:ext>
+            </a:extLst>
+          </p:cNvPr>
+          <p:cNvPicPr>
+            <a:picLocks noChangeAspect="1"/>
+          </p:cNvPicPr>
+          <p:nvPr/>
+        </p:nvPicPr>
+        <p:blipFill>
+          <a:blip r:embed="rId3"/>
+          <a:stretch>
+            <a:fillRect/>
+          </a:stretch>
+        </p:blipFill>
+        <p:spPr>
+          <a:xfrm>
+            <a:off x="3849419" y="1181180"/>
+            <a:ext cx="4495640" cy="4495640"/>
+          </a:xfrm>
+          <a:prstGeom prst="rect">
+            <a:avLst/>
+          </a:prstGeom>
+        </p:spPr>
+      </p:pic>
+    </p:spTree>
+    <p:extLst>
+      <p:ext uri="{BB962C8B-B14F-4D97-AF65-F5344CB8AC3E}">
+        <p14:creationId xmlns:p14="http://schemas.microsoft.com/office/powerpoint/2010/main" val="2718354247"/>
+      </p:ext>
+    </p:extLst>
+  </p:cSld>
+  <p:clrMapOvr>
+    <a:masterClrMapping/>
+  </p:clrMapOvr>
+</p:sld>
+</file>
+
+<file path=ppt/slides/slide12.xml><?xml version="1.0" encoding="utf-8"?>
+<p:sld xmlns:a="http://schemas.openxmlformats.org/drawingml/2006/main" xmlns:r="http://schemas.openxmlformats.org/officeDocument/2006/relationships" xmlns:p="http://schemas.openxmlformats.org/presentationml/2006/main">
+  <p:cSld>
+    <p:spTree>
+      <p:nvGrpSpPr>
+        <p:cNvPr id="1" name=""/>
+        <p:cNvGrpSpPr/>
+        <p:nvPr/>
+      </p:nvGrpSpPr>
+      <p:grpSpPr>
+        <a:xfrm>
+          <a:off x="0" y="0"/>
+          <a:ext cx="0" cy="0"/>
+          <a:chOff x="0" y="0"/>
+          <a:chExt cx="0" cy="0"/>
+        </a:xfrm>
+      </p:grpSpPr>
+      <p:sp>
+        <p:nvSpPr>
           <p:cNvPr id="3" name="Title 2">
             <a:extLst>
               <a:ext uri="{FF2B5EF4-FFF2-40B4-BE49-F238E27FC236}">
@@ -15755,284 +16384,6 @@
     <p:extLst>
       <p:ext uri="{BB962C8B-B14F-4D97-AF65-F5344CB8AC3E}">
         <p14:creationId xmlns:p14="http://schemas.microsoft.com/office/powerpoint/2010/main" val="2757824260"/>
-      </p:ext>
-    </p:extLst>
-  </p:cSld>
-  <p:clrMapOvr>
-    <a:masterClrMapping/>
-  </p:clrMapOvr>
-</p:sld>
-</file>
-
-<file path=ppt/slides/slide12.xml><?xml version="1.0" encoding="utf-8"?>
-<p:sld xmlns:a="http://schemas.openxmlformats.org/drawingml/2006/main" xmlns:r="http://schemas.openxmlformats.org/officeDocument/2006/relationships" xmlns:p="http://schemas.openxmlformats.org/presentationml/2006/main" show="0">
-  <p:cSld>
-    <p:spTree>
-      <p:nvGrpSpPr>
-        <p:cNvPr id="1" name=""/>
-        <p:cNvGrpSpPr/>
-        <p:nvPr/>
-      </p:nvGrpSpPr>
-      <p:grpSpPr>
-        <a:xfrm>
-          <a:off x="0" y="0"/>
-          <a:ext cx="0" cy="0"/>
-          <a:chOff x="0" y="0"/>
-          <a:chExt cx="0" cy="0"/>
-        </a:xfrm>
-      </p:grpSpPr>
-      <p:sp>
-        <p:nvSpPr>
-          <p:cNvPr id="6" name="Text Placeholder 5">
-            <a:extLst>
-              <a:ext uri="{FF2B5EF4-FFF2-40B4-BE49-F238E27FC236}">
-                <a16:creationId xmlns:a16="http://schemas.microsoft.com/office/drawing/2014/main" id="{920D95D6-6510-4E95-B39D-F186652A1A46}"/>
-              </a:ext>
-            </a:extLst>
-          </p:cNvPr>
-          <p:cNvSpPr>
-            <a:spLocks noGrp="1"/>
-          </p:cNvSpPr>
-          <p:nvPr>
-            <p:ph type="body" sz="quarter" idx="10"/>
-          </p:nvPr>
-        </p:nvSpPr>
-        <p:spPr>
-          <a:xfrm>
-            <a:off x="504000" y="1101253"/>
-            <a:ext cx="11186477" cy="4230000"/>
-          </a:xfrm>
-        </p:spPr>
-        <p:txBody>
-          <a:bodyPr/>
-          <a:lstStyle/>
-          <a:p>
-            <a:pPr marL="342900" indent="-342900">
-              <a:buFontTx/>
-              <a:buChar char="-"/>
-            </a:pPr>
-            <a:r>
-              <a:rPr lang="en-US" sz="1800" dirty="0"/>
-              <a:t>Go to the k8s demo folder </a:t>
-            </a:r>
-            <a:r>
-              <a:rPr lang="en-US" sz="1800" dirty="0">
-                <a:sym typeface="Wingdings" panose="05000000000000000000" pitchFamily="2" charset="2"/>
-              </a:rPr>
-              <a:t>and continue with demo-chart</a:t>
-            </a:r>
-          </a:p>
-          <a:p>
-            <a:pPr marL="522864" lvl="1" indent="-342900">
-              <a:buFontTx/>
-              <a:buChar char="-"/>
-            </a:pPr>
-            <a:r>
-              <a:rPr lang="en-US" sz="1600" dirty="0"/>
-              <a:t>Show the content of the template subfolder, starting with the specific-</a:t>
-            </a:r>
-            <a:r>
-              <a:rPr lang="en-US" sz="1600" dirty="0" err="1"/>
-              <a:t>configmap.yaml</a:t>
-            </a:r>
-            <a:endParaRPr lang="en-US" sz="1600" dirty="0"/>
-          </a:p>
-          <a:p>
-            <a:pPr marL="522864" lvl="1" indent="-342900">
-              <a:buFontTx/>
-              <a:buChar char="-"/>
-            </a:pPr>
-            <a:r>
-              <a:rPr lang="en-US" sz="1600" dirty="0"/>
-              <a:t>Show the flexible-</a:t>
-            </a:r>
-            <a:r>
-              <a:rPr lang="en-US" sz="1600" dirty="0" err="1"/>
-              <a:t>configmap.yaml</a:t>
-            </a:r>
-            <a:r>
-              <a:rPr lang="en-US" sz="1600" dirty="0"/>
-              <a:t> and explain the build in variables, values references + _</a:t>
-            </a:r>
-            <a:r>
-              <a:rPr lang="en-US" sz="1600" dirty="0" err="1"/>
-              <a:t>helpers.tpl</a:t>
-            </a:r>
-            <a:r>
-              <a:rPr lang="en-US" sz="1600" dirty="0"/>
-              <a:t> where the functions are defined</a:t>
-            </a:r>
-          </a:p>
-          <a:p>
-            <a:pPr marL="522864" lvl="1" indent="-342900">
-              <a:buFontTx/>
-              <a:buChar char="-"/>
-            </a:pPr>
-            <a:r>
-              <a:rPr lang="en-US" sz="1600" dirty="0"/>
-              <a:t>Show NOTES.txt -&gt; it contains the lines to print after a successful deployment</a:t>
-            </a:r>
-          </a:p>
-          <a:p>
-            <a:pPr marL="522864" lvl="1" indent="-342900">
-              <a:buFontTx/>
-              <a:buChar char="-"/>
-            </a:pPr>
-            <a:r>
-              <a:rPr lang="en-US" sz="1600" dirty="0"/>
-              <a:t>Show the values file in the demo-chart folder</a:t>
-            </a:r>
-          </a:p>
-          <a:p>
-            <a:pPr marL="342900" indent="-342900">
-              <a:buFontTx/>
-              <a:buChar char="-"/>
-            </a:pPr>
-            <a:r>
-              <a:rPr lang="en-US" sz="1800" dirty="0"/>
-              <a:t>Deploy the chart: “helm install .” (assuming your current working directory is ./demo-chart )</a:t>
-            </a:r>
-          </a:p>
-          <a:p>
-            <a:pPr marL="522864" lvl="1" indent="-342900">
-              <a:buFontTx/>
-              <a:buChar char="-"/>
-            </a:pPr>
-            <a:r>
-              <a:rPr lang="en-US" sz="1600" dirty="0"/>
-              <a:t> run the commands that have been printed by helm</a:t>
-            </a:r>
-          </a:p>
-          <a:p>
-            <a:pPr marL="342900" indent="-342900">
-              <a:buFontTx/>
-              <a:buChar char="-"/>
-            </a:pPr>
-            <a:r>
-              <a:rPr lang="en-US" sz="1800" dirty="0"/>
-              <a:t>Update the release and change the value of </a:t>
-            </a:r>
-            <a:r>
-              <a:rPr lang="en-US" sz="1800" dirty="0" err="1"/>
-              <a:t>myMessage</a:t>
-            </a:r>
-            <a:r>
-              <a:rPr lang="en-US" sz="1800" dirty="0"/>
-              <a:t>, use dry-run and debug to double check changes: </a:t>
-            </a:r>
-          </a:p>
-          <a:p>
-            <a:pPr marL="522864" lvl="1" indent="-342900">
-              <a:buFontTx/>
-              <a:buChar char="-"/>
-            </a:pPr>
-            <a:r>
-              <a:rPr lang="en-US" sz="1600" dirty="0"/>
-              <a:t>helm upgrade --dry-run --debug --set </a:t>
-            </a:r>
-            <a:r>
-              <a:rPr lang="en-US" sz="1600" dirty="0" err="1"/>
-              <a:t>myMessage</a:t>
-            </a:r>
-            <a:r>
-              <a:rPr lang="en-US" sz="1600" dirty="0"/>
-              <a:t>=“Goodbye course” &lt;release name&gt; .</a:t>
-            </a:r>
-          </a:p>
-          <a:p>
-            <a:pPr marL="522864" lvl="1" indent="-342900">
-              <a:buFontTx/>
-              <a:buChar char="-"/>
-            </a:pPr>
-            <a:r>
-              <a:rPr lang="en-US" sz="1600" dirty="0"/>
-              <a:t>helm upgrade --set </a:t>
-            </a:r>
-            <a:r>
-              <a:rPr lang="en-US" sz="1600" dirty="0" err="1"/>
-              <a:t>myMessage</a:t>
-            </a:r>
-            <a:r>
-              <a:rPr lang="en-US" sz="1600" dirty="0"/>
-              <a:t>=“Goodbye course” &lt;release name&gt; .</a:t>
-            </a:r>
-          </a:p>
-          <a:p>
-            <a:pPr marL="342900" indent="-342900">
-              <a:buFontTx/>
-              <a:buChar char="-"/>
-            </a:pPr>
-            <a:r>
-              <a:rPr lang="en-US" sz="1800" dirty="0"/>
-              <a:t>Update the release with a </a:t>
-            </a:r>
-            <a:r>
-              <a:rPr lang="en-US" sz="1800" dirty="0" err="1"/>
-              <a:t>custom_values.yaml</a:t>
-            </a:r>
-            <a:endParaRPr lang="en-US" sz="1800" dirty="0"/>
-          </a:p>
-          <a:p>
-            <a:pPr marL="522864" lvl="1" indent="-342900">
-              <a:buFontTx/>
-              <a:buChar char="-"/>
-            </a:pPr>
-            <a:r>
-              <a:rPr lang="en-US" sz="1600" dirty="0"/>
-              <a:t>Helm upgrade –f </a:t>
-            </a:r>
-            <a:r>
-              <a:rPr lang="en-US" sz="1600" dirty="0" err="1"/>
-              <a:t>custom_values.yaml</a:t>
-            </a:r>
-            <a:r>
-              <a:rPr lang="en-US" sz="1600" dirty="0"/>
-              <a:t> &lt;release name&gt; .</a:t>
-            </a:r>
-          </a:p>
-          <a:p>
-            <a:pPr lvl="1" indent="0">
-              <a:buNone/>
-            </a:pPr>
-            <a:r>
-              <a:rPr lang="en-US" b="1" dirty="0"/>
-              <a:t>“.” is referencing a relative path to your chart – don’t truncate it!</a:t>
-            </a:r>
-          </a:p>
-        </p:txBody>
-      </p:sp>
-      <p:sp>
-        <p:nvSpPr>
-          <p:cNvPr id="5" name="Title 4">
-            <a:extLst>
-              <a:ext uri="{FF2B5EF4-FFF2-40B4-BE49-F238E27FC236}">
-                <a16:creationId xmlns:a16="http://schemas.microsoft.com/office/drawing/2014/main" id="{17C5E0DC-58DA-4279-A937-C304F691FF25}"/>
-              </a:ext>
-            </a:extLst>
-          </p:cNvPr>
-          <p:cNvSpPr>
-            <a:spLocks noGrp="1"/>
-          </p:cNvSpPr>
-          <p:nvPr>
-            <p:ph type="title"/>
-          </p:nvPr>
-        </p:nvSpPr>
-        <p:spPr/>
-        <p:txBody>
-          <a:bodyPr/>
-          <a:lstStyle/>
-          <a:p>
-            <a:r>
-              <a:rPr lang="en-US" dirty="0"/>
-              <a:t>Demo script</a:t>
-            </a:r>
-          </a:p>
-        </p:txBody>
-      </p:sp>
-    </p:spTree>
-    <p:extLst>
-      <p:ext uri="{BB962C8B-B14F-4D97-AF65-F5344CB8AC3E}">
-        <p14:creationId xmlns:p14="http://schemas.microsoft.com/office/powerpoint/2010/main" val="4159007378"/>
       </p:ext>
     </p:extLst>
   </p:cSld>
@@ -19229,7 +19580,7 @@
 </file>
 
 <file path=ppt/slides/slide5.xml><?xml version="1.0" encoding="utf-8"?>
-<p:sld xmlns:a="http://schemas.openxmlformats.org/drawingml/2006/main" xmlns:r="http://schemas.openxmlformats.org/officeDocument/2006/relationships" xmlns:p="http://schemas.openxmlformats.org/presentationml/2006/main" show="0">
+<p:sld xmlns:a="http://schemas.openxmlformats.org/drawingml/2006/main" xmlns:r="http://schemas.openxmlformats.org/officeDocument/2006/relationships" xmlns:p="http://schemas.openxmlformats.org/presentationml/2006/main">
   <p:cSld>
     <p:spTree>
       <p:nvGrpSpPr>
@@ -19247,83 +19598,13 @@
       </p:grpSpPr>
       <p:sp>
         <p:nvSpPr>
-          <p:cNvPr id="4" name="Text Placeholder 3"/>
-          <p:cNvSpPr>
-            <a:spLocks noGrp="1"/>
-          </p:cNvSpPr>
-          <p:nvPr>
-            <p:ph type="body" sz="quarter" idx="10"/>
-          </p:nvPr>
-        </p:nvSpPr>
-        <p:spPr/>
-        <p:txBody>
-          <a:bodyPr/>
-          <a:lstStyle/>
-          <a:p>
-            <a:pPr marL="342900" indent="-342900">
-              <a:buFontTx/>
-              <a:buChar char="-"/>
-            </a:pPr>
-            <a:r>
-              <a:rPr lang="en-US" dirty="0"/>
-              <a:t>Show helm client &amp; tiller server in k8s</a:t>
-            </a:r>
-          </a:p>
-          <a:p>
-            <a:pPr marL="342900" indent="-342900">
-              <a:buFontTx/>
-              <a:buChar char="-"/>
-            </a:pPr>
-            <a:r>
-              <a:rPr lang="en-US" dirty="0"/>
-              <a:t>Helm repo list</a:t>
-            </a:r>
-          </a:p>
-          <a:p>
-            <a:pPr marL="342900" indent="-342900">
-              <a:buFontTx/>
-              <a:buChar char="-"/>
-            </a:pPr>
-            <a:r>
-              <a:rPr lang="en-US" dirty="0"/>
-              <a:t>Helm repo update</a:t>
-            </a:r>
-          </a:p>
-          <a:p>
-            <a:pPr marL="342900" indent="-342900">
-              <a:buFontTx/>
-              <a:buChar char="-"/>
-            </a:pPr>
-            <a:r>
-              <a:rPr lang="en-US" dirty="0"/>
-              <a:t>helm search </a:t>
-            </a:r>
-            <a:r>
-              <a:rPr lang="en-US" dirty="0" err="1"/>
-              <a:t>wordpress</a:t>
-            </a:r>
-            <a:endParaRPr lang="en-US" dirty="0"/>
-          </a:p>
-          <a:p>
-            <a:pPr marL="342900" indent="-342900">
-              <a:buFontTx/>
-              <a:buChar char="-"/>
-            </a:pPr>
-            <a:r>
-              <a:rPr lang="en-US" dirty="0"/>
-              <a:t>Helm install </a:t>
-            </a:r>
-            <a:r>
-              <a:rPr lang="en-US" dirty="0" err="1"/>
-              <a:t>wordpress</a:t>
-            </a:r>
-            <a:endParaRPr lang="en-US" dirty="0"/>
-          </a:p>
-        </p:txBody>
-      </p:sp>
-      <p:sp>
-        <p:nvSpPr>
-          <p:cNvPr id="3" name="Title 2"/>
+          <p:cNvPr id="2" name="Title 1">
+            <a:extLst>
+              <a:ext uri="{FF2B5EF4-FFF2-40B4-BE49-F238E27FC236}">
+                <a16:creationId xmlns:a16="http://schemas.microsoft.com/office/drawing/2014/main" id="{2D4BD4BF-5C0E-4BE1-A99C-25DBDC85D9CD}"/>
+              </a:ext>
+            </a:extLst>
+          </p:cNvPr>
           <p:cNvSpPr>
             <a:spLocks noGrp="1"/>
           </p:cNvSpPr>
@@ -19343,10 +19624,40 @@
           </a:p>
         </p:txBody>
       </p:sp>
+      <p:pic>
+        <p:nvPicPr>
+          <p:cNvPr id="18" name="Picture 17">
+            <a:extLst>
+              <a:ext uri="{FF2B5EF4-FFF2-40B4-BE49-F238E27FC236}">
+                <a16:creationId xmlns:a16="http://schemas.microsoft.com/office/drawing/2014/main" id="{FC355B51-9D60-4DBB-9EF1-08294FF8959E}"/>
+              </a:ext>
+            </a:extLst>
+          </p:cNvPr>
+          <p:cNvPicPr>
+            <a:picLocks noChangeAspect="1"/>
+          </p:cNvPicPr>
+          <p:nvPr/>
+        </p:nvPicPr>
+        <p:blipFill>
+          <a:blip r:embed="rId3"/>
+          <a:stretch>
+            <a:fillRect/>
+          </a:stretch>
+        </p:blipFill>
+        <p:spPr>
+          <a:xfrm>
+            <a:off x="3849419" y="1181180"/>
+            <a:ext cx="4495640" cy="4495640"/>
+          </a:xfrm>
+          <a:prstGeom prst="rect">
+            <a:avLst/>
+          </a:prstGeom>
+        </p:spPr>
+      </p:pic>
     </p:spTree>
     <p:extLst>
       <p:ext uri="{BB962C8B-B14F-4D97-AF65-F5344CB8AC3E}">
-        <p14:creationId xmlns:p14="http://schemas.microsoft.com/office/powerpoint/2010/main" val="684979928"/>
+        <p14:creationId xmlns:p14="http://schemas.microsoft.com/office/powerpoint/2010/main" val="247635095"/>
       </p:ext>
     </p:extLst>
   </p:cSld>

--- a/kubernetes/12_helm.pptx
+++ b/kubernetes/12_helm.pptx
@@ -1149,7 +1149,7 @@
         <p:spPr/>
         <p:txBody>
           <a:bodyPr>
-            <a:normAutofit fontScale="77500" lnSpcReduction="20000"/>
+            <a:normAutofit fontScale="85000" lnSpcReduction="20000"/>
           </a:bodyPr>
           <a:lstStyle/>
           <a:p>
@@ -1951,7 +1951,7 @@
         <p:spPr/>
         <p:txBody>
           <a:bodyPr>
-            <a:normAutofit/>
+            <a:normAutofit fontScale="92500" lnSpcReduction="20000"/>
           </a:bodyPr>
           <a:lstStyle/>
           <a:p>
@@ -4398,14 +4398,6 @@
 <file path=ppt/slideLayouts/slideLayout15.xml><?xml version="1.0" encoding="utf-8"?>
 <p:sldLayout xmlns:a="http://schemas.openxmlformats.org/drawingml/2006/main" xmlns:r="http://schemas.openxmlformats.org/officeDocument/2006/relationships" xmlns:p="http://schemas.openxmlformats.org/presentationml/2006/main" preserve="1" userDrawn="1">
   <p:cSld name="Quote">
-    <p:bg>
-      <p:bgPr>
-        <a:solidFill>
-          <a:schemeClr val="bg1"/>
-        </a:solidFill>
-        <a:effectLst/>
-      </p:bgPr>
-    </p:bg>
     <p:spTree>
       <p:nvGrpSpPr>
         <p:cNvPr id="1" name=""/>
@@ -15170,7 +15162,7 @@
       </p:ext>
     </p:extLst>
   </p:cSld>
-  <p:clrMap bg1="dk1" tx1="lt1" bg2="dk2" tx2="lt2" accent1="accent1" accent2="accent2" accent3="accent3" accent4="accent4" accent5="accent5" accent6="accent6" hlink="hlink" folHlink="folHlink"/>
+  <p:clrMap bg1="lt1" tx1="dk1" bg2="lt2" tx2="dk2" accent1="accent1" accent2="accent2" accent3="accent3" accent4="accent4" accent5="accent5" accent6="accent6" hlink="hlink" folHlink="folHlink"/>
   <p:sldLayoutIdLst>
     <p:sldLayoutId id="2147483772" r:id="rId1"/>
     <p:sldLayoutId id="2147483776" r:id="rId2"/>
@@ -15527,7 +15519,13 @@
       </p:sp>
       <p:pic>
         <p:nvPicPr>
-          <p:cNvPr id="3" name="Picture Placeholder 2"/>
+          <p:cNvPr id="6" name="Illustration" descr="Example of an illustration" title="Illustration for title slide">
+            <a:extLst>
+              <a:ext uri="{FF2B5EF4-FFF2-40B4-BE49-F238E27FC236}">
+                <a16:creationId xmlns:a16="http://schemas.microsoft.com/office/drawing/2014/main" id="{EC531770-544D-4952-AB9E-C704A7918FE7}"/>
+              </a:ext>
+            </a:extLst>
+          </p:cNvPr>
           <p:cNvPicPr>
             <a:picLocks noGrp="1" noChangeAspect="1"/>
           </p:cNvPicPr>
@@ -15542,7 +15540,12 @@
             <a:fillRect/>
           </a:stretch>
         </p:blipFill>
-        <p:spPr/>
+        <p:spPr bwMode="gray">
+          <a:xfrm>
+            <a:off x="1" y="0"/>
+            <a:ext cx="12195174" cy="3430006"/>
+          </a:xfrm>
+        </p:spPr>
       </p:pic>
     </p:spTree>
     <p:extLst>
@@ -15576,10 +15579,10 @@
       </p:grpSpPr>
       <p:pic>
         <p:nvPicPr>
-          <p:cNvPr id="2" name="Picture 1">
+          <p:cNvPr id="3" name="Picture 2">
             <a:extLst>
               <a:ext uri="{FF2B5EF4-FFF2-40B4-BE49-F238E27FC236}">
-                <a16:creationId xmlns:a16="http://schemas.microsoft.com/office/drawing/2014/main" id="{32341E7D-A2DE-4E61-AE88-BE264F40EC1A}"/>
+                <a16:creationId xmlns:a16="http://schemas.microsoft.com/office/drawing/2014/main" id="{83892301-2E1C-461C-9E52-C7EA9FDF7076}"/>
               </a:ext>
             </a:extLst>
           </p:cNvPr>
@@ -15596,12 +15599,17 @@
         </p:blipFill>
         <p:spPr>
           <a:xfrm>
-            <a:off x="6097239" y="2682486"/>
-            <a:ext cx="4047619" cy="1580952"/>
+            <a:off x="6007213" y="2773562"/>
+            <a:ext cx="5533333" cy="1990476"/>
           </a:xfrm>
           <a:prstGeom prst="rect">
             <a:avLst/>
           </a:prstGeom>
+          <a:ln>
+            <a:solidFill>
+              <a:schemeClr val="tx1"/>
+            </a:solidFill>
+          </a:ln>
         </p:spPr>
       </p:pic>
       <p:sp>
@@ -15651,8 +15659,8 @@
           </a:xfrm>
           <a:prstGeom prst="wedgeRectCallout">
             <a:avLst>
-              <a:gd name="adj1" fmla="val -35888"/>
-              <a:gd name="adj2" fmla="val 205745"/>
+              <a:gd name="adj1" fmla="val -29907"/>
+              <a:gd name="adj2" fmla="val 254589"/>
             </a:avLst>
           </a:prstGeom>
           <a:ln>
@@ -15724,7 +15732,7 @@
         </p:nvSpPr>
         <p:spPr bwMode="gray">
           <a:xfrm>
-            <a:off x="797381" y="5053993"/>
+            <a:off x="778027" y="4505380"/>
             <a:ext cx="4101737" cy="1217392"/>
           </a:xfrm>
           <a:prstGeom prst="wedgeRectCallout">
@@ -15837,36 +15845,6 @@
           </a:p>
         </p:txBody>
       </p:sp>
-      <p:pic>
-        <p:nvPicPr>
-          <p:cNvPr id="11" name="Picture 10">
-            <a:extLst>
-              <a:ext uri="{FF2B5EF4-FFF2-40B4-BE49-F238E27FC236}">
-                <a16:creationId xmlns:a16="http://schemas.microsoft.com/office/drawing/2014/main" id="{E3D91FD5-B591-48A9-A5F3-099C59019B66}"/>
-              </a:ext>
-            </a:extLst>
-          </p:cNvPr>
-          <p:cNvPicPr>
-            <a:picLocks noChangeAspect="1"/>
-          </p:cNvPicPr>
-          <p:nvPr/>
-        </p:nvPicPr>
-        <p:blipFill>
-          <a:blip r:embed="rId4"/>
-          <a:stretch>
-            <a:fillRect/>
-          </a:stretch>
-        </p:blipFill>
-        <p:spPr>
-          <a:xfrm>
-            <a:off x="504001" y="2663438"/>
-            <a:ext cx="5047619" cy="1619048"/>
-          </a:xfrm>
-          <a:prstGeom prst="rect">
-            <a:avLst/>
-          </a:prstGeom>
-        </p:spPr>
-      </p:pic>
       <p:sp>
         <p:nvSpPr>
           <p:cNvPr id="12" name="Speech Bubble: Rectangle 11">
@@ -15886,8 +15864,8 @@
           </a:xfrm>
           <a:prstGeom prst="wedgeRectCallout">
             <a:avLst>
-              <a:gd name="adj1" fmla="val 4625"/>
-              <a:gd name="adj2" fmla="val -118392"/>
+              <a:gd name="adj1" fmla="val 5282"/>
+              <a:gd name="adj2" fmla="val -81752"/>
             </a:avLst>
           </a:prstGeom>
           <a:ln>
@@ -16204,6 +16182,41 @@
           </a:p>
         </p:txBody>
       </p:sp>
+      <p:pic>
+        <p:nvPicPr>
+          <p:cNvPr id="14" name="Picture 13">
+            <a:extLst>
+              <a:ext uri="{FF2B5EF4-FFF2-40B4-BE49-F238E27FC236}">
+                <a16:creationId xmlns:a16="http://schemas.microsoft.com/office/drawing/2014/main" id="{217B0123-FE25-4F0E-A3A9-B6E48701D5BD}"/>
+              </a:ext>
+            </a:extLst>
+          </p:cNvPr>
+          <p:cNvPicPr>
+            <a:picLocks noChangeAspect="1"/>
+          </p:cNvPicPr>
+          <p:nvPr/>
+        </p:nvPicPr>
+        <p:blipFill>
+          <a:blip r:embed="rId4"/>
+          <a:stretch>
+            <a:fillRect/>
+          </a:stretch>
+        </p:blipFill>
+        <p:spPr>
+          <a:xfrm>
+            <a:off x="504001" y="2763819"/>
+            <a:ext cx="5304762" cy="771429"/>
+          </a:xfrm>
+          <a:prstGeom prst="rect">
+            <a:avLst/>
+          </a:prstGeom>
+          <a:ln>
+            <a:solidFill>
+              <a:schemeClr val="tx1"/>
+            </a:solidFill>
+          </a:ln>
+        </p:spPr>
+      </p:pic>
     </p:spTree>
     <p:extLst>
       <p:ext uri="{BB962C8B-B14F-4D97-AF65-F5344CB8AC3E}">
@@ -16264,10 +16277,10 @@
       </p:sp>
       <p:pic>
         <p:nvPicPr>
-          <p:cNvPr id="18" name="Picture 17">
+          <p:cNvPr id="4" name="Picture 3">
             <a:extLst>
               <a:ext uri="{FF2B5EF4-FFF2-40B4-BE49-F238E27FC236}">
-                <a16:creationId xmlns:a16="http://schemas.microsoft.com/office/drawing/2014/main" id="{FC355B51-9D60-4DBB-9EF1-08294FF8959E}"/>
+                <a16:creationId xmlns:a16="http://schemas.microsoft.com/office/drawing/2014/main" id="{A8308372-79D0-4D3E-A653-A42050822646}"/>
               </a:ext>
             </a:extLst>
           </p:cNvPr>
@@ -16284,8 +16297,8 @@
         </p:blipFill>
         <p:spPr>
           <a:xfrm>
-            <a:off x="3849419" y="1181180"/>
-            <a:ext cx="4495640" cy="4495640"/>
+            <a:off x="3645157" y="976918"/>
+            <a:ext cx="4904163" cy="4904163"/>
           </a:xfrm>
           <a:prstGeom prst="rect">
             <a:avLst/>
@@ -16344,18 +16357,22 @@
           <a:lstStyle/>
           <a:p>
             <a:r>
+              <a:rPr lang="en-US"/>
+              <a:t>Exercises </a:t>
+            </a:r>
+            <a:r>
               <a:rPr lang="en-US" dirty="0"/>
-              <a:t>Exercise #09</a:t>
+              <a:t>#09 &amp; #10</a:t>
             </a:r>
           </a:p>
         </p:txBody>
       </p:sp>
       <p:pic>
         <p:nvPicPr>
-          <p:cNvPr id="6" name="Picture 5">
+          <p:cNvPr id="4" name="Picture 3">
             <a:extLst>
               <a:ext uri="{FF2B5EF4-FFF2-40B4-BE49-F238E27FC236}">
-                <a16:creationId xmlns:a16="http://schemas.microsoft.com/office/drawing/2014/main" id="{6449D282-DC4E-4479-991B-68509FF3A710}"/>
+                <a16:creationId xmlns:a16="http://schemas.microsoft.com/office/drawing/2014/main" id="{F6BA3838-694C-42C5-AEEE-A53AE996E7BE}"/>
               </a:ext>
             </a:extLst>
           </p:cNvPr>
@@ -16372,8 +16389,8 @@
         </p:blipFill>
         <p:spPr>
           <a:xfrm>
-            <a:off x="4261672" y="1181180"/>
-            <a:ext cx="3773347" cy="3773347"/>
+            <a:off x="4011439" y="1343200"/>
+            <a:ext cx="4171599" cy="4171599"/>
           </a:xfrm>
           <a:prstGeom prst="rect">
             <a:avLst/>
@@ -16909,6 +16926,11 @@
           <a:prstGeom prst="rect">
             <a:avLst/>
           </a:prstGeom>
+          <a:solidFill>
+            <a:schemeClr val="bg1">
+              <a:lumMod val="75000"/>
+            </a:schemeClr>
+          </a:solidFill>
           <a:ln>
             <a:headEnd/>
             <a:tailEnd/>
@@ -16952,6 +16974,9 @@
             </a:pPr>
             <a:r>
               <a:rPr lang="en-US" sz="1600" b="1" kern="0" dirty="0">
+                <a:solidFill>
+                  <a:sysClr val="windowText" lastClr="000000"/>
+                </a:solidFill>
                 <a:ea typeface="Arial Unicode MS" pitchFamily="34" charset="-128"/>
                 <a:cs typeface="Arial Unicode MS" pitchFamily="34" charset="-128"/>
               </a:rPr>
@@ -16961,6 +16986,9 @@
               <a:ln>
                 <a:noFill/>
               </a:ln>
+              <a:solidFill>
+                <a:sysClr val="windowText" lastClr="000000"/>
+              </a:solidFill>
               <a:effectLst/>
               <a:uLnTx/>
               <a:uFillTx/>
@@ -18225,7 +18253,15 @@
           <a:prstGeom prst="rect">
             <a:avLst/>
           </a:prstGeom>
+          <a:solidFill>
+            <a:schemeClr val="bg1">
+              <a:lumMod val="75000"/>
+            </a:schemeClr>
+          </a:solidFill>
           <a:ln>
+            <a:solidFill>
+              <a:schemeClr val="tx1"/>
+            </a:solidFill>
             <a:headEnd/>
             <a:tailEnd/>
           </a:ln>
@@ -18268,6 +18304,9 @@
             </a:pPr>
             <a:r>
               <a:rPr lang="en-US" sz="1600" b="1" kern="0" dirty="0">
+                <a:solidFill>
+                  <a:schemeClr val="tx1"/>
+                </a:solidFill>
                 <a:ea typeface="Arial Unicode MS" pitchFamily="34" charset="-128"/>
                 <a:cs typeface="Arial Unicode MS" pitchFamily="34" charset="-128"/>
               </a:rPr>
@@ -18277,6 +18316,9 @@
               <a:ln>
                 <a:noFill/>
               </a:ln>
+              <a:solidFill>
+                <a:schemeClr val="tx1"/>
+              </a:solidFill>
               <a:effectLst/>
               <a:uLnTx/>
               <a:uFillTx/>
@@ -19626,10 +19668,10 @@
       </p:sp>
       <p:pic>
         <p:nvPicPr>
-          <p:cNvPr id="18" name="Picture 17">
+          <p:cNvPr id="4" name="Picture 3">
             <a:extLst>
               <a:ext uri="{FF2B5EF4-FFF2-40B4-BE49-F238E27FC236}">
-                <a16:creationId xmlns:a16="http://schemas.microsoft.com/office/drawing/2014/main" id="{FC355B51-9D60-4DBB-9EF1-08294FF8959E}"/>
+                <a16:creationId xmlns:a16="http://schemas.microsoft.com/office/drawing/2014/main" id="{8F8AF56A-873C-4A73-B1BB-DD1CD39FA262}"/>
               </a:ext>
             </a:extLst>
           </p:cNvPr>
@@ -19646,8 +19688,8 @@
         </p:blipFill>
         <p:spPr>
           <a:xfrm>
-            <a:off x="3849419" y="1181180"/>
-            <a:ext cx="4495640" cy="4495640"/>
+            <a:off x="3645157" y="976918"/>
+            <a:ext cx="4904163" cy="4904163"/>
           </a:xfrm>
           <a:prstGeom prst="rect">
             <a:avLst/>
@@ -20069,10 +20111,10 @@
       </p:grpSpPr>
       <p:pic>
         <p:nvPicPr>
-          <p:cNvPr id="17" name="Picture 16">
+          <p:cNvPr id="3" name="Picture 2">
             <a:extLst>
               <a:ext uri="{FF2B5EF4-FFF2-40B4-BE49-F238E27FC236}">
-                <a16:creationId xmlns:a16="http://schemas.microsoft.com/office/drawing/2014/main" id="{2464FB82-4E81-4F54-9EF8-4A36ED3B8045}"/>
+                <a16:creationId xmlns:a16="http://schemas.microsoft.com/office/drawing/2014/main" id="{1C13F139-5E5D-419A-9BD5-92AD40237BBF}"/>
               </a:ext>
             </a:extLst>
           </p:cNvPr>
@@ -20089,12 +20131,17 @@
         </p:blipFill>
         <p:spPr>
           <a:xfrm>
-            <a:off x="504001" y="1692328"/>
-            <a:ext cx="4095238" cy="3923809"/>
+            <a:off x="649620" y="1371857"/>
+            <a:ext cx="5447619" cy="4114286"/>
           </a:xfrm>
           <a:prstGeom prst="rect">
             <a:avLst/>
           </a:prstGeom>
+          <a:ln>
+            <a:solidFill>
+              <a:schemeClr val="tx1"/>
+            </a:solidFill>
+          </a:ln>
         </p:spPr>
       </p:pic>
       <p:sp>
@@ -20144,7 +20191,7 @@
         </p:nvSpPr>
         <p:spPr bwMode="gray">
           <a:xfrm>
-            <a:off x="6189996" y="1208618"/>
+            <a:off x="7149000" y="1208618"/>
             <a:ext cx="4101737" cy="469551"/>
           </a:xfrm>
           <a:prstGeom prst="wedgeRectCallout">
@@ -20240,7 +20287,7 @@
         </p:nvSpPr>
         <p:spPr bwMode="gray">
           <a:xfrm>
-            <a:off x="6189995" y="2412670"/>
+            <a:off x="7148999" y="2412670"/>
             <a:ext cx="4101737" cy="770145"/>
           </a:xfrm>
           <a:prstGeom prst="wedgeRectCallout">
@@ -20336,12 +20383,12 @@
         </p:nvSpPr>
         <p:spPr bwMode="gray">
           <a:xfrm>
-            <a:off x="6189995" y="3917316"/>
+            <a:off x="7148999" y="3917316"/>
             <a:ext cx="4101737" cy="742607"/>
           </a:xfrm>
           <a:prstGeom prst="wedgeRectCallout">
             <a:avLst>
-              <a:gd name="adj1" fmla="val -100195"/>
+              <a:gd name="adj1" fmla="val -85786"/>
               <a:gd name="adj2" fmla="val 37609"/>
             </a:avLst>
           </a:prstGeom>
@@ -20445,13 +20492,13 @@
         </p:nvSpPr>
         <p:spPr bwMode="gray">
           <a:xfrm>
-            <a:off x="6189994" y="5009351"/>
+            <a:off x="7148998" y="5009351"/>
             <a:ext cx="4101737" cy="770145"/>
           </a:xfrm>
           <a:prstGeom prst="wedgeRectCallout">
             <a:avLst>
-              <a:gd name="adj1" fmla="val -85619"/>
-              <a:gd name="adj2" fmla="val -16387"/>
+              <a:gd name="adj1" fmla="val -73385"/>
+              <a:gd name="adj2" fmla="val -19283"/>
             </a:avLst>
           </a:prstGeom>
           <a:ln>
@@ -20556,6 +20603,41 @@
           <a:chExt cx="0" cy="0"/>
         </a:xfrm>
       </p:grpSpPr>
+      <p:pic>
+        <p:nvPicPr>
+          <p:cNvPr id="2" name="Picture 1">
+            <a:extLst>
+              <a:ext uri="{FF2B5EF4-FFF2-40B4-BE49-F238E27FC236}">
+                <a16:creationId xmlns:a16="http://schemas.microsoft.com/office/drawing/2014/main" id="{F47A1860-6C63-4260-B136-F11C4585FB36}"/>
+              </a:ext>
+            </a:extLst>
+          </p:cNvPr>
+          <p:cNvPicPr>
+            <a:picLocks noChangeAspect="1"/>
+          </p:cNvPicPr>
+          <p:nvPr/>
+        </p:nvPicPr>
+        <p:blipFill>
+          <a:blip r:embed="rId3"/>
+          <a:stretch>
+            <a:fillRect/>
+          </a:stretch>
+        </p:blipFill>
+        <p:spPr>
+          <a:xfrm>
+            <a:off x="515991" y="2181638"/>
+            <a:ext cx="5304762" cy="771429"/>
+          </a:xfrm>
+          <a:prstGeom prst="rect">
+            <a:avLst/>
+          </a:prstGeom>
+          <a:ln>
+            <a:solidFill>
+              <a:schemeClr val="tx1"/>
+            </a:solidFill>
+          </a:ln>
+        </p:spPr>
+      </p:pic>
       <p:sp>
         <p:nvSpPr>
           <p:cNvPr id="4" name="Title 3">
@@ -20584,36 +20666,6 @@
           </a:p>
         </p:txBody>
       </p:sp>
-      <p:pic>
-        <p:nvPicPr>
-          <p:cNvPr id="5" name="Picture 4">
-            <a:extLst>
-              <a:ext uri="{FF2B5EF4-FFF2-40B4-BE49-F238E27FC236}">
-                <a16:creationId xmlns:a16="http://schemas.microsoft.com/office/drawing/2014/main" id="{702AB992-FC16-46C4-B8C1-4B9FE4CB53E2}"/>
-              </a:ext>
-            </a:extLst>
-          </p:cNvPr>
-          <p:cNvPicPr>
-            <a:picLocks noChangeAspect="1"/>
-          </p:cNvPicPr>
-          <p:nvPr/>
-        </p:nvPicPr>
-        <p:blipFill>
-          <a:blip r:embed="rId3"/>
-          <a:stretch>
-            <a:fillRect/>
-          </a:stretch>
-        </p:blipFill>
-        <p:spPr>
-          <a:xfrm>
-            <a:off x="504001" y="2039184"/>
-            <a:ext cx="5047619" cy="1619048"/>
-          </a:xfrm>
-          <a:prstGeom prst="rect">
-            <a:avLst/>
-          </a:prstGeom>
-        </p:spPr>
-      </p:pic>
       <p:sp>
         <p:nvSpPr>
           <p:cNvPr id="6" name="Speech Bubble: Rectangle 5">
@@ -20633,8 +20685,8 @@
           </a:xfrm>
           <a:prstGeom prst="wedgeRectCallout">
             <a:avLst>
-              <a:gd name="adj1" fmla="val -100195"/>
-              <a:gd name="adj2" fmla="val 37609"/>
+              <a:gd name="adj1" fmla="val -79533"/>
+              <a:gd name="adj2" fmla="val 34861"/>
             </a:avLst>
           </a:prstGeom>
           <a:ln>
@@ -20760,8 +20812,8 @@
           </a:xfrm>
           <a:prstGeom prst="wedgeRectCallout">
             <a:avLst>
-              <a:gd name="adj1" fmla="val -98909"/>
-              <a:gd name="adj2" fmla="val -12947"/>
+              <a:gd name="adj1" fmla="val -86403"/>
+              <a:gd name="adj2" fmla="val -50503"/>
             </a:avLst>
           </a:prstGeom>
           <a:ln>
@@ -20876,7 +20928,7 @@
         </p:nvSpPr>
         <p:spPr bwMode="gray">
           <a:xfrm>
-            <a:off x="3168372" y="4824084"/>
+            <a:off x="2666568" y="4261373"/>
             <a:ext cx="4101737" cy="1217392"/>
           </a:xfrm>
           <a:prstGeom prst="wedgeRectCallout">

--- a/kubernetes/12_helm.pptx
+++ b/kubernetes/12_helm.pptx
@@ -16358,12 +16358,17 @@
           <a:p>
             <a:r>
               <a:rPr lang="en-US"/>
-              <a:t>Exercises </a:t>
+              <a:t>Exercises #10 </a:t>
             </a:r>
             <a:r>
               <a:rPr lang="en-US" dirty="0"/>
-              <a:t>#09 &amp; #10</a:t>
-            </a:r>
+              <a:t>&amp; </a:t>
+            </a:r>
+            <a:r>
+              <a:rPr lang="en-US"/>
+              <a:t>#11</a:t>
+            </a:r>
+            <a:endParaRPr lang="en-US" dirty="0"/>
           </a:p>
         </p:txBody>
       </p:sp>

--- a/kubernetes/12_helm.pptx
+++ b/kubernetes/12_helm.pptx
@@ -16525,7 +16525,7 @@
             </a:pPr>
             <a:r>
               <a:rPr lang="en-US" dirty="0"/>
-              <a:t>Initially build by </a:t>
+              <a:t>Initially built by </a:t>
             </a:r>
             <a:r>
               <a:rPr lang="en-US" dirty="0" err="1"/>

--- a/kubernetes/12_helm.pptx
+++ b/kubernetes/12_helm.pptx
@@ -5,25 +5,26 @@
     <p:sldMasterId id="2147483733" r:id="rId1"/>
   </p:sldMasterIdLst>
   <p:notesMasterIdLst>
-    <p:notesMasterId r:id="rId15"/>
+    <p:notesMasterId r:id="rId16"/>
   </p:notesMasterIdLst>
   <p:handoutMasterIdLst>
-    <p:handoutMasterId r:id="rId16"/>
+    <p:handoutMasterId r:id="rId17"/>
   </p:handoutMasterIdLst>
   <p:sldIdLst>
     <p:sldId id="433" r:id="rId2"/>
     <p:sldId id="442" r:id="rId3"/>
     <p:sldId id="445" r:id="rId4"/>
-    <p:sldId id="447" r:id="rId5"/>
-    <p:sldId id="467" r:id="rId6"/>
-    <p:sldId id="468" r:id="rId7"/>
-    <p:sldId id="446" r:id="rId8"/>
-    <p:sldId id="448" r:id="rId9"/>
-    <p:sldId id="451" r:id="rId10"/>
-    <p:sldId id="452" r:id="rId11"/>
-    <p:sldId id="469" r:id="rId12"/>
-    <p:sldId id="456" r:id="rId13"/>
-    <p:sldId id="265" r:id="rId14"/>
+    <p:sldId id="470" r:id="rId5"/>
+    <p:sldId id="447" r:id="rId6"/>
+    <p:sldId id="467" r:id="rId7"/>
+    <p:sldId id="468" r:id="rId8"/>
+    <p:sldId id="446" r:id="rId9"/>
+    <p:sldId id="448" r:id="rId10"/>
+    <p:sldId id="451" r:id="rId11"/>
+    <p:sldId id="452" r:id="rId12"/>
+    <p:sldId id="469" r:id="rId13"/>
+    <p:sldId id="456" r:id="rId14"/>
+    <p:sldId id="265" r:id="rId15"/>
   </p:sldIdLst>
   <p:sldSz cx="12195175" cy="6858000"/>
   <p:notesSz cx="6858000" cy="9144000"/>
@@ -653,9 +654,208 @@
         </p:nvSpPr>
         <p:spPr/>
         <p:txBody>
-          <a:bodyPr/>
+          <a:bodyPr>
+            <a:normAutofit fontScale="92500" lnSpcReduction="20000"/>
+          </a:bodyPr>
           <a:lstStyle/>
           <a:p>
+            <a:pPr marL="342900" indent="-342900">
+              <a:buFontTx/>
+              <a:buChar char="-"/>
+            </a:pPr>
+            <a:r>
+              <a:rPr lang="en-US" sz="1800" dirty="0"/>
+              <a:t>Go to the k8s demo folder </a:t>
+            </a:r>
+            <a:r>
+              <a:rPr lang="en-US" sz="1800" dirty="0">
+                <a:sym typeface="Wingdings" panose="05000000000000000000" pitchFamily="2" charset="2"/>
+              </a:rPr>
+              <a:t>and continue with demo-chart</a:t>
+            </a:r>
+          </a:p>
+          <a:p>
+            <a:pPr marL="522864" lvl="1" indent="-342900">
+              <a:buFontTx/>
+              <a:buChar char="-"/>
+            </a:pPr>
+            <a:r>
+              <a:rPr lang="en-US" sz="1600" dirty="0"/>
+              <a:t>Show the content of the template subfolder, starting with the specific-</a:t>
+            </a:r>
+            <a:r>
+              <a:rPr lang="en-US" sz="1600" dirty="0" err="1"/>
+              <a:t>configmap.yaml</a:t>
+            </a:r>
+            <a:endParaRPr lang="en-US" sz="1600" dirty="0"/>
+          </a:p>
+          <a:p>
+            <a:pPr marL="522864" lvl="1" indent="-342900">
+              <a:buFontTx/>
+              <a:buChar char="-"/>
+            </a:pPr>
+            <a:r>
+              <a:rPr lang="en-US" sz="1600" dirty="0"/>
+              <a:t>Show the flexible-</a:t>
+            </a:r>
+            <a:r>
+              <a:rPr lang="en-US" sz="1600" dirty="0" err="1"/>
+              <a:t>configmap.yaml</a:t>
+            </a:r>
+            <a:r>
+              <a:rPr lang="en-US" sz="1600" dirty="0"/>
+              <a:t> and explain the build in variables, values references + _</a:t>
+            </a:r>
+            <a:r>
+              <a:rPr lang="en-US" sz="1600" dirty="0" err="1"/>
+              <a:t>helpers.tpl</a:t>
+            </a:r>
+            <a:r>
+              <a:rPr lang="en-US" sz="1600" dirty="0"/>
+              <a:t> where the functions are defined</a:t>
+            </a:r>
+          </a:p>
+          <a:p>
+            <a:pPr marL="522864" lvl="1" indent="-342900">
+              <a:buFontTx/>
+              <a:buChar char="-"/>
+            </a:pPr>
+            <a:r>
+              <a:rPr lang="en-US" sz="1600" dirty="0"/>
+              <a:t>Show NOTES.txt -&gt; it contains the lines to print after a successful deployment</a:t>
+            </a:r>
+          </a:p>
+          <a:p>
+            <a:pPr marL="522864" lvl="1" indent="-342900">
+              <a:buFontTx/>
+              <a:buChar char="-"/>
+            </a:pPr>
+            <a:r>
+              <a:rPr lang="en-US" sz="1600" dirty="0"/>
+              <a:t>Show the values file in the demo-chart folder</a:t>
+            </a:r>
+          </a:p>
+          <a:p>
+            <a:pPr marL="342900" indent="-342900">
+              <a:buFontTx/>
+              <a:buChar char="-"/>
+            </a:pPr>
+            <a:r>
+              <a:rPr lang="en-US" sz="1800" dirty="0"/>
+              <a:t>Deploy the chart: “helm install .” (assuming your current working directory is ./demo-chart )</a:t>
+            </a:r>
+          </a:p>
+          <a:p>
+            <a:pPr marL="522864" lvl="1" indent="-342900">
+              <a:buFontTx/>
+              <a:buChar char="-"/>
+            </a:pPr>
+            <a:r>
+              <a:rPr lang="en-US" sz="1600" dirty="0"/>
+              <a:t> run the commands that have been printed by helm</a:t>
+            </a:r>
+          </a:p>
+          <a:p>
+            <a:pPr marL="342900" indent="-342900">
+              <a:buFontTx/>
+              <a:buChar char="-"/>
+            </a:pPr>
+            <a:r>
+              <a:rPr lang="en-US" sz="1800" dirty="0"/>
+              <a:t>Update the release and change the value of </a:t>
+            </a:r>
+            <a:r>
+              <a:rPr lang="en-US" sz="1800" dirty="0" err="1"/>
+              <a:t>myMessage</a:t>
+            </a:r>
+            <a:r>
+              <a:rPr lang="en-US" sz="1800" dirty="0"/>
+              <a:t>, use dry-run and debug to double check changes: </a:t>
+            </a:r>
+          </a:p>
+          <a:p>
+            <a:pPr marL="522864" lvl="1" indent="-342900">
+              <a:buFontTx/>
+              <a:buChar char="-"/>
+            </a:pPr>
+            <a:r>
+              <a:rPr lang="en-US" sz="1600" dirty="0"/>
+              <a:t>helm upgrade --dry-run --debug --set </a:t>
+            </a:r>
+            <a:r>
+              <a:rPr lang="en-US" sz="1600" dirty="0" err="1"/>
+              <a:t>myMessage</a:t>
+            </a:r>
+            <a:r>
+              <a:rPr lang="en-US" sz="1600" dirty="0"/>
+              <a:t>=“Goodbye course” &lt;release name&gt; .</a:t>
+            </a:r>
+          </a:p>
+          <a:p>
+            <a:pPr marL="522864" lvl="1" indent="-342900">
+              <a:buFontTx/>
+              <a:buChar char="-"/>
+            </a:pPr>
+            <a:r>
+              <a:rPr lang="en-US" sz="1600" dirty="0"/>
+              <a:t>helm upgrade --set </a:t>
+            </a:r>
+            <a:r>
+              <a:rPr lang="en-US" sz="1600" dirty="0" err="1"/>
+              <a:t>myMessage</a:t>
+            </a:r>
+            <a:r>
+              <a:rPr lang="en-US" sz="1600" dirty="0"/>
+              <a:t>=“Goodbye course” &lt;release name&gt; .</a:t>
+            </a:r>
+          </a:p>
+          <a:p>
+            <a:pPr marL="342900" indent="-342900">
+              <a:buFontTx/>
+              <a:buChar char="-"/>
+            </a:pPr>
+            <a:r>
+              <a:rPr lang="en-US" sz="1800" dirty="0"/>
+              <a:t>Update the release with a </a:t>
+            </a:r>
+            <a:r>
+              <a:rPr lang="en-US" sz="1800" dirty="0" err="1"/>
+              <a:t>custom_values.yaml</a:t>
+            </a:r>
+            <a:endParaRPr lang="en-US" sz="1800" dirty="0"/>
+          </a:p>
+          <a:p>
+            <a:pPr marL="522864" lvl="1" indent="-342900">
+              <a:buFontTx/>
+              <a:buChar char="-"/>
+            </a:pPr>
+            <a:r>
+              <a:rPr lang="en-US" sz="1600" dirty="0"/>
+              <a:t>Helm upgrade –f </a:t>
+            </a:r>
+            <a:r>
+              <a:rPr lang="en-US" sz="1600" dirty="0" err="1"/>
+              <a:t>custom_values.yaml</a:t>
+            </a:r>
+            <a:r>
+              <a:rPr lang="en-US" sz="1600" dirty="0"/>
+              <a:t> &lt;release name&gt; .</a:t>
+            </a:r>
+          </a:p>
+          <a:p>
+            <a:pPr lvl="1" indent="0">
+              <a:buNone/>
+            </a:pPr>
+            <a:r>
+              <a:rPr lang="en-US" b="1" dirty="0"/>
+              <a:t>“.” is referencing a relative path to your chart – don’t truncate it!</a:t>
+            </a:r>
+          </a:p>
+          <a:p>
+            <a:pPr marL="0" lvl="0" indent="0">
+              <a:buFontTx/>
+              <a:buNone/>
+            </a:pPr>
             <a:endParaRPr lang="en-US" dirty="0"/>
           </a:p>
         </p:txBody>
@@ -687,6 +887,91 @@
     </p:spTree>
     <p:extLst>
       <p:ext uri="{BB962C8B-B14F-4D97-AF65-F5344CB8AC3E}">
+        <p14:creationId xmlns:p14="http://schemas.microsoft.com/office/powerpoint/2010/main" val="944111672"/>
+      </p:ext>
+    </p:extLst>
+  </p:cSld>
+  <p:clrMapOvr>
+    <a:masterClrMapping/>
+  </p:clrMapOvr>
+</p:notes>
+</file>
+
+<file path=ppt/notesSlides/notesSlide11.xml><?xml version="1.0" encoding="utf-8"?>
+<p:notes xmlns:a="http://schemas.openxmlformats.org/drawingml/2006/main" xmlns:r="http://schemas.openxmlformats.org/officeDocument/2006/relationships" xmlns:p="http://schemas.openxmlformats.org/presentationml/2006/main">
+  <p:cSld>
+    <p:spTree>
+      <p:nvGrpSpPr>
+        <p:cNvPr id="1" name=""/>
+        <p:cNvGrpSpPr/>
+        <p:nvPr/>
+      </p:nvGrpSpPr>
+      <p:grpSpPr>
+        <a:xfrm>
+          <a:off x="0" y="0"/>
+          <a:ext cx="0" cy="0"/>
+          <a:chOff x="0" y="0"/>
+          <a:chExt cx="0" cy="0"/>
+        </a:xfrm>
+      </p:grpSpPr>
+      <p:sp>
+        <p:nvSpPr>
+          <p:cNvPr id="2" name="Slide Image Placeholder 1"/>
+          <p:cNvSpPr>
+            <a:spLocks noGrp="1" noRot="1" noChangeAspect="1"/>
+          </p:cNvSpPr>
+          <p:nvPr>
+            <p:ph type="sldImg"/>
+          </p:nvPr>
+        </p:nvSpPr>
+        <p:spPr/>
+      </p:sp>
+      <p:sp>
+        <p:nvSpPr>
+          <p:cNvPr id="3" name="Notes Placeholder 2"/>
+          <p:cNvSpPr>
+            <a:spLocks noGrp="1"/>
+          </p:cNvSpPr>
+          <p:nvPr>
+            <p:ph type="body" idx="1"/>
+          </p:nvPr>
+        </p:nvSpPr>
+        <p:spPr/>
+        <p:txBody>
+          <a:bodyPr/>
+          <a:lstStyle/>
+          <a:p>
+            <a:endParaRPr lang="en-US" dirty="0"/>
+          </a:p>
+        </p:txBody>
+      </p:sp>
+      <p:sp>
+        <p:nvSpPr>
+          <p:cNvPr id="4" name="Slide Number Placeholder 3"/>
+          <p:cNvSpPr>
+            <a:spLocks noGrp="1"/>
+          </p:cNvSpPr>
+          <p:nvPr>
+            <p:ph type="sldNum" sz="quarter" idx="10"/>
+          </p:nvPr>
+        </p:nvSpPr>
+        <p:spPr/>
+        <p:txBody>
+          <a:bodyPr/>
+          <a:lstStyle/>
+          <a:p>
+            <a:fld id="{7D8C2C35-2B8A-446E-BEC0-FD36716C29AC}" type="slidenum">
+              <a:rPr lang="de-DE" smtClean="0"/>
+              <a:pPr/>
+              <a:t>13</a:t>
+            </a:fld>
+            <a:endParaRPr lang="de-DE" dirty="0"/>
+          </a:p>
+        </p:txBody>
+      </p:sp>
+    </p:spTree>
+    <p:extLst>
+      <p:ext uri="{BB962C8B-B14F-4D97-AF65-F5344CB8AC3E}">
         <p14:creationId xmlns:p14="http://schemas.microsoft.com/office/powerpoint/2010/main" val="1903845547"/>
       </p:ext>
     </p:extLst>
@@ -697,7 +982,7 @@
 </p:notes>
 </file>
 
-<file path=ppt/notesSlides/notesSlide11.xml><?xml version="1.0" encoding="utf-8"?>
+<file path=ppt/notesSlides/notesSlide12.xml><?xml version="1.0" encoding="utf-8"?>
 <p:notes xmlns:a="http://schemas.openxmlformats.org/drawingml/2006/main" xmlns:r="http://schemas.openxmlformats.org/officeDocument/2006/relationships" xmlns:p="http://schemas.openxmlformats.org/presentationml/2006/main">
   <p:cSld>
     <p:spTree>
@@ -732,7 +1017,7 @@
             <a:fld id="{7D8C2C35-2B8A-446E-BEC0-FD36716C29AC}" type="slidenum">
               <a:rPr lang="en-US" smtClean="0"/>
               <a:pPr/>
-              <a:t>13</a:t>
+              <a:t>14</a:t>
             </a:fld>
             <a:endParaRPr lang="en-US" dirty="0"/>
           </a:p>
@@ -920,7 +1205,72 @@
           <a:p>
             <a:r>
               <a:rPr lang="en-US" dirty="0"/>
-              <a:t>Helm has to components, the locally running client and the tiller-server. When you run “helm </a:t>
+              <a:t>Helm v3 has only component – the locally running “helm” client. It uses the active available </a:t>
+            </a:r>
+            <a:r>
+              <a:rPr lang="en-US" dirty="0" err="1"/>
+              <a:t>kube.config</a:t>
+            </a:r>
+            <a:r>
+              <a:rPr lang="en-US" dirty="0"/>
+              <a:t> context to talk to K8s. No separate setup steps are needed.</a:t>
+            </a:r>
+          </a:p>
+          <a:p>
+            <a:endParaRPr lang="en-US" dirty="0"/>
+          </a:p>
+          <a:p>
+            <a:r>
+              <a:rPr lang="en-US" dirty="0"/>
+              <a:t>To use helm, you need the pre-packaged software in so called charts. A chart is a description of how to deploy &amp; parameterize an application. This includes </a:t>
+            </a:r>
+            <a:r>
+              <a:rPr lang="en-US" dirty="0" err="1"/>
+              <a:t>yaml</a:t>
+            </a:r>
+            <a:r>
+              <a:rPr lang="en-US" dirty="0"/>
+              <a:t> templates for pods, services or </a:t>
+            </a:r>
+            <a:r>
+              <a:rPr lang="en-US" dirty="0" err="1"/>
+              <a:t>configMaps</a:t>
+            </a:r>
+            <a:r>
+              <a:rPr lang="en-US" dirty="0"/>
+              <a:t>.</a:t>
+            </a:r>
+          </a:p>
+          <a:p>
+            <a:r>
+              <a:rPr lang="en-US" dirty="0"/>
+              <a:t>Upon installation of the chart, there is a go-templating engine evaluating the given parameters and substituting variables.</a:t>
+            </a:r>
+          </a:p>
+          <a:p>
+            <a:endParaRPr lang="en-US" dirty="0"/>
+          </a:p>
+          <a:p>
+            <a:pPr marL="0" marR="0" lvl="0" indent="0" algn="l" defTabSz="1088776" rtl="0" eaLnBrk="1" fontAlgn="auto" latinLnBrk="0" hangingPunct="1">
+              <a:lnSpc>
+                <a:spcPct val="100000"/>
+              </a:lnSpc>
+              <a:spcBef>
+                <a:spcPts val="0"/>
+              </a:spcBef>
+              <a:spcAft>
+                <a:spcPts val="0"/>
+              </a:spcAft>
+              <a:buClrTx/>
+              <a:buSzTx/>
+              <a:buFontTx/>
+              <a:buNone/>
+              <a:tabLst/>
+              <a:defRPr/>
+            </a:pPr>
+            <a:r>
+              <a:rPr lang="en-US" dirty="0"/>
+              <a:t>In v2, there were two components - the locally running client and the tiller-server. It was required to run “helm </a:t>
             </a:r>
             <a:r>
               <a:rPr lang="en-US" dirty="0" err="1"/>
@@ -928,46 +1278,30 @@
             </a:r>
             <a:r>
               <a:rPr lang="en-US" dirty="0"/>
-              <a:t>” it will try to use the </a:t>
-            </a:r>
-            <a:r>
-              <a:rPr lang="en-US" dirty="0" err="1"/>
-              <a:t>kubeconfig</a:t>
-            </a:r>
+              <a:t>”, to deploy tiller to the cluster. There was also the idea of a global/cluster-wide service to manage all charts installed to a cluster. This idea has been abandoned and helm v3 is a “client-only” tool.</a:t>
+            </a:r>
+          </a:p>
+          <a:p>
+            <a:pPr marL="0" marR="0" lvl="0" indent="0" algn="l" defTabSz="1088776" rtl="0" eaLnBrk="1" fontAlgn="auto" latinLnBrk="0" hangingPunct="1">
+              <a:lnSpc>
+                <a:spcPct val="100000"/>
+              </a:lnSpc>
+              <a:spcBef>
+                <a:spcPts val="0"/>
+              </a:spcBef>
+              <a:spcAft>
+                <a:spcPts val="0"/>
+              </a:spcAft>
+              <a:buClrTx/>
+              <a:buSzTx/>
+              <a:buFontTx/>
+              <a:buNone/>
+              <a:tabLst/>
+              <a:defRPr/>
+            </a:pPr>
             <a:r>
               <a:rPr lang="en-US" dirty="0"/>
-              <a:t> to access the cluster and deploy the tiller-server. But be careful with namespaces and specify where your tiller-server should run.</a:t>
-            </a:r>
-          </a:p>
-          <a:p>
-            <a:endParaRPr lang="en-US" dirty="0"/>
-          </a:p>
-          <a:p>
-            <a:r>
-              <a:rPr lang="en-US" dirty="0"/>
-              <a:t>To use helm, you need the pre-packages software in so called charts. A chart is a description of how to deploy &amp; parameterize an application. This includes </a:t>
-            </a:r>
-            <a:r>
-              <a:rPr lang="en-US" dirty="0" err="1"/>
-              <a:t>yaml</a:t>
-            </a:r>
-            <a:r>
-              <a:rPr lang="en-US" dirty="0"/>
-              <a:t> templates for pods, services or </a:t>
-            </a:r>
-            <a:r>
-              <a:rPr lang="en-US" dirty="0" err="1"/>
-              <a:t>configMaps</a:t>
-            </a:r>
-            <a:r>
-              <a:rPr lang="en-US" dirty="0"/>
-              <a:t>.</a:t>
-            </a:r>
-          </a:p>
-          <a:p>
-            <a:r>
-              <a:rPr lang="en-US" dirty="0"/>
-              <a:t>Upon installation of the chart, there is a go-templating engine evaluating the given parameters and substituting variables.</a:t>
+              <a:t>When using helm v2, be careful with namespaces and specify where your tiller-server should run.</a:t>
             </a:r>
           </a:p>
           <a:p>
@@ -1061,12 +1395,102 @@
           <a:p>
             <a:r>
               <a:rPr lang="en-US" dirty="0"/>
-              <a:t>Helm charts can be stored locally or in </a:t>
-            </a:r>
-            <a:r>
-              <a:rPr lang="en-US"/>
-              <a:t>a repository.</a:t>
-            </a:r>
+              <a:t>Helm v3 has only component – the locally running “helm” client. </a:t>
+            </a:r>
+          </a:p>
+          <a:p>
+            <a:endParaRPr lang="en-US" dirty="0"/>
+          </a:p>
+          <a:p>
+            <a:r>
+              <a:rPr lang="en-US" dirty="0"/>
+              <a:t>To use helm, you need the pre-packaged software in so called charts. A chart is a description of how to deploy &amp; parameterize an application. This includes </a:t>
+            </a:r>
+            <a:r>
+              <a:rPr lang="en-US" dirty="0" err="1"/>
+              <a:t>yaml</a:t>
+            </a:r>
+            <a:r>
+              <a:rPr lang="en-US" dirty="0"/>
+              <a:t> templates for pods, services or </a:t>
+            </a:r>
+            <a:r>
+              <a:rPr lang="en-US" dirty="0" err="1"/>
+              <a:t>configMaps</a:t>
+            </a:r>
+            <a:r>
+              <a:rPr lang="en-US" dirty="0"/>
+              <a:t>.</a:t>
+            </a:r>
+          </a:p>
+          <a:p>
+            <a:r>
+              <a:rPr lang="en-US" dirty="0"/>
+              <a:t>Upon installation of the chart, there is a go-templating engine evaluating the given parameters and substituting variables.</a:t>
+            </a:r>
+          </a:p>
+          <a:p>
+            <a:endParaRPr lang="en-US" dirty="0"/>
+          </a:p>
+          <a:p>
+            <a:pPr marL="0" marR="0" lvl="0" indent="0" algn="l" defTabSz="1088776" rtl="0" eaLnBrk="1" fontAlgn="auto" latinLnBrk="0" hangingPunct="1">
+              <a:lnSpc>
+                <a:spcPct val="100000"/>
+              </a:lnSpc>
+              <a:spcBef>
+                <a:spcPts val="0"/>
+              </a:spcBef>
+              <a:spcAft>
+                <a:spcPts val="0"/>
+              </a:spcAft>
+              <a:buClrTx/>
+              <a:buSzTx/>
+              <a:buFontTx/>
+              <a:buNone/>
+              <a:tabLst/>
+              <a:defRPr/>
+            </a:pPr>
+            <a:r>
+              <a:rPr lang="en-US" dirty="0"/>
+              <a:t>In v2, there were two components - the locally running client and the tiller-server. It was required to run “helm </a:t>
+            </a:r>
+            <a:r>
+              <a:rPr lang="en-US" dirty="0" err="1"/>
+              <a:t>init</a:t>
+            </a:r>
+            <a:r>
+              <a:rPr lang="en-US" dirty="0"/>
+              <a:t>”, to deploy tiller to the cluster. There was also the idea of a global/cluster-wide service to manage all charts installed to a cluster. This idea has been abandoned and helm v3 is a “client-only” tool.</a:t>
+            </a:r>
+          </a:p>
+          <a:p>
+            <a:pPr marL="0" marR="0" lvl="0" indent="0" algn="l" defTabSz="1088776" rtl="0" eaLnBrk="1" fontAlgn="auto" latinLnBrk="0" hangingPunct="1">
+              <a:lnSpc>
+                <a:spcPct val="100000"/>
+              </a:lnSpc>
+              <a:spcBef>
+                <a:spcPts val="0"/>
+              </a:spcBef>
+              <a:spcAft>
+                <a:spcPts val="0"/>
+              </a:spcAft>
+              <a:buClrTx/>
+              <a:buSzTx/>
+              <a:buFontTx/>
+              <a:buNone/>
+              <a:tabLst/>
+              <a:defRPr/>
+            </a:pPr>
+            <a:r>
+              <a:rPr lang="en-US" dirty="0"/>
+              <a:t>When using helm v2, be careful with namespaces and specify where your tiller-server should run.</a:t>
+            </a:r>
+          </a:p>
+          <a:p>
+            <a:endParaRPr lang="en-US" dirty="0"/>
+          </a:p>
+          <a:p>
+            <a:endParaRPr lang="en-US" dirty="0"/>
           </a:p>
         </p:txBody>
       </p:sp>
@@ -1086,18 +1510,18 @@
           <a:lstStyle/>
           <a:p>
             <a:fld id="{7D8C2C35-2B8A-446E-BEC0-FD36716C29AC}" type="slidenum">
-              <a:rPr lang="de-DE" smtClean="0"/>
+              <a:rPr lang="en-US" smtClean="0"/>
               <a:pPr/>
               <a:t>4</a:t>
             </a:fld>
-            <a:endParaRPr lang="de-DE" dirty="0"/>
+            <a:endParaRPr lang="en-US" dirty="0"/>
           </a:p>
         </p:txBody>
       </p:sp>
     </p:spTree>
     <p:extLst>
       <p:ext uri="{BB962C8B-B14F-4D97-AF65-F5344CB8AC3E}">
-        <p14:creationId xmlns:p14="http://schemas.microsoft.com/office/powerpoint/2010/main" val="1096285440"/>
+        <p14:creationId xmlns:p14="http://schemas.microsoft.com/office/powerpoint/2010/main" val="3681972960"/>
       </p:ext>
     </p:extLst>
   </p:cSld>
@@ -1148,267 +1572,758 @@
         </p:nvSpPr>
         <p:spPr/>
         <p:txBody>
-          <a:bodyPr>
-            <a:normAutofit fontScale="85000" lnSpcReduction="20000"/>
-          </a:bodyPr>
+          <a:bodyPr/>
           <a:lstStyle/>
           <a:p>
-            <a:pPr marL="285750" lvl="0" indent="-285750">
-              <a:buFontTx/>
-              <a:buChar char="-"/>
-            </a:pPr>
             <a:r>
               <a:rPr lang="en-US" dirty="0"/>
-              <a:t>Start with showing the helm binary – simply run “helm” without anything else</a:t>
-            </a:r>
-          </a:p>
-          <a:p>
-            <a:pPr marL="285750" lvl="0" indent="-285750">
-              <a:buFontTx/>
-              <a:buChar char="-"/>
-            </a:pPr>
-            <a:r>
-              <a:rPr lang="en-US" dirty="0"/>
-              <a:t>If not yet done, run a “helm </a:t>
-            </a:r>
-            <a:r>
-              <a:rPr lang="en-US" dirty="0" err="1"/>
-              <a:t>init</a:t>
-            </a:r>
-            <a:r>
-              <a:rPr lang="en-US" dirty="0"/>
-              <a:t>” to deploy tiller. But probably there is already a tiller from the time when you created the registry.</a:t>
-            </a:r>
-          </a:p>
-          <a:p>
-            <a:pPr marL="285750" lvl="0" indent="-285750">
-              <a:buFontTx/>
-              <a:buChar char="-"/>
-            </a:pPr>
-            <a:r>
-              <a:rPr lang="en-US" dirty="0"/>
-              <a:t>Show the tiller pod in </a:t>
-            </a:r>
-            <a:r>
-              <a:rPr lang="en-US" dirty="0" err="1"/>
-              <a:t>kube</a:t>
-            </a:r>
-            <a:r>
-              <a:rPr lang="en-US" dirty="0"/>
-              <a:t>-system namespace. Explain, that for helm </a:t>
-            </a:r>
-            <a:r>
-              <a:rPr lang="en-US" dirty="0" err="1"/>
-              <a:t>init</a:t>
-            </a:r>
-            <a:r>
-              <a:rPr lang="en-US" dirty="0"/>
-              <a:t>, participants should target their own namespace. Otherwise they will connect to the same tiller. Highlight that in order to setup tiller with cluster access (i.e. outside of it’s namespace a </a:t>
-            </a:r>
-            <a:r>
-              <a:rPr lang="en-US" dirty="0" err="1"/>
-              <a:t>clusterrolebinding</a:t>
-            </a:r>
-            <a:r>
-              <a:rPr lang="en-US" dirty="0"/>
-              <a:t> is required)</a:t>
-            </a:r>
-          </a:p>
-          <a:p>
-            <a:pPr marL="285750" lvl="0" indent="-285750">
-              <a:buFontTx/>
-              <a:buChar char="-"/>
-            </a:pPr>
-            <a:r>
-              <a:rPr lang="en-US" dirty="0"/>
-              <a:t>Run “helm list” to show the already installed charts and explain that they are called a “release”.</a:t>
-            </a:r>
-          </a:p>
-          <a:p>
-            <a:pPr marL="0" lvl="0" indent="0">
+              <a:t>Helm charts can be stored locally or in a repository. The default “stable” repo available in helm v2 has to be added manually with helm v3 (as of now).</a:t>
+            </a:r>
+          </a:p>
+          <a:p>
+            <a:pPr marL="0" marR="0" lvl="0" indent="0" algn="l" defTabSz="1088776" rtl="0" eaLnBrk="1" fontAlgn="auto" latinLnBrk="0" hangingPunct="1">
+              <a:lnSpc>
+                <a:spcPct val="100000"/>
+              </a:lnSpc>
+              <a:spcBef>
+                <a:spcPts val="0"/>
+              </a:spcBef>
+              <a:spcAft>
+                <a:spcPts val="0"/>
+              </a:spcAft>
+              <a:buClrTx/>
+              <a:buSzTx/>
               <a:buFontTx/>
               <a:buNone/>
+              <a:tabLst/>
+              <a:defRPr/>
             </a:pPr>
-            <a:endParaRPr lang="en-US" dirty="0"/>
-          </a:p>
-          <a:p>
-            <a:pPr marL="0" lvl="0" indent="0">
+            <a:r>
+              <a:rPr lang="en-US" dirty="0"/>
+              <a:t>Run “helm </a:t>
+            </a:r>
+            <a:r>
+              <a:rPr lang="de-DE" sz="1400" b="0" kern="1200" dirty="0" err="1">
+                <a:solidFill>
+                  <a:schemeClr val="tx1"/>
+                </a:solidFill>
+                <a:effectLst/>
+                <a:latin typeface="+mn-lt"/>
+                <a:ea typeface="+mn-ea"/>
+                <a:cs typeface="+mn-cs"/>
+              </a:rPr>
+              <a:t>repo</a:t>
+            </a:r>
+            <a:r>
+              <a:rPr lang="de-DE" sz="1400" b="0" kern="1200" dirty="0">
+                <a:solidFill>
+                  <a:schemeClr val="tx1"/>
+                </a:solidFill>
+                <a:effectLst/>
+                <a:latin typeface="+mn-lt"/>
+                <a:ea typeface="+mn-ea"/>
+                <a:cs typeface="+mn-cs"/>
+              </a:rPr>
+              <a:t> </a:t>
+            </a:r>
+            <a:r>
+              <a:rPr lang="de-DE" sz="1400" b="0" kern="1200" dirty="0" err="1">
+                <a:solidFill>
+                  <a:schemeClr val="tx1"/>
+                </a:solidFill>
+                <a:effectLst/>
+                <a:latin typeface="+mn-lt"/>
+                <a:ea typeface="+mn-ea"/>
+                <a:cs typeface="+mn-cs"/>
+              </a:rPr>
+              <a:t>add</a:t>
+            </a:r>
+            <a:r>
+              <a:rPr lang="de-DE" sz="1400" b="0" kern="1200" dirty="0">
+                <a:solidFill>
+                  <a:schemeClr val="tx1"/>
+                </a:solidFill>
+                <a:effectLst/>
+                <a:latin typeface="+mn-lt"/>
+                <a:ea typeface="+mn-ea"/>
+                <a:cs typeface="+mn-cs"/>
+              </a:rPr>
+              <a:t> </a:t>
+            </a:r>
+            <a:r>
+              <a:rPr lang="de-DE" sz="1400" b="0" kern="1200" dirty="0" err="1">
+                <a:solidFill>
+                  <a:schemeClr val="tx1"/>
+                </a:solidFill>
+                <a:effectLst/>
+                <a:latin typeface="+mn-lt"/>
+                <a:ea typeface="+mn-ea"/>
+                <a:cs typeface="+mn-cs"/>
+              </a:rPr>
+              <a:t>stable</a:t>
+            </a:r>
+            <a:r>
+              <a:rPr lang="de-DE" sz="1400" b="0" kern="1200" dirty="0">
+                <a:solidFill>
+                  <a:schemeClr val="tx1"/>
+                </a:solidFill>
+                <a:effectLst/>
+                <a:latin typeface="+mn-lt"/>
+                <a:ea typeface="+mn-ea"/>
+                <a:cs typeface="+mn-cs"/>
+              </a:rPr>
+              <a:t> https://kubernetes-charts.storage.googleapis.com/“ </a:t>
+            </a:r>
+            <a:r>
+              <a:rPr lang="de-DE" sz="1400" b="0" kern="1200" dirty="0" err="1">
+                <a:solidFill>
+                  <a:schemeClr val="tx1"/>
+                </a:solidFill>
+                <a:effectLst/>
+                <a:latin typeface="+mn-lt"/>
+                <a:ea typeface="+mn-ea"/>
+                <a:cs typeface="+mn-cs"/>
+              </a:rPr>
+              <a:t>to</a:t>
+            </a:r>
+            <a:r>
+              <a:rPr lang="de-DE" sz="1400" b="0" kern="1200" dirty="0">
+                <a:solidFill>
+                  <a:schemeClr val="tx1"/>
+                </a:solidFill>
+                <a:effectLst/>
+                <a:latin typeface="+mn-lt"/>
+                <a:ea typeface="+mn-ea"/>
+                <a:cs typeface="+mn-cs"/>
+              </a:rPr>
+              <a:t> </a:t>
+            </a:r>
+            <a:r>
+              <a:rPr lang="de-DE" sz="1400" b="0" kern="1200" dirty="0" err="1">
+                <a:solidFill>
+                  <a:schemeClr val="tx1"/>
+                </a:solidFill>
+                <a:effectLst/>
+                <a:latin typeface="+mn-lt"/>
+                <a:ea typeface="+mn-ea"/>
+                <a:cs typeface="+mn-cs"/>
+              </a:rPr>
+              <a:t>add</a:t>
+            </a:r>
+            <a:r>
+              <a:rPr lang="de-DE" sz="1400" b="0" kern="1200" dirty="0">
+                <a:solidFill>
+                  <a:schemeClr val="tx1"/>
+                </a:solidFill>
+                <a:effectLst/>
+                <a:latin typeface="+mn-lt"/>
+                <a:ea typeface="+mn-ea"/>
+                <a:cs typeface="+mn-cs"/>
+              </a:rPr>
+              <a:t> </a:t>
+            </a:r>
+            <a:r>
+              <a:rPr lang="de-DE" sz="1400" b="0" kern="1200" dirty="0" err="1">
+                <a:solidFill>
+                  <a:schemeClr val="tx1"/>
+                </a:solidFill>
+                <a:effectLst/>
+                <a:latin typeface="+mn-lt"/>
+                <a:ea typeface="+mn-ea"/>
+                <a:cs typeface="+mn-cs"/>
+              </a:rPr>
+              <a:t>make</a:t>
+            </a:r>
+            <a:r>
+              <a:rPr lang="de-DE" sz="1400" b="0" kern="1200" dirty="0">
+                <a:solidFill>
+                  <a:schemeClr val="tx1"/>
+                </a:solidFill>
+                <a:effectLst/>
+                <a:latin typeface="+mn-lt"/>
+                <a:ea typeface="+mn-ea"/>
+                <a:cs typeface="+mn-cs"/>
+              </a:rPr>
+              <a:t> </a:t>
+            </a:r>
+            <a:r>
+              <a:rPr lang="de-DE" sz="1400" b="0" kern="1200" dirty="0" err="1">
+                <a:solidFill>
+                  <a:schemeClr val="tx1"/>
+                </a:solidFill>
+                <a:effectLst/>
+                <a:latin typeface="+mn-lt"/>
+                <a:ea typeface="+mn-ea"/>
+                <a:cs typeface="+mn-cs"/>
+              </a:rPr>
+              <a:t>it</a:t>
+            </a:r>
+            <a:r>
+              <a:rPr lang="de-DE" sz="1400" b="0" kern="1200" dirty="0">
+                <a:solidFill>
+                  <a:schemeClr val="tx1"/>
+                </a:solidFill>
+                <a:effectLst/>
+                <a:latin typeface="+mn-lt"/>
+                <a:ea typeface="+mn-ea"/>
+                <a:cs typeface="+mn-cs"/>
+              </a:rPr>
+              <a:t> </a:t>
+            </a:r>
+            <a:r>
+              <a:rPr lang="de-DE" sz="1400" b="0" kern="1200" dirty="0" err="1">
+                <a:solidFill>
+                  <a:schemeClr val="tx1"/>
+                </a:solidFill>
+                <a:effectLst/>
+                <a:latin typeface="+mn-lt"/>
+                <a:ea typeface="+mn-ea"/>
+                <a:cs typeface="+mn-cs"/>
+              </a:rPr>
+              <a:t>available</a:t>
+            </a:r>
+            <a:r>
+              <a:rPr lang="de-DE" sz="1400" b="0" kern="1200" dirty="0">
+                <a:solidFill>
+                  <a:schemeClr val="tx1"/>
+                </a:solidFill>
+                <a:effectLst/>
+                <a:latin typeface="+mn-lt"/>
+                <a:ea typeface="+mn-ea"/>
+                <a:cs typeface="+mn-cs"/>
+              </a:rPr>
+              <a:t> </a:t>
+            </a:r>
+            <a:r>
+              <a:rPr lang="de-DE" sz="1400" b="0" kern="1200" dirty="0" err="1">
+                <a:solidFill>
+                  <a:schemeClr val="tx1"/>
+                </a:solidFill>
+                <a:effectLst/>
+                <a:latin typeface="+mn-lt"/>
+                <a:ea typeface="+mn-ea"/>
+                <a:cs typeface="+mn-cs"/>
+              </a:rPr>
+              <a:t>to</a:t>
+            </a:r>
+            <a:r>
+              <a:rPr lang="de-DE" sz="1400" b="0" kern="1200" dirty="0">
+                <a:solidFill>
+                  <a:schemeClr val="tx1"/>
+                </a:solidFill>
+                <a:effectLst/>
+                <a:latin typeface="+mn-lt"/>
+                <a:ea typeface="+mn-ea"/>
+                <a:cs typeface="+mn-cs"/>
+              </a:rPr>
+              <a:t> </a:t>
+            </a:r>
+            <a:r>
+              <a:rPr lang="de-DE" sz="1400" b="0" kern="1200" dirty="0" err="1">
+                <a:solidFill>
+                  <a:schemeClr val="tx1"/>
+                </a:solidFill>
+                <a:effectLst/>
+                <a:latin typeface="+mn-lt"/>
+                <a:ea typeface="+mn-ea"/>
+                <a:cs typeface="+mn-cs"/>
+              </a:rPr>
+              <a:t>your</a:t>
+            </a:r>
+            <a:r>
+              <a:rPr lang="de-DE" sz="1400" b="0" kern="1200" dirty="0">
+                <a:solidFill>
+                  <a:schemeClr val="tx1"/>
+                </a:solidFill>
+                <a:effectLst/>
+                <a:latin typeface="+mn-lt"/>
+                <a:ea typeface="+mn-ea"/>
+                <a:cs typeface="+mn-cs"/>
+              </a:rPr>
+              <a:t> </a:t>
+            </a:r>
+            <a:r>
+              <a:rPr lang="de-DE" sz="1400" b="0" kern="1200" dirty="0" err="1">
+                <a:solidFill>
+                  <a:schemeClr val="tx1"/>
+                </a:solidFill>
+                <a:effectLst/>
+                <a:latin typeface="+mn-lt"/>
+                <a:ea typeface="+mn-ea"/>
+                <a:cs typeface="+mn-cs"/>
+              </a:rPr>
+              <a:t>helm</a:t>
+            </a:r>
+            <a:r>
+              <a:rPr lang="de-DE" sz="1400" b="0" kern="1200" dirty="0">
+                <a:solidFill>
+                  <a:schemeClr val="tx1"/>
+                </a:solidFill>
+                <a:effectLst/>
+                <a:latin typeface="+mn-lt"/>
+                <a:ea typeface="+mn-ea"/>
+                <a:cs typeface="+mn-cs"/>
+              </a:rPr>
+              <a:t> </a:t>
+            </a:r>
+            <a:r>
+              <a:rPr lang="de-DE" sz="1400" b="0" kern="1200" dirty="0" err="1">
+                <a:solidFill>
+                  <a:schemeClr val="tx1"/>
+                </a:solidFill>
+                <a:effectLst/>
+                <a:latin typeface="+mn-lt"/>
+                <a:ea typeface="+mn-ea"/>
+                <a:cs typeface="+mn-cs"/>
+              </a:rPr>
+              <a:t>installation</a:t>
+            </a:r>
+            <a:r>
+              <a:rPr lang="de-DE" sz="1400" b="0" kern="1200" dirty="0">
+                <a:solidFill>
+                  <a:schemeClr val="tx1"/>
+                </a:solidFill>
+                <a:effectLst/>
+                <a:latin typeface="+mn-lt"/>
+                <a:ea typeface="+mn-ea"/>
+                <a:cs typeface="+mn-cs"/>
+              </a:rPr>
+              <a:t>.</a:t>
+            </a:r>
+          </a:p>
+          <a:p>
+            <a:pPr marL="0" marR="0" lvl="0" indent="0" algn="l" defTabSz="1088776" rtl="0" eaLnBrk="1" fontAlgn="auto" latinLnBrk="0" hangingPunct="1">
+              <a:lnSpc>
+                <a:spcPct val="100000"/>
+              </a:lnSpc>
+              <a:spcBef>
+                <a:spcPts val="0"/>
+              </a:spcBef>
+              <a:spcAft>
+                <a:spcPts val="0"/>
+              </a:spcAft>
+              <a:buClrTx/>
+              <a:buSzTx/>
               <a:buFontTx/>
               <a:buNone/>
+              <a:tabLst/>
+              <a:defRPr/>
             </a:pPr>
-            <a:r>
-              <a:rPr lang="en-US" dirty="0"/>
-              <a:t>Next move on to the question, wherefrom to get charts:</a:t>
-            </a:r>
-          </a:p>
-          <a:p>
-            <a:pPr marL="285750" lvl="0" indent="-285750">
-              <a:buFontTx/>
-              <a:buChar char="-"/>
-            </a:pPr>
-            <a:r>
-              <a:rPr lang="en-US" dirty="0"/>
-              <a:t>Open https://github.com/helm/charts in a browser</a:t>
-            </a:r>
-          </a:p>
-          <a:p>
-            <a:pPr marL="285750" lvl="0" indent="-285750">
-              <a:buFontTx/>
-              <a:buChar char="-"/>
-            </a:pPr>
-            <a:r>
-              <a:rPr lang="en-US" dirty="0"/>
-              <a:t>Talk about the different “levels” – currently incubator, test &amp; stable and go to stable</a:t>
-            </a:r>
-          </a:p>
-          <a:p>
-            <a:pPr marL="285750" lvl="0" indent="-285750">
-              <a:buFontTx/>
-              <a:buChar char="-"/>
-            </a:pPr>
-            <a:r>
-              <a:rPr lang="en-US" dirty="0"/>
-              <a:t>Pick up any chart (e.g. mongo </a:t>
-            </a:r>
-            <a:r>
-              <a:rPr lang="en-US" dirty="0" err="1"/>
-              <a:t>db</a:t>
-            </a:r>
-            <a:r>
-              <a:rPr lang="en-US" dirty="0"/>
-              <a:t> or </a:t>
-            </a:r>
-            <a:r>
-              <a:rPr lang="en-US" dirty="0" err="1"/>
-              <a:t>wordpress</a:t>
-            </a:r>
-            <a:r>
-              <a:rPr lang="en-US" dirty="0"/>
-              <a:t>) and go into details.</a:t>
-            </a:r>
-          </a:p>
-          <a:p>
-            <a:pPr marL="285750" lvl="0" indent="-285750">
-              <a:buFontTx/>
-              <a:buChar char="-"/>
-            </a:pPr>
-            <a:r>
-              <a:rPr lang="en-US" dirty="0"/>
-              <a:t>Discuss the info on the readme page, especially the “installing the chart” and “configuration”</a:t>
-            </a:r>
-          </a:p>
-          <a:p>
-            <a:pPr marL="285750" lvl="0" indent="-285750">
-              <a:buFontTx/>
-              <a:buChar char="-"/>
-            </a:pPr>
-            <a:r>
-              <a:rPr lang="en-US" dirty="0"/>
-              <a:t>Highlight that any parameter in configuration has a default value or is not set. </a:t>
-            </a:r>
-          </a:p>
-          <a:p>
-            <a:pPr marL="285750" lvl="0" indent="-285750">
-              <a:buFontTx/>
-              <a:buChar char="-"/>
-            </a:pPr>
-            <a:r>
-              <a:rPr lang="en-US" dirty="0"/>
-              <a:t>Highlight that any parameter in configuration can be overwritten / customized either by using “--set key=value” or a </a:t>
-            </a:r>
-            <a:r>
-              <a:rPr lang="en-US" dirty="0" err="1"/>
-              <a:t>values.yaml</a:t>
-            </a:r>
-            <a:r>
-              <a:rPr lang="en-US" dirty="0"/>
-              <a:t> file.</a:t>
-            </a:r>
-          </a:p>
-          <a:p>
-            <a:pPr marL="285750" lvl="0" indent="-285750">
-              <a:buFontTx/>
-              <a:buChar char="-"/>
-            </a:pPr>
-            <a:r>
-              <a:rPr lang="en-US" dirty="0"/>
-              <a:t>The default values can be found in the repo in a </a:t>
-            </a:r>
-            <a:r>
-              <a:rPr lang="en-US" dirty="0" err="1"/>
-              <a:t>values.yaml</a:t>
-            </a:r>
-            <a:r>
-              <a:rPr lang="en-US" dirty="0"/>
-              <a:t> file too.</a:t>
-            </a:r>
-          </a:p>
-          <a:p>
-            <a:pPr marL="285750" lvl="0" indent="-285750">
-              <a:buFontTx/>
-              <a:buChar char="-"/>
-            </a:pPr>
-            <a:r>
-              <a:rPr lang="en-US" dirty="0"/>
-              <a:t>Go to the templates and take a look at one of the </a:t>
-            </a:r>
-            <a:r>
-              <a:rPr lang="en-US" dirty="0" err="1"/>
-              <a:t>yaml</a:t>
-            </a:r>
-            <a:r>
-              <a:rPr lang="en-US" dirty="0"/>
-              <a:t> files. Explain that helm uses a go-based engine to render the charts upon deployment </a:t>
-            </a:r>
-            <a:r>
-              <a:rPr lang="en-US" dirty="0">
-                <a:sym typeface="Wingdings" panose="05000000000000000000" pitchFamily="2" charset="2"/>
-              </a:rPr>
-              <a:t> substituting variables with specific values.</a:t>
-            </a:r>
-          </a:p>
-          <a:p>
-            <a:pPr marL="0" lvl="0" indent="0">
+            <a:endParaRPr lang="de-DE" sz="1400" b="0" kern="1200" dirty="0">
+              <a:solidFill>
+                <a:schemeClr val="tx1"/>
+              </a:solidFill>
+              <a:effectLst/>
+              <a:latin typeface="+mn-lt"/>
+              <a:ea typeface="+mn-ea"/>
+              <a:cs typeface="+mn-cs"/>
+            </a:endParaRPr>
+          </a:p>
+          <a:p>
+            <a:pPr marL="0" marR="0" lvl="0" indent="0" algn="l" defTabSz="1088776" rtl="0" eaLnBrk="1" fontAlgn="auto" latinLnBrk="0" hangingPunct="1">
+              <a:lnSpc>
+                <a:spcPct val="100000"/>
+              </a:lnSpc>
+              <a:spcBef>
+                <a:spcPts val="0"/>
+              </a:spcBef>
+              <a:spcAft>
+                <a:spcPts val="0"/>
+              </a:spcAft>
+              <a:buClrTx/>
+              <a:buSzTx/>
               <a:buFontTx/>
               <a:buNone/>
+              <a:tabLst/>
+              <a:defRPr/>
             </a:pPr>
-            <a:endParaRPr lang="en-US" dirty="0">
-              <a:sym typeface="Wingdings" panose="05000000000000000000" pitchFamily="2" charset="2"/>
+            <a:r>
+              <a:rPr lang="de-DE" sz="1400" b="0" kern="1200" dirty="0" err="1">
+                <a:solidFill>
+                  <a:schemeClr val="tx1"/>
+                </a:solidFill>
+                <a:effectLst/>
+                <a:latin typeface="+mn-lt"/>
+                <a:ea typeface="+mn-ea"/>
+                <a:cs typeface="+mn-cs"/>
+              </a:rPr>
+              <a:t>Once</a:t>
+            </a:r>
+            <a:r>
+              <a:rPr lang="de-DE" sz="1400" b="0" kern="1200" dirty="0">
+                <a:solidFill>
+                  <a:schemeClr val="tx1"/>
+                </a:solidFill>
+                <a:effectLst/>
+                <a:latin typeface="+mn-lt"/>
+                <a:ea typeface="+mn-ea"/>
+                <a:cs typeface="+mn-cs"/>
+              </a:rPr>
+              <a:t> </a:t>
+            </a:r>
+            <a:r>
+              <a:rPr lang="de-DE" sz="1400" b="0" kern="1200" dirty="0" err="1">
+                <a:solidFill>
+                  <a:schemeClr val="tx1"/>
+                </a:solidFill>
+                <a:effectLst/>
+                <a:latin typeface="+mn-lt"/>
+                <a:ea typeface="+mn-ea"/>
+                <a:cs typeface="+mn-cs"/>
+              </a:rPr>
+              <a:t>the</a:t>
+            </a:r>
+            <a:r>
+              <a:rPr lang="de-DE" sz="1400" b="0" kern="1200" dirty="0">
+                <a:solidFill>
+                  <a:schemeClr val="tx1"/>
+                </a:solidFill>
+                <a:effectLst/>
+                <a:latin typeface="+mn-lt"/>
+                <a:ea typeface="+mn-ea"/>
+                <a:cs typeface="+mn-cs"/>
+              </a:rPr>
+              <a:t> </a:t>
+            </a:r>
+            <a:r>
+              <a:rPr lang="de-DE" sz="1400" b="0" kern="1200" dirty="0" err="1">
+                <a:solidFill>
+                  <a:schemeClr val="tx1"/>
+                </a:solidFill>
+                <a:effectLst/>
+                <a:latin typeface="+mn-lt"/>
+                <a:ea typeface="+mn-ea"/>
+                <a:cs typeface="+mn-cs"/>
+              </a:rPr>
+              <a:t>repo</a:t>
+            </a:r>
+            <a:r>
+              <a:rPr lang="de-DE" sz="1400" b="0" kern="1200" dirty="0">
+                <a:solidFill>
+                  <a:schemeClr val="tx1"/>
+                </a:solidFill>
+                <a:effectLst/>
+                <a:latin typeface="+mn-lt"/>
+                <a:ea typeface="+mn-ea"/>
+                <a:cs typeface="+mn-cs"/>
+              </a:rPr>
+              <a:t> is </a:t>
+            </a:r>
+            <a:r>
+              <a:rPr lang="de-DE" sz="1400" b="0" kern="1200" dirty="0" err="1">
+                <a:solidFill>
+                  <a:schemeClr val="tx1"/>
+                </a:solidFill>
+                <a:effectLst/>
+                <a:latin typeface="+mn-lt"/>
+                <a:ea typeface="+mn-ea"/>
+                <a:cs typeface="+mn-cs"/>
+              </a:rPr>
+              <a:t>available</a:t>
+            </a:r>
+            <a:r>
+              <a:rPr lang="de-DE" sz="1400" b="0" kern="1200" dirty="0">
+                <a:solidFill>
+                  <a:schemeClr val="tx1"/>
+                </a:solidFill>
+                <a:effectLst/>
+                <a:latin typeface="+mn-lt"/>
+                <a:ea typeface="+mn-ea"/>
+                <a:cs typeface="+mn-cs"/>
+              </a:rPr>
+              <a:t> „</a:t>
+            </a:r>
+            <a:r>
+              <a:rPr lang="de-DE" sz="1400" b="0" kern="1200" dirty="0" err="1">
+                <a:solidFill>
+                  <a:schemeClr val="tx1"/>
+                </a:solidFill>
+                <a:effectLst/>
+                <a:latin typeface="+mn-lt"/>
+                <a:ea typeface="+mn-ea"/>
+                <a:cs typeface="+mn-cs"/>
+              </a:rPr>
+              <a:t>helm</a:t>
+            </a:r>
+            <a:r>
+              <a:rPr lang="de-DE" sz="1400" b="0" kern="1200" dirty="0">
+                <a:solidFill>
+                  <a:schemeClr val="tx1"/>
+                </a:solidFill>
+                <a:effectLst/>
+                <a:latin typeface="+mn-lt"/>
+                <a:ea typeface="+mn-ea"/>
+                <a:cs typeface="+mn-cs"/>
+              </a:rPr>
+              <a:t> </a:t>
+            </a:r>
+            <a:r>
+              <a:rPr lang="de-DE" sz="1400" b="0" kern="1200" dirty="0" err="1">
+                <a:solidFill>
+                  <a:schemeClr val="tx1"/>
+                </a:solidFill>
+                <a:effectLst/>
+                <a:latin typeface="+mn-lt"/>
+                <a:ea typeface="+mn-ea"/>
+                <a:cs typeface="+mn-cs"/>
+              </a:rPr>
+              <a:t>search</a:t>
+            </a:r>
+            <a:r>
+              <a:rPr lang="de-DE" sz="1400" b="0" kern="1200" dirty="0">
+                <a:solidFill>
+                  <a:schemeClr val="tx1"/>
+                </a:solidFill>
+                <a:effectLst/>
+                <a:latin typeface="+mn-lt"/>
+                <a:ea typeface="+mn-ea"/>
+                <a:cs typeface="+mn-cs"/>
+              </a:rPr>
+              <a:t> </a:t>
+            </a:r>
+            <a:r>
+              <a:rPr lang="de-DE" sz="1400" b="0" kern="1200" dirty="0" err="1">
+                <a:solidFill>
+                  <a:schemeClr val="tx1"/>
+                </a:solidFill>
+                <a:effectLst/>
+                <a:latin typeface="+mn-lt"/>
+                <a:ea typeface="+mn-ea"/>
+                <a:cs typeface="+mn-cs"/>
+              </a:rPr>
+              <a:t>repo</a:t>
+            </a:r>
+            <a:r>
+              <a:rPr lang="de-DE" sz="1400" b="0" kern="1200" dirty="0">
+                <a:solidFill>
+                  <a:schemeClr val="tx1"/>
+                </a:solidFill>
+                <a:effectLst/>
+                <a:latin typeface="+mn-lt"/>
+                <a:ea typeface="+mn-ea"/>
+                <a:cs typeface="+mn-cs"/>
+              </a:rPr>
+              <a:t> &lt;</a:t>
+            </a:r>
+            <a:r>
+              <a:rPr lang="de-DE" sz="1400" b="0" kern="1200" dirty="0" err="1">
+                <a:solidFill>
+                  <a:schemeClr val="tx1"/>
+                </a:solidFill>
+                <a:effectLst/>
+                <a:latin typeface="+mn-lt"/>
+                <a:ea typeface="+mn-ea"/>
+                <a:cs typeface="+mn-cs"/>
+              </a:rPr>
+              <a:t>term</a:t>
+            </a:r>
+            <a:r>
+              <a:rPr lang="de-DE" sz="1400" b="0" kern="1200" dirty="0">
+                <a:solidFill>
+                  <a:schemeClr val="tx1"/>
+                </a:solidFill>
+                <a:effectLst/>
+                <a:latin typeface="+mn-lt"/>
+                <a:ea typeface="+mn-ea"/>
+                <a:cs typeface="+mn-cs"/>
+              </a:rPr>
+              <a:t>&gt;“ will </a:t>
+            </a:r>
+            <a:r>
+              <a:rPr lang="de-DE" sz="1400" b="0" kern="1200" dirty="0" err="1">
+                <a:solidFill>
+                  <a:schemeClr val="tx1"/>
+                </a:solidFill>
+                <a:effectLst/>
+                <a:latin typeface="+mn-lt"/>
+                <a:ea typeface="+mn-ea"/>
+                <a:cs typeface="+mn-cs"/>
+              </a:rPr>
+              <a:t>allow</a:t>
+            </a:r>
+            <a:r>
+              <a:rPr lang="de-DE" sz="1400" b="0" kern="1200" dirty="0">
+                <a:solidFill>
+                  <a:schemeClr val="tx1"/>
+                </a:solidFill>
+                <a:effectLst/>
+                <a:latin typeface="+mn-lt"/>
+                <a:ea typeface="+mn-ea"/>
+                <a:cs typeface="+mn-cs"/>
+              </a:rPr>
+              <a:t> </a:t>
+            </a:r>
+            <a:r>
+              <a:rPr lang="de-DE" sz="1400" b="0" kern="1200" dirty="0" err="1">
+                <a:solidFill>
+                  <a:schemeClr val="tx1"/>
+                </a:solidFill>
+                <a:effectLst/>
+                <a:latin typeface="+mn-lt"/>
+                <a:ea typeface="+mn-ea"/>
+                <a:cs typeface="+mn-cs"/>
+              </a:rPr>
+              <a:t>to</a:t>
+            </a:r>
+            <a:r>
+              <a:rPr lang="de-DE" sz="1400" b="0" kern="1200" dirty="0">
+                <a:solidFill>
+                  <a:schemeClr val="tx1"/>
+                </a:solidFill>
+                <a:effectLst/>
+                <a:latin typeface="+mn-lt"/>
+                <a:ea typeface="+mn-ea"/>
+                <a:cs typeface="+mn-cs"/>
+              </a:rPr>
+              <a:t> </a:t>
+            </a:r>
+            <a:r>
+              <a:rPr lang="de-DE" sz="1400" b="0" kern="1200" dirty="0" err="1">
+                <a:solidFill>
+                  <a:schemeClr val="tx1"/>
+                </a:solidFill>
+                <a:effectLst/>
+                <a:latin typeface="+mn-lt"/>
+                <a:ea typeface="+mn-ea"/>
+                <a:cs typeface="+mn-cs"/>
+              </a:rPr>
+              <a:t>look</a:t>
+            </a:r>
+            <a:r>
+              <a:rPr lang="de-DE" sz="1400" b="0" kern="1200" dirty="0">
+                <a:solidFill>
+                  <a:schemeClr val="tx1"/>
+                </a:solidFill>
+                <a:effectLst/>
+                <a:latin typeface="+mn-lt"/>
+                <a:ea typeface="+mn-ea"/>
+                <a:cs typeface="+mn-cs"/>
+              </a:rPr>
+              <a:t> </a:t>
+            </a:r>
+            <a:r>
+              <a:rPr lang="de-DE" sz="1400" b="0" kern="1200" dirty="0" err="1">
+                <a:solidFill>
+                  <a:schemeClr val="tx1"/>
+                </a:solidFill>
+                <a:effectLst/>
+                <a:latin typeface="+mn-lt"/>
+                <a:ea typeface="+mn-ea"/>
+                <a:cs typeface="+mn-cs"/>
+              </a:rPr>
+              <a:t>for</a:t>
+            </a:r>
+            <a:r>
+              <a:rPr lang="de-DE" sz="1400" b="0" kern="1200" dirty="0">
+                <a:solidFill>
+                  <a:schemeClr val="tx1"/>
+                </a:solidFill>
+                <a:effectLst/>
+                <a:latin typeface="+mn-lt"/>
+                <a:ea typeface="+mn-ea"/>
+                <a:cs typeface="+mn-cs"/>
+              </a:rPr>
+              <a:t> </a:t>
+            </a:r>
+            <a:r>
+              <a:rPr lang="de-DE" sz="1400" b="0" kern="1200" dirty="0" err="1">
+                <a:solidFill>
+                  <a:schemeClr val="tx1"/>
+                </a:solidFill>
+                <a:effectLst/>
+                <a:latin typeface="+mn-lt"/>
+                <a:ea typeface="+mn-ea"/>
+                <a:cs typeface="+mn-cs"/>
+              </a:rPr>
+              <a:t>charts</a:t>
+            </a:r>
+            <a:r>
+              <a:rPr lang="de-DE" sz="1400" b="0" kern="1200" dirty="0">
+                <a:solidFill>
+                  <a:schemeClr val="tx1"/>
+                </a:solidFill>
+                <a:effectLst/>
+                <a:latin typeface="+mn-lt"/>
+                <a:ea typeface="+mn-ea"/>
+                <a:cs typeface="+mn-cs"/>
+              </a:rPr>
+              <a:t>. Helm hub (</a:t>
+            </a:r>
+            <a:r>
+              <a:rPr lang="de-DE" dirty="0">
+                <a:hlinkClick r:id="rId3"/>
+              </a:rPr>
+              <a:t>https://hub.helm.sh/</a:t>
+            </a:r>
+            <a:r>
+              <a:rPr lang="de-DE" dirty="0"/>
+              <a:t>) </a:t>
+            </a:r>
+            <a:r>
+              <a:rPr lang="de-DE" dirty="0" err="1"/>
+              <a:t>can</a:t>
+            </a:r>
+            <a:r>
+              <a:rPr lang="de-DE" dirty="0"/>
+              <a:t> also </a:t>
+            </a:r>
+            <a:r>
+              <a:rPr lang="de-DE" dirty="0" err="1"/>
+              <a:t>be</a:t>
+            </a:r>
+            <a:r>
+              <a:rPr lang="de-DE" dirty="0"/>
+              <a:t> </a:t>
+            </a:r>
+            <a:r>
+              <a:rPr lang="de-DE" dirty="0" err="1"/>
+              <a:t>searched</a:t>
+            </a:r>
+            <a:r>
+              <a:rPr lang="de-DE" dirty="0"/>
+              <a:t> </a:t>
+            </a:r>
+            <a:r>
+              <a:rPr lang="de-DE" dirty="0" err="1"/>
+              <a:t>with</a:t>
+            </a:r>
+            <a:r>
+              <a:rPr lang="de-DE" dirty="0"/>
+              <a:t> „</a:t>
+            </a:r>
+            <a:r>
+              <a:rPr lang="de-DE" dirty="0" err="1"/>
+              <a:t>helm</a:t>
+            </a:r>
+            <a:r>
+              <a:rPr lang="de-DE" dirty="0"/>
+              <a:t> </a:t>
+            </a:r>
+            <a:r>
+              <a:rPr lang="de-DE" dirty="0" err="1"/>
+              <a:t>search</a:t>
+            </a:r>
+            <a:r>
+              <a:rPr lang="de-DE" dirty="0"/>
+              <a:t> hub &lt;</a:t>
+            </a:r>
+            <a:r>
+              <a:rPr lang="de-DE" dirty="0" err="1"/>
+              <a:t>term</a:t>
+            </a:r>
+            <a:r>
+              <a:rPr lang="de-DE" dirty="0"/>
+              <a:t>&gt;“.</a:t>
+            </a:r>
+            <a:endParaRPr lang="de-DE" sz="1400" b="0" kern="1200" dirty="0">
+              <a:solidFill>
+                <a:schemeClr val="tx1"/>
+              </a:solidFill>
+              <a:effectLst/>
+              <a:latin typeface="+mn-lt"/>
+              <a:ea typeface="+mn-ea"/>
+              <a:cs typeface="+mn-cs"/>
             </a:endParaRPr>
-          </a:p>
-          <a:p>
-            <a:pPr marL="0" lvl="0" indent="0">
-              <a:buFontTx/>
-              <a:buNone/>
-            </a:pPr>
-            <a:r>
-              <a:rPr lang="en-US" dirty="0">
-                <a:sym typeface="Wingdings" panose="05000000000000000000" pitchFamily="2" charset="2"/>
-              </a:rPr>
-              <a:t>Finally run a helm install for the chart you choose and show the created object / run some of the commands printed out.</a:t>
-            </a:r>
-          </a:p>
-          <a:p>
-            <a:pPr marL="0" lvl="0" indent="0">
-              <a:buFontTx/>
-              <a:buNone/>
-            </a:pPr>
-            <a:endParaRPr lang="en-US" dirty="0">
-              <a:sym typeface="Wingdings" panose="05000000000000000000" pitchFamily="2" charset="2"/>
-            </a:endParaRPr>
-          </a:p>
-          <a:p>
-            <a:pPr marL="0" lvl="0" indent="0">
-              <a:buFontTx/>
-              <a:buNone/>
-            </a:pPr>
-            <a:r>
-              <a:rPr lang="en-US" dirty="0">
-                <a:sym typeface="Wingdings" panose="05000000000000000000" pitchFamily="2" charset="2"/>
-              </a:rPr>
-              <a:t>You can also talk about the --debug (verbosity) &amp; --dry-un (simulation mode) commands for helm actions like install. </a:t>
-            </a:r>
-            <a:endParaRPr lang="en-US" dirty="0"/>
           </a:p>
         </p:txBody>
       </p:sp>
@@ -1439,7 +2354,7 @@
     </p:spTree>
     <p:extLst>
       <p:ext uri="{BB962C8B-B14F-4D97-AF65-F5344CB8AC3E}">
-        <p14:creationId xmlns:p14="http://schemas.microsoft.com/office/powerpoint/2010/main" val="4049153715"/>
+        <p14:creationId xmlns:p14="http://schemas.microsoft.com/office/powerpoint/2010/main" val="1096285440"/>
       </p:ext>
     </p:extLst>
   </p:cSld>
@@ -1491,30 +2406,208 @@
         <p:spPr/>
         <p:txBody>
           <a:bodyPr>
-            <a:normAutofit lnSpcReduction="10000"/>
+            <a:normAutofit fontScale="85000" lnSpcReduction="20000"/>
           </a:bodyPr>
           <a:lstStyle/>
           <a:p>
-            <a:pPr marL="0" marR="0" lvl="0" indent="0" algn="l" defTabSz="1088776" rtl="0" eaLnBrk="1" fontAlgn="auto" latinLnBrk="0" hangingPunct="1">
-              <a:lnSpc>
-                <a:spcPct val="100000"/>
-              </a:lnSpc>
-              <a:spcBef>
-                <a:spcPts val="0"/>
-              </a:spcBef>
-              <a:spcAft>
-                <a:spcPts val="0"/>
-              </a:spcAft>
-              <a:buClrTx/>
-              <a:buSzTx/>
+            <a:pPr marL="285750" lvl="0" indent="-285750">
+              <a:buFontTx/>
+              <a:buChar char="-"/>
+            </a:pPr>
+            <a:r>
+              <a:rPr lang="en-US" dirty="0"/>
+              <a:t>Start with showing the helm binary – simply run “helm” without anything else</a:t>
+            </a:r>
+          </a:p>
+          <a:p>
+            <a:pPr marL="285750" lvl="0" indent="-285750">
+              <a:buFontTx/>
+              <a:buChar char="-"/>
+            </a:pPr>
+            <a:r>
+              <a:rPr lang="en-US" dirty="0"/>
+              <a:t>If not yet done, run a “helm </a:t>
+            </a:r>
+            <a:r>
+              <a:rPr lang="en-US" dirty="0" err="1"/>
+              <a:t>init</a:t>
+            </a:r>
+            <a:r>
+              <a:rPr lang="en-US" dirty="0"/>
+              <a:t>” to deploy tiller. But probably there is already a tiller from the time when you created the registry.</a:t>
+            </a:r>
+          </a:p>
+          <a:p>
+            <a:pPr marL="285750" lvl="0" indent="-285750">
+              <a:buFontTx/>
+              <a:buChar char="-"/>
+            </a:pPr>
+            <a:r>
+              <a:rPr lang="en-US" dirty="0"/>
+              <a:t>Show the tiller pod in </a:t>
+            </a:r>
+            <a:r>
+              <a:rPr lang="en-US" dirty="0" err="1"/>
+              <a:t>kube</a:t>
+            </a:r>
+            <a:r>
+              <a:rPr lang="en-US" dirty="0"/>
+              <a:t>-system namespace. Explain, that for helm </a:t>
+            </a:r>
+            <a:r>
+              <a:rPr lang="en-US" dirty="0" err="1"/>
+              <a:t>init</a:t>
+            </a:r>
+            <a:r>
+              <a:rPr lang="en-US" dirty="0"/>
+              <a:t>, participants should target their own namespace. Otherwise they will connect to the same tiller. Highlight that in order to setup tiller with cluster access (i.e. outside of it’s namespace a </a:t>
+            </a:r>
+            <a:r>
+              <a:rPr lang="en-US" dirty="0" err="1"/>
+              <a:t>clusterrolebinding</a:t>
+            </a:r>
+            <a:r>
+              <a:rPr lang="en-US" dirty="0"/>
+              <a:t> is required)</a:t>
+            </a:r>
+          </a:p>
+          <a:p>
+            <a:pPr marL="285750" lvl="0" indent="-285750">
+              <a:buFontTx/>
+              <a:buChar char="-"/>
+            </a:pPr>
+            <a:r>
+              <a:rPr lang="en-US" dirty="0"/>
+              <a:t>Run “helm list” to show the already installed charts and explain that they are called a “release”.</a:t>
+            </a:r>
+          </a:p>
+          <a:p>
+            <a:pPr marL="0" lvl="0" indent="0">
               <a:buFontTx/>
               <a:buNone/>
-              <a:tabLst/>
-              <a:defRPr/>
             </a:pPr>
+            <a:endParaRPr lang="en-US" dirty="0"/>
+          </a:p>
+          <a:p>
+            <a:pPr marL="0" lvl="0" indent="0">
+              <a:buFontTx/>
+              <a:buNone/>
+            </a:pPr>
             <a:r>
               <a:rPr lang="en-US" dirty="0"/>
-              <a:t>The power of helm lies within its templates and the ability to convert templates with values into valid </a:t>
+              <a:t>Next move on to the question, wherefrom to get charts:</a:t>
+            </a:r>
+          </a:p>
+          <a:p>
+            <a:pPr marL="285750" lvl="0" indent="-285750">
+              <a:buFontTx/>
+              <a:buChar char="-"/>
+            </a:pPr>
+            <a:r>
+              <a:rPr lang="en-US" dirty="0"/>
+              <a:t>Open https://github.com/helm/charts in a browser</a:t>
+            </a:r>
+          </a:p>
+          <a:p>
+            <a:pPr marL="285750" lvl="0" indent="-285750">
+              <a:buFontTx/>
+              <a:buChar char="-"/>
+            </a:pPr>
+            <a:r>
+              <a:rPr lang="en-US" dirty="0"/>
+              <a:t>Talk about the different “levels” – currently incubator, test &amp; stable and go to stable</a:t>
+            </a:r>
+          </a:p>
+          <a:p>
+            <a:pPr marL="285750" lvl="0" indent="-285750">
+              <a:buFontTx/>
+              <a:buChar char="-"/>
+            </a:pPr>
+            <a:r>
+              <a:rPr lang="en-US" dirty="0"/>
+              <a:t>Pick up any chart (e.g. mongo </a:t>
+            </a:r>
+            <a:r>
+              <a:rPr lang="en-US" dirty="0" err="1"/>
+              <a:t>db</a:t>
+            </a:r>
+            <a:r>
+              <a:rPr lang="en-US" dirty="0"/>
+              <a:t> or </a:t>
+            </a:r>
+            <a:r>
+              <a:rPr lang="en-US" dirty="0" err="1"/>
+              <a:t>wordpress</a:t>
+            </a:r>
+            <a:r>
+              <a:rPr lang="en-US" dirty="0"/>
+              <a:t>) and go into details.</a:t>
+            </a:r>
+          </a:p>
+          <a:p>
+            <a:pPr marL="285750" lvl="0" indent="-285750">
+              <a:buFontTx/>
+              <a:buChar char="-"/>
+            </a:pPr>
+            <a:r>
+              <a:rPr lang="en-US" dirty="0"/>
+              <a:t>Discuss the info on the readme page, especially the “installing the chart” and “configuration”</a:t>
+            </a:r>
+          </a:p>
+          <a:p>
+            <a:pPr marL="285750" lvl="0" indent="-285750">
+              <a:buFontTx/>
+              <a:buChar char="-"/>
+            </a:pPr>
+            <a:r>
+              <a:rPr lang="en-US" dirty="0"/>
+              <a:t>Highlight that any parameter in configuration has a default value or is not set. </a:t>
+            </a:r>
+          </a:p>
+          <a:p>
+            <a:pPr marL="285750" lvl="0" indent="-285750">
+              <a:buFontTx/>
+              <a:buChar char="-"/>
+            </a:pPr>
+            <a:r>
+              <a:rPr lang="en-US" dirty="0"/>
+              <a:t>Highlight that any parameter in configuration can be overwritten / customized either by using “--set key=value” or a </a:t>
+            </a:r>
+            <a:r>
+              <a:rPr lang="en-US" dirty="0" err="1"/>
+              <a:t>values.yaml</a:t>
+            </a:r>
+            <a:r>
+              <a:rPr lang="en-US" dirty="0"/>
+              <a:t> file.</a:t>
+            </a:r>
+          </a:p>
+          <a:p>
+            <a:pPr marL="285750" lvl="0" indent="-285750">
+              <a:buFontTx/>
+              <a:buChar char="-"/>
+            </a:pPr>
+            <a:r>
+              <a:rPr lang="en-US" dirty="0"/>
+              <a:t>The default values can be found in the repo in a </a:t>
+            </a:r>
+            <a:r>
+              <a:rPr lang="en-US" dirty="0" err="1"/>
+              <a:t>values.yaml</a:t>
+            </a:r>
+            <a:r>
+              <a:rPr lang="en-US" dirty="0"/>
+              <a:t> file too.</a:t>
+            </a:r>
+          </a:p>
+          <a:p>
+            <a:pPr marL="285750" lvl="0" indent="-285750">
+              <a:buFontTx/>
+              <a:buChar char="-"/>
+            </a:pPr>
+            <a:r>
+              <a:rPr lang="en-US" dirty="0"/>
+              <a:t>Go to the templates and take a look at one of the </a:t>
             </a:r>
             <a:r>
               <a:rPr lang="en-US" dirty="0" err="1"/>
@@ -1522,93 +2615,57 @@
             </a:r>
             <a:r>
               <a:rPr lang="en-US" dirty="0"/>
-              <a:t> files. When authoring charts this is where most of your work will end up.</a:t>
-            </a:r>
-          </a:p>
-          <a:p>
+              <a:t> files. Explain that helm uses a go-based engine to render the charts upon deployment </a:t>
+            </a:r>
+            <a:r>
+              <a:rPr lang="en-US" dirty="0">
+                <a:sym typeface="Wingdings" panose="05000000000000000000" pitchFamily="2" charset="2"/>
+              </a:rPr>
+              <a:t> substituting variables with specific values.</a:t>
+            </a:r>
+          </a:p>
+          <a:p>
+            <a:pPr marL="0" lvl="0" indent="0">
+              <a:buFontTx/>
+              <a:buNone/>
+            </a:pPr>
+            <a:endParaRPr lang="en-US" dirty="0">
+              <a:sym typeface="Wingdings" panose="05000000000000000000" pitchFamily="2" charset="2"/>
+            </a:endParaRPr>
+          </a:p>
+          <a:p>
+            <a:pPr marL="0" lvl="0" indent="0">
+              <a:buFontTx/>
+              <a:buNone/>
+            </a:pPr>
+            <a:r>
+              <a:rPr lang="en-US" dirty="0">
+                <a:sym typeface="Wingdings" panose="05000000000000000000" pitchFamily="2" charset="2"/>
+              </a:rPr>
+              <a:t>Finally run a helm install for the chart you choose and show the created object / run some of the commands printed out.</a:t>
+            </a:r>
+          </a:p>
+          <a:p>
+            <a:pPr marL="0" lvl="0" indent="0">
+              <a:buFontTx/>
+              <a:buNone/>
+            </a:pPr>
+            <a:endParaRPr lang="en-US" dirty="0">
+              <a:sym typeface="Wingdings" panose="05000000000000000000" pitchFamily="2" charset="2"/>
+            </a:endParaRPr>
+          </a:p>
+          <a:p>
+            <a:pPr marL="0" lvl="0" indent="0">
+              <a:buFontTx/>
+              <a:buNone/>
+            </a:pPr>
+            <a:r>
+              <a:rPr lang="en-US" dirty="0">
+                <a:sym typeface="Wingdings" panose="05000000000000000000" pitchFamily="2" charset="2"/>
+              </a:rPr>
+              <a:t>You can also talk about the --debug (verbosity) &amp; --dry-un (simulation mode) commands for helm actions like install. </a:t>
+            </a:r>
             <a:endParaRPr lang="en-US" dirty="0"/>
-          </a:p>
-          <a:p>
-            <a:r>
-              <a:rPr lang="en-US" dirty="0"/>
-              <a:t>So lets take a look at the template section of a chart. In our example there are 2 config map </a:t>
-            </a:r>
-            <a:r>
-              <a:rPr lang="en-US" dirty="0" err="1"/>
-              <a:t>yaml</a:t>
-            </a:r>
-            <a:r>
-              <a:rPr lang="en-US" dirty="0"/>
-              <a:t> files. One is pretty normal and works also without helm. However it is not very flexible. The 2</a:t>
-            </a:r>
-            <a:r>
-              <a:rPr lang="en-US" baseline="30000" dirty="0"/>
-              <a:t>nd</a:t>
-            </a:r>
-            <a:r>
-              <a:rPr lang="en-US" dirty="0"/>
-              <a:t> file contains references to helm variables – indicated by {{ }}. Helm renders the templates and converts them into valid </a:t>
-            </a:r>
-            <a:r>
-              <a:rPr lang="en-US" dirty="0" err="1"/>
-              <a:t>yaml</a:t>
-            </a:r>
-            <a:r>
-              <a:rPr lang="en-US" dirty="0"/>
-              <a:t>.</a:t>
-            </a:r>
-          </a:p>
-          <a:p>
-            <a:endParaRPr lang="en-US" dirty="0"/>
-          </a:p>
-          <a:p>
-            <a:r>
-              <a:rPr lang="en-US" dirty="0"/>
-              <a:t>There are build in variables .Release.* and custom values .Values.* . Additionally you can define functions and include / execute them. The definitions are stored in the _</a:t>
-            </a:r>
-            <a:r>
-              <a:rPr lang="en-US" dirty="0" err="1"/>
-              <a:t>helpers.tpl</a:t>
-            </a:r>
-            <a:r>
-              <a:rPr lang="en-US" dirty="0"/>
-              <a:t>. The demo-chart makes use of these, so take a look around there.</a:t>
-            </a:r>
-          </a:p>
-          <a:p>
-            <a:endParaRPr lang="en-US" dirty="0"/>
-          </a:p>
-          <a:p>
-            <a:r>
-              <a:rPr lang="en-US" dirty="0"/>
-              <a:t>To check, if the chart is ok, use “helm lint”. It will point out </a:t>
-            </a:r>
-            <a:r>
-              <a:rPr lang="en-US" dirty="0" err="1"/>
-              <a:t>yaml</a:t>
-            </a:r>
-            <a:r>
-              <a:rPr lang="en-US" dirty="0"/>
-              <a:t> errors and much more.</a:t>
-            </a:r>
-          </a:p>
-          <a:p>
-            <a:r>
-              <a:rPr lang="en-US" dirty="0"/>
-              <a:t>To check, how a chart would actually look like once deployed, use the --dry-run flag in combination with --debug</a:t>
-            </a:r>
-          </a:p>
-          <a:p>
-            <a:endParaRPr lang="en-US" dirty="0"/>
-          </a:p>
-          <a:p>
-            <a:endParaRPr lang="en-US" dirty="0"/>
-          </a:p>
-          <a:p>
-            <a:r>
-              <a:rPr lang="en-US" dirty="0"/>
-              <a:t>For details, check https://github.com/kubernetes/helm/tree/master/docs</a:t>
-            </a:r>
           </a:p>
         </p:txBody>
       </p:sp>
@@ -1630,7 +2687,7 @@
             <a:fld id="{7D8C2C35-2B8A-446E-BEC0-FD36716C29AC}" type="slidenum">
               <a:rPr lang="de-DE" smtClean="0"/>
               <a:pPr/>
-              <a:t>8</a:t>
+              <a:t>6</a:t>
             </a:fld>
             <a:endParaRPr lang="de-DE" dirty="0"/>
           </a:p>
@@ -1639,7 +2696,7 @@
     </p:spTree>
     <p:extLst>
       <p:ext uri="{BB962C8B-B14F-4D97-AF65-F5344CB8AC3E}">
-        <p14:creationId xmlns:p14="http://schemas.microsoft.com/office/powerpoint/2010/main" val="1430307665"/>
+        <p14:creationId xmlns:p14="http://schemas.microsoft.com/office/powerpoint/2010/main" val="4049153715"/>
       </p:ext>
     </p:extLst>
   </p:cSld>
@@ -1690,10 +2747,125 @@
         </p:nvSpPr>
         <p:spPr/>
         <p:txBody>
-          <a:bodyPr/>
+          <a:bodyPr>
+            <a:normAutofit lnSpcReduction="10000"/>
+          </a:bodyPr>
           <a:lstStyle/>
           <a:p>
+            <a:pPr marL="0" marR="0" lvl="0" indent="0" algn="l" defTabSz="1088776" rtl="0" eaLnBrk="1" fontAlgn="auto" latinLnBrk="0" hangingPunct="1">
+              <a:lnSpc>
+                <a:spcPct val="100000"/>
+              </a:lnSpc>
+              <a:spcBef>
+                <a:spcPts val="0"/>
+              </a:spcBef>
+              <a:spcAft>
+                <a:spcPts val="0"/>
+              </a:spcAft>
+              <a:buClrTx/>
+              <a:buSzTx/>
+              <a:buFontTx/>
+              <a:buNone/>
+              <a:tabLst/>
+              <a:defRPr/>
+            </a:pPr>
+            <a:r>
+              <a:rPr lang="en-US" dirty="0"/>
+              <a:t>The power of helm lies within its templates and the ability to convert templates with values into valid </a:t>
+            </a:r>
+            <a:r>
+              <a:rPr lang="en-US" dirty="0" err="1"/>
+              <a:t>yaml</a:t>
+            </a:r>
+            <a:r>
+              <a:rPr lang="en-US" dirty="0"/>
+              <a:t> files. When authoring charts this is where most of your work will end up.</a:t>
+            </a:r>
+          </a:p>
+          <a:p>
             <a:endParaRPr lang="en-US" dirty="0"/>
+          </a:p>
+          <a:p>
+            <a:r>
+              <a:rPr lang="en-US" dirty="0"/>
+              <a:t>So lets take a look at the template section of a chart. In our example there are 2 config map </a:t>
+            </a:r>
+            <a:r>
+              <a:rPr lang="en-US" dirty="0" err="1"/>
+              <a:t>yaml</a:t>
+            </a:r>
+            <a:r>
+              <a:rPr lang="en-US" dirty="0"/>
+              <a:t> files. One is pretty normal and works also without helm. However it is not very flexible. The 2</a:t>
+            </a:r>
+            <a:r>
+              <a:rPr lang="en-US" baseline="30000" dirty="0"/>
+              <a:t>nd</a:t>
+            </a:r>
+            <a:r>
+              <a:rPr lang="en-US" dirty="0"/>
+              <a:t> file contains references to helm variables – indicated by {{ }}. Helm renders the templates and converts them into valid </a:t>
+            </a:r>
+            <a:r>
+              <a:rPr lang="en-US" dirty="0" err="1"/>
+              <a:t>yaml</a:t>
+            </a:r>
+            <a:r>
+              <a:rPr lang="en-US" dirty="0"/>
+              <a:t>.</a:t>
+            </a:r>
+          </a:p>
+          <a:p>
+            <a:endParaRPr lang="en-US" dirty="0"/>
+          </a:p>
+          <a:p>
+            <a:r>
+              <a:rPr lang="en-US" dirty="0"/>
+              <a:t>There are build in variables .Release.* and custom values .Values.* . Additionally you can define functions and include / execute them. The definitions are stored in the _</a:t>
+            </a:r>
+            <a:r>
+              <a:rPr lang="en-US" dirty="0" err="1"/>
+              <a:t>helpers.tpl</a:t>
+            </a:r>
+            <a:r>
+              <a:rPr lang="en-US" dirty="0"/>
+              <a:t>. The demo-chart makes use of these, so take a look around there.</a:t>
+            </a:r>
+          </a:p>
+          <a:p>
+            <a:endParaRPr lang="en-US" dirty="0"/>
+          </a:p>
+          <a:p>
+            <a:r>
+              <a:rPr lang="en-US" dirty="0"/>
+              <a:t>To check, if the chart is ok, use “helm lint”. It will point out </a:t>
+            </a:r>
+            <a:r>
+              <a:rPr lang="en-US" dirty="0" err="1"/>
+              <a:t>yaml</a:t>
+            </a:r>
+            <a:r>
+              <a:rPr lang="en-US" dirty="0"/>
+              <a:t> errors and much more.</a:t>
+            </a:r>
+          </a:p>
+          <a:p>
+            <a:r>
+              <a:rPr lang="en-US" dirty="0"/>
+              <a:t>To check, how a chart would actually look like once deployed, use the --dry-run flag in combination with --debug</a:t>
+            </a:r>
+          </a:p>
+          <a:p>
+            <a:endParaRPr lang="en-US" dirty="0"/>
+          </a:p>
+          <a:p>
+            <a:endParaRPr lang="en-US" dirty="0"/>
+          </a:p>
+          <a:p>
+            <a:r>
+              <a:rPr lang="en-US" dirty="0"/>
+              <a:t>For details, check https://github.com/kubernetes/helm/tree/master/docs</a:t>
+            </a:r>
           </a:p>
         </p:txBody>
       </p:sp>
@@ -1724,7 +2896,7 @@
     </p:spTree>
     <p:extLst>
       <p:ext uri="{BB962C8B-B14F-4D97-AF65-F5344CB8AC3E}">
-        <p14:creationId xmlns:p14="http://schemas.microsoft.com/office/powerpoint/2010/main" val="1124543534"/>
+        <p14:creationId xmlns:p14="http://schemas.microsoft.com/office/powerpoint/2010/main" val="1430307665"/>
       </p:ext>
     </p:extLst>
   </p:cSld>
@@ -1778,97 +2950,7 @@
           <a:bodyPr/>
           <a:lstStyle/>
           <a:p>
-            <a:r>
-              <a:rPr lang="en-US" dirty="0"/>
-              <a:t>{{ }} triggers the go templating engine</a:t>
-            </a:r>
-          </a:p>
-          <a:p>
-            <a:r>
-              <a:rPr lang="en-US" dirty="0"/>
-              <a:t>.Values is a reference to an object with all keys in the </a:t>
-            </a:r>
-            <a:r>
-              <a:rPr lang="en-US" dirty="0" err="1"/>
-              <a:t>values.yaml</a:t>
-            </a:r>
-            <a:r>
-              <a:rPr lang="en-US" dirty="0"/>
-              <a:t> file</a:t>
-            </a:r>
-          </a:p>
-          <a:p>
-            <a:r>
-              <a:rPr lang="en-US" dirty="0"/>
-              <a:t>.</a:t>
-            </a:r>
-            <a:r>
-              <a:rPr lang="en-US" dirty="0" err="1"/>
-              <a:t>myMessage</a:t>
-            </a:r>
-            <a:r>
-              <a:rPr lang="en-US" dirty="0"/>
-              <a:t> is the reference to the key “</a:t>
-            </a:r>
-            <a:r>
-              <a:rPr lang="en-US" dirty="0" err="1"/>
-              <a:t>myMessage</a:t>
-            </a:r>
-            <a:r>
-              <a:rPr lang="en-US" dirty="0"/>
-              <a:t>” in .Values</a:t>
-            </a:r>
-          </a:p>
-          <a:p>
             <a:endParaRPr lang="en-US" dirty="0"/>
-          </a:p>
-          <a:p>
-            <a:r>
-              <a:rPr lang="en-US" dirty="0"/>
-              <a:t>In case of nested values such as example below, use .</a:t>
-            </a:r>
-            <a:r>
-              <a:rPr lang="en-US" dirty="0" err="1"/>
-              <a:t>Values.message.greeting</a:t>
-            </a:r>
-            <a:r>
-              <a:rPr lang="en-US" dirty="0"/>
-              <a:t> or .to </a:t>
-            </a:r>
-            <a:r>
-              <a:rPr lang="en-US" dirty="0" err="1"/>
-              <a:t>to</a:t>
-            </a:r>
-            <a:r>
-              <a:rPr lang="en-US" dirty="0"/>
-              <a:t> reference the </a:t>
-            </a:r>
-            <a:r>
-              <a:rPr lang="en-US" dirty="0" err="1"/>
-              <a:t>acutal</a:t>
-            </a:r>
-            <a:r>
-              <a:rPr lang="en-US" dirty="0"/>
-              <a:t> key</a:t>
-            </a:r>
-          </a:p>
-          <a:p>
-            <a:r>
-              <a:rPr lang="en-US" dirty="0"/>
-              <a:t>message:</a:t>
-            </a:r>
-          </a:p>
-          <a:p>
-            <a:r>
-              <a:rPr lang="en-US" dirty="0"/>
-              <a:t>  greeting: “hello”</a:t>
-            </a:r>
-          </a:p>
-          <a:p>
-            <a:r>
-              <a:rPr lang="en-US" dirty="0"/>
-              <a:t>  to: “course”</a:t>
-            </a:r>
           </a:p>
         </p:txBody>
       </p:sp>
@@ -1899,7 +2981,7 @@
     </p:spTree>
     <p:extLst>
       <p:ext uri="{BB962C8B-B14F-4D97-AF65-F5344CB8AC3E}">
-        <p14:creationId xmlns:p14="http://schemas.microsoft.com/office/powerpoint/2010/main" val="2999438910"/>
+        <p14:creationId xmlns:p14="http://schemas.microsoft.com/office/powerpoint/2010/main" val="1124543534"/>
       </p:ext>
     </p:extLst>
   </p:cSld>
@@ -1950,209 +3032,100 @@
         </p:nvSpPr>
         <p:spPr/>
         <p:txBody>
-          <a:bodyPr>
-            <a:normAutofit fontScale="92500" lnSpcReduction="20000"/>
-          </a:bodyPr>
+          <a:bodyPr/>
           <a:lstStyle/>
           <a:p>
-            <a:pPr marL="342900" indent="-342900">
-              <a:buFontTx/>
-              <a:buChar char="-"/>
-            </a:pPr>
-            <a:r>
-              <a:rPr lang="en-US" sz="1800" dirty="0"/>
-              <a:t>Go to the k8s demo folder </a:t>
-            </a:r>
-            <a:r>
-              <a:rPr lang="en-US" sz="1800" dirty="0">
-                <a:sym typeface="Wingdings" panose="05000000000000000000" pitchFamily="2" charset="2"/>
-              </a:rPr>
-              <a:t>and continue with demo-chart</a:t>
-            </a:r>
-          </a:p>
-          <a:p>
-            <a:pPr marL="522864" lvl="1" indent="-342900">
-              <a:buFontTx/>
-              <a:buChar char="-"/>
-            </a:pPr>
-            <a:r>
-              <a:rPr lang="en-US" sz="1600" dirty="0"/>
-              <a:t>Show the content of the template subfolder, starting with the specific-</a:t>
-            </a:r>
-            <a:r>
-              <a:rPr lang="en-US" sz="1600" dirty="0" err="1"/>
-              <a:t>configmap.yaml</a:t>
-            </a:r>
-            <a:endParaRPr lang="en-US" sz="1600" dirty="0"/>
-          </a:p>
-          <a:p>
-            <a:pPr marL="522864" lvl="1" indent="-342900">
-              <a:buFontTx/>
-              <a:buChar char="-"/>
-            </a:pPr>
-            <a:r>
-              <a:rPr lang="en-US" sz="1600" dirty="0"/>
-              <a:t>Show the flexible-</a:t>
-            </a:r>
-            <a:r>
-              <a:rPr lang="en-US" sz="1600" dirty="0" err="1"/>
-              <a:t>configmap.yaml</a:t>
-            </a:r>
-            <a:r>
-              <a:rPr lang="en-US" sz="1600" dirty="0"/>
-              <a:t> and explain the build in variables, values references + _</a:t>
-            </a:r>
-            <a:r>
-              <a:rPr lang="en-US" sz="1600" dirty="0" err="1"/>
-              <a:t>helpers.tpl</a:t>
-            </a:r>
-            <a:r>
-              <a:rPr lang="en-US" sz="1600" dirty="0"/>
-              <a:t> where the functions are defined</a:t>
-            </a:r>
-          </a:p>
-          <a:p>
-            <a:pPr marL="522864" lvl="1" indent="-342900">
-              <a:buFontTx/>
-              <a:buChar char="-"/>
-            </a:pPr>
-            <a:r>
-              <a:rPr lang="en-US" sz="1600" dirty="0"/>
-              <a:t>Show NOTES.txt -&gt; it contains the lines to print after a successful deployment</a:t>
-            </a:r>
-          </a:p>
-          <a:p>
-            <a:pPr marL="522864" lvl="1" indent="-342900">
-              <a:buFontTx/>
-              <a:buChar char="-"/>
-            </a:pPr>
-            <a:r>
-              <a:rPr lang="en-US" sz="1600" dirty="0"/>
-              <a:t>Show the values file in the demo-chart folder</a:t>
-            </a:r>
-          </a:p>
-          <a:p>
-            <a:pPr marL="342900" indent="-342900">
-              <a:buFontTx/>
-              <a:buChar char="-"/>
-            </a:pPr>
-            <a:r>
-              <a:rPr lang="en-US" sz="1800" dirty="0"/>
-              <a:t>Deploy the chart: “helm install .” (assuming your current working directory is ./demo-chart )</a:t>
-            </a:r>
-          </a:p>
-          <a:p>
-            <a:pPr marL="522864" lvl="1" indent="-342900">
-              <a:buFontTx/>
-              <a:buChar char="-"/>
-            </a:pPr>
-            <a:r>
-              <a:rPr lang="en-US" sz="1600" dirty="0"/>
-              <a:t> run the commands that have been printed by helm</a:t>
-            </a:r>
-          </a:p>
-          <a:p>
-            <a:pPr marL="342900" indent="-342900">
-              <a:buFontTx/>
-              <a:buChar char="-"/>
-            </a:pPr>
-            <a:r>
-              <a:rPr lang="en-US" sz="1800" dirty="0"/>
-              <a:t>Update the release and change the value of </a:t>
-            </a:r>
-            <a:r>
-              <a:rPr lang="en-US" sz="1800" dirty="0" err="1"/>
+            <a:r>
+              <a:rPr lang="en-US" dirty="0"/>
+              <a:t>{{ }} triggers the go templating engine</a:t>
+            </a:r>
+          </a:p>
+          <a:p>
+            <a:r>
+              <a:rPr lang="en-US" dirty="0"/>
+              <a:t>.Values is a reference to an object with all keys in the </a:t>
+            </a:r>
+            <a:r>
+              <a:rPr lang="en-US" dirty="0" err="1"/>
+              <a:t>values.yaml</a:t>
+            </a:r>
+            <a:r>
+              <a:rPr lang="en-US" dirty="0"/>
+              <a:t> file</a:t>
+            </a:r>
+          </a:p>
+          <a:p>
+            <a:r>
+              <a:rPr lang="en-US" dirty="0"/>
+              <a:t>.</a:t>
+            </a:r>
+            <a:r>
+              <a:rPr lang="en-US" dirty="0" err="1"/>
               <a:t>myMessage</a:t>
             </a:r>
             <a:r>
-              <a:rPr lang="en-US" sz="1800" dirty="0"/>
-              <a:t>, use dry-run and debug to double check changes: </a:t>
-            </a:r>
-          </a:p>
-          <a:p>
-            <a:pPr marL="522864" lvl="1" indent="-342900">
-              <a:buFontTx/>
-              <a:buChar char="-"/>
-            </a:pPr>
-            <a:r>
-              <a:rPr lang="en-US" sz="1600" dirty="0"/>
-              <a:t>helm upgrade --dry-run --debug --set </a:t>
-            </a:r>
-            <a:r>
-              <a:rPr lang="en-US" sz="1600" dirty="0" err="1"/>
+              <a:rPr lang="en-US" dirty="0"/>
+              <a:t> is the reference to the key “</a:t>
+            </a:r>
+            <a:r>
+              <a:rPr lang="en-US" dirty="0" err="1"/>
               <a:t>myMessage</a:t>
             </a:r>
             <a:r>
-              <a:rPr lang="en-US" sz="1600" dirty="0"/>
-              <a:t>=“Goodbye course” &lt;release name&gt; .</a:t>
-            </a:r>
-          </a:p>
-          <a:p>
-            <a:pPr marL="522864" lvl="1" indent="-342900">
-              <a:buFontTx/>
-              <a:buChar char="-"/>
-            </a:pPr>
-            <a:r>
-              <a:rPr lang="en-US" sz="1600" dirty="0"/>
-              <a:t>helm upgrade --set </a:t>
-            </a:r>
-            <a:r>
-              <a:rPr lang="en-US" sz="1600" dirty="0" err="1"/>
-              <a:t>myMessage</a:t>
-            </a:r>
-            <a:r>
-              <a:rPr lang="en-US" sz="1600" dirty="0"/>
-              <a:t>=“Goodbye course” &lt;release name&gt; .</a:t>
-            </a:r>
-          </a:p>
-          <a:p>
-            <a:pPr marL="342900" indent="-342900">
-              <a:buFontTx/>
-              <a:buChar char="-"/>
-            </a:pPr>
-            <a:r>
-              <a:rPr lang="en-US" sz="1800" dirty="0"/>
-              <a:t>Update the release with a </a:t>
-            </a:r>
-            <a:r>
-              <a:rPr lang="en-US" sz="1800" dirty="0" err="1"/>
-              <a:t>custom_values.yaml</a:t>
-            </a:r>
-            <a:endParaRPr lang="en-US" sz="1800" dirty="0"/>
-          </a:p>
-          <a:p>
-            <a:pPr marL="522864" lvl="1" indent="-342900">
-              <a:buFontTx/>
-              <a:buChar char="-"/>
-            </a:pPr>
-            <a:r>
-              <a:rPr lang="en-US" sz="1600" dirty="0"/>
-              <a:t>Helm upgrade –f </a:t>
-            </a:r>
-            <a:r>
-              <a:rPr lang="en-US" sz="1600" dirty="0" err="1"/>
-              <a:t>custom_values.yaml</a:t>
-            </a:r>
-            <a:r>
-              <a:rPr lang="en-US" sz="1600" dirty="0"/>
-              <a:t> &lt;release name&gt; .</a:t>
-            </a:r>
-          </a:p>
-          <a:p>
-            <a:pPr lvl="1" indent="0">
-              <a:buNone/>
-            </a:pPr>
-            <a:r>
-              <a:rPr lang="en-US" b="1" dirty="0"/>
-              <a:t>“.” is referencing a relative path to your chart – don’t truncate it!</a:t>
-            </a:r>
-          </a:p>
-          <a:p>
-            <a:pPr marL="0" lvl="0" indent="0">
-              <a:buFontTx/>
-              <a:buNone/>
-            </a:pPr>
+              <a:rPr lang="en-US" dirty="0"/>
+              <a:t>” in .Values</a:t>
+            </a:r>
+          </a:p>
+          <a:p>
             <a:endParaRPr lang="en-US" dirty="0"/>
+          </a:p>
+          <a:p>
+            <a:r>
+              <a:rPr lang="en-US" dirty="0"/>
+              <a:t>In case of nested values such as example below, use .</a:t>
+            </a:r>
+            <a:r>
+              <a:rPr lang="en-US" dirty="0" err="1"/>
+              <a:t>Values.message.greeting</a:t>
+            </a:r>
+            <a:r>
+              <a:rPr lang="en-US" dirty="0"/>
+              <a:t> or .to </a:t>
+            </a:r>
+            <a:r>
+              <a:rPr lang="en-US" dirty="0" err="1"/>
+              <a:t>to</a:t>
+            </a:r>
+            <a:r>
+              <a:rPr lang="en-US" dirty="0"/>
+              <a:t> reference the </a:t>
+            </a:r>
+            <a:r>
+              <a:rPr lang="en-US" dirty="0" err="1"/>
+              <a:t>acutal</a:t>
+            </a:r>
+            <a:r>
+              <a:rPr lang="en-US" dirty="0"/>
+              <a:t> key</a:t>
+            </a:r>
+          </a:p>
+          <a:p>
+            <a:r>
+              <a:rPr lang="en-US" dirty="0"/>
+              <a:t>message:</a:t>
+            </a:r>
+          </a:p>
+          <a:p>
+            <a:r>
+              <a:rPr lang="en-US" dirty="0"/>
+              <a:t>  greeting: “hello”</a:t>
+            </a:r>
+          </a:p>
+          <a:p>
+            <a:r>
+              <a:rPr lang="en-US" dirty="0"/>
+              <a:t>  to: “course”</a:t>
+            </a:r>
           </a:p>
         </p:txBody>
       </p:sp>
@@ -2183,7 +3156,7 @@
     </p:spTree>
     <p:extLst>
       <p:ext uri="{BB962C8B-B14F-4D97-AF65-F5344CB8AC3E}">
-        <p14:creationId xmlns:p14="http://schemas.microsoft.com/office/powerpoint/2010/main" val="944111672"/>
+        <p14:creationId xmlns:p14="http://schemas.microsoft.com/office/powerpoint/2010/main" val="2999438910"/>
       </p:ext>
     </p:extLst>
   </p:cSld>
@@ -15579,6 +16552,558 @@
       </p:grpSpPr>
       <p:pic>
         <p:nvPicPr>
+          <p:cNvPr id="2" name="Picture 1">
+            <a:extLst>
+              <a:ext uri="{FF2B5EF4-FFF2-40B4-BE49-F238E27FC236}">
+                <a16:creationId xmlns:a16="http://schemas.microsoft.com/office/drawing/2014/main" id="{F47A1860-6C63-4260-B136-F11C4585FB36}"/>
+              </a:ext>
+            </a:extLst>
+          </p:cNvPr>
+          <p:cNvPicPr>
+            <a:picLocks noChangeAspect="1"/>
+          </p:cNvPicPr>
+          <p:nvPr/>
+        </p:nvPicPr>
+        <p:blipFill>
+          <a:blip r:embed="rId3"/>
+          <a:stretch>
+            <a:fillRect/>
+          </a:stretch>
+        </p:blipFill>
+        <p:spPr>
+          <a:xfrm>
+            <a:off x="515991" y="2181638"/>
+            <a:ext cx="5304762" cy="771429"/>
+          </a:xfrm>
+          <a:prstGeom prst="rect">
+            <a:avLst/>
+          </a:prstGeom>
+          <a:ln>
+            <a:solidFill>
+              <a:schemeClr val="tx1"/>
+            </a:solidFill>
+          </a:ln>
+        </p:spPr>
+      </p:pic>
+      <p:sp>
+        <p:nvSpPr>
+          <p:cNvPr id="4" name="Title 3">
+            <a:extLst>
+              <a:ext uri="{FF2B5EF4-FFF2-40B4-BE49-F238E27FC236}">
+                <a16:creationId xmlns:a16="http://schemas.microsoft.com/office/drawing/2014/main" id="{581B0699-A522-4A8F-8C8F-7FA0530D9D6B}"/>
+              </a:ext>
+            </a:extLst>
+          </p:cNvPr>
+          <p:cNvSpPr>
+            <a:spLocks noGrp="1"/>
+          </p:cNvSpPr>
+          <p:nvPr>
+            <p:ph type="title"/>
+          </p:nvPr>
+        </p:nvSpPr>
+        <p:spPr/>
+        <p:txBody>
+          <a:bodyPr/>
+          <a:lstStyle/>
+          <a:p>
+            <a:r>
+              <a:rPr lang="en-US" dirty="0"/>
+              <a:t>About (default) values</a:t>
+            </a:r>
+          </a:p>
+        </p:txBody>
+      </p:sp>
+      <p:sp>
+        <p:nvSpPr>
+          <p:cNvPr id="6" name="Speech Bubble: Rectangle 5">
+            <a:extLst>
+              <a:ext uri="{FF2B5EF4-FFF2-40B4-BE49-F238E27FC236}">
+                <a16:creationId xmlns:a16="http://schemas.microsoft.com/office/drawing/2014/main" id="{94CDC397-8C29-49D6-88BF-EF28A87F40A0}"/>
+              </a:ext>
+            </a:extLst>
+          </p:cNvPr>
+          <p:cNvSpPr/>
+          <p:nvPr/>
+        </p:nvSpPr>
+        <p:spPr bwMode="gray">
+          <a:xfrm>
+            <a:off x="7157149" y="1349961"/>
+            <a:ext cx="4101737" cy="1217392"/>
+          </a:xfrm>
+          <a:prstGeom prst="wedgeRectCallout">
+            <a:avLst>
+              <a:gd name="adj1" fmla="val -79533"/>
+              <a:gd name="adj2" fmla="val 34861"/>
+            </a:avLst>
+          </a:prstGeom>
+          <a:ln>
+            <a:headEnd/>
+            <a:tailEnd/>
+          </a:ln>
+        </p:spPr>
+        <p:style>
+          <a:lnRef idx="2">
+            <a:schemeClr val="accent5"/>
+          </a:lnRef>
+          <a:fillRef idx="1">
+            <a:schemeClr val="lt1"/>
+          </a:fillRef>
+          <a:effectRef idx="0">
+            <a:schemeClr val="accent5"/>
+          </a:effectRef>
+          <a:fontRef idx="minor">
+            <a:schemeClr val="dk1"/>
+          </a:fontRef>
+        </p:style>
+        <p:txBody>
+          <a:bodyPr lIns="90000" tIns="72000" rIns="90000" bIns="72000" rtlCol="0" anchor="ctr"/>
+          <a:lstStyle/>
+          <a:p>
+            <a:pPr marR="0" algn="ctr" defTabSz="914400" eaLnBrk="1" fontAlgn="base" latinLnBrk="0" hangingPunct="1">
+              <a:lnSpc>
+                <a:spcPct val="100000"/>
+              </a:lnSpc>
+              <a:spcBef>
+                <a:spcPct val="50000"/>
+              </a:spcBef>
+              <a:spcAft>
+                <a:spcPct val="0"/>
+              </a:spcAft>
+              <a:buClr>
+                <a:srgbClr val="F0AB00"/>
+              </a:buClr>
+              <a:buSzPct val="80000"/>
+              <a:tabLst/>
+            </a:pPr>
+            <a:r>
+              <a:rPr kumimoji="0" lang="en-US" sz="1800" b="0" i="0" u="none" strike="noStrike" kern="0" cap="none" spc="0" normalizeH="0" baseline="0" noProof="0" dirty="0">
+                <a:ln>
+                  <a:noFill/>
+                </a:ln>
+                <a:effectLst/>
+                <a:uLnTx/>
+                <a:uFillTx/>
+                <a:ea typeface="Arial Unicode MS" pitchFamily="34" charset="-128"/>
+                <a:cs typeface="Arial Unicode MS" pitchFamily="34" charset="-128"/>
+              </a:rPr>
+              <a:t>Most charts come with default values, stored in a </a:t>
+            </a:r>
+            <a:r>
+              <a:rPr kumimoji="0" lang="en-US" sz="1800" b="0" i="0" u="none" strike="noStrike" kern="0" cap="none" spc="0" normalizeH="0" baseline="0" noProof="0" dirty="0" err="1">
+                <a:ln>
+                  <a:noFill/>
+                </a:ln>
+                <a:effectLst/>
+                <a:uLnTx/>
+                <a:uFillTx/>
+                <a:ea typeface="Arial Unicode MS" pitchFamily="34" charset="-128"/>
+                <a:cs typeface="Arial Unicode MS" pitchFamily="34" charset="-128"/>
+              </a:rPr>
+              <a:t>values.yaml</a:t>
+            </a:r>
+            <a:r>
+              <a:rPr kumimoji="0" lang="en-US" sz="1800" b="0" i="0" u="none" strike="noStrike" kern="0" cap="none" spc="0" normalizeH="0" baseline="0" noProof="0" dirty="0">
+                <a:ln>
+                  <a:noFill/>
+                </a:ln>
+                <a:effectLst/>
+                <a:uLnTx/>
+                <a:uFillTx/>
+                <a:ea typeface="Arial Unicode MS" pitchFamily="34" charset="-128"/>
+                <a:cs typeface="Arial Unicode MS" pitchFamily="34" charset="-128"/>
+              </a:rPr>
+              <a:t> file in the chart’s </a:t>
+            </a:r>
+            <a:r>
+              <a:rPr kumimoji="0" lang="en-US" sz="1800" b="0" i="0" u="none" strike="noStrike" kern="0" cap="none" spc="0" normalizeH="0" baseline="0" noProof="0" dirty="0" err="1">
+                <a:ln>
+                  <a:noFill/>
+                </a:ln>
+                <a:effectLst/>
+                <a:uLnTx/>
+                <a:uFillTx/>
+                <a:ea typeface="Arial Unicode MS" pitchFamily="34" charset="-128"/>
+                <a:cs typeface="Arial Unicode MS" pitchFamily="34" charset="-128"/>
+              </a:rPr>
+              <a:t>direcotry</a:t>
+            </a:r>
+            <a:endParaRPr kumimoji="0" lang="en-US" sz="1800" b="0" i="0" u="none" strike="noStrike" kern="0" cap="none" spc="0" normalizeH="0" baseline="0" noProof="0" dirty="0">
+              <a:ln>
+                <a:noFill/>
+              </a:ln>
+              <a:effectLst/>
+              <a:uLnTx/>
+              <a:uFillTx/>
+              <a:ea typeface="Arial Unicode MS" pitchFamily="34" charset="-128"/>
+              <a:cs typeface="Arial Unicode MS" pitchFamily="34" charset="-128"/>
+            </a:endParaRPr>
+          </a:p>
+        </p:txBody>
+      </p:sp>
+      <p:sp>
+        <p:nvSpPr>
+          <p:cNvPr id="7" name="Speech Bubble: Rectangle 6">
+            <a:extLst>
+              <a:ext uri="{FF2B5EF4-FFF2-40B4-BE49-F238E27FC236}">
+                <a16:creationId xmlns:a16="http://schemas.microsoft.com/office/drawing/2014/main" id="{0A6FEC62-08BF-44DA-96F4-2E8EE523F047}"/>
+              </a:ext>
+            </a:extLst>
+          </p:cNvPr>
+          <p:cNvSpPr/>
+          <p:nvPr/>
+        </p:nvSpPr>
+        <p:spPr bwMode="gray">
+          <a:xfrm>
+            <a:off x="7157149" y="3049536"/>
+            <a:ext cx="4101737" cy="1217392"/>
+          </a:xfrm>
+          <a:prstGeom prst="wedgeRectCallout">
+            <a:avLst>
+              <a:gd name="adj1" fmla="val -86403"/>
+              <a:gd name="adj2" fmla="val -50503"/>
+            </a:avLst>
+          </a:prstGeom>
+          <a:ln>
+            <a:headEnd/>
+            <a:tailEnd/>
+          </a:ln>
+        </p:spPr>
+        <p:style>
+          <a:lnRef idx="2">
+            <a:schemeClr val="accent5"/>
+          </a:lnRef>
+          <a:fillRef idx="1">
+            <a:schemeClr val="lt1"/>
+          </a:fillRef>
+          <a:effectRef idx="0">
+            <a:schemeClr val="accent5"/>
+          </a:effectRef>
+          <a:fontRef idx="minor">
+            <a:schemeClr val="dk1"/>
+          </a:fontRef>
+        </p:style>
+        <p:txBody>
+          <a:bodyPr lIns="90000" tIns="72000" rIns="90000" bIns="72000" rtlCol="0" anchor="ctr"/>
+          <a:lstStyle/>
+          <a:p>
+            <a:pPr marR="0" algn="ctr" defTabSz="914400" eaLnBrk="1" fontAlgn="base" latinLnBrk="0" hangingPunct="1">
+              <a:lnSpc>
+                <a:spcPct val="100000"/>
+              </a:lnSpc>
+              <a:spcBef>
+                <a:spcPct val="50000"/>
+              </a:spcBef>
+              <a:spcAft>
+                <a:spcPct val="0"/>
+              </a:spcAft>
+              <a:buClr>
+                <a:srgbClr val="F0AB00"/>
+              </a:buClr>
+              <a:buSzPct val="80000"/>
+              <a:tabLst/>
+            </a:pPr>
+            <a:r>
+              <a:rPr kumimoji="0" lang="en-US" sz="1800" b="0" i="0" u="none" strike="noStrike" kern="0" cap="none" spc="0" normalizeH="0" baseline="0" noProof="0" dirty="0">
+                <a:ln>
+                  <a:noFill/>
+                </a:ln>
+                <a:effectLst/>
+                <a:uLnTx/>
+                <a:uFillTx/>
+                <a:ea typeface="Arial Unicode MS" pitchFamily="34" charset="-128"/>
+                <a:cs typeface="Arial Unicode MS" pitchFamily="34" charset="-128"/>
+              </a:rPr>
+              <a:t>Values follow the usual </a:t>
+            </a:r>
+            <a:r>
+              <a:rPr kumimoji="0" lang="en-US" sz="1800" b="0" i="0" u="none" strike="noStrike" kern="0" cap="none" spc="0" normalizeH="0" baseline="0" noProof="0" dirty="0" err="1">
+                <a:ln>
+                  <a:noFill/>
+                </a:ln>
+                <a:effectLst/>
+                <a:uLnTx/>
+                <a:uFillTx/>
+                <a:ea typeface="Arial Unicode MS" pitchFamily="34" charset="-128"/>
+                <a:cs typeface="Arial Unicode MS" pitchFamily="34" charset="-128"/>
+              </a:rPr>
+              <a:t>yaml</a:t>
+            </a:r>
+            <a:r>
+              <a:rPr kumimoji="0" lang="en-US" sz="1800" b="0" i="0" u="none" strike="noStrike" kern="0" cap="none" spc="0" normalizeH="0" baseline="0" noProof="0" dirty="0">
+                <a:ln>
+                  <a:noFill/>
+                </a:ln>
+                <a:effectLst/>
+                <a:uLnTx/>
+                <a:uFillTx/>
+                <a:ea typeface="Arial Unicode MS" pitchFamily="34" charset="-128"/>
+                <a:cs typeface="Arial Unicode MS" pitchFamily="34" charset="-128"/>
+              </a:rPr>
+              <a:t> structure (indented</a:t>
+            </a:r>
+            <a:r>
+              <a:rPr lang="en-US" sz="1800" kern="0" dirty="0">
+                <a:ea typeface="Arial Unicode MS" pitchFamily="34" charset="-128"/>
+                <a:cs typeface="Arial Unicode MS" pitchFamily="34" charset="-128"/>
+              </a:rPr>
+              <a:t>, maps, lists)</a:t>
+            </a:r>
+            <a:endParaRPr kumimoji="0" lang="en-US" sz="1800" b="0" i="0" u="none" strike="noStrike" kern="0" cap="none" spc="0" normalizeH="0" baseline="0" noProof="0" dirty="0">
+              <a:ln>
+                <a:noFill/>
+              </a:ln>
+              <a:effectLst/>
+              <a:uLnTx/>
+              <a:uFillTx/>
+              <a:ea typeface="Arial Unicode MS" pitchFamily="34" charset="-128"/>
+              <a:cs typeface="Arial Unicode MS" pitchFamily="34" charset="-128"/>
+            </a:endParaRPr>
+          </a:p>
+        </p:txBody>
+      </p:sp>
+      <p:sp>
+        <p:nvSpPr>
+          <p:cNvPr id="8" name="Speech Bubble: Rectangle 7">
+            <a:extLst>
+              <a:ext uri="{FF2B5EF4-FFF2-40B4-BE49-F238E27FC236}">
+                <a16:creationId xmlns:a16="http://schemas.microsoft.com/office/drawing/2014/main" id="{33632052-3C24-4B78-BE91-D81A3475BFBD}"/>
+              </a:ext>
+            </a:extLst>
+          </p:cNvPr>
+          <p:cNvSpPr/>
+          <p:nvPr/>
+        </p:nvSpPr>
+        <p:spPr bwMode="gray">
+          <a:xfrm>
+            <a:off x="2666568" y="4261373"/>
+            <a:ext cx="4101737" cy="1217392"/>
+          </a:xfrm>
+          <a:prstGeom prst="wedgeRectCallout">
+            <a:avLst>
+              <a:gd name="adj1" fmla="val -50679"/>
+              <a:gd name="adj2" fmla="val -138614"/>
+            </a:avLst>
+          </a:prstGeom>
+          <a:ln>
+            <a:headEnd/>
+            <a:tailEnd/>
+          </a:ln>
+        </p:spPr>
+        <p:style>
+          <a:lnRef idx="2">
+            <a:schemeClr val="accent5"/>
+          </a:lnRef>
+          <a:fillRef idx="1">
+            <a:schemeClr val="lt1"/>
+          </a:fillRef>
+          <a:effectRef idx="0">
+            <a:schemeClr val="accent5"/>
+          </a:effectRef>
+          <a:fontRef idx="minor">
+            <a:schemeClr val="dk1"/>
+          </a:fontRef>
+        </p:style>
+        <p:txBody>
+          <a:bodyPr lIns="90000" tIns="72000" rIns="90000" bIns="72000" rtlCol="0" anchor="ctr"/>
+          <a:lstStyle/>
+          <a:p>
+            <a:pPr marR="0" algn="ctr" defTabSz="914400" eaLnBrk="1" fontAlgn="base" latinLnBrk="0" hangingPunct="1">
+              <a:lnSpc>
+                <a:spcPct val="100000"/>
+              </a:lnSpc>
+              <a:spcBef>
+                <a:spcPct val="50000"/>
+              </a:spcBef>
+              <a:spcAft>
+                <a:spcPct val="0"/>
+              </a:spcAft>
+              <a:buClr>
+                <a:srgbClr val="F0AB00"/>
+              </a:buClr>
+              <a:buSzPct val="80000"/>
+              <a:tabLst/>
+            </a:pPr>
+            <a:r>
+              <a:rPr kumimoji="0" lang="en-US" sz="1800" b="0" i="0" u="none" strike="noStrike" kern="0" cap="none" spc="0" normalizeH="0" baseline="0" noProof="0" dirty="0">
+                <a:ln>
+                  <a:noFill/>
+                </a:ln>
+                <a:effectLst/>
+                <a:uLnTx/>
+                <a:uFillTx/>
+                <a:ea typeface="Arial Unicode MS" pitchFamily="34" charset="-128"/>
+                <a:cs typeface="Arial Unicode MS" pitchFamily="34" charset="-128"/>
+              </a:rPr>
+              <a:t>Overwrite default values by specifying the with --set or send a custom values </a:t>
+            </a:r>
+            <a:r>
+              <a:rPr kumimoji="0" lang="en-US" sz="1800" b="0" i="0" u="none" strike="noStrike" kern="0" cap="none" spc="0" normalizeH="0" baseline="0" noProof="0" dirty="0" err="1">
+                <a:ln>
+                  <a:noFill/>
+                </a:ln>
+                <a:effectLst/>
+                <a:uLnTx/>
+                <a:uFillTx/>
+                <a:ea typeface="Arial Unicode MS" pitchFamily="34" charset="-128"/>
+                <a:cs typeface="Arial Unicode MS" pitchFamily="34" charset="-128"/>
+              </a:rPr>
+              <a:t>yaml</a:t>
+            </a:r>
+            <a:r>
+              <a:rPr kumimoji="0" lang="en-US" sz="1800" b="0" i="0" u="none" strike="noStrike" kern="0" cap="none" spc="0" normalizeH="0" baseline="0" noProof="0" dirty="0">
+                <a:ln>
+                  <a:noFill/>
+                </a:ln>
+                <a:effectLst/>
+                <a:uLnTx/>
+                <a:uFillTx/>
+                <a:ea typeface="Arial Unicode MS" pitchFamily="34" charset="-128"/>
+                <a:cs typeface="Arial Unicode MS" pitchFamily="34" charset="-128"/>
+              </a:rPr>
+              <a:t> file</a:t>
+            </a:r>
+          </a:p>
+        </p:txBody>
+      </p:sp>
+      <p:sp>
+        <p:nvSpPr>
+          <p:cNvPr id="3" name="Rectangle: Rounded Corners 2">
+            <a:extLst>
+              <a:ext uri="{FF2B5EF4-FFF2-40B4-BE49-F238E27FC236}">
+                <a16:creationId xmlns:a16="http://schemas.microsoft.com/office/drawing/2014/main" id="{AAA31C7E-E730-4BEC-AA1F-23831492FE88}"/>
+              </a:ext>
+            </a:extLst>
+          </p:cNvPr>
+          <p:cNvSpPr/>
+          <p:nvPr/>
+        </p:nvSpPr>
+        <p:spPr bwMode="gray">
+          <a:xfrm>
+            <a:off x="504001" y="1349961"/>
+            <a:ext cx="1855177" cy="531593"/>
+          </a:xfrm>
+          <a:prstGeom prst="roundRect">
+            <a:avLst/>
+          </a:prstGeom>
+          <a:noFill/>
+          <a:ln w="9525" cap="flat" cmpd="sng" algn="ctr">
+            <a:solidFill>
+              <a:schemeClr val="accent2"/>
+            </a:solidFill>
+            <a:prstDash val="solid"/>
+            <a:round/>
+            <a:headEnd type="none" w="med" len="med"/>
+            <a:tailEnd type="none" w="med" len="med"/>
+          </a:ln>
+        </p:spPr>
+        <p:style>
+          <a:lnRef idx="0">
+            <a:scrgbClr r="0" g="0" b="0"/>
+          </a:lnRef>
+          <a:fillRef idx="0">
+            <a:scrgbClr r="0" g="0" b="0"/>
+          </a:fillRef>
+          <a:effectRef idx="0">
+            <a:scrgbClr r="0" g="0" b="0"/>
+          </a:effectRef>
+          <a:fontRef idx="minor">
+            <a:schemeClr val="accent2"/>
+          </a:fontRef>
+        </p:style>
+        <p:txBody>
+          <a:bodyPr lIns="90000" tIns="72000" rIns="90000" bIns="72000" rtlCol="0" anchor="ctr"/>
+          <a:lstStyle/>
+          <a:p>
+            <a:pPr marR="0" algn="ctr" defTabSz="914400" eaLnBrk="1" fontAlgn="base" latinLnBrk="0" hangingPunct="1">
+              <a:lnSpc>
+                <a:spcPct val="100000"/>
+              </a:lnSpc>
+              <a:spcBef>
+                <a:spcPct val="50000"/>
+              </a:spcBef>
+              <a:spcAft>
+                <a:spcPct val="0"/>
+              </a:spcAft>
+              <a:buClr>
+                <a:srgbClr val="F0AB00"/>
+              </a:buClr>
+              <a:buSzPct val="80000"/>
+              <a:tabLst/>
+            </a:pPr>
+            <a:r>
+              <a:rPr lang="en-US" sz="1800" b="1" kern="0" dirty="0">
+                <a:solidFill>
+                  <a:schemeClr val="tx1"/>
+                </a:solidFill>
+                <a:ea typeface="Arial Unicode MS" pitchFamily="34" charset="-128"/>
+                <a:cs typeface="Arial Unicode MS" pitchFamily="34" charset="-128"/>
+              </a:rPr>
+              <a:t>v</a:t>
+            </a:r>
+            <a:r>
+              <a:rPr kumimoji="0" lang="en-US" sz="1800" b="1" i="0" u="none" strike="noStrike" kern="0" cap="none" spc="0" normalizeH="0" baseline="0" noProof="0" dirty="0" err="1">
+                <a:ln>
+                  <a:noFill/>
+                </a:ln>
+                <a:solidFill>
+                  <a:schemeClr val="tx1"/>
+                </a:solidFill>
+                <a:effectLst/>
+                <a:uLnTx/>
+                <a:uFillTx/>
+                <a:ea typeface="Arial Unicode MS" pitchFamily="34" charset="-128"/>
+                <a:cs typeface="Arial Unicode MS" pitchFamily="34" charset="-128"/>
+              </a:rPr>
+              <a:t>alues.yaml</a:t>
+            </a:r>
+            <a:endParaRPr kumimoji="0" lang="en-US" sz="1800" b="1" i="0" u="none" strike="noStrike" kern="0" cap="none" spc="0" normalizeH="0" baseline="0" noProof="0" dirty="0">
+              <a:ln>
+                <a:noFill/>
+              </a:ln>
+              <a:solidFill>
+                <a:schemeClr val="tx1"/>
+              </a:solidFill>
+              <a:effectLst/>
+              <a:uLnTx/>
+              <a:uFillTx/>
+              <a:ea typeface="Arial Unicode MS" pitchFamily="34" charset="-128"/>
+              <a:cs typeface="Arial Unicode MS" pitchFamily="34" charset="-128"/>
+            </a:endParaRPr>
+          </a:p>
+        </p:txBody>
+      </p:sp>
+    </p:spTree>
+    <p:extLst>
+      <p:ext uri="{BB962C8B-B14F-4D97-AF65-F5344CB8AC3E}">
+        <p14:creationId xmlns:p14="http://schemas.microsoft.com/office/powerpoint/2010/main" val="3362660739"/>
+      </p:ext>
+    </p:extLst>
+  </p:cSld>
+  <p:clrMapOvr>
+    <a:masterClrMapping/>
+  </p:clrMapOvr>
+</p:sld>
+</file>
+
+<file path=ppt/slides/slide11.xml><?xml version="1.0" encoding="utf-8"?>
+<p:sld xmlns:a="http://schemas.openxmlformats.org/drawingml/2006/main" xmlns:r="http://schemas.openxmlformats.org/officeDocument/2006/relationships" xmlns:p="http://schemas.openxmlformats.org/presentationml/2006/main">
+  <p:cSld>
+    <p:spTree>
+      <p:nvGrpSpPr>
+        <p:cNvPr id="1" name=""/>
+        <p:cNvGrpSpPr/>
+        <p:nvPr/>
+      </p:nvGrpSpPr>
+      <p:grpSpPr>
+        <a:xfrm>
+          <a:off x="0" y="0"/>
+          <a:ext cx="0" cy="0"/>
+          <a:chOff x="0" y="0"/>
+          <a:chExt cx="0" cy="0"/>
+        </a:xfrm>
+      </p:grpSpPr>
+      <p:pic>
+        <p:nvPicPr>
           <p:cNvPr id="3" name="Picture 2">
             <a:extLst>
               <a:ext uri="{FF2B5EF4-FFF2-40B4-BE49-F238E27FC236}">
@@ -16230,7 +17755,7 @@
 </p:sld>
 </file>
 
-<file path=ppt/slides/slide11.xml><?xml version="1.0" encoding="utf-8"?>
+<file path=ppt/slides/slide12.xml><?xml version="1.0" encoding="utf-8"?>
 <p:sld xmlns:a="http://schemas.openxmlformats.org/drawingml/2006/main" xmlns:r="http://schemas.openxmlformats.org/officeDocument/2006/relationships" xmlns:p="http://schemas.openxmlformats.org/presentationml/2006/main">
   <p:cSld>
     <p:spTree>
@@ -16318,7 +17843,7 @@
 </p:sld>
 </file>
 
-<file path=ppt/slides/slide12.xml><?xml version="1.0" encoding="utf-8"?>
+<file path=ppt/slides/slide13.xml><?xml version="1.0" encoding="utf-8"?>
 <p:sld xmlns:a="http://schemas.openxmlformats.org/drawingml/2006/main" xmlns:r="http://schemas.openxmlformats.org/officeDocument/2006/relationships" xmlns:p="http://schemas.openxmlformats.org/presentationml/2006/main">
   <p:cSld>
     <p:spTree>
@@ -16415,7 +17940,7 @@
 </p:sld>
 </file>
 
-<file path=ppt/slides/slide13.xml><?xml version="1.0" encoding="utf-8"?>
+<file path=ppt/slides/slide14.xml><?xml version="1.0" encoding="utf-8"?>
 <p:sld xmlns:a="http://schemas.openxmlformats.org/drawingml/2006/main" xmlns:r="http://schemas.openxmlformats.org/officeDocument/2006/relationships" xmlns:p="http://schemas.openxmlformats.org/presentationml/2006/main" show="0">
   <p:cSld>
     <p:spTree>
@@ -16925,6 +18450,1160 @@
         </p:nvSpPr>
         <p:spPr bwMode="gray">
           <a:xfrm>
+            <a:off x="5983549" y="2624132"/>
+            <a:ext cx="5421075" cy="3303743"/>
+          </a:xfrm>
+          <a:prstGeom prst="rect">
+            <a:avLst/>
+          </a:prstGeom>
+          <a:solidFill>
+            <a:schemeClr val="bg1">
+              <a:lumMod val="75000"/>
+            </a:schemeClr>
+          </a:solidFill>
+          <a:ln>
+            <a:headEnd/>
+            <a:tailEnd/>
+          </a:ln>
+        </p:spPr>
+        <p:style>
+          <a:lnRef idx="2">
+            <a:schemeClr val="accent2">
+              <a:shade val="50000"/>
+            </a:schemeClr>
+          </a:lnRef>
+          <a:fillRef idx="1">
+            <a:schemeClr val="accent2"/>
+          </a:fillRef>
+          <a:effectRef idx="0">
+            <a:schemeClr val="accent2"/>
+          </a:effectRef>
+          <a:fontRef idx="minor">
+            <a:schemeClr val="lt1"/>
+          </a:fontRef>
+        </p:style>
+        <p:txBody>
+          <a:bodyPr lIns="90000" tIns="72000" rIns="90000" bIns="72000" rtlCol="0" anchor="t"/>
+          <a:lstStyle/>
+          <a:p>
+            <a:pPr marR="0" defTabSz="914400" eaLnBrk="1" fontAlgn="base" latinLnBrk="0" hangingPunct="1">
+              <a:lnSpc>
+                <a:spcPct val="100000"/>
+              </a:lnSpc>
+              <a:spcBef>
+                <a:spcPct val="50000"/>
+              </a:spcBef>
+              <a:spcAft>
+                <a:spcPct val="0"/>
+              </a:spcAft>
+              <a:buClr>
+                <a:srgbClr val="F0AB00"/>
+              </a:buClr>
+              <a:buSzPct val="80000"/>
+              <a:tabLst/>
+            </a:pPr>
+            <a:r>
+              <a:rPr lang="en-US" sz="1600" b="1" kern="0" dirty="0">
+                <a:solidFill>
+                  <a:sysClr val="windowText" lastClr="000000"/>
+                </a:solidFill>
+                <a:ea typeface="Arial Unicode MS" pitchFamily="34" charset="-128"/>
+                <a:cs typeface="Arial Unicode MS" pitchFamily="34" charset="-128"/>
+              </a:rPr>
+              <a:t>Namespace</a:t>
+            </a:r>
+            <a:endParaRPr kumimoji="0" lang="en-US" sz="1600" b="1" i="0" u="none" strike="noStrike" kern="0" cap="none" spc="0" normalizeH="0" baseline="0" noProof="0" dirty="0">
+              <a:ln>
+                <a:noFill/>
+              </a:ln>
+              <a:solidFill>
+                <a:sysClr val="windowText" lastClr="000000"/>
+              </a:solidFill>
+              <a:effectLst/>
+              <a:uLnTx/>
+              <a:uFillTx/>
+              <a:ea typeface="Arial Unicode MS" pitchFamily="34" charset="-128"/>
+              <a:cs typeface="Arial Unicode MS" pitchFamily="34" charset="-128"/>
+            </a:endParaRPr>
+          </a:p>
+        </p:txBody>
+      </p:sp>
+      <p:sp>
+        <p:nvSpPr>
+          <p:cNvPr id="8" name="Rectangle 7"/>
+          <p:cNvSpPr/>
+          <p:nvPr/>
+        </p:nvSpPr>
+        <p:spPr>
+          <a:xfrm>
+            <a:off x="504001" y="1062560"/>
+            <a:ext cx="5340540" cy="1384995"/>
+          </a:xfrm>
+          <a:prstGeom prst="rect">
+            <a:avLst/>
+          </a:prstGeom>
+        </p:spPr>
+        <p:txBody>
+          <a:bodyPr wrap="square">
+            <a:spAutoFit/>
+          </a:bodyPr>
+          <a:lstStyle/>
+          <a:p>
+            <a:pPr marL="342900" indent="-342900">
+              <a:buFont typeface="Wingdings" panose="05000000000000000000" pitchFamily="2" charset="2"/>
+              <a:buChar char="§"/>
+            </a:pPr>
+            <a:r>
+              <a:rPr lang="en-US" dirty="0"/>
+              <a:t>Client side: helm</a:t>
+            </a:r>
+          </a:p>
+          <a:p>
+            <a:pPr marL="342900" indent="-342900">
+              <a:buFont typeface="Wingdings" panose="05000000000000000000" pitchFamily="2" charset="2"/>
+              <a:buChar char="§"/>
+            </a:pPr>
+            <a:r>
+              <a:rPr lang="en-US" dirty="0"/>
+              <a:t>Applications are organized in “charts”</a:t>
+            </a:r>
+          </a:p>
+          <a:p>
+            <a:pPr marL="342900" indent="-342900">
+              <a:buFont typeface="Wingdings" panose="05000000000000000000" pitchFamily="2" charset="2"/>
+              <a:buChar char="§"/>
+            </a:pPr>
+            <a:r>
+              <a:rPr lang="en-US" dirty="0"/>
+              <a:t>Uses </a:t>
+            </a:r>
+            <a:r>
+              <a:rPr lang="en-US" dirty="0" err="1"/>
+              <a:t>kube.config</a:t>
+            </a:r>
+            <a:r>
+              <a:rPr lang="en-US" dirty="0"/>
+              <a:t> to authorize communication with K8s</a:t>
+            </a:r>
+          </a:p>
+        </p:txBody>
+      </p:sp>
+      <p:sp>
+        <p:nvSpPr>
+          <p:cNvPr id="7" name="Rectangle 6"/>
+          <p:cNvSpPr/>
+          <p:nvPr/>
+        </p:nvSpPr>
+        <p:spPr bwMode="gray">
+          <a:xfrm>
+            <a:off x="7116617" y="3697874"/>
+            <a:ext cx="1627931" cy="1156258"/>
+          </a:xfrm>
+          <a:prstGeom prst="rect">
+            <a:avLst/>
+          </a:prstGeom>
+          <a:ln>
+            <a:headEnd/>
+            <a:tailEnd/>
+          </a:ln>
+        </p:spPr>
+        <p:style>
+          <a:lnRef idx="2">
+            <a:schemeClr val="accent2"/>
+          </a:lnRef>
+          <a:fillRef idx="1">
+            <a:schemeClr val="lt1"/>
+          </a:fillRef>
+          <a:effectRef idx="0">
+            <a:schemeClr val="accent2"/>
+          </a:effectRef>
+          <a:fontRef idx="minor">
+            <a:schemeClr val="dk1"/>
+          </a:fontRef>
+        </p:style>
+        <p:txBody>
+          <a:bodyPr lIns="90000" tIns="72000" rIns="90000" bIns="72000" rtlCol="0" anchor="ctr"/>
+          <a:lstStyle/>
+          <a:p>
+            <a:pPr marR="0" algn="ctr" defTabSz="914400" eaLnBrk="1" fontAlgn="base" latinLnBrk="0" hangingPunct="1">
+              <a:lnSpc>
+                <a:spcPct val="100000"/>
+              </a:lnSpc>
+              <a:spcBef>
+                <a:spcPct val="50000"/>
+              </a:spcBef>
+              <a:spcAft>
+                <a:spcPct val="0"/>
+              </a:spcAft>
+              <a:buClr>
+                <a:srgbClr val="F0AB00"/>
+              </a:buClr>
+              <a:buSzPct val="80000"/>
+              <a:tabLst/>
+            </a:pPr>
+            <a:r>
+              <a:rPr lang="en-US" sz="1800" kern="0" dirty="0">
+                <a:ea typeface="Arial Unicode MS" pitchFamily="34" charset="-128"/>
+                <a:cs typeface="Arial Unicode MS" pitchFamily="34" charset="-128"/>
+              </a:rPr>
+              <a:t>release</a:t>
+            </a:r>
+          </a:p>
+          <a:p>
+            <a:pPr marR="0" algn="ctr" defTabSz="914400" eaLnBrk="1" fontAlgn="base" latinLnBrk="0" hangingPunct="1">
+              <a:lnSpc>
+                <a:spcPct val="100000"/>
+              </a:lnSpc>
+              <a:spcBef>
+                <a:spcPct val="50000"/>
+              </a:spcBef>
+              <a:spcAft>
+                <a:spcPct val="0"/>
+              </a:spcAft>
+              <a:buClr>
+                <a:srgbClr val="F0AB00"/>
+              </a:buClr>
+              <a:buSzPct val="80000"/>
+              <a:tabLst/>
+            </a:pPr>
+            <a:r>
+              <a:rPr kumimoji="0" lang="en-US" sz="1800" b="0" i="0" u="none" strike="noStrike" kern="0" cap="none" spc="0" normalizeH="0" baseline="0" noProof="0" dirty="0">
+                <a:ln>
+                  <a:noFill/>
+                </a:ln>
+                <a:effectLst/>
+                <a:uLnTx/>
+                <a:uFillTx/>
+                <a:ea typeface="Arial Unicode MS" pitchFamily="34" charset="-128"/>
+                <a:cs typeface="Arial Unicode MS" pitchFamily="34" charset="-128"/>
+              </a:rPr>
+              <a:t>“</a:t>
+            </a:r>
+            <a:r>
+              <a:rPr kumimoji="0" lang="en-US" sz="1800" b="0" i="0" u="none" strike="noStrike" kern="0" cap="none" spc="0" normalizeH="0" baseline="0" noProof="0" dirty="0" err="1">
+                <a:ln>
+                  <a:noFill/>
+                </a:ln>
+                <a:effectLst/>
+                <a:uLnTx/>
+                <a:uFillTx/>
+                <a:ea typeface="Arial Unicode MS" pitchFamily="34" charset="-128"/>
+                <a:cs typeface="Arial Unicode MS" pitchFamily="34" charset="-128"/>
+              </a:rPr>
+              <a:t>my_app</a:t>
+            </a:r>
+            <a:r>
+              <a:rPr kumimoji="0" lang="en-US" sz="1800" b="0" i="0" u="none" strike="noStrike" kern="0" cap="none" spc="0" normalizeH="0" baseline="0" noProof="0" dirty="0">
+                <a:ln>
+                  <a:noFill/>
+                </a:ln>
+                <a:effectLst/>
+                <a:uLnTx/>
+                <a:uFillTx/>
+                <a:ea typeface="Arial Unicode MS" pitchFamily="34" charset="-128"/>
+                <a:cs typeface="Arial Unicode MS" pitchFamily="34" charset="-128"/>
+              </a:rPr>
+              <a:t>”</a:t>
+            </a:r>
+          </a:p>
+        </p:txBody>
+      </p:sp>
+      <p:sp>
+        <p:nvSpPr>
+          <p:cNvPr id="12" name="Rectangle 11"/>
+          <p:cNvSpPr/>
+          <p:nvPr/>
+        </p:nvSpPr>
+        <p:spPr bwMode="gray">
+          <a:xfrm>
+            <a:off x="9402288" y="2859425"/>
+            <a:ext cx="1534999" cy="806724"/>
+          </a:xfrm>
+          <a:prstGeom prst="rect">
+            <a:avLst/>
+          </a:prstGeom>
+          <a:ln>
+            <a:headEnd/>
+            <a:tailEnd/>
+          </a:ln>
+        </p:spPr>
+        <p:style>
+          <a:lnRef idx="2">
+            <a:schemeClr val="accent2"/>
+          </a:lnRef>
+          <a:fillRef idx="1">
+            <a:schemeClr val="lt1"/>
+          </a:fillRef>
+          <a:effectRef idx="0">
+            <a:schemeClr val="accent2"/>
+          </a:effectRef>
+          <a:fontRef idx="minor">
+            <a:schemeClr val="dk1"/>
+          </a:fontRef>
+        </p:style>
+        <p:txBody>
+          <a:bodyPr lIns="90000" tIns="72000" rIns="90000" bIns="72000" rtlCol="0" anchor="ctr"/>
+          <a:lstStyle/>
+          <a:p>
+            <a:pPr marR="0" algn="ctr" defTabSz="914400" eaLnBrk="1" fontAlgn="base" latinLnBrk="0" hangingPunct="1">
+              <a:lnSpc>
+                <a:spcPct val="100000"/>
+              </a:lnSpc>
+              <a:spcBef>
+                <a:spcPct val="50000"/>
+              </a:spcBef>
+              <a:spcAft>
+                <a:spcPct val="0"/>
+              </a:spcAft>
+              <a:buClr>
+                <a:srgbClr val="F0AB00"/>
+              </a:buClr>
+              <a:buSzPct val="80000"/>
+              <a:tabLst/>
+            </a:pPr>
+            <a:r>
+              <a:rPr lang="en-US" sz="1800" kern="0" noProof="0" dirty="0">
+                <a:ea typeface="Arial Unicode MS" pitchFamily="34" charset="-128"/>
+                <a:cs typeface="Arial Unicode MS" pitchFamily="34" charset="-128"/>
+              </a:rPr>
+              <a:t>Deployment</a:t>
+            </a:r>
+            <a:r>
+              <a:rPr lang="en-US" sz="1800" kern="0" dirty="0">
+                <a:ea typeface="Arial Unicode MS" pitchFamily="34" charset="-128"/>
+                <a:cs typeface="Arial Unicode MS" pitchFamily="34" charset="-128"/>
+              </a:rPr>
+              <a:t> A</a:t>
+            </a:r>
+            <a:endParaRPr kumimoji="0" lang="en-US" sz="1800" b="0" i="0" u="none" strike="noStrike" kern="0" cap="none" spc="0" normalizeH="0" baseline="0" noProof="0" dirty="0">
+              <a:ln>
+                <a:noFill/>
+              </a:ln>
+              <a:effectLst/>
+              <a:uLnTx/>
+              <a:uFillTx/>
+              <a:ea typeface="Arial Unicode MS" pitchFamily="34" charset="-128"/>
+              <a:cs typeface="Arial Unicode MS" pitchFamily="34" charset="-128"/>
+            </a:endParaRPr>
+          </a:p>
+        </p:txBody>
+      </p:sp>
+      <p:sp>
+        <p:nvSpPr>
+          <p:cNvPr id="14" name="Rectangle 13"/>
+          <p:cNvSpPr/>
+          <p:nvPr/>
+        </p:nvSpPr>
+        <p:spPr bwMode="gray">
+          <a:xfrm>
+            <a:off x="9409908" y="3867250"/>
+            <a:ext cx="1519758" cy="806724"/>
+          </a:xfrm>
+          <a:prstGeom prst="rect">
+            <a:avLst/>
+          </a:prstGeom>
+          <a:ln>
+            <a:headEnd/>
+            <a:tailEnd/>
+          </a:ln>
+        </p:spPr>
+        <p:style>
+          <a:lnRef idx="2">
+            <a:schemeClr val="accent2"/>
+          </a:lnRef>
+          <a:fillRef idx="1">
+            <a:schemeClr val="lt1"/>
+          </a:fillRef>
+          <a:effectRef idx="0">
+            <a:schemeClr val="accent2"/>
+          </a:effectRef>
+          <a:fontRef idx="minor">
+            <a:schemeClr val="dk1"/>
+          </a:fontRef>
+        </p:style>
+        <p:txBody>
+          <a:bodyPr lIns="90000" tIns="72000" rIns="90000" bIns="72000" rtlCol="0" anchor="ctr"/>
+          <a:lstStyle/>
+          <a:p>
+            <a:pPr marR="0" algn="ctr" defTabSz="914400" eaLnBrk="1" fontAlgn="base" latinLnBrk="0" hangingPunct="1">
+              <a:lnSpc>
+                <a:spcPct val="100000"/>
+              </a:lnSpc>
+              <a:spcBef>
+                <a:spcPct val="50000"/>
+              </a:spcBef>
+              <a:spcAft>
+                <a:spcPct val="0"/>
+              </a:spcAft>
+              <a:buClr>
+                <a:srgbClr val="F0AB00"/>
+              </a:buClr>
+              <a:buSzPct val="80000"/>
+              <a:tabLst/>
+            </a:pPr>
+            <a:r>
+              <a:rPr lang="en-US" sz="1800" kern="0" noProof="0" dirty="0">
+                <a:ea typeface="Arial Unicode MS" pitchFamily="34" charset="-128"/>
+                <a:cs typeface="Arial Unicode MS" pitchFamily="34" charset="-128"/>
+              </a:rPr>
+              <a:t>Service</a:t>
+            </a:r>
+            <a:r>
+              <a:rPr lang="en-US" sz="1800" kern="0" dirty="0">
+                <a:ea typeface="Arial Unicode MS" pitchFamily="34" charset="-128"/>
+                <a:cs typeface="Arial Unicode MS" pitchFamily="34" charset="-128"/>
+              </a:rPr>
+              <a:t> A</a:t>
+            </a:r>
+            <a:endParaRPr kumimoji="0" lang="en-US" sz="1800" b="0" i="0" u="none" strike="noStrike" kern="0" cap="none" spc="0" normalizeH="0" baseline="0" noProof="0" dirty="0">
+              <a:ln>
+                <a:noFill/>
+              </a:ln>
+              <a:effectLst/>
+              <a:uLnTx/>
+              <a:uFillTx/>
+              <a:ea typeface="Arial Unicode MS" pitchFamily="34" charset="-128"/>
+              <a:cs typeface="Arial Unicode MS" pitchFamily="34" charset="-128"/>
+            </a:endParaRPr>
+          </a:p>
+        </p:txBody>
+      </p:sp>
+      <p:cxnSp>
+        <p:nvCxnSpPr>
+          <p:cNvPr id="16" name="Straight Arrow Connector 15"/>
+          <p:cNvCxnSpPr>
+            <a:cxnSpLocks/>
+            <a:stCxn id="7" idx="3"/>
+            <a:endCxn id="12" idx="1"/>
+          </p:cNvCxnSpPr>
+          <p:nvPr/>
+        </p:nvCxnSpPr>
+        <p:spPr>
+          <a:xfrm flipV="1">
+            <a:off x="8744548" y="3262787"/>
+            <a:ext cx="657740" cy="1013216"/>
+          </a:xfrm>
+          <a:prstGeom prst="straightConnector1">
+            <a:avLst/>
+          </a:prstGeom>
+          <a:ln w="38100">
+            <a:solidFill>
+              <a:schemeClr val="tx2">
+                <a:lumMod val="60000"/>
+                <a:lumOff val="40000"/>
+              </a:schemeClr>
+            </a:solidFill>
+            <a:headEnd type="none" w="med" len="med"/>
+            <a:tailEnd type="triangle"/>
+          </a:ln>
+        </p:spPr>
+        <p:style>
+          <a:lnRef idx="1">
+            <a:schemeClr val="accent1"/>
+          </a:lnRef>
+          <a:fillRef idx="0">
+            <a:schemeClr val="accent1"/>
+          </a:fillRef>
+          <a:effectRef idx="0">
+            <a:schemeClr val="accent1"/>
+          </a:effectRef>
+          <a:fontRef idx="minor">
+            <a:schemeClr val="tx1"/>
+          </a:fontRef>
+        </p:style>
+      </p:cxnSp>
+      <p:cxnSp>
+        <p:nvCxnSpPr>
+          <p:cNvPr id="17" name="Straight Arrow Connector 16"/>
+          <p:cNvCxnSpPr>
+            <a:cxnSpLocks/>
+            <a:stCxn id="7" idx="3"/>
+            <a:endCxn id="14" idx="1"/>
+          </p:cNvCxnSpPr>
+          <p:nvPr/>
+        </p:nvCxnSpPr>
+        <p:spPr>
+          <a:xfrm flipV="1">
+            <a:off x="8744548" y="4270612"/>
+            <a:ext cx="665360" cy="5391"/>
+          </a:xfrm>
+          <a:prstGeom prst="straightConnector1">
+            <a:avLst/>
+          </a:prstGeom>
+          <a:ln w="38100">
+            <a:solidFill>
+              <a:schemeClr val="tx2">
+                <a:lumMod val="60000"/>
+                <a:lumOff val="40000"/>
+              </a:schemeClr>
+            </a:solidFill>
+            <a:headEnd type="none" w="med" len="med"/>
+            <a:tailEnd type="triangle"/>
+          </a:ln>
+        </p:spPr>
+        <p:style>
+          <a:lnRef idx="1">
+            <a:schemeClr val="accent1"/>
+          </a:lnRef>
+          <a:fillRef idx="0">
+            <a:schemeClr val="accent1"/>
+          </a:fillRef>
+          <a:effectRef idx="0">
+            <a:schemeClr val="accent1"/>
+          </a:effectRef>
+          <a:fontRef idx="minor">
+            <a:schemeClr val="tx1"/>
+          </a:fontRef>
+        </p:style>
+      </p:cxnSp>
+      <p:sp>
+        <p:nvSpPr>
+          <p:cNvPr id="22" name="Cylinder 21"/>
+          <p:cNvSpPr/>
+          <p:nvPr/>
+        </p:nvSpPr>
+        <p:spPr bwMode="gray">
+          <a:xfrm>
+            <a:off x="9531485" y="4875075"/>
+            <a:ext cx="1276604" cy="883743"/>
+          </a:xfrm>
+          <a:prstGeom prst="can">
+            <a:avLst/>
+          </a:prstGeom>
+          <a:ln>
+            <a:headEnd/>
+            <a:tailEnd/>
+          </a:ln>
+        </p:spPr>
+        <p:style>
+          <a:lnRef idx="2">
+            <a:schemeClr val="accent2"/>
+          </a:lnRef>
+          <a:fillRef idx="1">
+            <a:schemeClr val="lt1"/>
+          </a:fillRef>
+          <a:effectRef idx="0">
+            <a:schemeClr val="accent2"/>
+          </a:effectRef>
+          <a:fontRef idx="minor">
+            <a:schemeClr val="dk1"/>
+          </a:fontRef>
+        </p:style>
+        <p:txBody>
+          <a:bodyPr lIns="90000" tIns="72000" rIns="90000" bIns="72000" rtlCol="0" anchor="ctr"/>
+          <a:lstStyle/>
+          <a:p>
+            <a:pPr marR="0" algn="ctr" defTabSz="914400" eaLnBrk="1" fontAlgn="base" latinLnBrk="0" hangingPunct="1">
+              <a:lnSpc>
+                <a:spcPct val="100000"/>
+              </a:lnSpc>
+              <a:spcBef>
+                <a:spcPct val="50000"/>
+              </a:spcBef>
+              <a:spcAft>
+                <a:spcPct val="0"/>
+              </a:spcAft>
+              <a:buClr>
+                <a:srgbClr val="F0AB00"/>
+              </a:buClr>
+              <a:buSzPct val="80000"/>
+              <a:tabLst/>
+            </a:pPr>
+            <a:r>
+              <a:rPr lang="en-US" sz="1800" kern="0" dirty="0" err="1">
+                <a:ea typeface="Arial Unicode MS" pitchFamily="34" charset="-128"/>
+                <a:cs typeface="Arial Unicode MS" pitchFamily="34" charset="-128"/>
+              </a:rPr>
+              <a:t>configMap</a:t>
+            </a:r>
+            <a:endParaRPr kumimoji="0" lang="en-US" sz="1800" b="0" i="0" u="none" strike="noStrike" kern="0" cap="none" spc="0" normalizeH="0" baseline="0" noProof="0" dirty="0">
+              <a:ln>
+                <a:noFill/>
+              </a:ln>
+              <a:effectLst/>
+              <a:uLnTx/>
+              <a:uFillTx/>
+              <a:ea typeface="Arial Unicode MS" pitchFamily="34" charset="-128"/>
+              <a:cs typeface="Arial Unicode MS" pitchFamily="34" charset="-128"/>
+            </a:endParaRPr>
+          </a:p>
+        </p:txBody>
+      </p:sp>
+      <p:cxnSp>
+        <p:nvCxnSpPr>
+          <p:cNvPr id="24" name="Straight Arrow Connector 23"/>
+          <p:cNvCxnSpPr>
+            <a:cxnSpLocks/>
+            <a:stCxn id="7" idx="3"/>
+            <a:endCxn id="22" idx="2"/>
+          </p:cNvCxnSpPr>
+          <p:nvPr/>
+        </p:nvCxnSpPr>
+        <p:spPr>
+          <a:xfrm>
+            <a:off x="8744548" y="4276003"/>
+            <a:ext cx="786937" cy="1040944"/>
+          </a:xfrm>
+          <a:prstGeom prst="straightConnector1">
+            <a:avLst/>
+          </a:prstGeom>
+          <a:ln w="38100">
+            <a:solidFill>
+              <a:schemeClr val="tx2">
+                <a:lumMod val="60000"/>
+                <a:lumOff val="40000"/>
+              </a:schemeClr>
+            </a:solidFill>
+            <a:headEnd type="none" w="med" len="med"/>
+            <a:tailEnd type="triangle"/>
+          </a:ln>
+        </p:spPr>
+        <p:style>
+          <a:lnRef idx="1">
+            <a:schemeClr val="accent1"/>
+          </a:lnRef>
+          <a:fillRef idx="0">
+            <a:schemeClr val="accent1"/>
+          </a:fillRef>
+          <a:effectRef idx="0">
+            <a:schemeClr val="accent1"/>
+          </a:effectRef>
+          <a:fontRef idx="minor">
+            <a:schemeClr val="tx1"/>
+          </a:fontRef>
+        </p:style>
+      </p:cxnSp>
+      <p:sp>
+        <p:nvSpPr>
+          <p:cNvPr id="4" name="Title 3"/>
+          <p:cNvSpPr>
+            <a:spLocks noGrp="1"/>
+          </p:cNvSpPr>
+          <p:nvPr>
+            <p:ph type="title"/>
+          </p:nvPr>
+        </p:nvSpPr>
+        <p:spPr/>
+        <p:txBody>
+          <a:bodyPr/>
+          <a:lstStyle/>
+          <a:p>
+            <a:r>
+              <a:rPr lang="en-US" dirty="0"/>
+              <a:t>Helm v3 architecture</a:t>
+            </a:r>
+          </a:p>
+        </p:txBody>
+      </p:sp>
+      <p:sp>
+        <p:nvSpPr>
+          <p:cNvPr id="26" name="Rectangle 25"/>
+          <p:cNvSpPr/>
+          <p:nvPr/>
+        </p:nvSpPr>
+        <p:spPr bwMode="gray">
+          <a:xfrm>
+            <a:off x="3666770" y="3712670"/>
+            <a:ext cx="1627931" cy="1156258"/>
+          </a:xfrm>
+          <a:prstGeom prst="rect">
+            <a:avLst/>
+          </a:prstGeom>
+          <a:ln>
+            <a:headEnd/>
+            <a:tailEnd/>
+          </a:ln>
+        </p:spPr>
+        <p:style>
+          <a:lnRef idx="2">
+            <a:schemeClr val="accent2"/>
+          </a:lnRef>
+          <a:fillRef idx="1">
+            <a:schemeClr val="lt1"/>
+          </a:fillRef>
+          <a:effectRef idx="0">
+            <a:schemeClr val="accent2"/>
+          </a:effectRef>
+          <a:fontRef idx="minor">
+            <a:schemeClr val="dk1"/>
+          </a:fontRef>
+        </p:style>
+        <p:txBody>
+          <a:bodyPr lIns="90000" tIns="72000" rIns="90000" bIns="72000" rtlCol="0" anchor="ctr"/>
+          <a:lstStyle/>
+          <a:p>
+            <a:pPr marR="0" algn="ctr" defTabSz="914400" eaLnBrk="1" fontAlgn="base" latinLnBrk="0" hangingPunct="1">
+              <a:lnSpc>
+                <a:spcPct val="100000"/>
+              </a:lnSpc>
+              <a:spcBef>
+                <a:spcPct val="50000"/>
+              </a:spcBef>
+              <a:spcAft>
+                <a:spcPct val="0"/>
+              </a:spcAft>
+              <a:buClr>
+                <a:srgbClr val="F0AB00"/>
+              </a:buClr>
+              <a:buSzPct val="80000"/>
+              <a:tabLst/>
+            </a:pPr>
+            <a:r>
+              <a:rPr lang="en-US" sz="1800" b="1" kern="0" dirty="0">
+                <a:ea typeface="Arial Unicode MS" pitchFamily="34" charset="-128"/>
+                <a:cs typeface="Arial Unicode MS" pitchFamily="34" charset="-128"/>
+              </a:rPr>
+              <a:t>helm client</a:t>
+            </a:r>
+          </a:p>
+        </p:txBody>
+      </p:sp>
+      <p:sp>
+        <p:nvSpPr>
+          <p:cNvPr id="27" name="Cylinder 26"/>
+          <p:cNvSpPr/>
+          <p:nvPr/>
+        </p:nvSpPr>
+        <p:spPr bwMode="gray">
+          <a:xfrm>
+            <a:off x="3979251" y="5313599"/>
+            <a:ext cx="1002967" cy="912003"/>
+          </a:xfrm>
+          <a:prstGeom prst="can">
+            <a:avLst/>
+          </a:prstGeom>
+          <a:ln>
+            <a:headEnd/>
+            <a:tailEnd/>
+          </a:ln>
+        </p:spPr>
+        <p:style>
+          <a:lnRef idx="2">
+            <a:schemeClr val="accent2"/>
+          </a:lnRef>
+          <a:fillRef idx="1">
+            <a:schemeClr val="lt1"/>
+          </a:fillRef>
+          <a:effectRef idx="0">
+            <a:schemeClr val="accent2"/>
+          </a:effectRef>
+          <a:fontRef idx="minor">
+            <a:schemeClr val="dk1"/>
+          </a:fontRef>
+        </p:style>
+        <p:txBody>
+          <a:bodyPr lIns="90000" tIns="72000" rIns="90000" bIns="72000" rtlCol="0" anchor="ctr"/>
+          <a:lstStyle/>
+          <a:p>
+            <a:pPr marR="0" algn="ctr" defTabSz="914400" eaLnBrk="1" fontAlgn="base" latinLnBrk="0" hangingPunct="1">
+              <a:lnSpc>
+                <a:spcPct val="100000"/>
+              </a:lnSpc>
+              <a:spcBef>
+                <a:spcPct val="50000"/>
+              </a:spcBef>
+              <a:spcAft>
+                <a:spcPct val="0"/>
+              </a:spcAft>
+              <a:buClr>
+                <a:srgbClr val="F0AB00"/>
+              </a:buClr>
+              <a:buSzPct val="80000"/>
+              <a:tabLst/>
+            </a:pPr>
+            <a:r>
+              <a:rPr lang="en-US" sz="1800" kern="0" dirty="0">
+                <a:ea typeface="Arial Unicode MS" pitchFamily="34" charset="-128"/>
+                <a:cs typeface="Arial Unicode MS" pitchFamily="34" charset="-128"/>
+              </a:rPr>
+              <a:t>.</a:t>
+            </a:r>
+            <a:r>
+              <a:rPr lang="en-US" sz="1800" kern="0" dirty="0" err="1">
+                <a:ea typeface="Arial Unicode MS" pitchFamily="34" charset="-128"/>
+                <a:cs typeface="Arial Unicode MS" pitchFamily="34" charset="-128"/>
+              </a:rPr>
+              <a:t>kube</a:t>
+            </a:r>
+            <a:r>
+              <a:rPr lang="en-US" sz="1800" kern="0" dirty="0">
+                <a:ea typeface="Arial Unicode MS" pitchFamily="34" charset="-128"/>
+                <a:cs typeface="Arial Unicode MS" pitchFamily="34" charset="-128"/>
+              </a:rPr>
+              <a:t>/ config</a:t>
+            </a:r>
+            <a:endParaRPr kumimoji="0" lang="en-US" sz="1800" b="0" i="0" u="none" strike="noStrike" kern="0" cap="none" spc="0" normalizeH="0" baseline="0" noProof="0" dirty="0">
+              <a:ln>
+                <a:noFill/>
+              </a:ln>
+              <a:effectLst/>
+              <a:uLnTx/>
+              <a:uFillTx/>
+              <a:ea typeface="Arial Unicode MS" pitchFamily="34" charset="-128"/>
+              <a:cs typeface="Arial Unicode MS" pitchFamily="34" charset="-128"/>
+            </a:endParaRPr>
+          </a:p>
+        </p:txBody>
+      </p:sp>
+      <p:cxnSp>
+        <p:nvCxnSpPr>
+          <p:cNvPr id="28" name="Connector: Elbow 27"/>
+          <p:cNvCxnSpPr>
+            <a:stCxn id="27" idx="1"/>
+            <a:endCxn id="26" idx="2"/>
+          </p:cNvCxnSpPr>
+          <p:nvPr/>
+        </p:nvCxnSpPr>
+        <p:spPr>
+          <a:xfrm rot="5400000" flipH="1" flipV="1">
+            <a:off x="4258400" y="5091264"/>
+            <a:ext cx="444671" cy="1"/>
+          </a:xfrm>
+          <a:prstGeom prst="bentConnector3">
+            <a:avLst>
+              <a:gd name="adj1" fmla="val 50000"/>
+            </a:avLst>
+          </a:prstGeom>
+          <a:ln w="38100">
+            <a:solidFill>
+              <a:schemeClr val="tx1"/>
+            </a:solidFill>
+            <a:headEnd type="none" w="med" len="med"/>
+            <a:tailEnd type="triangle"/>
+          </a:ln>
+        </p:spPr>
+        <p:style>
+          <a:lnRef idx="1">
+            <a:schemeClr val="accent1"/>
+          </a:lnRef>
+          <a:fillRef idx="0">
+            <a:schemeClr val="accent1"/>
+          </a:fillRef>
+          <a:effectRef idx="0">
+            <a:schemeClr val="accent1"/>
+          </a:effectRef>
+          <a:fontRef idx="minor">
+            <a:schemeClr val="tx1"/>
+          </a:fontRef>
+        </p:style>
+      </p:cxnSp>
+      <p:sp>
+        <p:nvSpPr>
+          <p:cNvPr id="31" name="Scroll: Vertical 30"/>
+          <p:cNvSpPr/>
+          <p:nvPr/>
+        </p:nvSpPr>
+        <p:spPr bwMode="gray">
+          <a:xfrm>
+            <a:off x="683237" y="3010888"/>
+            <a:ext cx="2734547" cy="2559822"/>
+          </a:xfrm>
+          <a:prstGeom prst="verticalScroll">
+            <a:avLst/>
+          </a:prstGeom>
+          <a:ln>
+            <a:headEnd/>
+            <a:tailEnd/>
+          </a:ln>
+        </p:spPr>
+        <p:style>
+          <a:lnRef idx="2">
+            <a:schemeClr val="accent2"/>
+          </a:lnRef>
+          <a:fillRef idx="1">
+            <a:schemeClr val="lt1"/>
+          </a:fillRef>
+          <a:effectRef idx="0">
+            <a:schemeClr val="accent2"/>
+          </a:effectRef>
+          <a:fontRef idx="minor">
+            <a:schemeClr val="dk1"/>
+          </a:fontRef>
+        </p:style>
+        <p:txBody>
+          <a:bodyPr lIns="90000" tIns="72000" rIns="90000" bIns="72000" rtlCol="0" anchor="ctr"/>
+          <a:lstStyle/>
+          <a:p>
+            <a:pPr marR="0" algn="ctr" defTabSz="914400" eaLnBrk="1" fontAlgn="base" latinLnBrk="0" hangingPunct="1">
+              <a:lnSpc>
+                <a:spcPct val="100000"/>
+              </a:lnSpc>
+              <a:spcBef>
+                <a:spcPct val="50000"/>
+              </a:spcBef>
+              <a:spcAft>
+                <a:spcPct val="0"/>
+              </a:spcAft>
+              <a:buClr>
+                <a:srgbClr val="F0AB00"/>
+              </a:buClr>
+              <a:buSzPct val="80000"/>
+              <a:tabLst/>
+            </a:pPr>
+            <a:r>
+              <a:rPr kumimoji="0" lang="en-US" sz="1800" b="1" i="0" u="sng" strike="noStrike" kern="0" cap="none" spc="0" normalizeH="0" baseline="0" noProof="0" dirty="0">
+                <a:ln>
+                  <a:noFill/>
+                </a:ln>
+                <a:effectLst/>
+                <a:uLnTx/>
+                <a:uFillTx/>
+                <a:ea typeface="Arial Unicode MS" pitchFamily="34" charset="-128"/>
+                <a:cs typeface="Arial Unicode MS" pitchFamily="34" charset="-128"/>
+              </a:rPr>
+              <a:t>Chart</a:t>
+            </a:r>
+          </a:p>
+          <a:p>
+            <a:pPr marL="285750" marR="0" indent="-285750" defTabSz="914400" eaLnBrk="1" fontAlgn="base" latinLnBrk="0" hangingPunct="1">
+              <a:lnSpc>
+                <a:spcPct val="100000"/>
+              </a:lnSpc>
+              <a:spcBef>
+                <a:spcPct val="50000"/>
+              </a:spcBef>
+              <a:spcAft>
+                <a:spcPct val="0"/>
+              </a:spcAft>
+              <a:buClr>
+                <a:schemeClr val="bg1"/>
+              </a:buClr>
+              <a:buSzPct val="80000"/>
+              <a:buFont typeface="Wingdings" panose="05000000000000000000" pitchFamily="2" charset="2"/>
+              <a:buChar char="§"/>
+              <a:tabLst/>
+            </a:pPr>
+            <a:r>
+              <a:rPr lang="en-US" sz="1800" kern="0" dirty="0">
+                <a:ea typeface="Arial Unicode MS" pitchFamily="34" charset="-128"/>
+                <a:cs typeface="Arial Unicode MS" pitchFamily="34" charset="-128"/>
+              </a:rPr>
+              <a:t>K8s resources</a:t>
+            </a:r>
+          </a:p>
+          <a:p>
+            <a:pPr marL="285750" marR="0" indent="-285750" defTabSz="914400" eaLnBrk="1" fontAlgn="base" latinLnBrk="0" hangingPunct="1">
+              <a:lnSpc>
+                <a:spcPct val="100000"/>
+              </a:lnSpc>
+              <a:spcBef>
+                <a:spcPct val="50000"/>
+              </a:spcBef>
+              <a:spcAft>
+                <a:spcPct val="0"/>
+              </a:spcAft>
+              <a:buClr>
+                <a:schemeClr val="bg1"/>
+              </a:buClr>
+              <a:buSzPct val="80000"/>
+              <a:buFont typeface="Wingdings" panose="05000000000000000000" pitchFamily="2" charset="2"/>
+              <a:buChar char="§"/>
+              <a:tabLst/>
+            </a:pPr>
+            <a:r>
+              <a:rPr lang="en-US" sz="1800" kern="0" dirty="0">
+                <a:ea typeface="Arial Unicode MS" pitchFamily="34" charset="-128"/>
+                <a:cs typeface="Arial Unicode MS" pitchFamily="34" charset="-128"/>
+              </a:rPr>
+              <a:t>dynamic config</a:t>
+            </a:r>
+          </a:p>
+          <a:p>
+            <a:pPr marL="285750" marR="0" indent="-285750" defTabSz="914400" eaLnBrk="1" fontAlgn="base" latinLnBrk="0" hangingPunct="1">
+              <a:lnSpc>
+                <a:spcPct val="100000"/>
+              </a:lnSpc>
+              <a:spcBef>
+                <a:spcPct val="50000"/>
+              </a:spcBef>
+              <a:spcAft>
+                <a:spcPct val="0"/>
+              </a:spcAft>
+              <a:buClr>
+                <a:schemeClr val="bg1"/>
+              </a:buClr>
+              <a:buSzPct val="80000"/>
+              <a:buFont typeface="Wingdings" panose="05000000000000000000" pitchFamily="2" charset="2"/>
+              <a:buChar char="§"/>
+              <a:tabLst/>
+            </a:pPr>
+            <a:r>
+              <a:rPr lang="en-US" sz="1800" kern="0" dirty="0">
+                <a:ea typeface="Arial Unicode MS" pitchFamily="34" charset="-128"/>
+                <a:cs typeface="Arial Unicode MS" pitchFamily="34" charset="-128"/>
+              </a:rPr>
+              <a:t>dependencies</a:t>
+            </a:r>
+          </a:p>
+        </p:txBody>
+      </p:sp>
+      <p:cxnSp>
+        <p:nvCxnSpPr>
+          <p:cNvPr id="38" name="Straight Arrow Connector 37"/>
+          <p:cNvCxnSpPr>
+            <a:cxnSpLocks/>
+            <a:stCxn id="31" idx="3"/>
+            <a:endCxn id="26" idx="1"/>
+          </p:cNvCxnSpPr>
+          <p:nvPr/>
+        </p:nvCxnSpPr>
+        <p:spPr>
+          <a:xfrm>
+            <a:off x="3097806" y="4290799"/>
+            <a:ext cx="568964" cy="0"/>
+          </a:xfrm>
+          <a:prstGeom prst="straightConnector1">
+            <a:avLst/>
+          </a:prstGeom>
+          <a:ln w="38100">
+            <a:solidFill>
+              <a:schemeClr val="tx1"/>
+            </a:solidFill>
+            <a:headEnd type="none" w="med" len="med"/>
+            <a:tailEnd type="triangle"/>
+          </a:ln>
+        </p:spPr>
+        <p:style>
+          <a:lnRef idx="1">
+            <a:schemeClr val="accent1"/>
+          </a:lnRef>
+          <a:fillRef idx="0">
+            <a:schemeClr val="accent1"/>
+          </a:fillRef>
+          <a:effectRef idx="0">
+            <a:schemeClr val="accent1"/>
+          </a:effectRef>
+          <a:fontRef idx="minor">
+            <a:schemeClr val="tx1"/>
+          </a:fontRef>
+        </p:style>
+      </p:cxnSp>
+      <p:cxnSp>
+        <p:nvCxnSpPr>
+          <p:cNvPr id="41" name="Straight Arrow Connector 40"/>
+          <p:cNvCxnSpPr>
+            <a:cxnSpLocks/>
+            <a:stCxn id="26" idx="3"/>
+            <a:endCxn id="7" idx="1"/>
+          </p:cNvCxnSpPr>
+          <p:nvPr/>
+        </p:nvCxnSpPr>
+        <p:spPr>
+          <a:xfrm flipV="1">
+            <a:off x="5294701" y="4276003"/>
+            <a:ext cx="1821916" cy="14796"/>
+          </a:xfrm>
+          <a:prstGeom prst="straightConnector1">
+            <a:avLst/>
+          </a:prstGeom>
+          <a:ln w="38100">
+            <a:solidFill>
+              <a:schemeClr val="tx1"/>
+            </a:solidFill>
+            <a:headEnd type="none" w="med" len="med"/>
+            <a:tailEnd type="triangle"/>
+          </a:ln>
+        </p:spPr>
+        <p:style>
+          <a:lnRef idx="1">
+            <a:schemeClr val="accent1"/>
+          </a:lnRef>
+          <a:fillRef idx="0">
+            <a:schemeClr val="accent1"/>
+          </a:fillRef>
+          <a:effectRef idx="0">
+            <a:schemeClr val="accent1"/>
+          </a:effectRef>
+          <a:fontRef idx="minor">
+            <a:schemeClr val="tx1"/>
+          </a:fontRef>
+        </p:style>
+      </p:cxnSp>
+      <p:sp>
+        <p:nvSpPr>
+          <p:cNvPr id="45" name="Rectangle 44"/>
+          <p:cNvSpPr/>
+          <p:nvPr/>
+        </p:nvSpPr>
+        <p:spPr>
+          <a:xfrm>
+            <a:off x="5983549" y="1062560"/>
+            <a:ext cx="5340540" cy="1061829"/>
+          </a:xfrm>
+          <a:prstGeom prst="rect">
+            <a:avLst/>
+          </a:prstGeom>
+        </p:spPr>
+        <p:txBody>
+          <a:bodyPr wrap="square">
+            <a:spAutoFit/>
+          </a:bodyPr>
+          <a:lstStyle/>
+          <a:p>
+            <a:pPr marL="342900" indent="-342900">
+              <a:buFont typeface="Wingdings" panose="05000000000000000000" pitchFamily="2" charset="2"/>
+              <a:buChar char="§"/>
+            </a:pPr>
+            <a:r>
+              <a:rPr lang="en-US" dirty="0"/>
+              <a:t>Deployed charts are “releases” and have a version</a:t>
+            </a:r>
+          </a:p>
+          <a:p>
+            <a:pPr marL="342900" indent="-342900">
+              <a:buFont typeface="Wingdings" panose="05000000000000000000" pitchFamily="2" charset="2"/>
+              <a:buChar char="§"/>
+            </a:pPr>
+            <a:r>
+              <a:rPr lang="en-US" dirty="0"/>
+              <a:t>Releases are </a:t>
+            </a:r>
+            <a:r>
+              <a:rPr lang="en-US" dirty="0" err="1"/>
+              <a:t>namespaced</a:t>
+            </a:r>
+            <a:endParaRPr lang="en-US" dirty="0"/>
+          </a:p>
+        </p:txBody>
+      </p:sp>
+    </p:spTree>
+    <p:extLst>
+      <p:ext uri="{BB962C8B-B14F-4D97-AF65-F5344CB8AC3E}">
+        <p14:creationId xmlns:p14="http://schemas.microsoft.com/office/powerpoint/2010/main" val="612603577"/>
+      </p:ext>
+    </p:extLst>
+  </p:cSld>
+  <p:clrMapOvr>
+    <a:masterClrMapping/>
+  </p:clrMapOvr>
+</p:sld>
+</file>
+
+<file path=ppt/slides/slide4.xml><?xml version="1.0" encoding="utf-8"?>
+<p:sld xmlns:a="http://schemas.openxmlformats.org/drawingml/2006/main" xmlns:r="http://schemas.openxmlformats.org/officeDocument/2006/relationships" xmlns:p="http://schemas.openxmlformats.org/presentationml/2006/main">
+  <p:cSld>
+    <p:spTree>
+      <p:nvGrpSpPr>
+        <p:cNvPr id="1" name=""/>
+        <p:cNvGrpSpPr/>
+        <p:nvPr/>
+      </p:nvGrpSpPr>
+      <p:grpSpPr>
+        <a:xfrm>
+          <a:off x="0" y="0"/>
+          <a:ext cx="0" cy="0"/>
+          <a:chOff x="0" y="0"/>
+          <a:chExt cx="0" cy="0"/>
+        </a:xfrm>
+      </p:grpSpPr>
+      <p:sp>
+        <p:nvSpPr>
+          <p:cNvPr id="13" name="Rectangle 12"/>
+          <p:cNvSpPr/>
+          <p:nvPr/>
+        </p:nvSpPr>
+        <p:spPr bwMode="gray">
+          <a:xfrm>
             <a:off x="5410200" y="2624132"/>
             <a:ext cx="6012180" cy="3303743"/>
           </a:xfrm>
@@ -17554,7 +20233,7 @@
           <a:p>
             <a:r>
               <a:rPr lang="en-US" dirty="0"/>
-              <a:t>Helm architecture</a:t>
+              <a:t>Helm v2 architecture (deprecated / only maintenance)</a:t>
             </a:r>
           </a:p>
         </p:txBody>
@@ -18195,7 +20874,7 @@
     </p:spTree>
     <p:extLst>
       <p:ext uri="{BB962C8B-B14F-4D97-AF65-F5344CB8AC3E}">
-        <p14:creationId xmlns:p14="http://schemas.microsoft.com/office/powerpoint/2010/main" val="612603577"/>
+        <p14:creationId xmlns:p14="http://schemas.microsoft.com/office/powerpoint/2010/main" val="3195624091"/>
       </p:ext>
     </p:extLst>
   </p:cSld>
@@ -18205,7 +20884,7 @@
 </p:sld>
 </file>
 
-<file path=ppt/slides/slide4.xml><?xml version="1.0" encoding="utf-8"?>
+<file path=ppt/slides/slide5.xml><?xml version="1.0" encoding="utf-8"?>
 <p:sld xmlns:a="http://schemas.openxmlformats.org/drawingml/2006/main" xmlns:r="http://schemas.openxmlformats.org/officeDocument/2006/relationships" xmlns:p="http://schemas.openxmlformats.org/presentationml/2006/main">
   <p:cSld>
     <p:spTree>
@@ -18244,719 +20923,6 @@
           </a:p>
         </p:txBody>
       </p:sp>
-      <p:sp>
-        <p:nvSpPr>
-          <p:cNvPr id="3" name="Rectangle 2"/>
-          <p:cNvSpPr/>
-          <p:nvPr/>
-        </p:nvSpPr>
-        <p:spPr bwMode="gray">
-          <a:xfrm>
-            <a:off x="6256020" y="2311712"/>
-            <a:ext cx="5478780" cy="3303743"/>
-          </a:xfrm>
-          <a:prstGeom prst="rect">
-            <a:avLst/>
-          </a:prstGeom>
-          <a:solidFill>
-            <a:schemeClr val="bg1">
-              <a:lumMod val="75000"/>
-            </a:schemeClr>
-          </a:solidFill>
-          <a:ln>
-            <a:solidFill>
-              <a:schemeClr val="tx1"/>
-            </a:solidFill>
-            <a:headEnd/>
-            <a:tailEnd/>
-          </a:ln>
-        </p:spPr>
-        <p:style>
-          <a:lnRef idx="2">
-            <a:schemeClr val="accent2">
-              <a:shade val="50000"/>
-            </a:schemeClr>
-          </a:lnRef>
-          <a:fillRef idx="1">
-            <a:schemeClr val="accent2"/>
-          </a:fillRef>
-          <a:effectRef idx="0">
-            <a:schemeClr val="accent2"/>
-          </a:effectRef>
-          <a:fontRef idx="minor">
-            <a:schemeClr val="lt1"/>
-          </a:fontRef>
-        </p:style>
-        <p:txBody>
-          <a:bodyPr lIns="90000" tIns="72000" rIns="90000" bIns="72000" rtlCol="0" anchor="t"/>
-          <a:lstStyle/>
-          <a:p>
-            <a:pPr marR="0" defTabSz="914400" eaLnBrk="1" fontAlgn="base" latinLnBrk="0" hangingPunct="1">
-              <a:lnSpc>
-                <a:spcPct val="100000"/>
-              </a:lnSpc>
-              <a:spcBef>
-                <a:spcPct val="50000"/>
-              </a:spcBef>
-              <a:spcAft>
-                <a:spcPct val="0"/>
-              </a:spcAft>
-              <a:buClr>
-                <a:srgbClr val="F0AB00"/>
-              </a:buClr>
-              <a:buSzPct val="80000"/>
-              <a:tabLst/>
-            </a:pPr>
-            <a:r>
-              <a:rPr lang="en-US" sz="1600" b="1" kern="0" dirty="0">
-                <a:solidFill>
-                  <a:schemeClr val="tx1"/>
-                </a:solidFill>
-                <a:ea typeface="Arial Unicode MS" pitchFamily="34" charset="-128"/>
-                <a:cs typeface="Arial Unicode MS" pitchFamily="34" charset="-128"/>
-              </a:rPr>
-              <a:t>Namespace</a:t>
-            </a:r>
-            <a:endParaRPr kumimoji="0" lang="en-US" sz="1600" b="1" i="0" u="none" strike="noStrike" kern="0" cap="none" spc="0" normalizeH="0" baseline="0" noProof="0" dirty="0">
-              <a:ln>
-                <a:noFill/>
-              </a:ln>
-              <a:solidFill>
-                <a:schemeClr val="tx1"/>
-              </a:solidFill>
-              <a:effectLst/>
-              <a:uLnTx/>
-              <a:uFillTx/>
-              <a:ea typeface="Arial Unicode MS" pitchFamily="34" charset="-128"/>
-              <a:cs typeface="Arial Unicode MS" pitchFamily="34" charset="-128"/>
-            </a:endParaRPr>
-          </a:p>
-        </p:txBody>
-      </p:sp>
-      <p:sp>
-        <p:nvSpPr>
-          <p:cNvPr id="4" name="Rectangle 3"/>
-          <p:cNvSpPr/>
-          <p:nvPr/>
-        </p:nvSpPr>
-        <p:spPr bwMode="gray">
-          <a:xfrm>
-            <a:off x="8293501" y="3385454"/>
-            <a:ext cx="1627931" cy="1156258"/>
-          </a:xfrm>
-          <a:prstGeom prst="rect">
-            <a:avLst/>
-          </a:prstGeom>
-          <a:ln>
-            <a:headEnd/>
-            <a:tailEnd/>
-          </a:ln>
-        </p:spPr>
-        <p:style>
-          <a:lnRef idx="2">
-            <a:schemeClr val="accent2"/>
-          </a:lnRef>
-          <a:fillRef idx="1">
-            <a:schemeClr val="lt1"/>
-          </a:fillRef>
-          <a:effectRef idx="0">
-            <a:schemeClr val="accent2"/>
-          </a:effectRef>
-          <a:fontRef idx="minor">
-            <a:schemeClr val="dk1"/>
-          </a:fontRef>
-        </p:style>
-        <p:txBody>
-          <a:bodyPr lIns="90000" tIns="72000" rIns="90000" bIns="72000" rtlCol="0" anchor="ctr"/>
-          <a:lstStyle/>
-          <a:p>
-            <a:pPr marR="0" algn="ctr" defTabSz="914400" eaLnBrk="1" fontAlgn="base" latinLnBrk="0" hangingPunct="1">
-              <a:lnSpc>
-                <a:spcPct val="100000"/>
-              </a:lnSpc>
-              <a:spcBef>
-                <a:spcPct val="50000"/>
-              </a:spcBef>
-              <a:spcAft>
-                <a:spcPct val="0"/>
-              </a:spcAft>
-              <a:buClr>
-                <a:srgbClr val="F0AB00"/>
-              </a:buClr>
-              <a:buSzPct val="80000"/>
-              <a:tabLst/>
-            </a:pPr>
-            <a:r>
-              <a:rPr lang="en-US" sz="1800" kern="0" dirty="0">
-                <a:ea typeface="Arial Unicode MS" pitchFamily="34" charset="-128"/>
-                <a:cs typeface="Arial Unicode MS" pitchFamily="34" charset="-128"/>
-              </a:rPr>
-              <a:t>release</a:t>
-            </a:r>
-          </a:p>
-          <a:p>
-            <a:pPr marR="0" algn="ctr" defTabSz="914400" eaLnBrk="1" fontAlgn="base" latinLnBrk="0" hangingPunct="1">
-              <a:lnSpc>
-                <a:spcPct val="100000"/>
-              </a:lnSpc>
-              <a:spcBef>
-                <a:spcPct val="50000"/>
-              </a:spcBef>
-              <a:spcAft>
-                <a:spcPct val="0"/>
-              </a:spcAft>
-              <a:buClr>
-                <a:srgbClr val="F0AB00"/>
-              </a:buClr>
-              <a:buSzPct val="80000"/>
-              <a:tabLst/>
-            </a:pPr>
-            <a:r>
-              <a:rPr kumimoji="0" lang="en-US" sz="1800" b="0" i="0" u="none" strike="noStrike" kern="0" cap="none" spc="0" normalizeH="0" baseline="0" noProof="0" dirty="0">
-                <a:ln>
-                  <a:noFill/>
-                </a:ln>
-                <a:effectLst/>
-                <a:uLnTx/>
-                <a:uFillTx/>
-                <a:ea typeface="Arial Unicode MS" pitchFamily="34" charset="-128"/>
-                <a:cs typeface="Arial Unicode MS" pitchFamily="34" charset="-128"/>
-              </a:rPr>
-              <a:t>“</a:t>
-            </a:r>
-            <a:r>
-              <a:rPr lang="en-US" sz="1800" kern="0" dirty="0">
-                <a:ea typeface="Arial Unicode MS" pitchFamily="34" charset="-128"/>
-                <a:cs typeface="Arial Unicode MS" pitchFamily="34" charset="-128"/>
-              </a:rPr>
-              <a:t>my_</a:t>
-            </a:r>
-            <a:r>
-              <a:rPr kumimoji="0" lang="en-US" sz="1800" b="0" i="0" u="none" strike="noStrike" kern="0" cap="none" spc="0" normalizeH="0" baseline="0" noProof="0" dirty="0">
-                <a:ln>
-                  <a:noFill/>
-                </a:ln>
-                <a:effectLst/>
-                <a:uLnTx/>
-                <a:uFillTx/>
-                <a:ea typeface="Arial Unicode MS" pitchFamily="34" charset="-128"/>
-                <a:cs typeface="Arial Unicode MS" pitchFamily="34" charset="-128"/>
-              </a:rPr>
-              <a:t>app”</a:t>
-            </a:r>
-          </a:p>
-        </p:txBody>
-      </p:sp>
-      <p:sp>
-        <p:nvSpPr>
-          <p:cNvPr id="5" name="Rectangle 4"/>
-          <p:cNvSpPr/>
-          <p:nvPr/>
-        </p:nvSpPr>
-        <p:spPr bwMode="gray">
-          <a:xfrm>
-            <a:off x="10228653" y="2547005"/>
-            <a:ext cx="1062486" cy="806724"/>
-          </a:xfrm>
-          <a:prstGeom prst="rect">
-            <a:avLst/>
-          </a:prstGeom>
-          <a:ln>
-            <a:headEnd/>
-            <a:tailEnd/>
-          </a:ln>
-        </p:spPr>
-        <p:style>
-          <a:lnRef idx="2">
-            <a:schemeClr val="accent2"/>
-          </a:lnRef>
-          <a:fillRef idx="1">
-            <a:schemeClr val="lt1"/>
-          </a:fillRef>
-          <a:effectRef idx="0">
-            <a:schemeClr val="accent2"/>
-          </a:effectRef>
-          <a:fontRef idx="minor">
-            <a:schemeClr val="dk1"/>
-          </a:fontRef>
-        </p:style>
-        <p:txBody>
-          <a:bodyPr lIns="90000" tIns="72000" rIns="90000" bIns="72000" rtlCol="0" anchor="ctr"/>
-          <a:lstStyle/>
-          <a:p>
-            <a:pPr marR="0" algn="ctr" defTabSz="914400" eaLnBrk="1" fontAlgn="base" latinLnBrk="0" hangingPunct="1">
-              <a:lnSpc>
-                <a:spcPct val="100000"/>
-              </a:lnSpc>
-              <a:spcBef>
-                <a:spcPct val="50000"/>
-              </a:spcBef>
-              <a:spcAft>
-                <a:spcPct val="0"/>
-              </a:spcAft>
-              <a:buClr>
-                <a:srgbClr val="F0AB00"/>
-              </a:buClr>
-              <a:buSzPct val="80000"/>
-              <a:tabLst/>
-            </a:pPr>
-            <a:r>
-              <a:rPr lang="en-US" sz="1800" kern="0" noProof="0" dirty="0">
-                <a:ea typeface="Arial Unicode MS" pitchFamily="34" charset="-128"/>
-                <a:cs typeface="Arial Unicode MS" pitchFamily="34" charset="-128"/>
-              </a:rPr>
-              <a:t>Pod</a:t>
-            </a:r>
-            <a:r>
-              <a:rPr lang="en-US" sz="1800" kern="0" dirty="0">
-                <a:ea typeface="Arial Unicode MS" pitchFamily="34" charset="-128"/>
-                <a:cs typeface="Arial Unicode MS" pitchFamily="34" charset="-128"/>
-              </a:rPr>
-              <a:t> A</a:t>
-            </a:r>
-            <a:endParaRPr kumimoji="0" lang="en-US" sz="1800" b="0" i="0" u="none" strike="noStrike" kern="0" cap="none" spc="0" normalizeH="0" baseline="0" noProof="0" dirty="0">
-              <a:ln>
-                <a:noFill/>
-              </a:ln>
-              <a:effectLst/>
-              <a:uLnTx/>
-              <a:uFillTx/>
-              <a:ea typeface="Arial Unicode MS" pitchFamily="34" charset="-128"/>
-              <a:cs typeface="Arial Unicode MS" pitchFamily="34" charset="-128"/>
-            </a:endParaRPr>
-          </a:p>
-        </p:txBody>
-      </p:sp>
-      <p:sp>
-        <p:nvSpPr>
-          <p:cNvPr id="6" name="Rectangle 5"/>
-          <p:cNvSpPr/>
-          <p:nvPr/>
-        </p:nvSpPr>
-        <p:spPr bwMode="gray">
-          <a:xfrm>
-            <a:off x="10243893" y="4703465"/>
-            <a:ext cx="1062486" cy="806724"/>
-          </a:xfrm>
-          <a:prstGeom prst="rect">
-            <a:avLst/>
-          </a:prstGeom>
-          <a:ln>
-            <a:headEnd/>
-            <a:tailEnd/>
-          </a:ln>
-        </p:spPr>
-        <p:style>
-          <a:lnRef idx="2">
-            <a:schemeClr val="accent2"/>
-          </a:lnRef>
-          <a:fillRef idx="1">
-            <a:schemeClr val="lt1"/>
-          </a:fillRef>
-          <a:effectRef idx="0">
-            <a:schemeClr val="accent2"/>
-          </a:effectRef>
-          <a:fontRef idx="minor">
-            <a:schemeClr val="dk1"/>
-          </a:fontRef>
-        </p:style>
-        <p:txBody>
-          <a:bodyPr lIns="90000" tIns="72000" rIns="90000" bIns="72000" rtlCol="0" anchor="ctr"/>
-          <a:lstStyle/>
-          <a:p>
-            <a:pPr marR="0" algn="ctr" defTabSz="914400" eaLnBrk="1" fontAlgn="base" latinLnBrk="0" hangingPunct="1">
-              <a:lnSpc>
-                <a:spcPct val="100000"/>
-              </a:lnSpc>
-              <a:spcBef>
-                <a:spcPct val="50000"/>
-              </a:spcBef>
-              <a:spcAft>
-                <a:spcPct val="0"/>
-              </a:spcAft>
-              <a:buClr>
-                <a:srgbClr val="F0AB00"/>
-              </a:buClr>
-              <a:buSzPct val="80000"/>
-              <a:tabLst/>
-            </a:pPr>
-            <a:r>
-              <a:rPr lang="en-US" sz="1800" kern="0" noProof="0" dirty="0">
-                <a:ea typeface="Arial Unicode MS" pitchFamily="34" charset="-128"/>
-                <a:cs typeface="Arial Unicode MS" pitchFamily="34" charset="-128"/>
-              </a:rPr>
-              <a:t>Pod</a:t>
-            </a:r>
-            <a:r>
-              <a:rPr lang="en-US" sz="1800" kern="0" dirty="0">
-                <a:ea typeface="Arial Unicode MS" pitchFamily="34" charset="-128"/>
-                <a:cs typeface="Arial Unicode MS" pitchFamily="34" charset="-128"/>
-              </a:rPr>
-              <a:t> B</a:t>
-            </a:r>
-            <a:endParaRPr kumimoji="0" lang="en-US" sz="1800" b="0" i="0" u="none" strike="noStrike" kern="0" cap="none" spc="0" normalizeH="0" baseline="0" noProof="0" dirty="0">
-              <a:ln>
-                <a:noFill/>
-              </a:ln>
-              <a:effectLst/>
-              <a:uLnTx/>
-              <a:uFillTx/>
-              <a:ea typeface="Arial Unicode MS" pitchFamily="34" charset="-128"/>
-              <a:cs typeface="Arial Unicode MS" pitchFamily="34" charset="-128"/>
-            </a:endParaRPr>
-          </a:p>
-        </p:txBody>
-      </p:sp>
-      <p:cxnSp>
-        <p:nvCxnSpPr>
-          <p:cNvPr id="7" name="Straight Arrow Connector 6"/>
-          <p:cNvCxnSpPr>
-            <a:stCxn id="4" idx="3"/>
-            <a:endCxn id="5" idx="1"/>
-          </p:cNvCxnSpPr>
-          <p:nvPr/>
-        </p:nvCxnSpPr>
-        <p:spPr>
-          <a:xfrm flipV="1">
-            <a:off x="9921432" y="2950367"/>
-            <a:ext cx="307221" cy="1013216"/>
-          </a:xfrm>
-          <a:prstGeom prst="straightConnector1">
-            <a:avLst/>
-          </a:prstGeom>
-          <a:ln w="38100">
-            <a:solidFill>
-              <a:schemeClr val="tx2">
-                <a:lumMod val="60000"/>
-                <a:lumOff val="40000"/>
-              </a:schemeClr>
-            </a:solidFill>
-            <a:headEnd type="none" w="med" len="med"/>
-            <a:tailEnd type="triangle"/>
-          </a:ln>
-        </p:spPr>
-        <p:style>
-          <a:lnRef idx="1">
-            <a:schemeClr val="accent1"/>
-          </a:lnRef>
-          <a:fillRef idx="0">
-            <a:schemeClr val="accent1"/>
-          </a:fillRef>
-          <a:effectRef idx="0">
-            <a:schemeClr val="accent1"/>
-          </a:effectRef>
-          <a:fontRef idx="minor">
-            <a:schemeClr val="tx1"/>
-          </a:fontRef>
-        </p:style>
-      </p:cxnSp>
-      <p:cxnSp>
-        <p:nvCxnSpPr>
-          <p:cNvPr id="8" name="Straight Arrow Connector 7"/>
-          <p:cNvCxnSpPr>
-            <a:stCxn id="4" idx="3"/>
-            <a:endCxn id="6" idx="1"/>
-          </p:cNvCxnSpPr>
-          <p:nvPr/>
-        </p:nvCxnSpPr>
-        <p:spPr>
-          <a:xfrm>
-            <a:off x="9921432" y="3963583"/>
-            <a:ext cx="322461" cy="1143244"/>
-          </a:xfrm>
-          <a:prstGeom prst="straightConnector1">
-            <a:avLst/>
-          </a:prstGeom>
-          <a:ln w="38100">
-            <a:solidFill>
-              <a:schemeClr val="tx2">
-                <a:lumMod val="60000"/>
-                <a:lumOff val="40000"/>
-              </a:schemeClr>
-            </a:solidFill>
-            <a:headEnd type="none" w="med" len="med"/>
-            <a:tailEnd type="triangle"/>
-          </a:ln>
-        </p:spPr>
-        <p:style>
-          <a:lnRef idx="1">
-            <a:schemeClr val="accent1"/>
-          </a:lnRef>
-          <a:fillRef idx="0">
-            <a:schemeClr val="accent1"/>
-          </a:fillRef>
-          <a:effectRef idx="0">
-            <a:schemeClr val="accent1"/>
-          </a:effectRef>
-          <a:fontRef idx="minor">
-            <a:schemeClr val="tx1"/>
-          </a:fontRef>
-        </p:style>
-      </p:cxnSp>
-      <p:sp>
-        <p:nvSpPr>
-          <p:cNvPr id="9" name="Cylinder 8"/>
-          <p:cNvSpPr/>
-          <p:nvPr/>
-        </p:nvSpPr>
-        <p:spPr bwMode="gray">
-          <a:xfrm>
-            <a:off x="10265312" y="3602399"/>
-            <a:ext cx="1002967" cy="812920"/>
-          </a:xfrm>
-          <a:prstGeom prst="can">
-            <a:avLst/>
-          </a:prstGeom>
-          <a:ln>
-            <a:headEnd/>
-            <a:tailEnd/>
-          </a:ln>
-        </p:spPr>
-        <p:style>
-          <a:lnRef idx="2">
-            <a:schemeClr val="accent2"/>
-          </a:lnRef>
-          <a:fillRef idx="1">
-            <a:schemeClr val="lt1"/>
-          </a:fillRef>
-          <a:effectRef idx="0">
-            <a:schemeClr val="accent2"/>
-          </a:effectRef>
-          <a:fontRef idx="minor">
-            <a:schemeClr val="dk1"/>
-          </a:fontRef>
-        </p:style>
-        <p:txBody>
-          <a:bodyPr lIns="90000" tIns="72000" rIns="90000" bIns="72000" rtlCol="0" anchor="ctr"/>
-          <a:lstStyle/>
-          <a:p>
-            <a:pPr marR="0" algn="ctr" defTabSz="914400" eaLnBrk="1" fontAlgn="base" latinLnBrk="0" hangingPunct="1">
-              <a:lnSpc>
-                <a:spcPct val="100000"/>
-              </a:lnSpc>
-              <a:spcBef>
-                <a:spcPct val="50000"/>
-              </a:spcBef>
-              <a:spcAft>
-                <a:spcPct val="0"/>
-              </a:spcAft>
-              <a:buClr>
-                <a:srgbClr val="F0AB00"/>
-              </a:buClr>
-              <a:buSzPct val="80000"/>
-              <a:tabLst/>
-            </a:pPr>
-            <a:r>
-              <a:rPr lang="en-US" sz="1800" kern="0" dirty="0">
-                <a:ea typeface="Arial Unicode MS" pitchFamily="34" charset="-128"/>
-                <a:cs typeface="Arial Unicode MS" pitchFamily="34" charset="-128"/>
-              </a:rPr>
-              <a:t>secrets</a:t>
-            </a:r>
-            <a:endParaRPr kumimoji="0" lang="en-US" sz="1800" b="0" i="0" u="none" strike="noStrike" kern="0" cap="none" spc="0" normalizeH="0" baseline="0" noProof="0" dirty="0">
-              <a:ln>
-                <a:noFill/>
-              </a:ln>
-              <a:effectLst/>
-              <a:uLnTx/>
-              <a:uFillTx/>
-              <a:ea typeface="Arial Unicode MS" pitchFamily="34" charset="-128"/>
-              <a:cs typeface="Arial Unicode MS" pitchFamily="34" charset="-128"/>
-            </a:endParaRPr>
-          </a:p>
-        </p:txBody>
-      </p:sp>
-      <p:cxnSp>
-        <p:nvCxnSpPr>
-          <p:cNvPr id="10" name="Straight Arrow Connector 9"/>
-          <p:cNvCxnSpPr>
-            <a:stCxn id="9" idx="1"/>
-            <a:endCxn id="5" idx="2"/>
-          </p:cNvCxnSpPr>
-          <p:nvPr/>
-        </p:nvCxnSpPr>
-        <p:spPr>
-          <a:xfrm flipH="1" flipV="1">
-            <a:off x="10759896" y="3353729"/>
-            <a:ext cx="6900" cy="248670"/>
-          </a:xfrm>
-          <a:prstGeom prst="straightConnector1">
-            <a:avLst/>
-          </a:prstGeom>
-          <a:ln w="38100">
-            <a:solidFill>
-              <a:schemeClr val="tx2">
-                <a:lumMod val="60000"/>
-                <a:lumOff val="40000"/>
-              </a:schemeClr>
-            </a:solidFill>
-            <a:headEnd type="none" w="med" len="med"/>
-            <a:tailEnd type="triangle"/>
-          </a:ln>
-        </p:spPr>
-        <p:style>
-          <a:lnRef idx="1">
-            <a:schemeClr val="accent1"/>
-          </a:lnRef>
-          <a:fillRef idx="0">
-            <a:schemeClr val="accent1"/>
-          </a:fillRef>
-          <a:effectRef idx="0">
-            <a:schemeClr val="accent1"/>
-          </a:effectRef>
-          <a:fontRef idx="minor">
-            <a:schemeClr val="tx1"/>
-          </a:fontRef>
-        </p:style>
-      </p:cxnSp>
-      <p:cxnSp>
-        <p:nvCxnSpPr>
-          <p:cNvPr id="11" name="Straight Arrow Connector 10"/>
-          <p:cNvCxnSpPr>
-            <a:stCxn id="9" idx="3"/>
-            <a:endCxn id="6" idx="0"/>
-          </p:cNvCxnSpPr>
-          <p:nvPr/>
-        </p:nvCxnSpPr>
-        <p:spPr>
-          <a:xfrm>
-            <a:off x="10766796" y="4415319"/>
-            <a:ext cx="8340" cy="288146"/>
-          </a:xfrm>
-          <a:prstGeom prst="straightConnector1">
-            <a:avLst/>
-          </a:prstGeom>
-          <a:ln w="38100">
-            <a:solidFill>
-              <a:schemeClr val="tx2">
-                <a:lumMod val="60000"/>
-                <a:lumOff val="40000"/>
-              </a:schemeClr>
-            </a:solidFill>
-            <a:headEnd type="none" w="med" len="med"/>
-            <a:tailEnd type="triangle"/>
-          </a:ln>
-        </p:spPr>
-        <p:style>
-          <a:lnRef idx="1">
-            <a:schemeClr val="accent1"/>
-          </a:lnRef>
-          <a:fillRef idx="0">
-            <a:schemeClr val="accent1"/>
-          </a:fillRef>
-          <a:effectRef idx="0">
-            <a:schemeClr val="accent1"/>
-          </a:effectRef>
-          <a:fontRef idx="minor">
-            <a:schemeClr val="tx1"/>
-          </a:fontRef>
-        </p:style>
-      </p:cxnSp>
-      <p:sp>
-        <p:nvSpPr>
-          <p:cNvPr id="12" name="Rectangle 11"/>
-          <p:cNvSpPr/>
-          <p:nvPr/>
-        </p:nvSpPr>
-        <p:spPr bwMode="gray">
-          <a:xfrm>
-            <a:off x="6506268" y="3389968"/>
-            <a:ext cx="1627931" cy="1156258"/>
-          </a:xfrm>
-          <a:prstGeom prst="rect">
-            <a:avLst/>
-          </a:prstGeom>
-          <a:ln>
-            <a:headEnd/>
-            <a:tailEnd/>
-          </a:ln>
-        </p:spPr>
-        <p:style>
-          <a:lnRef idx="2">
-            <a:schemeClr val="accent2"/>
-          </a:lnRef>
-          <a:fillRef idx="1">
-            <a:schemeClr val="lt1"/>
-          </a:fillRef>
-          <a:effectRef idx="0">
-            <a:schemeClr val="accent2"/>
-          </a:effectRef>
-          <a:fontRef idx="minor">
-            <a:schemeClr val="dk1"/>
-          </a:fontRef>
-        </p:style>
-        <p:txBody>
-          <a:bodyPr lIns="90000" tIns="72000" rIns="90000" bIns="72000" rtlCol="0" anchor="ctr"/>
-          <a:lstStyle/>
-          <a:p>
-            <a:pPr marR="0" algn="ctr" defTabSz="914400" eaLnBrk="1" fontAlgn="base" latinLnBrk="0" hangingPunct="1">
-              <a:lnSpc>
-                <a:spcPct val="100000"/>
-              </a:lnSpc>
-              <a:spcBef>
-                <a:spcPct val="50000"/>
-              </a:spcBef>
-              <a:spcAft>
-                <a:spcPct val="0"/>
-              </a:spcAft>
-              <a:buClr>
-                <a:srgbClr val="F0AB00"/>
-              </a:buClr>
-              <a:buSzPct val="80000"/>
-              <a:tabLst/>
-            </a:pPr>
-            <a:r>
-              <a:rPr lang="en-US" sz="1800" b="1" kern="0" dirty="0">
-                <a:ea typeface="Arial Unicode MS" pitchFamily="34" charset="-128"/>
-                <a:cs typeface="Arial Unicode MS" pitchFamily="34" charset="-128"/>
-              </a:rPr>
-              <a:t>tiller-server</a:t>
-            </a:r>
-          </a:p>
-        </p:txBody>
-      </p:sp>
-      <p:cxnSp>
-        <p:nvCxnSpPr>
-          <p:cNvPr id="13" name="Connector: Elbow 12"/>
-          <p:cNvCxnSpPr>
-            <a:stCxn id="12" idx="0"/>
-            <a:endCxn id="4" idx="0"/>
-          </p:cNvCxnSpPr>
-          <p:nvPr/>
-        </p:nvCxnSpPr>
-        <p:spPr>
-          <a:xfrm rot="5400000" flipH="1" flipV="1">
-            <a:off x="8211593" y="2494095"/>
-            <a:ext cx="4514" cy="1787233"/>
-          </a:xfrm>
-          <a:prstGeom prst="bentConnector3">
-            <a:avLst>
-              <a:gd name="adj1" fmla="val 5164245"/>
-            </a:avLst>
-          </a:prstGeom>
-          <a:ln w="38100">
-            <a:solidFill>
-              <a:schemeClr val="tx1"/>
-            </a:solidFill>
-            <a:headEnd type="none" w="med" len="med"/>
-            <a:tailEnd type="triangle"/>
-          </a:ln>
-        </p:spPr>
-        <p:style>
-          <a:lnRef idx="1">
-            <a:schemeClr val="accent1"/>
-          </a:lnRef>
-          <a:fillRef idx="0">
-            <a:schemeClr val="accent1"/>
-          </a:fillRef>
-          <a:effectRef idx="0">
-            <a:schemeClr val="accent1"/>
-          </a:effectRef>
-          <a:fontRef idx="minor">
-            <a:schemeClr val="tx1"/>
-          </a:fontRef>
-        </p:style>
-      </p:cxnSp>
       <p:sp>
         <p:nvSpPr>
           <p:cNvPr id="14" name="Rectangle 13"/>
@@ -19125,46 +21091,6 @@
             <a:avLst>
               <a:gd name="adj1" fmla="val 50000"/>
             </a:avLst>
-          </a:prstGeom>
-          <a:ln w="38100">
-            <a:solidFill>
-              <a:schemeClr val="tx1"/>
-            </a:solidFill>
-            <a:headEnd type="none" w="med" len="med"/>
-            <a:tailEnd type="triangle"/>
-          </a:ln>
-        </p:spPr>
-        <p:style>
-          <a:lnRef idx="1">
-            <a:schemeClr val="accent1"/>
-          </a:lnRef>
-          <a:fillRef idx="0">
-            <a:schemeClr val="accent1"/>
-          </a:fillRef>
-          <a:effectRef idx="0">
-            <a:schemeClr val="accent1"/>
-          </a:effectRef>
-          <a:fontRef idx="minor">
-            <a:schemeClr val="tx1"/>
-          </a:fontRef>
-        </p:style>
-      </p:cxnSp>
-      <p:cxnSp>
-        <p:nvCxnSpPr>
-          <p:cNvPr id="19" name="Straight Arrow Connector 18"/>
-          <p:cNvCxnSpPr>
-            <a:stCxn id="14" idx="3"/>
-            <a:endCxn id="12" idx="1"/>
-          </p:cNvCxnSpPr>
-          <p:nvPr/>
-        </p:nvCxnSpPr>
-        <p:spPr>
-          <a:xfrm flipV="1">
-            <a:off x="4531218" y="3968097"/>
-            <a:ext cx="1975050" cy="10282"/>
-          </a:xfrm>
-          <a:prstGeom prst="straightConnector1">
-            <a:avLst/>
           </a:prstGeom>
           <a:ln w="38100">
             <a:solidFill>
@@ -19389,7 +21315,33 @@
                 <a:ea typeface="Arial Unicode MS" pitchFamily="34" charset="-128"/>
                 <a:cs typeface="Arial Unicode MS" pitchFamily="34" charset="-128"/>
               </a:rPr>
-              <a:t>elm repo update</a:t>
+              <a:t>elm repo add &lt;</a:t>
+            </a:r>
+            <a:r>
+              <a:rPr kumimoji="0" lang="en-US" sz="1600" b="0" i="0" u="none" strike="noStrike" kern="0" cap="none" spc="0" normalizeH="0" baseline="0" noProof="0" dirty="0" err="1">
+                <a:ln>
+                  <a:noFill/>
+                </a:ln>
+                <a:effectLst/>
+                <a:uLnTx/>
+                <a:uFillTx/>
+                <a:ea typeface="Arial Unicode MS" pitchFamily="34" charset="-128"/>
+                <a:cs typeface="Arial Unicode MS" pitchFamily="34" charset="-128"/>
+              </a:rPr>
+              <a:t>url</a:t>
+            </a:r>
+            <a:r>
+              <a:rPr kumimoji="0" lang="en-US" sz="1600" b="0" i="0" u="none" strike="noStrike" kern="0" cap="none" spc="0" normalizeH="0" baseline="0" noProof="0" dirty="0">
+                <a:ln>
+                  <a:noFill/>
+                </a:ln>
+                <a:effectLst/>
+                <a:uLnTx/>
+                <a:uFillTx/>
+                <a:ea typeface="Arial Unicode MS" pitchFamily="34" charset="-128"/>
+                <a:cs typeface="Arial Unicode MS" pitchFamily="34" charset="-128"/>
+              </a:rPr>
+              <a:t>&gt;</a:t>
             </a:r>
           </a:p>
           <a:p>
@@ -19472,8 +21424,8 @@
         </p:nvSpPr>
         <p:spPr bwMode="gray">
           <a:xfrm>
-            <a:off x="1668780" y="5050132"/>
-            <a:ext cx="3578797" cy="1128447"/>
+            <a:off x="977680" y="5130420"/>
+            <a:ext cx="4161458" cy="1128447"/>
           </a:xfrm>
           <a:prstGeom prst="wedgeRectCallout">
             <a:avLst>
@@ -19538,7 +21490,7 @@
                 <a:ea typeface="Arial Unicode MS" pitchFamily="34" charset="-128"/>
                 <a:cs typeface="Arial Unicode MS" pitchFamily="34" charset="-128"/>
               </a:rPr>
-              <a:t>elm install &lt;chart&gt; &lt;parameter&gt;</a:t>
+              <a:t>elm install &lt;name&gt; &lt;chart&gt; &lt;parameter&gt;</a:t>
             </a:r>
           </a:p>
           <a:p>
@@ -19613,6 +21565,666 @@
           </a:p>
         </p:txBody>
       </p:sp>
+      <p:sp>
+        <p:nvSpPr>
+          <p:cNvPr id="22" name="Rectangle 21">
+            <a:extLst>
+              <a:ext uri="{FF2B5EF4-FFF2-40B4-BE49-F238E27FC236}">
+                <a16:creationId xmlns:a16="http://schemas.microsoft.com/office/drawing/2014/main" id="{520F78BD-5659-462C-B28E-1B2E0D88DDF6}"/>
+              </a:ext>
+            </a:extLst>
+          </p:cNvPr>
+          <p:cNvSpPr/>
+          <p:nvPr/>
+        </p:nvSpPr>
+        <p:spPr bwMode="gray">
+          <a:xfrm>
+            <a:off x="5983549" y="2322291"/>
+            <a:ext cx="5421075" cy="3303743"/>
+          </a:xfrm>
+          <a:prstGeom prst="rect">
+            <a:avLst/>
+          </a:prstGeom>
+          <a:solidFill>
+            <a:schemeClr val="bg1">
+              <a:lumMod val="75000"/>
+            </a:schemeClr>
+          </a:solidFill>
+          <a:ln>
+            <a:headEnd/>
+            <a:tailEnd/>
+          </a:ln>
+        </p:spPr>
+        <p:style>
+          <a:lnRef idx="2">
+            <a:schemeClr val="accent2">
+              <a:shade val="50000"/>
+            </a:schemeClr>
+          </a:lnRef>
+          <a:fillRef idx="1">
+            <a:schemeClr val="accent2"/>
+          </a:fillRef>
+          <a:effectRef idx="0">
+            <a:schemeClr val="accent2"/>
+          </a:effectRef>
+          <a:fontRef idx="minor">
+            <a:schemeClr val="lt1"/>
+          </a:fontRef>
+        </p:style>
+        <p:txBody>
+          <a:bodyPr lIns="90000" tIns="72000" rIns="90000" bIns="72000" rtlCol="0" anchor="t"/>
+          <a:lstStyle/>
+          <a:p>
+            <a:pPr marR="0" defTabSz="914400" eaLnBrk="1" fontAlgn="base" latinLnBrk="0" hangingPunct="1">
+              <a:lnSpc>
+                <a:spcPct val="100000"/>
+              </a:lnSpc>
+              <a:spcBef>
+                <a:spcPct val="50000"/>
+              </a:spcBef>
+              <a:spcAft>
+                <a:spcPct val="0"/>
+              </a:spcAft>
+              <a:buClr>
+                <a:srgbClr val="F0AB00"/>
+              </a:buClr>
+              <a:buSzPct val="80000"/>
+              <a:tabLst/>
+            </a:pPr>
+            <a:r>
+              <a:rPr lang="en-US" sz="1600" b="1" kern="0" dirty="0">
+                <a:solidFill>
+                  <a:sysClr val="windowText" lastClr="000000"/>
+                </a:solidFill>
+                <a:ea typeface="Arial Unicode MS" pitchFamily="34" charset="-128"/>
+                <a:cs typeface="Arial Unicode MS" pitchFamily="34" charset="-128"/>
+              </a:rPr>
+              <a:t>Namespace</a:t>
+            </a:r>
+            <a:endParaRPr kumimoji="0" lang="en-US" sz="1600" b="1" i="0" u="none" strike="noStrike" kern="0" cap="none" spc="0" normalizeH="0" baseline="0" noProof="0" dirty="0">
+              <a:ln>
+                <a:noFill/>
+              </a:ln>
+              <a:solidFill>
+                <a:sysClr val="windowText" lastClr="000000"/>
+              </a:solidFill>
+              <a:effectLst/>
+              <a:uLnTx/>
+              <a:uFillTx/>
+              <a:ea typeface="Arial Unicode MS" pitchFamily="34" charset="-128"/>
+              <a:cs typeface="Arial Unicode MS" pitchFamily="34" charset="-128"/>
+            </a:endParaRPr>
+          </a:p>
+        </p:txBody>
+      </p:sp>
+      <p:sp>
+        <p:nvSpPr>
+          <p:cNvPr id="23" name="Rectangle 22">
+            <a:extLst>
+              <a:ext uri="{FF2B5EF4-FFF2-40B4-BE49-F238E27FC236}">
+                <a16:creationId xmlns:a16="http://schemas.microsoft.com/office/drawing/2014/main" id="{0C58BB22-A255-4564-8228-91CBA863CBF2}"/>
+              </a:ext>
+            </a:extLst>
+          </p:cNvPr>
+          <p:cNvSpPr/>
+          <p:nvPr/>
+        </p:nvSpPr>
+        <p:spPr bwMode="gray">
+          <a:xfrm>
+            <a:off x="7116617" y="3396033"/>
+            <a:ext cx="1627931" cy="1156258"/>
+          </a:xfrm>
+          <a:prstGeom prst="rect">
+            <a:avLst/>
+          </a:prstGeom>
+          <a:ln>
+            <a:headEnd/>
+            <a:tailEnd/>
+          </a:ln>
+        </p:spPr>
+        <p:style>
+          <a:lnRef idx="2">
+            <a:schemeClr val="accent2"/>
+          </a:lnRef>
+          <a:fillRef idx="1">
+            <a:schemeClr val="lt1"/>
+          </a:fillRef>
+          <a:effectRef idx="0">
+            <a:schemeClr val="accent2"/>
+          </a:effectRef>
+          <a:fontRef idx="minor">
+            <a:schemeClr val="dk1"/>
+          </a:fontRef>
+        </p:style>
+        <p:txBody>
+          <a:bodyPr lIns="90000" tIns="72000" rIns="90000" bIns="72000" rtlCol="0" anchor="ctr"/>
+          <a:lstStyle/>
+          <a:p>
+            <a:pPr marR="0" algn="ctr" defTabSz="914400" eaLnBrk="1" fontAlgn="base" latinLnBrk="0" hangingPunct="1">
+              <a:lnSpc>
+                <a:spcPct val="100000"/>
+              </a:lnSpc>
+              <a:spcBef>
+                <a:spcPct val="50000"/>
+              </a:spcBef>
+              <a:spcAft>
+                <a:spcPct val="0"/>
+              </a:spcAft>
+              <a:buClr>
+                <a:srgbClr val="F0AB00"/>
+              </a:buClr>
+              <a:buSzPct val="80000"/>
+              <a:tabLst/>
+            </a:pPr>
+            <a:r>
+              <a:rPr lang="en-US" sz="1800" kern="0" dirty="0">
+                <a:ea typeface="Arial Unicode MS" pitchFamily="34" charset="-128"/>
+                <a:cs typeface="Arial Unicode MS" pitchFamily="34" charset="-128"/>
+              </a:rPr>
+              <a:t>release</a:t>
+            </a:r>
+          </a:p>
+          <a:p>
+            <a:pPr marR="0" algn="ctr" defTabSz="914400" eaLnBrk="1" fontAlgn="base" latinLnBrk="0" hangingPunct="1">
+              <a:lnSpc>
+                <a:spcPct val="100000"/>
+              </a:lnSpc>
+              <a:spcBef>
+                <a:spcPct val="50000"/>
+              </a:spcBef>
+              <a:spcAft>
+                <a:spcPct val="0"/>
+              </a:spcAft>
+              <a:buClr>
+                <a:srgbClr val="F0AB00"/>
+              </a:buClr>
+              <a:buSzPct val="80000"/>
+              <a:tabLst/>
+            </a:pPr>
+            <a:r>
+              <a:rPr kumimoji="0" lang="en-US" sz="1800" b="0" i="0" u="none" strike="noStrike" kern="0" cap="none" spc="0" normalizeH="0" baseline="0" noProof="0" dirty="0">
+                <a:ln>
+                  <a:noFill/>
+                </a:ln>
+                <a:effectLst/>
+                <a:uLnTx/>
+                <a:uFillTx/>
+                <a:ea typeface="Arial Unicode MS" pitchFamily="34" charset="-128"/>
+                <a:cs typeface="Arial Unicode MS" pitchFamily="34" charset="-128"/>
+              </a:rPr>
+              <a:t>“</a:t>
+            </a:r>
+            <a:r>
+              <a:rPr kumimoji="0" lang="en-US" sz="1800" b="0" i="0" u="none" strike="noStrike" kern="0" cap="none" spc="0" normalizeH="0" baseline="0" noProof="0" dirty="0" err="1">
+                <a:ln>
+                  <a:noFill/>
+                </a:ln>
+                <a:effectLst/>
+                <a:uLnTx/>
+                <a:uFillTx/>
+                <a:ea typeface="Arial Unicode MS" pitchFamily="34" charset="-128"/>
+                <a:cs typeface="Arial Unicode MS" pitchFamily="34" charset="-128"/>
+              </a:rPr>
+              <a:t>my_app</a:t>
+            </a:r>
+            <a:r>
+              <a:rPr kumimoji="0" lang="en-US" sz="1800" b="0" i="0" u="none" strike="noStrike" kern="0" cap="none" spc="0" normalizeH="0" baseline="0" noProof="0" dirty="0">
+                <a:ln>
+                  <a:noFill/>
+                </a:ln>
+                <a:effectLst/>
+                <a:uLnTx/>
+                <a:uFillTx/>
+                <a:ea typeface="Arial Unicode MS" pitchFamily="34" charset="-128"/>
+                <a:cs typeface="Arial Unicode MS" pitchFamily="34" charset="-128"/>
+              </a:rPr>
+              <a:t>”</a:t>
+            </a:r>
+          </a:p>
+        </p:txBody>
+      </p:sp>
+      <p:sp>
+        <p:nvSpPr>
+          <p:cNvPr id="24" name="Rectangle 23">
+            <a:extLst>
+              <a:ext uri="{FF2B5EF4-FFF2-40B4-BE49-F238E27FC236}">
+                <a16:creationId xmlns:a16="http://schemas.microsoft.com/office/drawing/2014/main" id="{8AF89A7F-CCA4-4DAE-9D52-2E88EE98C042}"/>
+              </a:ext>
+            </a:extLst>
+          </p:cNvPr>
+          <p:cNvSpPr/>
+          <p:nvPr/>
+        </p:nvSpPr>
+        <p:spPr bwMode="gray">
+          <a:xfrm>
+            <a:off x="9402288" y="2557584"/>
+            <a:ext cx="1534999" cy="806724"/>
+          </a:xfrm>
+          <a:prstGeom prst="rect">
+            <a:avLst/>
+          </a:prstGeom>
+          <a:ln>
+            <a:headEnd/>
+            <a:tailEnd/>
+          </a:ln>
+        </p:spPr>
+        <p:style>
+          <a:lnRef idx="2">
+            <a:schemeClr val="accent2"/>
+          </a:lnRef>
+          <a:fillRef idx="1">
+            <a:schemeClr val="lt1"/>
+          </a:fillRef>
+          <a:effectRef idx="0">
+            <a:schemeClr val="accent2"/>
+          </a:effectRef>
+          <a:fontRef idx="minor">
+            <a:schemeClr val="dk1"/>
+          </a:fontRef>
+        </p:style>
+        <p:txBody>
+          <a:bodyPr lIns="90000" tIns="72000" rIns="90000" bIns="72000" rtlCol="0" anchor="ctr"/>
+          <a:lstStyle/>
+          <a:p>
+            <a:pPr marR="0" algn="ctr" defTabSz="914400" eaLnBrk="1" fontAlgn="base" latinLnBrk="0" hangingPunct="1">
+              <a:lnSpc>
+                <a:spcPct val="100000"/>
+              </a:lnSpc>
+              <a:spcBef>
+                <a:spcPct val="50000"/>
+              </a:spcBef>
+              <a:spcAft>
+                <a:spcPct val="0"/>
+              </a:spcAft>
+              <a:buClr>
+                <a:srgbClr val="F0AB00"/>
+              </a:buClr>
+              <a:buSzPct val="80000"/>
+              <a:tabLst/>
+            </a:pPr>
+            <a:r>
+              <a:rPr lang="en-US" sz="1800" kern="0" noProof="0" dirty="0">
+                <a:ea typeface="Arial Unicode MS" pitchFamily="34" charset="-128"/>
+                <a:cs typeface="Arial Unicode MS" pitchFamily="34" charset="-128"/>
+              </a:rPr>
+              <a:t>Deployment</a:t>
+            </a:r>
+            <a:r>
+              <a:rPr lang="en-US" sz="1800" kern="0" dirty="0">
+                <a:ea typeface="Arial Unicode MS" pitchFamily="34" charset="-128"/>
+                <a:cs typeface="Arial Unicode MS" pitchFamily="34" charset="-128"/>
+              </a:rPr>
+              <a:t> A</a:t>
+            </a:r>
+            <a:endParaRPr kumimoji="0" lang="en-US" sz="1800" b="0" i="0" u="none" strike="noStrike" kern="0" cap="none" spc="0" normalizeH="0" baseline="0" noProof="0" dirty="0">
+              <a:ln>
+                <a:noFill/>
+              </a:ln>
+              <a:effectLst/>
+              <a:uLnTx/>
+              <a:uFillTx/>
+              <a:ea typeface="Arial Unicode MS" pitchFamily="34" charset="-128"/>
+              <a:cs typeface="Arial Unicode MS" pitchFamily="34" charset="-128"/>
+            </a:endParaRPr>
+          </a:p>
+        </p:txBody>
+      </p:sp>
+      <p:sp>
+        <p:nvSpPr>
+          <p:cNvPr id="25" name="Rectangle 24">
+            <a:extLst>
+              <a:ext uri="{FF2B5EF4-FFF2-40B4-BE49-F238E27FC236}">
+                <a16:creationId xmlns:a16="http://schemas.microsoft.com/office/drawing/2014/main" id="{FD0C6119-859A-4811-B0CF-7587A4390EEB}"/>
+              </a:ext>
+            </a:extLst>
+          </p:cNvPr>
+          <p:cNvSpPr/>
+          <p:nvPr/>
+        </p:nvSpPr>
+        <p:spPr bwMode="gray">
+          <a:xfrm>
+            <a:off x="9409908" y="3565409"/>
+            <a:ext cx="1519758" cy="806724"/>
+          </a:xfrm>
+          <a:prstGeom prst="rect">
+            <a:avLst/>
+          </a:prstGeom>
+          <a:ln>
+            <a:headEnd/>
+            <a:tailEnd/>
+          </a:ln>
+        </p:spPr>
+        <p:style>
+          <a:lnRef idx="2">
+            <a:schemeClr val="accent2"/>
+          </a:lnRef>
+          <a:fillRef idx="1">
+            <a:schemeClr val="lt1"/>
+          </a:fillRef>
+          <a:effectRef idx="0">
+            <a:schemeClr val="accent2"/>
+          </a:effectRef>
+          <a:fontRef idx="minor">
+            <a:schemeClr val="dk1"/>
+          </a:fontRef>
+        </p:style>
+        <p:txBody>
+          <a:bodyPr lIns="90000" tIns="72000" rIns="90000" bIns="72000" rtlCol="0" anchor="ctr"/>
+          <a:lstStyle/>
+          <a:p>
+            <a:pPr marR="0" algn="ctr" defTabSz="914400" eaLnBrk="1" fontAlgn="base" latinLnBrk="0" hangingPunct="1">
+              <a:lnSpc>
+                <a:spcPct val="100000"/>
+              </a:lnSpc>
+              <a:spcBef>
+                <a:spcPct val="50000"/>
+              </a:spcBef>
+              <a:spcAft>
+                <a:spcPct val="0"/>
+              </a:spcAft>
+              <a:buClr>
+                <a:srgbClr val="F0AB00"/>
+              </a:buClr>
+              <a:buSzPct val="80000"/>
+              <a:tabLst/>
+            </a:pPr>
+            <a:r>
+              <a:rPr lang="en-US" sz="1800" kern="0" noProof="0" dirty="0">
+                <a:ea typeface="Arial Unicode MS" pitchFamily="34" charset="-128"/>
+                <a:cs typeface="Arial Unicode MS" pitchFamily="34" charset="-128"/>
+              </a:rPr>
+              <a:t>Service</a:t>
+            </a:r>
+            <a:r>
+              <a:rPr lang="en-US" sz="1800" kern="0" dirty="0">
+                <a:ea typeface="Arial Unicode MS" pitchFamily="34" charset="-128"/>
+                <a:cs typeface="Arial Unicode MS" pitchFamily="34" charset="-128"/>
+              </a:rPr>
+              <a:t> A</a:t>
+            </a:r>
+            <a:endParaRPr kumimoji="0" lang="en-US" sz="1800" b="0" i="0" u="none" strike="noStrike" kern="0" cap="none" spc="0" normalizeH="0" baseline="0" noProof="0" dirty="0">
+              <a:ln>
+                <a:noFill/>
+              </a:ln>
+              <a:effectLst/>
+              <a:uLnTx/>
+              <a:uFillTx/>
+              <a:ea typeface="Arial Unicode MS" pitchFamily="34" charset="-128"/>
+              <a:cs typeface="Arial Unicode MS" pitchFamily="34" charset="-128"/>
+            </a:endParaRPr>
+          </a:p>
+        </p:txBody>
+      </p:sp>
+      <p:cxnSp>
+        <p:nvCxnSpPr>
+          <p:cNvPr id="27" name="Straight Arrow Connector 26">
+            <a:extLst>
+              <a:ext uri="{FF2B5EF4-FFF2-40B4-BE49-F238E27FC236}">
+                <a16:creationId xmlns:a16="http://schemas.microsoft.com/office/drawing/2014/main" id="{A2BC9790-6A86-4950-B8D3-9E384E935563}"/>
+              </a:ext>
+            </a:extLst>
+          </p:cNvPr>
+          <p:cNvCxnSpPr>
+            <a:cxnSpLocks/>
+            <a:stCxn id="23" idx="3"/>
+            <a:endCxn id="24" idx="1"/>
+          </p:cNvCxnSpPr>
+          <p:nvPr/>
+        </p:nvCxnSpPr>
+        <p:spPr>
+          <a:xfrm flipV="1">
+            <a:off x="8744548" y="2960946"/>
+            <a:ext cx="657740" cy="1013216"/>
+          </a:xfrm>
+          <a:prstGeom prst="straightConnector1">
+            <a:avLst/>
+          </a:prstGeom>
+          <a:ln w="38100">
+            <a:solidFill>
+              <a:schemeClr val="tx2">
+                <a:lumMod val="60000"/>
+                <a:lumOff val="40000"/>
+              </a:schemeClr>
+            </a:solidFill>
+            <a:headEnd type="none" w="med" len="med"/>
+            <a:tailEnd type="triangle"/>
+          </a:ln>
+        </p:spPr>
+        <p:style>
+          <a:lnRef idx="1">
+            <a:schemeClr val="accent1"/>
+          </a:lnRef>
+          <a:fillRef idx="0">
+            <a:schemeClr val="accent1"/>
+          </a:fillRef>
+          <a:effectRef idx="0">
+            <a:schemeClr val="accent1"/>
+          </a:effectRef>
+          <a:fontRef idx="minor">
+            <a:schemeClr val="tx1"/>
+          </a:fontRef>
+        </p:style>
+      </p:cxnSp>
+      <p:cxnSp>
+        <p:nvCxnSpPr>
+          <p:cNvPr id="29" name="Straight Arrow Connector 28">
+            <a:extLst>
+              <a:ext uri="{FF2B5EF4-FFF2-40B4-BE49-F238E27FC236}">
+                <a16:creationId xmlns:a16="http://schemas.microsoft.com/office/drawing/2014/main" id="{839F766A-C083-4D10-8940-4ACAC9841464}"/>
+              </a:ext>
+            </a:extLst>
+          </p:cNvPr>
+          <p:cNvCxnSpPr>
+            <a:cxnSpLocks/>
+            <a:stCxn id="23" idx="3"/>
+            <a:endCxn id="25" idx="1"/>
+          </p:cNvCxnSpPr>
+          <p:nvPr/>
+        </p:nvCxnSpPr>
+        <p:spPr>
+          <a:xfrm flipV="1">
+            <a:off x="8744548" y="3968771"/>
+            <a:ext cx="665360" cy="5391"/>
+          </a:xfrm>
+          <a:prstGeom prst="straightConnector1">
+            <a:avLst/>
+          </a:prstGeom>
+          <a:ln w="38100">
+            <a:solidFill>
+              <a:schemeClr val="tx2">
+                <a:lumMod val="60000"/>
+                <a:lumOff val="40000"/>
+              </a:schemeClr>
+            </a:solidFill>
+            <a:headEnd type="none" w="med" len="med"/>
+            <a:tailEnd type="triangle"/>
+          </a:ln>
+        </p:spPr>
+        <p:style>
+          <a:lnRef idx="1">
+            <a:schemeClr val="accent1"/>
+          </a:lnRef>
+          <a:fillRef idx="0">
+            <a:schemeClr val="accent1"/>
+          </a:fillRef>
+          <a:effectRef idx="0">
+            <a:schemeClr val="accent1"/>
+          </a:effectRef>
+          <a:fontRef idx="minor">
+            <a:schemeClr val="tx1"/>
+          </a:fontRef>
+        </p:style>
+      </p:cxnSp>
+      <p:sp>
+        <p:nvSpPr>
+          <p:cNvPr id="30" name="Cylinder 29">
+            <a:extLst>
+              <a:ext uri="{FF2B5EF4-FFF2-40B4-BE49-F238E27FC236}">
+                <a16:creationId xmlns:a16="http://schemas.microsoft.com/office/drawing/2014/main" id="{22FAB70A-526D-41B9-8905-8D409178D6CD}"/>
+              </a:ext>
+            </a:extLst>
+          </p:cNvPr>
+          <p:cNvSpPr/>
+          <p:nvPr/>
+        </p:nvSpPr>
+        <p:spPr bwMode="gray">
+          <a:xfrm>
+            <a:off x="9531485" y="4573234"/>
+            <a:ext cx="1276604" cy="883743"/>
+          </a:xfrm>
+          <a:prstGeom prst="can">
+            <a:avLst/>
+          </a:prstGeom>
+          <a:ln>
+            <a:headEnd/>
+            <a:tailEnd/>
+          </a:ln>
+        </p:spPr>
+        <p:style>
+          <a:lnRef idx="2">
+            <a:schemeClr val="accent2"/>
+          </a:lnRef>
+          <a:fillRef idx="1">
+            <a:schemeClr val="lt1"/>
+          </a:fillRef>
+          <a:effectRef idx="0">
+            <a:schemeClr val="accent2"/>
+          </a:effectRef>
+          <a:fontRef idx="minor">
+            <a:schemeClr val="dk1"/>
+          </a:fontRef>
+        </p:style>
+        <p:txBody>
+          <a:bodyPr lIns="90000" tIns="72000" rIns="90000" bIns="72000" rtlCol="0" anchor="ctr"/>
+          <a:lstStyle/>
+          <a:p>
+            <a:pPr marR="0" algn="ctr" defTabSz="914400" eaLnBrk="1" fontAlgn="base" latinLnBrk="0" hangingPunct="1">
+              <a:lnSpc>
+                <a:spcPct val="100000"/>
+              </a:lnSpc>
+              <a:spcBef>
+                <a:spcPct val="50000"/>
+              </a:spcBef>
+              <a:spcAft>
+                <a:spcPct val="0"/>
+              </a:spcAft>
+              <a:buClr>
+                <a:srgbClr val="F0AB00"/>
+              </a:buClr>
+              <a:buSzPct val="80000"/>
+              <a:tabLst/>
+            </a:pPr>
+            <a:r>
+              <a:rPr lang="en-US" sz="1800" kern="0" dirty="0" err="1">
+                <a:ea typeface="Arial Unicode MS" pitchFamily="34" charset="-128"/>
+                <a:cs typeface="Arial Unicode MS" pitchFamily="34" charset="-128"/>
+              </a:rPr>
+              <a:t>configMap</a:t>
+            </a:r>
+            <a:endParaRPr kumimoji="0" lang="en-US" sz="1800" b="0" i="0" u="none" strike="noStrike" kern="0" cap="none" spc="0" normalizeH="0" baseline="0" noProof="0" dirty="0">
+              <a:ln>
+                <a:noFill/>
+              </a:ln>
+              <a:effectLst/>
+              <a:uLnTx/>
+              <a:uFillTx/>
+              <a:ea typeface="Arial Unicode MS" pitchFamily="34" charset="-128"/>
+              <a:cs typeface="Arial Unicode MS" pitchFamily="34" charset="-128"/>
+            </a:endParaRPr>
+          </a:p>
+        </p:txBody>
+      </p:sp>
+      <p:cxnSp>
+        <p:nvCxnSpPr>
+          <p:cNvPr id="31" name="Straight Arrow Connector 30">
+            <a:extLst>
+              <a:ext uri="{FF2B5EF4-FFF2-40B4-BE49-F238E27FC236}">
+                <a16:creationId xmlns:a16="http://schemas.microsoft.com/office/drawing/2014/main" id="{EB34AA23-7D74-49AF-A66A-A95D468D913A}"/>
+              </a:ext>
+            </a:extLst>
+          </p:cNvPr>
+          <p:cNvCxnSpPr>
+            <a:cxnSpLocks/>
+            <a:stCxn id="23" idx="3"/>
+            <a:endCxn id="30" idx="2"/>
+          </p:cNvCxnSpPr>
+          <p:nvPr/>
+        </p:nvCxnSpPr>
+        <p:spPr>
+          <a:xfrm>
+            <a:off x="8744548" y="3974162"/>
+            <a:ext cx="786937" cy="1040944"/>
+          </a:xfrm>
+          <a:prstGeom prst="straightConnector1">
+            <a:avLst/>
+          </a:prstGeom>
+          <a:ln w="38100">
+            <a:solidFill>
+              <a:schemeClr val="tx2">
+                <a:lumMod val="60000"/>
+                <a:lumOff val="40000"/>
+              </a:schemeClr>
+            </a:solidFill>
+            <a:headEnd type="none" w="med" len="med"/>
+            <a:tailEnd type="triangle"/>
+          </a:ln>
+        </p:spPr>
+        <p:style>
+          <a:lnRef idx="1">
+            <a:schemeClr val="accent1"/>
+          </a:lnRef>
+          <a:fillRef idx="0">
+            <a:schemeClr val="accent1"/>
+          </a:fillRef>
+          <a:effectRef idx="0">
+            <a:schemeClr val="accent1"/>
+          </a:effectRef>
+          <a:fontRef idx="minor">
+            <a:schemeClr val="tx1"/>
+          </a:fontRef>
+        </p:style>
+      </p:cxnSp>
+      <p:cxnSp>
+        <p:nvCxnSpPr>
+          <p:cNvPr id="19" name="Straight Arrow Connector 18"/>
+          <p:cNvCxnSpPr>
+            <a:cxnSpLocks/>
+            <a:stCxn id="14" idx="3"/>
+            <a:endCxn id="23" idx="1"/>
+          </p:cNvCxnSpPr>
+          <p:nvPr/>
+        </p:nvCxnSpPr>
+        <p:spPr>
+          <a:xfrm flipV="1">
+            <a:off x="4531218" y="3974162"/>
+            <a:ext cx="2585399" cy="4217"/>
+          </a:xfrm>
+          <a:prstGeom prst="straightConnector1">
+            <a:avLst/>
+          </a:prstGeom>
+          <a:ln w="38100">
+            <a:solidFill>
+              <a:schemeClr val="tx1"/>
+            </a:solidFill>
+            <a:headEnd type="none" w="med" len="med"/>
+            <a:tailEnd type="triangle"/>
+          </a:ln>
+        </p:spPr>
+        <p:style>
+          <a:lnRef idx="1">
+            <a:schemeClr val="accent1"/>
+          </a:lnRef>
+          <a:fillRef idx="0">
+            <a:schemeClr val="accent1"/>
+          </a:fillRef>
+          <a:effectRef idx="0">
+            <a:schemeClr val="accent1"/>
+          </a:effectRef>
+          <a:fontRef idx="minor">
+            <a:schemeClr val="tx1"/>
+          </a:fontRef>
+        </p:style>
+      </p:cxnSp>
     </p:spTree>
     <p:extLst>
       <p:ext uri="{BB962C8B-B14F-4D97-AF65-F5344CB8AC3E}">
@@ -19626,7 +22238,7 @@
 </p:sld>
 </file>
 
-<file path=ppt/slides/slide5.xml><?xml version="1.0" encoding="utf-8"?>
+<file path=ppt/slides/slide6.xml><?xml version="1.0" encoding="utf-8"?>
 <p:sld xmlns:a="http://schemas.openxmlformats.org/drawingml/2006/main" xmlns:r="http://schemas.openxmlformats.org/officeDocument/2006/relationships" xmlns:p="http://schemas.openxmlformats.org/presentationml/2006/main">
   <p:cSld>
     <p:spTree>
@@ -19714,7 +22326,7 @@
 </p:sld>
 </file>
 
-<file path=ppt/slides/slide6.xml><?xml version="1.0" encoding="utf-8"?>
+<file path=ppt/slides/slide7.xml><?xml version="1.0" encoding="utf-8"?>
 <p:sld xmlns:a="http://schemas.openxmlformats.org/drawingml/2006/main" xmlns:r="http://schemas.openxmlformats.org/officeDocument/2006/relationships" xmlns:p="http://schemas.openxmlformats.org/presentationml/2006/main">
   <p:cSld>
     <p:spTree>
@@ -19798,7 +22410,7 @@
         <p:spPr>
           <a:xfrm>
             <a:off x="504001" y="1390244"/>
-            <a:ext cx="5975930" cy="4293483"/>
+            <a:ext cx="5975930" cy="3970318"/>
           </a:xfrm>
           <a:prstGeom prst="rect">
             <a:avLst/>
@@ -19857,17 +22469,6 @@
             </a:pPr>
             <a:r>
               <a:rPr lang="en-US" dirty="0" err="1"/>
-              <a:t>requirements.yaml</a:t>
-            </a:r>
-            <a:endParaRPr lang="en-US" dirty="0"/>
-          </a:p>
-          <a:p>
-            <a:pPr marL="342900" indent="-342900">
-              <a:buFont typeface="Wingdings" panose="05000000000000000000" pitchFamily="2" charset="2"/>
-              <a:buChar char="§"/>
-            </a:pPr>
-            <a:r>
-              <a:rPr lang="en-US" dirty="0" err="1"/>
               <a:t>values.yaml</a:t>
             </a:r>
             <a:endParaRPr lang="en-US" dirty="0"/>
@@ -19918,6 +22519,43 @@
               <a:rPr lang="en-US" dirty="0"/>
               <a:t>Helm renders charts during deployment and substitutes variables with values</a:t>
             </a:r>
+          </a:p>
+        </p:txBody>
+      </p:sp>
+      <p:sp>
+        <p:nvSpPr>
+          <p:cNvPr id="3" name="Rectangle 2">
+            <a:extLst>
+              <a:ext uri="{FF2B5EF4-FFF2-40B4-BE49-F238E27FC236}">
+                <a16:creationId xmlns:a16="http://schemas.microsoft.com/office/drawing/2014/main" id="{222CCE3A-F039-4FB6-8429-51160EFDB169}"/>
+              </a:ext>
+            </a:extLst>
+          </p:cNvPr>
+          <p:cNvSpPr/>
+          <p:nvPr/>
+        </p:nvSpPr>
+        <p:spPr>
+          <a:xfrm>
+            <a:off x="504001" y="5600466"/>
+            <a:ext cx="4238661" cy="415498"/>
+          </a:xfrm>
+          <a:prstGeom prst="rect">
+            <a:avLst/>
+          </a:prstGeom>
+        </p:spPr>
+        <p:txBody>
+          <a:bodyPr wrap="none">
+            <a:spAutoFit/>
+          </a:bodyPr>
+          <a:lstStyle/>
+          <a:p>
+            <a:r>
+              <a:rPr lang="de-DE" dirty="0">
+                <a:hlinkClick r:id="rId3"/>
+              </a:rPr>
+              <a:t>https://helm.sh/docs/topics/charts/</a:t>
+            </a:r>
+            <a:endParaRPr lang="en-US" dirty="0"/>
           </a:p>
         </p:txBody>
       </p:sp>
@@ -19934,7 +22572,7 @@
 </p:sld>
 </file>
 
-<file path=ppt/slides/slide7.xml><?xml version="1.0" encoding="utf-8"?>
+<file path=ppt/slides/slide8.xml><?xml version="1.0" encoding="utf-8"?>
 <p:sld xmlns:a="http://schemas.openxmlformats.org/drawingml/2006/main" xmlns:r="http://schemas.openxmlformats.org/officeDocument/2006/relationships" xmlns:p="http://schemas.openxmlformats.org/presentationml/2006/main" show="0">
   <p:cSld>
     <p:spTree>
@@ -19982,7 +22620,7 @@
         <p:spPr>
           <a:xfrm>
             <a:off x="504000" y="1223190"/>
-            <a:ext cx="10842180" cy="3000821"/>
+            <a:ext cx="10842180" cy="2677656"/>
           </a:xfrm>
           <a:prstGeom prst="rect">
             <a:avLst/>
@@ -20031,21 +22669,7 @@
             </a:r>
             <a:r>
               <a:rPr lang="en-US" dirty="0"/>
-              <a:t> - A file containing information about the chart</a:t>
-            </a:r>
-          </a:p>
-          <a:p>
-            <a:pPr marL="342900" indent="-342900">
-              <a:buFont typeface="Wingdings" panose="05000000000000000000" pitchFamily="2" charset="2"/>
-              <a:buChar char="§"/>
-            </a:pPr>
-            <a:r>
-              <a:rPr lang="en-US" dirty="0" err="1"/>
-              <a:t>requirements.yaml</a:t>
-            </a:r>
-            <a:r>
-              <a:rPr lang="en-US" dirty="0"/>
-              <a:t> - A file listing dependencies for the chart</a:t>
+              <a:t> - A file containing information about the chart, incl. dependencies</a:t>
             </a:r>
           </a:p>
           <a:p>
@@ -20097,7 +22721,7 @@
 </p:sld>
 </file>
 
-<file path=ppt/slides/slide8.xml><?xml version="1.0" encoding="utf-8"?>
+<file path=ppt/slides/slide9.xml><?xml version="1.0" encoding="utf-8"?>
 <p:sld xmlns:a="http://schemas.openxmlformats.org/drawingml/2006/main" xmlns:r="http://schemas.openxmlformats.org/officeDocument/2006/relationships" xmlns:p="http://schemas.openxmlformats.org/presentationml/2006/main">
   <p:cSld>
     <p:spTree>
@@ -20582,558 +23206,6 @@
     <p:extLst>
       <p:ext uri="{BB962C8B-B14F-4D97-AF65-F5344CB8AC3E}">
         <p14:creationId xmlns:p14="http://schemas.microsoft.com/office/powerpoint/2010/main" val="1378125413"/>
-      </p:ext>
-    </p:extLst>
-  </p:cSld>
-  <p:clrMapOvr>
-    <a:masterClrMapping/>
-  </p:clrMapOvr>
-</p:sld>
-</file>
-
-<file path=ppt/slides/slide9.xml><?xml version="1.0" encoding="utf-8"?>
-<p:sld xmlns:a="http://schemas.openxmlformats.org/drawingml/2006/main" xmlns:r="http://schemas.openxmlformats.org/officeDocument/2006/relationships" xmlns:p="http://schemas.openxmlformats.org/presentationml/2006/main">
-  <p:cSld>
-    <p:spTree>
-      <p:nvGrpSpPr>
-        <p:cNvPr id="1" name=""/>
-        <p:cNvGrpSpPr/>
-        <p:nvPr/>
-      </p:nvGrpSpPr>
-      <p:grpSpPr>
-        <a:xfrm>
-          <a:off x="0" y="0"/>
-          <a:ext cx="0" cy="0"/>
-          <a:chOff x="0" y="0"/>
-          <a:chExt cx="0" cy="0"/>
-        </a:xfrm>
-      </p:grpSpPr>
-      <p:pic>
-        <p:nvPicPr>
-          <p:cNvPr id="2" name="Picture 1">
-            <a:extLst>
-              <a:ext uri="{FF2B5EF4-FFF2-40B4-BE49-F238E27FC236}">
-                <a16:creationId xmlns:a16="http://schemas.microsoft.com/office/drawing/2014/main" id="{F47A1860-6C63-4260-B136-F11C4585FB36}"/>
-              </a:ext>
-            </a:extLst>
-          </p:cNvPr>
-          <p:cNvPicPr>
-            <a:picLocks noChangeAspect="1"/>
-          </p:cNvPicPr>
-          <p:nvPr/>
-        </p:nvPicPr>
-        <p:blipFill>
-          <a:blip r:embed="rId3"/>
-          <a:stretch>
-            <a:fillRect/>
-          </a:stretch>
-        </p:blipFill>
-        <p:spPr>
-          <a:xfrm>
-            <a:off x="515991" y="2181638"/>
-            <a:ext cx="5304762" cy="771429"/>
-          </a:xfrm>
-          <a:prstGeom prst="rect">
-            <a:avLst/>
-          </a:prstGeom>
-          <a:ln>
-            <a:solidFill>
-              <a:schemeClr val="tx1"/>
-            </a:solidFill>
-          </a:ln>
-        </p:spPr>
-      </p:pic>
-      <p:sp>
-        <p:nvSpPr>
-          <p:cNvPr id="4" name="Title 3">
-            <a:extLst>
-              <a:ext uri="{FF2B5EF4-FFF2-40B4-BE49-F238E27FC236}">
-                <a16:creationId xmlns:a16="http://schemas.microsoft.com/office/drawing/2014/main" id="{581B0699-A522-4A8F-8C8F-7FA0530D9D6B}"/>
-              </a:ext>
-            </a:extLst>
-          </p:cNvPr>
-          <p:cNvSpPr>
-            <a:spLocks noGrp="1"/>
-          </p:cNvSpPr>
-          <p:nvPr>
-            <p:ph type="title"/>
-          </p:nvPr>
-        </p:nvSpPr>
-        <p:spPr/>
-        <p:txBody>
-          <a:bodyPr/>
-          <a:lstStyle/>
-          <a:p>
-            <a:r>
-              <a:rPr lang="en-US" dirty="0"/>
-              <a:t>About (default) values</a:t>
-            </a:r>
-          </a:p>
-        </p:txBody>
-      </p:sp>
-      <p:sp>
-        <p:nvSpPr>
-          <p:cNvPr id="6" name="Speech Bubble: Rectangle 5">
-            <a:extLst>
-              <a:ext uri="{FF2B5EF4-FFF2-40B4-BE49-F238E27FC236}">
-                <a16:creationId xmlns:a16="http://schemas.microsoft.com/office/drawing/2014/main" id="{94CDC397-8C29-49D6-88BF-EF28A87F40A0}"/>
-              </a:ext>
-            </a:extLst>
-          </p:cNvPr>
-          <p:cNvSpPr/>
-          <p:nvPr/>
-        </p:nvSpPr>
-        <p:spPr bwMode="gray">
-          <a:xfrm>
-            <a:off x="7157149" y="1349961"/>
-            <a:ext cx="4101737" cy="1217392"/>
-          </a:xfrm>
-          <a:prstGeom prst="wedgeRectCallout">
-            <a:avLst>
-              <a:gd name="adj1" fmla="val -79533"/>
-              <a:gd name="adj2" fmla="val 34861"/>
-            </a:avLst>
-          </a:prstGeom>
-          <a:ln>
-            <a:headEnd/>
-            <a:tailEnd/>
-          </a:ln>
-        </p:spPr>
-        <p:style>
-          <a:lnRef idx="2">
-            <a:schemeClr val="accent5"/>
-          </a:lnRef>
-          <a:fillRef idx="1">
-            <a:schemeClr val="lt1"/>
-          </a:fillRef>
-          <a:effectRef idx="0">
-            <a:schemeClr val="accent5"/>
-          </a:effectRef>
-          <a:fontRef idx="minor">
-            <a:schemeClr val="dk1"/>
-          </a:fontRef>
-        </p:style>
-        <p:txBody>
-          <a:bodyPr lIns="90000" tIns="72000" rIns="90000" bIns="72000" rtlCol="0" anchor="ctr"/>
-          <a:lstStyle/>
-          <a:p>
-            <a:pPr marR="0" algn="ctr" defTabSz="914400" eaLnBrk="1" fontAlgn="base" latinLnBrk="0" hangingPunct="1">
-              <a:lnSpc>
-                <a:spcPct val="100000"/>
-              </a:lnSpc>
-              <a:spcBef>
-                <a:spcPct val="50000"/>
-              </a:spcBef>
-              <a:spcAft>
-                <a:spcPct val="0"/>
-              </a:spcAft>
-              <a:buClr>
-                <a:srgbClr val="F0AB00"/>
-              </a:buClr>
-              <a:buSzPct val="80000"/>
-              <a:tabLst/>
-            </a:pPr>
-            <a:r>
-              <a:rPr kumimoji="0" lang="en-US" sz="1800" b="0" i="0" u="none" strike="noStrike" kern="0" cap="none" spc="0" normalizeH="0" baseline="0" noProof="0" dirty="0">
-                <a:ln>
-                  <a:noFill/>
-                </a:ln>
-                <a:effectLst/>
-                <a:uLnTx/>
-                <a:uFillTx/>
-                <a:ea typeface="Arial Unicode MS" pitchFamily="34" charset="-128"/>
-                <a:cs typeface="Arial Unicode MS" pitchFamily="34" charset="-128"/>
-              </a:rPr>
-              <a:t>Most charts come with default values, stored in a </a:t>
-            </a:r>
-            <a:r>
-              <a:rPr kumimoji="0" lang="en-US" sz="1800" b="0" i="0" u="none" strike="noStrike" kern="0" cap="none" spc="0" normalizeH="0" baseline="0" noProof="0" dirty="0" err="1">
-                <a:ln>
-                  <a:noFill/>
-                </a:ln>
-                <a:effectLst/>
-                <a:uLnTx/>
-                <a:uFillTx/>
-                <a:ea typeface="Arial Unicode MS" pitchFamily="34" charset="-128"/>
-                <a:cs typeface="Arial Unicode MS" pitchFamily="34" charset="-128"/>
-              </a:rPr>
-              <a:t>values.yaml</a:t>
-            </a:r>
-            <a:r>
-              <a:rPr kumimoji="0" lang="en-US" sz="1800" b="0" i="0" u="none" strike="noStrike" kern="0" cap="none" spc="0" normalizeH="0" baseline="0" noProof="0" dirty="0">
-                <a:ln>
-                  <a:noFill/>
-                </a:ln>
-                <a:effectLst/>
-                <a:uLnTx/>
-                <a:uFillTx/>
-                <a:ea typeface="Arial Unicode MS" pitchFamily="34" charset="-128"/>
-                <a:cs typeface="Arial Unicode MS" pitchFamily="34" charset="-128"/>
-              </a:rPr>
-              <a:t> file in the chart’s </a:t>
-            </a:r>
-            <a:r>
-              <a:rPr kumimoji="0" lang="en-US" sz="1800" b="0" i="0" u="none" strike="noStrike" kern="0" cap="none" spc="0" normalizeH="0" baseline="0" noProof="0" dirty="0" err="1">
-                <a:ln>
-                  <a:noFill/>
-                </a:ln>
-                <a:effectLst/>
-                <a:uLnTx/>
-                <a:uFillTx/>
-                <a:ea typeface="Arial Unicode MS" pitchFamily="34" charset="-128"/>
-                <a:cs typeface="Arial Unicode MS" pitchFamily="34" charset="-128"/>
-              </a:rPr>
-              <a:t>direcotry</a:t>
-            </a:r>
-            <a:endParaRPr kumimoji="0" lang="en-US" sz="1800" b="0" i="0" u="none" strike="noStrike" kern="0" cap="none" spc="0" normalizeH="0" baseline="0" noProof="0" dirty="0">
-              <a:ln>
-                <a:noFill/>
-              </a:ln>
-              <a:effectLst/>
-              <a:uLnTx/>
-              <a:uFillTx/>
-              <a:ea typeface="Arial Unicode MS" pitchFamily="34" charset="-128"/>
-              <a:cs typeface="Arial Unicode MS" pitchFamily="34" charset="-128"/>
-            </a:endParaRPr>
-          </a:p>
-        </p:txBody>
-      </p:sp>
-      <p:sp>
-        <p:nvSpPr>
-          <p:cNvPr id="7" name="Speech Bubble: Rectangle 6">
-            <a:extLst>
-              <a:ext uri="{FF2B5EF4-FFF2-40B4-BE49-F238E27FC236}">
-                <a16:creationId xmlns:a16="http://schemas.microsoft.com/office/drawing/2014/main" id="{0A6FEC62-08BF-44DA-96F4-2E8EE523F047}"/>
-              </a:ext>
-            </a:extLst>
-          </p:cNvPr>
-          <p:cNvSpPr/>
-          <p:nvPr/>
-        </p:nvSpPr>
-        <p:spPr bwMode="gray">
-          <a:xfrm>
-            <a:off x="7157149" y="3049536"/>
-            <a:ext cx="4101737" cy="1217392"/>
-          </a:xfrm>
-          <a:prstGeom prst="wedgeRectCallout">
-            <a:avLst>
-              <a:gd name="adj1" fmla="val -86403"/>
-              <a:gd name="adj2" fmla="val -50503"/>
-            </a:avLst>
-          </a:prstGeom>
-          <a:ln>
-            <a:headEnd/>
-            <a:tailEnd/>
-          </a:ln>
-        </p:spPr>
-        <p:style>
-          <a:lnRef idx="2">
-            <a:schemeClr val="accent5"/>
-          </a:lnRef>
-          <a:fillRef idx="1">
-            <a:schemeClr val="lt1"/>
-          </a:fillRef>
-          <a:effectRef idx="0">
-            <a:schemeClr val="accent5"/>
-          </a:effectRef>
-          <a:fontRef idx="minor">
-            <a:schemeClr val="dk1"/>
-          </a:fontRef>
-        </p:style>
-        <p:txBody>
-          <a:bodyPr lIns="90000" tIns="72000" rIns="90000" bIns="72000" rtlCol="0" anchor="ctr"/>
-          <a:lstStyle/>
-          <a:p>
-            <a:pPr marR="0" algn="ctr" defTabSz="914400" eaLnBrk="1" fontAlgn="base" latinLnBrk="0" hangingPunct="1">
-              <a:lnSpc>
-                <a:spcPct val="100000"/>
-              </a:lnSpc>
-              <a:spcBef>
-                <a:spcPct val="50000"/>
-              </a:spcBef>
-              <a:spcAft>
-                <a:spcPct val="0"/>
-              </a:spcAft>
-              <a:buClr>
-                <a:srgbClr val="F0AB00"/>
-              </a:buClr>
-              <a:buSzPct val="80000"/>
-              <a:tabLst/>
-            </a:pPr>
-            <a:r>
-              <a:rPr kumimoji="0" lang="en-US" sz="1800" b="0" i="0" u="none" strike="noStrike" kern="0" cap="none" spc="0" normalizeH="0" baseline="0" noProof="0" dirty="0">
-                <a:ln>
-                  <a:noFill/>
-                </a:ln>
-                <a:effectLst/>
-                <a:uLnTx/>
-                <a:uFillTx/>
-                <a:ea typeface="Arial Unicode MS" pitchFamily="34" charset="-128"/>
-                <a:cs typeface="Arial Unicode MS" pitchFamily="34" charset="-128"/>
-              </a:rPr>
-              <a:t>Values follow the usual </a:t>
-            </a:r>
-            <a:r>
-              <a:rPr kumimoji="0" lang="en-US" sz="1800" b="0" i="0" u="none" strike="noStrike" kern="0" cap="none" spc="0" normalizeH="0" baseline="0" noProof="0" dirty="0" err="1">
-                <a:ln>
-                  <a:noFill/>
-                </a:ln>
-                <a:effectLst/>
-                <a:uLnTx/>
-                <a:uFillTx/>
-                <a:ea typeface="Arial Unicode MS" pitchFamily="34" charset="-128"/>
-                <a:cs typeface="Arial Unicode MS" pitchFamily="34" charset="-128"/>
-              </a:rPr>
-              <a:t>yaml</a:t>
-            </a:r>
-            <a:r>
-              <a:rPr kumimoji="0" lang="en-US" sz="1800" b="0" i="0" u="none" strike="noStrike" kern="0" cap="none" spc="0" normalizeH="0" baseline="0" noProof="0" dirty="0">
-                <a:ln>
-                  <a:noFill/>
-                </a:ln>
-                <a:effectLst/>
-                <a:uLnTx/>
-                <a:uFillTx/>
-                <a:ea typeface="Arial Unicode MS" pitchFamily="34" charset="-128"/>
-                <a:cs typeface="Arial Unicode MS" pitchFamily="34" charset="-128"/>
-              </a:rPr>
-              <a:t> structure (indented</a:t>
-            </a:r>
-            <a:r>
-              <a:rPr lang="en-US" sz="1800" kern="0" dirty="0">
-                <a:ea typeface="Arial Unicode MS" pitchFamily="34" charset="-128"/>
-                <a:cs typeface="Arial Unicode MS" pitchFamily="34" charset="-128"/>
-              </a:rPr>
-              <a:t>, maps, lists)</a:t>
-            </a:r>
-            <a:endParaRPr kumimoji="0" lang="en-US" sz="1800" b="0" i="0" u="none" strike="noStrike" kern="0" cap="none" spc="0" normalizeH="0" baseline="0" noProof="0" dirty="0">
-              <a:ln>
-                <a:noFill/>
-              </a:ln>
-              <a:effectLst/>
-              <a:uLnTx/>
-              <a:uFillTx/>
-              <a:ea typeface="Arial Unicode MS" pitchFamily="34" charset="-128"/>
-              <a:cs typeface="Arial Unicode MS" pitchFamily="34" charset="-128"/>
-            </a:endParaRPr>
-          </a:p>
-        </p:txBody>
-      </p:sp>
-      <p:sp>
-        <p:nvSpPr>
-          <p:cNvPr id="8" name="Speech Bubble: Rectangle 7">
-            <a:extLst>
-              <a:ext uri="{FF2B5EF4-FFF2-40B4-BE49-F238E27FC236}">
-                <a16:creationId xmlns:a16="http://schemas.microsoft.com/office/drawing/2014/main" id="{33632052-3C24-4B78-BE91-D81A3475BFBD}"/>
-              </a:ext>
-            </a:extLst>
-          </p:cNvPr>
-          <p:cNvSpPr/>
-          <p:nvPr/>
-        </p:nvSpPr>
-        <p:spPr bwMode="gray">
-          <a:xfrm>
-            <a:off x="2666568" y="4261373"/>
-            <a:ext cx="4101737" cy="1217392"/>
-          </a:xfrm>
-          <a:prstGeom prst="wedgeRectCallout">
-            <a:avLst>
-              <a:gd name="adj1" fmla="val -50679"/>
-              <a:gd name="adj2" fmla="val -138614"/>
-            </a:avLst>
-          </a:prstGeom>
-          <a:ln>
-            <a:headEnd/>
-            <a:tailEnd/>
-          </a:ln>
-        </p:spPr>
-        <p:style>
-          <a:lnRef idx="2">
-            <a:schemeClr val="accent5"/>
-          </a:lnRef>
-          <a:fillRef idx="1">
-            <a:schemeClr val="lt1"/>
-          </a:fillRef>
-          <a:effectRef idx="0">
-            <a:schemeClr val="accent5"/>
-          </a:effectRef>
-          <a:fontRef idx="minor">
-            <a:schemeClr val="dk1"/>
-          </a:fontRef>
-        </p:style>
-        <p:txBody>
-          <a:bodyPr lIns="90000" tIns="72000" rIns="90000" bIns="72000" rtlCol="0" anchor="ctr"/>
-          <a:lstStyle/>
-          <a:p>
-            <a:pPr marR="0" algn="ctr" defTabSz="914400" eaLnBrk="1" fontAlgn="base" latinLnBrk="0" hangingPunct="1">
-              <a:lnSpc>
-                <a:spcPct val="100000"/>
-              </a:lnSpc>
-              <a:spcBef>
-                <a:spcPct val="50000"/>
-              </a:spcBef>
-              <a:spcAft>
-                <a:spcPct val="0"/>
-              </a:spcAft>
-              <a:buClr>
-                <a:srgbClr val="F0AB00"/>
-              </a:buClr>
-              <a:buSzPct val="80000"/>
-              <a:tabLst/>
-            </a:pPr>
-            <a:r>
-              <a:rPr kumimoji="0" lang="en-US" sz="1800" b="0" i="0" u="none" strike="noStrike" kern="0" cap="none" spc="0" normalizeH="0" baseline="0" noProof="0" dirty="0">
-                <a:ln>
-                  <a:noFill/>
-                </a:ln>
-                <a:effectLst/>
-                <a:uLnTx/>
-                <a:uFillTx/>
-                <a:ea typeface="Arial Unicode MS" pitchFamily="34" charset="-128"/>
-                <a:cs typeface="Arial Unicode MS" pitchFamily="34" charset="-128"/>
-              </a:rPr>
-              <a:t>Overwrite default values by specifying the with --set or send a custom values </a:t>
-            </a:r>
-            <a:r>
-              <a:rPr kumimoji="0" lang="en-US" sz="1800" b="0" i="0" u="none" strike="noStrike" kern="0" cap="none" spc="0" normalizeH="0" baseline="0" noProof="0" dirty="0" err="1">
-                <a:ln>
-                  <a:noFill/>
-                </a:ln>
-                <a:effectLst/>
-                <a:uLnTx/>
-                <a:uFillTx/>
-                <a:ea typeface="Arial Unicode MS" pitchFamily="34" charset="-128"/>
-                <a:cs typeface="Arial Unicode MS" pitchFamily="34" charset="-128"/>
-              </a:rPr>
-              <a:t>yaml</a:t>
-            </a:r>
-            <a:r>
-              <a:rPr kumimoji="0" lang="en-US" sz="1800" b="0" i="0" u="none" strike="noStrike" kern="0" cap="none" spc="0" normalizeH="0" baseline="0" noProof="0" dirty="0">
-                <a:ln>
-                  <a:noFill/>
-                </a:ln>
-                <a:effectLst/>
-                <a:uLnTx/>
-                <a:uFillTx/>
-                <a:ea typeface="Arial Unicode MS" pitchFamily="34" charset="-128"/>
-                <a:cs typeface="Arial Unicode MS" pitchFamily="34" charset="-128"/>
-              </a:rPr>
-              <a:t> file</a:t>
-            </a:r>
-          </a:p>
-        </p:txBody>
-      </p:sp>
-      <p:sp>
-        <p:nvSpPr>
-          <p:cNvPr id="3" name="Rectangle: Rounded Corners 2">
-            <a:extLst>
-              <a:ext uri="{FF2B5EF4-FFF2-40B4-BE49-F238E27FC236}">
-                <a16:creationId xmlns:a16="http://schemas.microsoft.com/office/drawing/2014/main" id="{AAA31C7E-E730-4BEC-AA1F-23831492FE88}"/>
-              </a:ext>
-            </a:extLst>
-          </p:cNvPr>
-          <p:cNvSpPr/>
-          <p:nvPr/>
-        </p:nvSpPr>
-        <p:spPr bwMode="gray">
-          <a:xfrm>
-            <a:off x="504001" y="1349961"/>
-            <a:ext cx="1855177" cy="531593"/>
-          </a:xfrm>
-          <a:prstGeom prst="roundRect">
-            <a:avLst/>
-          </a:prstGeom>
-          <a:noFill/>
-          <a:ln w="9525" cap="flat" cmpd="sng" algn="ctr">
-            <a:solidFill>
-              <a:schemeClr val="accent2"/>
-            </a:solidFill>
-            <a:prstDash val="solid"/>
-            <a:round/>
-            <a:headEnd type="none" w="med" len="med"/>
-            <a:tailEnd type="none" w="med" len="med"/>
-          </a:ln>
-        </p:spPr>
-        <p:style>
-          <a:lnRef idx="0">
-            <a:scrgbClr r="0" g="0" b="0"/>
-          </a:lnRef>
-          <a:fillRef idx="0">
-            <a:scrgbClr r="0" g="0" b="0"/>
-          </a:fillRef>
-          <a:effectRef idx="0">
-            <a:scrgbClr r="0" g="0" b="0"/>
-          </a:effectRef>
-          <a:fontRef idx="minor">
-            <a:schemeClr val="accent2"/>
-          </a:fontRef>
-        </p:style>
-        <p:txBody>
-          <a:bodyPr lIns="90000" tIns="72000" rIns="90000" bIns="72000" rtlCol="0" anchor="ctr"/>
-          <a:lstStyle/>
-          <a:p>
-            <a:pPr marR="0" algn="ctr" defTabSz="914400" eaLnBrk="1" fontAlgn="base" latinLnBrk="0" hangingPunct="1">
-              <a:lnSpc>
-                <a:spcPct val="100000"/>
-              </a:lnSpc>
-              <a:spcBef>
-                <a:spcPct val="50000"/>
-              </a:spcBef>
-              <a:spcAft>
-                <a:spcPct val="0"/>
-              </a:spcAft>
-              <a:buClr>
-                <a:srgbClr val="F0AB00"/>
-              </a:buClr>
-              <a:buSzPct val="80000"/>
-              <a:tabLst/>
-            </a:pPr>
-            <a:r>
-              <a:rPr lang="en-US" sz="1800" b="1" kern="0" dirty="0">
-                <a:solidFill>
-                  <a:schemeClr val="tx1"/>
-                </a:solidFill>
-                <a:ea typeface="Arial Unicode MS" pitchFamily="34" charset="-128"/>
-                <a:cs typeface="Arial Unicode MS" pitchFamily="34" charset="-128"/>
-              </a:rPr>
-              <a:t>v</a:t>
-            </a:r>
-            <a:r>
-              <a:rPr kumimoji="0" lang="en-US" sz="1800" b="1" i="0" u="none" strike="noStrike" kern="0" cap="none" spc="0" normalizeH="0" baseline="0" noProof="0" dirty="0" err="1">
-                <a:ln>
-                  <a:noFill/>
-                </a:ln>
-                <a:solidFill>
-                  <a:schemeClr val="tx1"/>
-                </a:solidFill>
-                <a:effectLst/>
-                <a:uLnTx/>
-                <a:uFillTx/>
-                <a:ea typeface="Arial Unicode MS" pitchFamily="34" charset="-128"/>
-                <a:cs typeface="Arial Unicode MS" pitchFamily="34" charset="-128"/>
-              </a:rPr>
-              <a:t>alues.yaml</a:t>
-            </a:r>
-            <a:endParaRPr kumimoji="0" lang="en-US" sz="1800" b="1" i="0" u="none" strike="noStrike" kern="0" cap="none" spc="0" normalizeH="0" baseline="0" noProof="0" dirty="0">
-              <a:ln>
-                <a:noFill/>
-              </a:ln>
-              <a:solidFill>
-                <a:schemeClr val="tx1"/>
-              </a:solidFill>
-              <a:effectLst/>
-              <a:uLnTx/>
-              <a:uFillTx/>
-              <a:ea typeface="Arial Unicode MS" pitchFamily="34" charset="-128"/>
-              <a:cs typeface="Arial Unicode MS" pitchFamily="34" charset="-128"/>
-            </a:endParaRPr>
-          </a:p>
-        </p:txBody>
-      </p:sp>
-    </p:spTree>
-    <p:extLst>
-      <p:ext uri="{BB962C8B-B14F-4D97-AF65-F5344CB8AC3E}">
-        <p14:creationId xmlns:p14="http://schemas.microsoft.com/office/powerpoint/2010/main" val="3362660739"/>
       </p:ext>
     </p:extLst>
   </p:cSld>
